--- a/presentacion/TFG.pptx
+++ b/presentacion/TFG.pptx
@@ -20,15 +20,16 @@
     <p:sldId id="266" r:id="rId14"/>
     <p:sldId id="268" r:id="rId15"/>
     <p:sldId id="271" r:id="rId16"/>
-    <p:sldId id="264" r:id="rId17"/>
-    <p:sldId id="272" r:id="rId18"/>
-    <p:sldId id="261" r:id="rId19"/>
-    <p:sldId id="260" r:id="rId20"/>
-    <p:sldId id="279" r:id="rId21"/>
-    <p:sldId id="262" r:id="rId22"/>
-    <p:sldId id="280" r:id="rId23"/>
-    <p:sldId id="274" r:id="rId24"/>
-    <p:sldId id="275" r:id="rId25"/>
+    <p:sldId id="281" r:id="rId17"/>
+    <p:sldId id="264" r:id="rId18"/>
+    <p:sldId id="272" r:id="rId19"/>
+    <p:sldId id="261" r:id="rId20"/>
+    <p:sldId id="260" r:id="rId21"/>
+    <p:sldId id="279" r:id="rId22"/>
+    <p:sldId id="262" r:id="rId23"/>
+    <p:sldId id="280" r:id="rId24"/>
+    <p:sldId id="274" r:id="rId25"/>
+    <p:sldId id="275" r:id="rId26"/>
   </p:sldIdLst>
   <p:sldSz cx="9144000" cy="6858000" type="screen4x3"/>
   <p:notesSz cx="6858000" cy="9144000"/>
@@ -3695,22 +3696,28 @@
           <a:lstStyle/>
           <a:p>
             <a:r>
-              <a:rPr lang="es-ES" i="1" dirty="0" smtClean="0"/>
+              <a:rPr lang="es-ES" b="1" dirty="0" smtClean="0"/>
               <a:t>¿Cómo elegir la primera pregunta?</a:t>
             </a:r>
           </a:p>
           <a:p>
-            <a:r>
-              <a:rPr lang="es-ES" i="1" dirty="0" smtClean="0"/>
+            <a:endParaRPr lang="es-ES" b="1" dirty="0" smtClean="0"/>
+          </a:p>
+          <a:p>
+            <a:r>
+              <a:rPr lang="es-ES" b="1" dirty="0" smtClean="0"/>
               <a:t>¿Cómo elegir la siguiente pregunta, teniendo en cuenta las respuestas anteriores?</a:t>
             </a:r>
           </a:p>
           <a:p>
-            <a:r>
-              <a:rPr lang="es-ES" i="1" dirty="0" smtClean="0"/>
+            <a:endParaRPr lang="es-ES" b="1" dirty="0" smtClean="0"/>
+          </a:p>
+          <a:p>
+            <a:r>
+              <a:rPr lang="es-ES" b="1" dirty="0" smtClean="0"/>
               <a:t>¿Cuándo parar el cuestionario?</a:t>
             </a:r>
-            <a:endParaRPr lang="es-ES" i="1" dirty="0"/>
+            <a:endParaRPr lang="es-ES" b="1" dirty="0"/>
           </a:p>
         </p:txBody>
       </p:sp>
@@ -3784,7 +3791,7 @@
           <a:lstStyle/>
           <a:p>
             <a:r>
-              <a:rPr lang="es-ES" i="1" dirty="0" smtClean="0"/>
+              <a:rPr lang="es-ES" b="1" dirty="0" smtClean="0"/>
               <a:t>¿Cómo elegir la primera pregunta?</a:t>
             </a:r>
           </a:p>
@@ -3797,16 +3804,47 @@
           </a:p>
           <a:p>
             <a:r>
-              <a:rPr lang="es-ES" i="1" dirty="0" smtClean="0"/>
+              <a:rPr lang="es-ES" b="1" dirty="0" smtClean="0">
+                <a:solidFill>
+                  <a:schemeClr val="tx1">
+                    <a:lumMod val="50000"/>
+                    <a:lumOff val="50000"/>
+                  </a:schemeClr>
+                </a:solidFill>
+              </a:rPr>
               <a:t>¿Cómo elegir la siguiente pregunta, teniendo en cuenta las respuestas anteriores?</a:t>
             </a:r>
           </a:p>
           <a:p>
-            <a:r>
-              <a:rPr lang="es-ES" i="1" dirty="0" smtClean="0"/>
+            <a:endParaRPr lang="es-ES" i="1" dirty="0" smtClean="0">
+              <a:solidFill>
+                <a:schemeClr val="tx1">
+                  <a:lumMod val="50000"/>
+                  <a:lumOff val="50000"/>
+                </a:schemeClr>
+              </a:solidFill>
+            </a:endParaRPr>
+          </a:p>
+          <a:p>
+            <a:r>
+              <a:rPr lang="es-ES" b="1" dirty="0" smtClean="0">
+                <a:solidFill>
+                  <a:schemeClr val="tx1">
+                    <a:lumMod val="50000"/>
+                    <a:lumOff val="50000"/>
+                  </a:schemeClr>
+                </a:solidFill>
+              </a:rPr>
               <a:t>¿Cuándo parar el cuestionario?</a:t>
             </a:r>
-            <a:endParaRPr lang="es-ES" i="1" dirty="0"/>
+            <a:endParaRPr lang="es-ES" b="1" dirty="0">
+              <a:solidFill>
+                <a:schemeClr val="tx1">
+                  <a:lumMod val="50000"/>
+                  <a:lumOff val="50000"/>
+                </a:schemeClr>
+              </a:solidFill>
+            </a:endParaRPr>
           </a:p>
         </p:txBody>
       </p:sp>
@@ -3824,6 +3862,137 @@
 </file>
 
 <file path=ppt/slides/slide16.xml><?xml version="1.0" encoding="utf-8"?>
+<p:sld xmlns:a="http://schemas.openxmlformats.org/drawingml/2006/main" xmlns:r="http://schemas.openxmlformats.org/officeDocument/2006/relationships" xmlns:p="http://schemas.openxmlformats.org/presentationml/2006/main">
+  <p:cSld>
+    <p:spTree>
+      <p:nvGrpSpPr>
+        <p:cNvPr id="1" name=""/>
+        <p:cNvGrpSpPr/>
+        <p:nvPr/>
+      </p:nvGrpSpPr>
+      <p:grpSpPr>
+        <a:xfrm>
+          <a:off x="0" y="0"/>
+          <a:ext cx="0" cy="0"/>
+          <a:chOff x="0" y="0"/>
+          <a:chExt cx="0" cy="0"/>
+        </a:xfrm>
+      </p:grpSpPr>
+      <p:sp>
+        <p:nvSpPr>
+          <p:cNvPr id="2" name="1 Título"/>
+          <p:cNvSpPr>
+            <a:spLocks noGrp="1"/>
+          </p:cNvSpPr>
+          <p:nvPr>
+            <p:ph type="title"/>
+          </p:nvPr>
+        </p:nvSpPr>
+        <p:spPr/>
+        <p:txBody>
+          <a:bodyPr/>
+          <a:lstStyle/>
+          <a:p>
+            <a:pPr algn="l"/>
+            <a:r>
+              <a:rPr lang="es-ES" dirty="0" smtClean="0"/>
+              <a:t>Diseño – Modelo de adaptación </a:t>
+            </a:r>
+            <a:endParaRPr lang="es-ES" dirty="0"/>
+          </a:p>
+        </p:txBody>
+      </p:sp>
+      <p:sp>
+        <p:nvSpPr>
+          <p:cNvPr id="3" name="2 Marcador de contenido"/>
+          <p:cNvSpPr>
+            <a:spLocks noGrp="1"/>
+          </p:cNvSpPr>
+          <p:nvPr>
+            <p:ph idx="1"/>
+          </p:nvPr>
+        </p:nvSpPr>
+        <p:spPr/>
+        <p:txBody>
+          <a:bodyPr/>
+          <a:lstStyle/>
+          <a:p>
+            <a:r>
+              <a:rPr lang="es-ES" b="1" dirty="0" smtClean="0">
+                <a:solidFill>
+                  <a:schemeClr val="tx1">
+                    <a:lumMod val="50000"/>
+                    <a:lumOff val="50000"/>
+                  </a:schemeClr>
+                </a:solidFill>
+              </a:rPr>
+              <a:t>¿Cómo elegir la primera pregunta?</a:t>
+            </a:r>
+          </a:p>
+          <a:p>
+            <a:pPr lvl="1"/>
+            <a:r>
+              <a:rPr lang="es-ES" dirty="0" smtClean="0">
+                <a:solidFill>
+                  <a:schemeClr val="tx1">
+                    <a:lumMod val="50000"/>
+                    <a:lumOff val="50000"/>
+                  </a:schemeClr>
+                </a:solidFill>
+              </a:rPr>
+              <a:t>Aleatoriamente entre todas las del primer nivel</a:t>
+            </a:r>
+          </a:p>
+          <a:p>
+            <a:r>
+              <a:rPr lang="es-ES" b="1" dirty="0" smtClean="0"/>
+              <a:t>¿Cómo elegir la siguiente pregunta, teniendo en cuenta las respuestas anteriores?</a:t>
+            </a:r>
+          </a:p>
+          <a:p>
+            <a:pPr lvl="1"/>
+            <a:r>
+              <a:rPr lang="es-ES" dirty="0" smtClean="0"/>
+              <a:t>Algoritmo…</a:t>
+            </a:r>
+          </a:p>
+          <a:p>
+            <a:r>
+              <a:rPr lang="es-ES" b="1" dirty="0" smtClean="0">
+                <a:solidFill>
+                  <a:schemeClr val="tx1">
+                    <a:lumMod val="50000"/>
+                    <a:lumOff val="50000"/>
+                  </a:schemeClr>
+                </a:solidFill>
+              </a:rPr>
+              <a:t>¿Cuándo parar el cuestionario?</a:t>
+            </a:r>
+            <a:endParaRPr lang="es-ES" b="1" dirty="0">
+              <a:solidFill>
+                <a:schemeClr val="tx1">
+                  <a:lumMod val="50000"/>
+                  <a:lumOff val="50000"/>
+                </a:schemeClr>
+              </a:solidFill>
+            </a:endParaRPr>
+          </a:p>
+        </p:txBody>
+      </p:sp>
+    </p:spTree>
+    <p:extLst>
+      <p:ext uri="{BB962C8B-B14F-4D97-AF65-F5344CB8AC3E}">
+        <p14:creationId xmlns:p14="http://schemas.microsoft.com/office/powerpoint/2010/main" val="1697424943"/>
+      </p:ext>
+    </p:extLst>
+  </p:cSld>
+  <p:clrMapOvr>
+    <a:masterClrMapping/>
+  </p:clrMapOvr>
+</p:sld>
+</file>
+
+<file path=ppt/slides/slide17.xml><?xml version="1.0" encoding="utf-8"?>
 <p:sld xmlns:a="http://schemas.openxmlformats.org/drawingml/2006/main" xmlns:r="http://schemas.openxmlformats.org/officeDocument/2006/relationships" xmlns:p="http://schemas.openxmlformats.org/presentationml/2006/main">
   <p:cSld>
     <p:spTree>
@@ -3906,109 +4075,6 @@
 </p:sld>
 </file>
 
-<file path=ppt/slides/slide17.xml><?xml version="1.0" encoding="utf-8"?>
-<p:sld xmlns:a="http://schemas.openxmlformats.org/drawingml/2006/main" xmlns:r="http://schemas.openxmlformats.org/officeDocument/2006/relationships" xmlns:p="http://schemas.openxmlformats.org/presentationml/2006/main">
-  <p:cSld>
-    <p:spTree>
-      <p:nvGrpSpPr>
-        <p:cNvPr id="1" name=""/>
-        <p:cNvGrpSpPr/>
-        <p:nvPr/>
-      </p:nvGrpSpPr>
-      <p:grpSpPr>
-        <a:xfrm>
-          <a:off x="0" y="0"/>
-          <a:ext cx="0" cy="0"/>
-          <a:chOff x="0" y="0"/>
-          <a:chExt cx="0" cy="0"/>
-        </a:xfrm>
-      </p:grpSpPr>
-      <p:sp>
-        <p:nvSpPr>
-          <p:cNvPr id="2" name="1 Título"/>
-          <p:cNvSpPr>
-            <a:spLocks noGrp="1"/>
-          </p:cNvSpPr>
-          <p:nvPr>
-            <p:ph type="title"/>
-          </p:nvPr>
-        </p:nvSpPr>
-        <p:spPr/>
-        <p:txBody>
-          <a:bodyPr/>
-          <a:lstStyle/>
-          <a:p>
-            <a:pPr algn="l"/>
-            <a:r>
-              <a:rPr lang="es-ES" dirty="0" smtClean="0"/>
-              <a:t>Diseño – Modelo de adaptación </a:t>
-            </a:r>
-            <a:endParaRPr lang="es-ES" dirty="0"/>
-          </a:p>
-        </p:txBody>
-      </p:sp>
-      <p:sp>
-        <p:nvSpPr>
-          <p:cNvPr id="3" name="2 Marcador de contenido"/>
-          <p:cNvSpPr>
-            <a:spLocks noGrp="1"/>
-          </p:cNvSpPr>
-          <p:nvPr>
-            <p:ph idx="1"/>
-          </p:nvPr>
-        </p:nvSpPr>
-        <p:spPr/>
-        <p:txBody>
-          <a:bodyPr/>
-          <a:lstStyle/>
-          <a:p>
-            <a:r>
-              <a:rPr lang="es-ES" i="1" dirty="0" smtClean="0"/>
-              <a:t>¿Cómo elegir la primera pregunta?</a:t>
-            </a:r>
-          </a:p>
-          <a:p>
-            <a:pPr lvl="1"/>
-            <a:r>
-              <a:rPr lang="es-ES" dirty="0" smtClean="0"/>
-              <a:t>Aleatoriamente entre todas las del primer nivel.</a:t>
-            </a:r>
-          </a:p>
-          <a:p>
-            <a:r>
-              <a:rPr lang="es-ES" i="1" dirty="0" smtClean="0"/>
-              <a:t>¿Cómo elegir la siguiente pregunta, teniendo en cuenta las respuestas anteriores?</a:t>
-            </a:r>
-          </a:p>
-          <a:p>
-            <a:r>
-              <a:rPr lang="es-ES" i="1" dirty="0" smtClean="0"/>
-              <a:t>¿Cuándo parar el cuestionario?</a:t>
-            </a:r>
-          </a:p>
-          <a:p>
-            <a:pPr lvl="1"/>
-            <a:r>
-              <a:rPr lang="es-ES" dirty="0" smtClean="0"/>
-              <a:t>Cuando se agote el tiempo o se responda a un número de preguntas suficiente.</a:t>
-            </a:r>
-            <a:endParaRPr lang="es-ES" dirty="0"/>
-          </a:p>
-        </p:txBody>
-      </p:sp>
-    </p:spTree>
-    <p:extLst>
-      <p:ext uri="{BB962C8B-B14F-4D97-AF65-F5344CB8AC3E}">
-        <p14:creationId xmlns:p14="http://schemas.microsoft.com/office/powerpoint/2010/main" val="2460300346"/>
-      </p:ext>
-    </p:extLst>
-  </p:cSld>
-  <p:clrMapOvr>
-    <a:masterClrMapping/>
-  </p:clrMapOvr>
-</p:sld>
-</file>
-
 <file path=ppt/slides/slide18.xml><?xml version="1.0" encoding="utf-8"?>
 <p:sld xmlns:a="http://schemas.openxmlformats.org/drawingml/2006/main" xmlns:r="http://schemas.openxmlformats.org/officeDocument/2006/relationships" xmlns:p="http://schemas.openxmlformats.org/presentationml/2006/main">
   <p:cSld>
@@ -4044,7 +4110,7 @@
             <a:pPr algn="l"/>
             <a:r>
               <a:rPr lang="es-ES" dirty="0" smtClean="0"/>
-              <a:t>Desarrollo</a:t>
+              <a:t>Diseño – Modelo de adaptación </a:t>
             </a:r>
             <a:endParaRPr lang="es-ES" dirty="0"/>
           </a:p>
@@ -4062,17 +4128,92 @@
         </p:nvSpPr>
         <p:spPr/>
         <p:txBody>
-          <a:bodyPr/>
-          <a:lstStyle/>
-          <a:p>
-            <a:endParaRPr lang="es-ES"/>
+          <a:bodyPr>
+            <a:normAutofit/>
+          </a:bodyPr>
+          <a:lstStyle/>
+          <a:p>
+            <a:r>
+              <a:rPr lang="es-ES" b="1" dirty="0" smtClean="0">
+                <a:solidFill>
+                  <a:schemeClr val="tx1">
+                    <a:lumMod val="50000"/>
+                    <a:lumOff val="50000"/>
+                  </a:schemeClr>
+                </a:solidFill>
+              </a:rPr>
+              <a:t>¿Cómo elegir la primera pregunta?</a:t>
+            </a:r>
+          </a:p>
+          <a:p>
+            <a:pPr lvl="1"/>
+            <a:r>
+              <a:rPr lang="es-ES" dirty="0" smtClean="0">
+                <a:solidFill>
+                  <a:schemeClr val="tx1">
+                    <a:lumMod val="50000"/>
+                    <a:lumOff val="50000"/>
+                  </a:schemeClr>
+                </a:solidFill>
+              </a:rPr>
+              <a:t>Aleatoriamente entre todas las del primer nivel.</a:t>
+            </a:r>
+          </a:p>
+          <a:p>
+            <a:r>
+              <a:rPr lang="es-ES" b="1" dirty="0" smtClean="0">
+                <a:solidFill>
+                  <a:schemeClr val="tx1">
+                    <a:lumMod val="50000"/>
+                    <a:lumOff val="50000"/>
+                  </a:schemeClr>
+                </a:solidFill>
+              </a:rPr>
+              <a:t>¿Cómo elegir la siguiente pregunta, teniendo en cuenta las respuestas anteriores?</a:t>
+            </a:r>
+          </a:p>
+          <a:p>
+            <a:pPr lvl="1"/>
+            <a:r>
+              <a:rPr lang="es-ES" dirty="0" smtClean="0">
+                <a:solidFill>
+                  <a:schemeClr val="tx1">
+                    <a:lumMod val="50000"/>
+                    <a:lumOff val="50000"/>
+                  </a:schemeClr>
+                </a:solidFill>
+              </a:rPr>
+              <a:t>Algoritmo…</a:t>
+            </a:r>
+            <a:endParaRPr lang="es-ES" i="1" dirty="0" smtClean="0">
+              <a:solidFill>
+                <a:schemeClr val="tx1">
+                  <a:lumMod val="50000"/>
+                  <a:lumOff val="50000"/>
+                </a:schemeClr>
+              </a:solidFill>
+            </a:endParaRPr>
+          </a:p>
+          <a:p>
+            <a:r>
+              <a:rPr lang="es-ES" b="1" dirty="0" smtClean="0"/>
+              <a:t>¿Cuándo parar el cuestionario?</a:t>
+            </a:r>
+          </a:p>
+          <a:p>
+            <a:pPr lvl="1"/>
+            <a:r>
+              <a:rPr lang="es-ES" dirty="0" smtClean="0"/>
+              <a:t>Cuando se agote el tiempo o se responda a un número de preguntas suficiente.</a:t>
+            </a:r>
+            <a:endParaRPr lang="es-ES" dirty="0"/>
           </a:p>
         </p:txBody>
       </p:sp>
     </p:spTree>
     <p:extLst>
       <p:ext uri="{BB962C8B-B14F-4D97-AF65-F5344CB8AC3E}">
-        <p14:creationId xmlns:p14="http://schemas.microsoft.com/office/powerpoint/2010/main" val="3846673971"/>
+        <p14:creationId xmlns:p14="http://schemas.microsoft.com/office/powerpoint/2010/main" val="2460300346"/>
       </p:ext>
     </p:extLst>
   </p:cSld>
@@ -4117,7 +4258,7 @@
             <a:pPr algn="l"/>
             <a:r>
               <a:rPr lang="es-ES" dirty="0" smtClean="0"/>
-              <a:t>Demo</a:t>
+              <a:t>Desarrollo</a:t>
             </a:r>
             <a:endParaRPr lang="es-ES" dirty="0"/>
           </a:p>
@@ -4145,7 +4286,7 @@
     </p:spTree>
     <p:extLst>
       <p:ext uri="{BB962C8B-B14F-4D97-AF65-F5344CB8AC3E}">
-        <p14:creationId xmlns:p14="http://schemas.microsoft.com/office/powerpoint/2010/main" val="1425361133"/>
+        <p14:creationId xmlns:p14="http://schemas.microsoft.com/office/powerpoint/2010/main" val="3846673971"/>
       </p:ext>
     </p:extLst>
   </p:cSld>
@@ -4290,7 +4431,7 @@
             <a:pPr algn="l"/>
             <a:r>
               <a:rPr lang="es-ES" dirty="0" smtClean="0"/>
-              <a:t>Índice</a:t>
+              <a:t>Demo</a:t>
             </a:r>
             <a:endParaRPr lang="es-ES" dirty="0"/>
           </a:p>
@@ -4311,83 +4452,14 @@
           <a:bodyPr/>
           <a:lstStyle/>
           <a:p>
-            <a:r>
-              <a:rPr lang="es-ES" dirty="0" smtClean="0">
-                <a:solidFill>
-                  <a:schemeClr val="tx1">
-                    <a:lumMod val="50000"/>
-                    <a:lumOff val="50000"/>
-                  </a:schemeClr>
-                </a:solidFill>
-              </a:rPr>
-              <a:t>Introducción</a:t>
-            </a:r>
-          </a:p>
-          <a:p>
-            <a:r>
-              <a:rPr lang="es-ES" dirty="0" smtClean="0">
-                <a:solidFill>
-                  <a:schemeClr val="tx1">
-                    <a:lumMod val="50000"/>
-                    <a:lumOff val="50000"/>
-                  </a:schemeClr>
-                </a:solidFill>
-              </a:rPr>
-              <a:t>Estado del arte</a:t>
-            </a:r>
-          </a:p>
-          <a:p>
-            <a:r>
-              <a:rPr lang="es-ES" dirty="0" smtClean="0">
-                <a:solidFill>
-                  <a:schemeClr val="tx1">
-                    <a:lumMod val="50000"/>
-                    <a:lumOff val="50000"/>
-                  </a:schemeClr>
-                </a:solidFill>
-              </a:rPr>
-              <a:t>Análisis, diseño, desarrollo</a:t>
-            </a:r>
-          </a:p>
-          <a:p>
-            <a:r>
-              <a:rPr lang="es-ES" dirty="0" smtClean="0"/>
-              <a:t>Pruebas</a:t>
-            </a:r>
-          </a:p>
-          <a:p>
-            <a:pPr lvl="1"/>
-            <a:r>
-              <a:rPr lang="es-ES" dirty="0" smtClean="0"/>
-              <a:t>Primer prototipo</a:t>
-            </a:r>
-          </a:p>
-          <a:p>
-            <a:pPr lvl="1"/>
-            <a:r>
-              <a:rPr lang="es-ES" dirty="0" smtClean="0"/>
-              <a:t>Segundo prototipo</a:t>
-            </a:r>
-          </a:p>
-          <a:p>
-            <a:r>
-              <a:rPr lang="es-ES" dirty="0" smtClean="0">
-                <a:solidFill>
-                  <a:schemeClr val="tx1">
-                    <a:lumMod val="50000"/>
-                    <a:lumOff val="50000"/>
-                  </a:schemeClr>
-                </a:solidFill>
-              </a:rPr>
-              <a:t>Conclusiones y trabajo futuro</a:t>
-            </a:r>
+            <a:endParaRPr lang="es-ES"/>
           </a:p>
         </p:txBody>
       </p:sp>
     </p:spTree>
     <p:extLst>
       <p:ext uri="{BB962C8B-B14F-4D97-AF65-F5344CB8AC3E}">
-        <p14:creationId xmlns:p14="http://schemas.microsoft.com/office/powerpoint/2010/main" val="3013069437"/>
+        <p14:creationId xmlns:p14="http://schemas.microsoft.com/office/powerpoint/2010/main" val="1425361133"/>
       </p:ext>
     </p:extLst>
   </p:cSld>
@@ -4432,35 +4504,104 @@
             <a:pPr algn="l"/>
             <a:r>
               <a:rPr lang="es-ES" dirty="0" smtClean="0"/>
+              <a:t>Índice</a:t>
+            </a:r>
+            <a:endParaRPr lang="es-ES" dirty="0"/>
+          </a:p>
+        </p:txBody>
+      </p:sp>
+      <p:sp>
+        <p:nvSpPr>
+          <p:cNvPr id="3" name="2 Marcador de contenido"/>
+          <p:cNvSpPr>
+            <a:spLocks noGrp="1"/>
+          </p:cNvSpPr>
+          <p:nvPr>
+            <p:ph idx="1"/>
+          </p:nvPr>
+        </p:nvSpPr>
+        <p:spPr/>
+        <p:txBody>
+          <a:bodyPr/>
+          <a:lstStyle/>
+          <a:p>
+            <a:r>
+              <a:rPr lang="es-ES" dirty="0" smtClean="0">
+                <a:solidFill>
+                  <a:schemeClr val="tx1">
+                    <a:lumMod val="50000"/>
+                    <a:lumOff val="50000"/>
+                  </a:schemeClr>
+                </a:solidFill>
+              </a:rPr>
+              <a:t>Introducción</a:t>
+            </a:r>
+          </a:p>
+          <a:p>
+            <a:r>
+              <a:rPr lang="es-ES" dirty="0" smtClean="0">
+                <a:solidFill>
+                  <a:schemeClr val="tx1">
+                    <a:lumMod val="50000"/>
+                    <a:lumOff val="50000"/>
+                  </a:schemeClr>
+                </a:solidFill>
+              </a:rPr>
+              <a:t>Estado del arte</a:t>
+            </a:r>
+          </a:p>
+          <a:p>
+            <a:r>
+              <a:rPr lang="es-ES" dirty="0" smtClean="0">
+                <a:solidFill>
+                  <a:schemeClr val="tx1">
+                    <a:lumMod val="50000"/>
+                    <a:lumOff val="50000"/>
+                  </a:schemeClr>
+                </a:solidFill>
+              </a:rPr>
+              <a:t>Análisis, diseño, desarrollo</a:t>
+            </a:r>
+          </a:p>
+          <a:p>
+            <a:r>
+              <a:rPr lang="es-ES" dirty="0" smtClean="0"/>
               <a:t>Pruebas</a:t>
             </a:r>
-            <a:endParaRPr lang="es-ES" dirty="0"/>
-          </a:p>
-        </p:txBody>
-      </p:sp>
-      <p:sp>
-        <p:nvSpPr>
-          <p:cNvPr id="3" name="2 Marcador de contenido"/>
-          <p:cNvSpPr>
-            <a:spLocks noGrp="1"/>
-          </p:cNvSpPr>
-          <p:nvPr>
-            <p:ph idx="1"/>
-          </p:nvPr>
-        </p:nvSpPr>
-        <p:spPr/>
-        <p:txBody>
-          <a:bodyPr/>
-          <a:lstStyle/>
-          <a:p>
-            <a:endParaRPr lang="es-ES"/>
+          </a:p>
+          <a:p>
+            <a:pPr lvl="1"/>
+            <a:r>
+              <a:rPr lang="es-ES" dirty="0" smtClean="0"/>
+              <a:t>Primer prototipo</a:t>
+            </a:r>
+          </a:p>
+          <a:p>
+            <a:pPr lvl="1"/>
+            <a:r>
+              <a:rPr lang="es-ES" dirty="0" smtClean="0"/>
+              <a:t>Segundo prototipo</a:t>
+            </a:r>
+          </a:p>
+          <a:p>
+            <a:r>
+              <a:rPr lang="es-ES" dirty="0" smtClean="0">
+                <a:solidFill>
+                  <a:schemeClr val="tx1">
+                    <a:lumMod val="50000"/>
+                    <a:lumOff val="50000"/>
+                  </a:schemeClr>
+                </a:solidFill>
+              </a:rPr>
+              <a:t>Conclusiones y trabajo futuro</a:t>
+            </a:r>
           </a:p>
         </p:txBody>
       </p:sp>
     </p:spTree>
     <p:extLst>
       <p:ext uri="{BB962C8B-B14F-4D97-AF65-F5344CB8AC3E}">
-        <p14:creationId xmlns:p14="http://schemas.microsoft.com/office/powerpoint/2010/main" val="3320618018"/>
+        <p14:creationId xmlns:p14="http://schemas.microsoft.com/office/powerpoint/2010/main" val="3013069437"/>
       </p:ext>
     </p:extLst>
   </p:cSld>
@@ -4505,7 +4646,7 @@
             <a:pPr algn="l"/>
             <a:r>
               <a:rPr lang="es-ES" dirty="0" smtClean="0"/>
-              <a:t>Índice</a:t>
+              <a:t>Pruebas</a:t>
             </a:r>
             <a:endParaRPr lang="es-ES" dirty="0"/>
           </a:p>
@@ -4526,69 +4667,14 @@
           <a:bodyPr/>
           <a:lstStyle/>
           <a:p>
-            <a:r>
-              <a:rPr lang="es-ES" dirty="0" smtClean="0">
-                <a:solidFill>
-                  <a:schemeClr val="tx1">
-                    <a:lumMod val="50000"/>
-                    <a:lumOff val="50000"/>
-                  </a:schemeClr>
-                </a:solidFill>
-              </a:rPr>
-              <a:t>Introducción</a:t>
-            </a:r>
-          </a:p>
-          <a:p>
-            <a:r>
-              <a:rPr lang="es-ES" dirty="0" smtClean="0">
-                <a:solidFill>
-                  <a:schemeClr val="tx1">
-                    <a:lumMod val="50000"/>
-                    <a:lumOff val="50000"/>
-                  </a:schemeClr>
-                </a:solidFill>
-              </a:rPr>
-              <a:t>Estado del arte</a:t>
-            </a:r>
-          </a:p>
-          <a:p>
-            <a:r>
-              <a:rPr lang="es-ES" dirty="0" smtClean="0">
-                <a:solidFill>
-                  <a:schemeClr val="tx1">
-                    <a:lumMod val="50000"/>
-                    <a:lumOff val="50000"/>
-                  </a:schemeClr>
-                </a:solidFill>
-              </a:rPr>
-              <a:t>Análisis, diseño, desarrollo</a:t>
-            </a:r>
-          </a:p>
-          <a:p>
-            <a:r>
-              <a:rPr lang="es-ES" dirty="0" smtClean="0">
-                <a:solidFill>
-                  <a:schemeClr val="tx1">
-                    <a:lumMod val="50000"/>
-                    <a:lumOff val="50000"/>
-                  </a:schemeClr>
-                </a:solidFill>
-              </a:rPr>
-              <a:t>Pruebas</a:t>
-            </a:r>
-          </a:p>
-          <a:p>
-            <a:r>
-              <a:rPr lang="es-ES" dirty="0" smtClean="0"/>
-              <a:t>Conclusiones y trabajo futuro</a:t>
-            </a:r>
+            <a:endParaRPr lang="es-ES"/>
           </a:p>
         </p:txBody>
       </p:sp>
     </p:spTree>
     <p:extLst>
       <p:ext uri="{BB962C8B-B14F-4D97-AF65-F5344CB8AC3E}">
-        <p14:creationId xmlns:p14="http://schemas.microsoft.com/office/powerpoint/2010/main" val="4045646826"/>
+        <p14:creationId xmlns:p14="http://schemas.microsoft.com/office/powerpoint/2010/main" val="3320618018"/>
       </p:ext>
     </p:extLst>
   </p:cSld>
@@ -4633,6 +4719,134 @@
             <a:pPr algn="l"/>
             <a:r>
               <a:rPr lang="es-ES" dirty="0" smtClean="0"/>
+              <a:t>Índice</a:t>
+            </a:r>
+            <a:endParaRPr lang="es-ES" dirty="0"/>
+          </a:p>
+        </p:txBody>
+      </p:sp>
+      <p:sp>
+        <p:nvSpPr>
+          <p:cNvPr id="3" name="2 Marcador de contenido"/>
+          <p:cNvSpPr>
+            <a:spLocks noGrp="1"/>
+          </p:cNvSpPr>
+          <p:nvPr>
+            <p:ph idx="1"/>
+          </p:nvPr>
+        </p:nvSpPr>
+        <p:spPr/>
+        <p:txBody>
+          <a:bodyPr/>
+          <a:lstStyle/>
+          <a:p>
+            <a:r>
+              <a:rPr lang="es-ES" dirty="0" smtClean="0">
+                <a:solidFill>
+                  <a:schemeClr val="tx1">
+                    <a:lumMod val="50000"/>
+                    <a:lumOff val="50000"/>
+                  </a:schemeClr>
+                </a:solidFill>
+              </a:rPr>
+              <a:t>Introducción</a:t>
+            </a:r>
+          </a:p>
+          <a:p>
+            <a:r>
+              <a:rPr lang="es-ES" dirty="0" smtClean="0">
+                <a:solidFill>
+                  <a:schemeClr val="tx1">
+                    <a:lumMod val="50000"/>
+                    <a:lumOff val="50000"/>
+                  </a:schemeClr>
+                </a:solidFill>
+              </a:rPr>
+              <a:t>Estado del arte</a:t>
+            </a:r>
+          </a:p>
+          <a:p>
+            <a:r>
+              <a:rPr lang="es-ES" dirty="0" smtClean="0">
+                <a:solidFill>
+                  <a:schemeClr val="tx1">
+                    <a:lumMod val="50000"/>
+                    <a:lumOff val="50000"/>
+                  </a:schemeClr>
+                </a:solidFill>
+              </a:rPr>
+              <a:t>Análisis, diseño, desarrollo</a:t>
+            </a:r>
+          </a:p>
+          <a:p>
+            <a:r>
+              <a:rPr lang="es-ES" dirty="0" smtClean="0">
+                <a:solidFill>
+                  <a:schemeClr val="tx1">
+                    <a:lumMod val="50000"/>
+                    <a:lumOff val="50000"/>
+                  </a:schemeClr>
+                </a:solidFill>
+              </a:rPr>
+              <a:t>Pruebas</a:t>
+            </a:r>
+          </a:p>
+          <a:p>
+            <a:r>
+              <a:rPr lang="es-ES" dirty="0" smtClean="0"/>
+              <a:t>Conclusiones y trabajo futuro</a:t>
+            </a:r>
+          </a:p>
+        </p:txBody>
+      </p:sp>
+    </p:spTree>
+    <p:extLst>
+      <p:ext uri="{BB962C8B-B14F-4D97-AF65-F5344CB8AC3E}">
+        <p14:creationId xmlns:p14="http://schemas.microsoft.com/office/powerpoint/2010/main" val="4045646826"/>
+      </p:ext>
+    </p:extLst>
+  </p:cSld>
+  <p:clrMapOvr>
+    <a:masterClrMapping/>
+  </p:clrMapOvr>
+</p:sld>
+</file>
+
+<file path=ppt/slides/slide24.xml><?xml version="1.0" encoding="utf-8"?>
+<p:sld xmlns:a="http://schemas.openxmlformats.org/drawingml/2006/main" xmlns:r="http://schemas.openxmlformats.org/officeDocument/2006/relationships" xmlns:p="http://schemas.openxmlformats.org/presentationml/2006/main">
+  <p:cSld>
+    <p:spTree>
+      <p:nvGrpSpPr>
+        <p:cNvPr id="1" name=""/>
+        <p:cNvGrpSpPr/>
+        <p:nvPr/>
+      </p:nvGrpSpPr>
+      <p:grpSpPr>
+        <a:xfrm>
+          <a:off x="0" y="0"/>
+          <a:ext cx="0" cy="0"/>
+          <a:chOff x="0" y="0"/>
+          <a:chExt cx="0" cy="0"/>
+        </a:xfrm>
+      </p:grpSpPr>
+      <p:sp>
+        <p:nvSpPr>
+          <p:cNvPr id="2" name="1 Título"/>
+          <p:cNvSpPr>
+            <a:spLocks noGrp="1"/>
+          </p:cNvSpPr>
+          <p:nvPr>
+            <p:ph type="title"/>
+          </p:nvPr>
+        </p:nvSpPr>
+        <p:spPr/>
+        <p:txBody>
+          <a:bodyPr/>
+          <a:lstStyle/>
+          <a:p>
+            <a:pPr algn="l"/>
+            <a:r>
+              <a:rPr lang="es-ES" dirty="0" smtClean="0"/>
               <a:t>Conclusiones</a:t>
             </a:r>
             <a:endParaRPr lang="es-ES" dirty="0"/>
@@ -4671,7 +4885,7 @@
 </p:sld>
 </file>
 
-<file path=ppt/slides/slide24.xml><?xml version="1.0" encoding="utf-8"?>
+<file path=ppt/slides/slide25.xml><?xml version="1.0" encoding="utf-8"?>
 <p:sld xmlns:a="http://schemas.openxmlformats.org/drawingml/2006/main" xmlns:r="http://schemas.openxmlformats.org/officeDocument/2006/relationships" xmlns:p="http://schemas.openxmlformats.org/presentationml/2006/main">
   <p:cSld>
     <p:spTree>
@@ -4941,10 +5155,55 @@
         </p:nvSpPr>
         <p:spPr/>
         <p:txBody>
-          <a:bodyPr/>
-          <a:lstStyle/>
-          <a:p>
-            <a:endParaRPr lang="es-ES"/>
+          <a:bodyPr>
+            <a:normAutofit lnSpcReduction="10000"/>
+          </a:bodyPr>
+          <a:lstStyle/>
+          <a:p>
+            <a:r>
+              <a:rPr lang="es-ES" dirty="0" smtClean="0"/>
+              <a:t>La educación aún usa modelos tradicionales de evaluación</a:t>
+            </a:r>
+          </a:p>
+          <a:p>
+            <a:r>
+              <a:rPr lang="es-ES" dirty="0" smtClean="0"/>
+              <a:t>Eso trae problemas…</a:t>
+            </a:r>
+          </a:p>
+          <a:p>
+            <a:pPr lvl="1"/>
+            <a:r>
+              <a:rPr lang="es-ES" dirty="0" smtClean="0"/>
+              <a:t>Retroalimentación costosa</a:t>
+            </a:r>
+          </a:p>
+          <a:p>
+            <a:pPr lvl="1"/>
+            <a:r>
+              <a:rPr lang="es-ES" dirty="0" smtClean="0"/>
+              <a:t>Exámenes masivos o impracticables con muchos alumnos</a:t>
+            </a:r>
+          </a:p>
+          <a:p>
+            <a:r>
+              <a:rPr lang="es-ES" dirty="0" smtClean="0"/>
+              <a:t>…pero la tecnología puede ayudar</a:t>
+            </a:r>
+          </a:p>
+          <a:p>
+            <a:pPr lvl="1"/>
+            <a:r>
+              <a:rPr lang="es-ES" dirty="0" smtClean="0"/>
+              <a:t>Exámenes adaptativos</a:t>
+            </a:r>
+          </a:p>
+          <a:p>
+            <a:pPr lvl="1"/>
+            <a:r>
+              <a:rPr lang="es-ES" dirty="0" smtClean="0"/>
+              <a:t>Análisis de resultados automático</a:t>
+            </a:r>
           </a:p>
         </p:txBody>
       </p:sp>
@@ -5018,10 +5277,62 @@
         </p:nvSpPr>
         <p:spPr/>
         <p:txBody>
-          <a:bodyPr/>
-          <a:lstStyle/>
-          <a:p>
-            <a:endParaRPr lang="es-ES"/>
+          <a:bodyPr>
+            <a:normAutofit fontScale="92500" lnSpcReduction="10000"/>
+          </a:bodyPr>
+          <a:lstStyle/>
+          <a:p>
+            <a:r>
+              <a:rPr lang="es-ES" dirty="0" smtClean="0"/>
+              <a:t>Sistema para crear cuestionario online de (</a:t>
+            </a:r>
+            <a:r>
+              <a:rPr lang="es-ES" dirty="0" smtClean="0"/>
+              <a:t>auto)</a:t>
+            </a:r>
+            <a:r>
+              <a:rPr lang="es-ES" dirty="0" smtClean="0"/>
+              <a:t>evaluación</a:t>
+            </a:r>
+          </a:p>
+          <a:p>
+            <a:r>
+              <a:rPr lang="es-ES" dirty="0" smtClean="0"/>
+              <a:t>Válido para múltiples áreas de conocimiento</a:t>
+            </a:r>
+          </a:p>
+          <a:p>
+            <a:r>
+              <a:rPr lang="es-ES" dirty="0" smtClean="0"/>
+              <a:t>Sin conocimientos avanzados de informática</a:t>
+            </a:r>
+          </a:p>
+          <a:p>
+            <a:r>
+              <a:rPr lang="es-ES" dirty="0" smtClean="0"/>
+              <a:t>Herramientas de análisis</a:t>
+            </a:r>
+          </a:p>
+          <a:p>
+            <a:r>
+              <a:rPr lang="es-ES" dirty="0" smtClean="0"/>
+              <a:t>Sistema web robusto</a:t>
+            </a:r>
+          </a:p>
+          <a:p>
+            <a:r>
+              <a:rPr lang="es-ES" dirty="0" smtClean="0"/>
+              <a:t>Crear un modelo de datos para una evaluación</a:t>
+            </a:r>
+          </a:p>
+          <a:p>
+            <a:r>
+              <a:rPr lang="es-ES" dirty="0" smtClean="0"/>
+              <a:t>Arquitectura flexible pensando en nuevos modelos</a:t>
+            </a:r>
+          </a:p>
+          <a:p>
+            <a:endParaRPr lang="es-ES" dirty="0"/>
           </a:p>
         </p:txBody>
       </p:sp>
@@ -5528,8 +5839,13 @@
             <a:pPr lvl="1"/>
             <a:r>
               <a:rPr lang="es-ES" dirty="0" smtClean="0"/>
-              <a:t>Introducción</a:t>
-            </a:r>
+              <a:t>Introducción a e-</a:t>
+            </a:r>
+            <a:r>
+              <a:rPr lang="es-ES" dirty="0" err="1" smtClean="0"/>
+              <a:t>valUAM</a:t>
+            </a:r>
+            <a:endParaRPr lang="es-ES" dirty="0" smtClean="0"/>
           </a:p>
           <a:p>
             <a:pPr lvl="1"/>

--- a/presentacion/TFG.pptx
+++ b/presentacion/TFG.pptx
@@ -16,8 +16,8 @@
     <p:sldId id="278" r:id="rId10"/>
     <p:sldId id="257" r:id="rId11"/>
     <p:sldId id="263" r:id="rId12"/>
-    <p:sldId id="267" r:id="rId13"/>
-    <p:sldId id="266" r:id="rId14"/>
+    <p:sldId id="282" r:id="rId13"/>
+    <p:sldId id="283" r:id="rId14"/>
     <p:sldId id="268" r:id="rId15"/>
     <p:sldId id="271" r:id="rId16"/>
     <p:sldId id="281" r:id="rId17"/>
@@ -3455,19 +3455,154 @@
       </p:sp>
       <p:sp>
         <p:nvSpPr>
-          <p:cNvPr id="3" name="2 Marcador de contenido"/>
-          <p:cNvSpPr>
-            <a:spLocks noGrp="1"/>
-          </p:cNvSpPr>
-          <p:nvPr>
-            <p:ph idx="1"/>
-          </p:nvPr>
-        </p:nvSpPr>
-        <p:spPr/>
-        <p:txBody>
-          <a:bodyPr/>
-          <a:lstStyle/>
-          <a:p>
+          <p:cNvPr id="3" name="2 Marcador de texto"/>
+          <p:cNvSpPr>
+            <a:spLocks noGrp="1"/>
+          </p:cNvSpPr>
+          <p:nvPr>
+            <p:ph type="body" idx="1"/>
+          </p:nvPr>
+        </p:nvSpPr>
+        <p:spPr>
+          <a:xfrm>
+            <a:off x="456183" y="1484784"/>
+            <a:ext cx="4040188" cy="639762"/>
+          </a:xfrm>
+        </p:spPr>
+        <p:txBody>
+          <a:bodyPr/>
+          <a:lstStyle/>
+          <a:p>
+            <a:r>
+              <a:rPr lang="es-ES" dirty="0" smtClean="0"/>
+              <a:t>Profesor</a:t>
+            </a:r>
+            <a:endParaRPr lang="es-ES" dirty="0"/>
+          </a:p>
+        </p:txBody>
+      </p:sp>
+      <p:sp>
+        <p:nvSpPr>
+          <p:cNvPr id="4" name="3 Marcador de contenido"/>
+          <p:cNvSpPr>
+            <a:spLocks noGrp="1"/>
+          </p:cNvSpPr>
+          <p:nvPr>
+            <p:ph sz="half" idx="2"/>
+          </p:nvPr>
+        </p:nvSpPr>
+        <p:spPr>
+          <a:xfrm>
+            <a:off x="456183" y="2124546"/>
+            <a:ext cx="4040188" cy="4040758"/>
+          </a:xfrm>
+        </p:spPr>
+        <p:txBody>
+          <a:bodyPr/>
+          <a:lstStyle/>
+          <a:p>
+            <a:r>
+              <a:rPr lang="es-ES" dirty="0" smtClean="0"/>
+              <a:t>Creación y gestión de contenido</a:t>
+            </a:r>
+          </a:p>
+          <a:p>
+            <a:r>
+              <a:rPr lang="es-ES" dirty="0" smtClean="0"/>
+              <a:t>Análisis de resultados</a:t>
+            </a:r>
+          </a:p>
+          <a:p>
+            <a:r>
+              <a:rPr lang="es-ES" dirty="0" smtClean="0"/>
+              <a:t>Recuperación de exámenes</a:t>
+            </a:r>
+            <a:endParaRPr lang="es-ES" dirty="0"/>
+          </a:p>
+          <a:p>
+            <a:r>
+              <a:rPr lang="es-ES" dirty="0" smtClean="0"/>
+              <a:t>Autoría</a:t>
+            </a:r>
+          </a:p>
+          <a:p>
+            <a:endParaRPr lang="es-ES" dirty="0"/>
+          </a:p>
+          <a:p>
+            <a:endParaRPr lang="es-ES" dirty="0"/>
+          </a:p>
+        </p:txBody>
+      </p:sp>
+      <p:sp>
+        <p:nvSpPr>
+          <p:cNvPr id="5" name="4 Marcador de texto"/>
+          <p:cNvSpPr>
+            <a:spLocks noGrp="1"/>
+          </p:cNvSpPr>
+          <p:nvPr>
+            <p:ph type="body" sz="quarter" idx="3"/>
+          </p:nvPr>
+        </p:nvSpPr>
+        <p:spPr>
+          <a:xfrm>
+            <a:off x="4644008" y="1484784"/>
+            <a:ext cx="4041775" cy="639762"/>
+          </a:xfrm>
+        </p:spPr>
+        <p:txBody>
+          <a:bodyPr/>
+          <a:lstStyle/>
+          <a:p>
+            <a:r>
+              <a:rPr lang="es-ES" dirty="0" smtClean="0"/>
+              <a:t>Alumno</a:t>
+            </a:r>
+            <a:endParaRPr lang="es-ES" dirty="0"/>
+          </a:p>
+        </p:txBody>
+      </p:sp>
+      <p:sp>
+        <p:nvSpPr>
+          <p:cNvPr id="6" name="5 Marcador de contenido"/>
+          <p:cNvSpPr>
+            <a:spLocks noGrp="1"/>
+          </p:cNvSpPr>
+          <p:nvPr>
+            <p:ph sz="quarter" idx="4"/>
+          </p:nvPr>
+        </p:nvSpPr>
+        <p:spPr>
+          <a:xfrm>
+            <a:off x="4644008" y="2124546"/>
+            <a:ext cx="4041775" cy="4040758"/>
+          </a:xfrm>
+        </p:spPr>
+        <p:txBody>
+          <a:bodyPr/>
+          <a:lstStyle/>
+          <a:p>
+            <a:r>
+              <a:rPr lang="es-ES" dirty="0" smtClean="0"/>
+              <a:t>Realización de los exámenes</a:t>
+            </a:r>
+          </a:p>
+          <a:p>
+            <a:r>
+              <a:rPr lang="es-ES" dirty="0" smtClean="0"/>
+              <a:t>Retroalimentación</a:t>
+            </a:r>
+          </a:p>
+          <a:p>
+            <a:r>
+              <a:rPr lang="es-ES" dirty="0" smtClean="0"/>
+              <a:t>Resultados</a:t>
+            </a:r>
+          </a:p>
+          <a:p>
+            <a:r>
+              <a:rPr lang="es-ES" dirty="0" smtClean="0"/>
+              <a:t>Almacenar qué cuestionario responde, cuándo y cómo</a:t>
+            </a:r>
             <a:endParaRPr lang="es-ES" dirty="0"/>
           </a:p>
         </p:txBody>
@@ -3475,7 +3610,7 @@
     </p:spTree>
     <p:extLst>
       <p:ext uri="{BB962C8B-B14F-4D97-AF65-F5344CB8AC3E}">
-        <p14:creationId xmlns:p14="http://schemas.microsoft.com/office/powerpoint/2010/main" val="1069147155"/>
+        <p14:creationId xmlns:p14="http://schemas.microsoft.com/office/powerpoint/2010/main" val="330037513"/>
       </p:ext>
     </p:extLst>
   </p:cSld>
@@ -3528,17 +3663,17 @@
       </p:sp>
       <p:sp>
         <p:nvSpPr>
-          <p:cNvPr id="5" name="4 Marcador de contenido"/>
-          <p:cNvSpPr>
-            <a:spLocks noGrp="1"/>
-          </p:cNvSpPr>
-          <p:nvPr>
-            <p:ph idx="1"/>
-          </p:nvPr>
-        </p:nvSpPr>
-        <p:spPr/>
-        <p:txBody>
-          <a:bodyPr numCol="2"/>
+          <p:cNvPr id="3" name="2 Marcador de contenido"/>
+          <p:cNvSpPr>
+            <a:spLocks noGrp="1"/>
+          </p:cNvSpPr>
+          <p:nvPr>
+            <p:ph sz="half" idx="1"/>
+          </p:nvPr>
+        </p:nvSpPr>
+        <p:spPr/>
+        <p:txBody>
+          <a:bodyPr/>
           <a:lstStyle/>
           <a:p>
             <a:r>
@@ -3587,6 +3722,22 @@
               <a:t>Retroalimentación</a:t>
             </a:r>
           </a:p>
+        </p:txBody>
+      </p:sp>
+      <p:sp>
+        <p:nvSpPr>
+          <p:cNvPr id="4" name="3 Marcador de contenido"/>
+          <p:cNvSpPr>
+            <a:spLocks noGrp="1"/>
+          </p:cNvSpPr>
+          <p:nvPr>
+            <p:ph sz="half" idx="2"/>
+          </p:nvPr>
+        </p:nvSpPr>
+        <p:spPr/>
+        <p:txBody>
+          <a:bodyPr/>
+          <a:lstStyle/>
           <a:p>
             <a:r>
               <a:rPr lang="es-ES" dirty="0" smtClean="0"/>
@@ -3621,15 +3772,14 @@
             </a:r>
           </a:p>
           <a:p>
-            <a:pPr lvl="1"/>
-            <a:endParaRPr lang="es-ES" i="1" dirty="0" smtClean="0"/>
+            <a:endParaRPr lang="es-ES" dirty="0"/>
           </a:p>
         </p:txBody>
       </p:sp>
     </p:spTree>
     <p:extLst>
       <p:ext uri="{BB962C8B-B14F-4D97-AF65-F5344CB8AC3E}">
-        <p14:creationId xmlns:p14="http://schemas.microsoft.com/office/powerpoint/2010/main" val="3593292121"/>
+        <p14:creationId xmlns:p14="http://schemas.microsoft.com/office/powerpoint/2010/main" val="705898338"/>
       </p:ext>
     </p:extLst>
   </p:cSld>

--- a/presentacion/TFG.pptx
+++ b/presentacion/TFG.pptx
@@ -14,22 +14,30 @@
     <p:sldId id="258" r:id="rId8"/>
     <p:sldId id="259" r:id="rId9"/>
     <p:sldId id="278" r:id="rId10"/>
-    <p:sldId id="257" r:id="rId11"/>
+    <p:sldId id="287" r:id="rId11"/>
     <p:sldId id="263" r:id="rId12"/>
-    <p:sldId id="282" r:id="rId13"/>
-    <p:sldId id="283" r:id="rId14"/>
-    <p:sldId id="268" r:id="rId15"/>
-    <p:sldId id="271" r:id="rId16"/>
-    <p:sldId id="281" r:id="rId17"/>
-    <p:sldId id="264" r:id="rId18"/>
-    <p:sldId id="272" r:id="rId19"/>
-    <p:sldId id="261" r:id="rId20"/>
-    <p:sldId id="260" r:id="rId21"/>
-    <p:sldId id="279" r:id="rId22"/>
-    <p:sldId id="262" r:id="rId23"/>
-    <p:sldId id="280" r:id="rId24"/>
-    <p:sldId id="274" r:id="rId25"/>
-    <p:sldId id="275" r:id="rId26"/>
+    <p:sldId id="288" r:id="rId13"/>
+    <p:sldId id="289" r:id="rId14"/>
+    <p:sldId id="282" r:id="rId15"/>
+    <p:sldId id="283" r:id="rId16"/>
+    <p:sldId id="268" r:id="rId17"/>
+    <p:sldId id="271" r:id="rId18"/>
+    <p:sldId id="281" r:id="rId19"/>
+    <p:sldId id="264" r:id="rId20"/>
+    <p:sldId id="272" r:id="rId21"/>
+    <p:sldId id="261" r:id="rId22"/>
+    <p:sldId id="286" r:id="rId23"/>
+    <p:sldId id="284" r:id="rId24"/>
+    <p:sldId id="260" r:id="rId25"/>
+    <p:sldId id="279" r:id="rId26"/>
+    <p:sldId id="290" r:id="rId27"/>
+    <p:sldId id="262" r:id="rId28"/>
+    <p:sldId id="291" r:id="rId29"/>
+    <p:sldId id="292" r:id="rId30"/>
+    <p:sldId id="280" r:id="rId31"/>
+    <p:sldId id="274" r:id="rId32"/>
+    <p:sldId id="275" r:id="rId33"/>
+    <p:sldId id="293" r:id="rId34"/>
   </p:sldIdLst>
   <p:sldSz cx="9144000" cy="6858000" type="screen4x3"/>
   <p:notesSz cx="6858000" cy="9144000"/>
@@ -3297,11 +3305,7 @@
             <a:pPr algn="l"/>
             <a:r>
               <a:rPr lang="es-ES" dirty="0" smtClean="0"/>
-              <a:t>Introducción a e-</a:t>
-            </a:r>
-            <a:r>
-              <a:rPr lang="es-ES" dirty="0" err="1" smtClean="0"/>
-              <a:t>valUAM</a:t>
+              <a:t>Análisis</a:t>
             </a:r>
             <a:endParaRPr lang="es-ES" dirty="0"/>
           </a:p>
@@ -3319,9 +3323,101 @@
         </p:nvSpPr>
         <p:spPr/>
         <p:txBody>
-          <a:bodyPr/>
+          <a:bodyPr>
+            <a:normAutofit fontScale="70000" lnSpcReduction="20000"/>
+          </a:bodyPr>
           <a:lstStyle/>
           <a:p>
+            <a:r>
+              <a:rPr lang="es-ES" dirty="0" smtClean="0"/>
+              <a:t>RF 1. Gestión de usuarios</a:t>
+            </a:r>
+          </a:p>
+          <a:p>
+            <a:r>
+              <a:rPr lang="es-ES" dirty="0" smtClean="0"/>
+              <a:t>RF 2. Creación y gestión de materias. </a:t>
+            </a:r>
+            <a:r>
+              <a:rPr lang="es-ES" i="1" dirty="0" smtClean="0"/>
+              <a:t>Rol docente</a:t>
+            </a:r>
+          </a:p>
+          <a:p>
+            <a:r>
+              <a:rPr lang="es-ES" dirty="0" smtClean="0"/>
+              <a:t>RF 3. Creación y gestión de preguntas y respuestas. </a:t>
+            </a:r>
+            <a:r>
+              <a:rPr lang="es-ES" i="1" dirty="0" smtClean="0"/>
+              <a:t>Rol docente</a:t>
+            </a:r>
+          </a:p>
+          <a:p>
+            <a:r>
+              <a:rPr lang="es-ES" dirty="0" smtClean="0"/>
+              <a:t>RF 4. Subida y gestión de fichero multimedia. </a:t>
+            </a:r>
+            <a:r>
+              <a:rPr lang="es-ES" i="1" dirty="0" smtClean="0"/>
+              <a:t>Rol docente</a:t>
+            </a:r>
+          </a:p>
+          <a:p>
+            <a:r>
+              <a:rPr lang="es-ES" dirty="0" smtClean="0"/>
+              <a:t>RF 5. Creación y gestión de cuestionarios. </a:t>
+            </a:r>
+            <a:r>
+              <a:rPr lang="es-ES" i="1" dirty="0" smtClean="0"/>
+              <a:t>Rol docente</a:t>
+            </a:r>
+          </a:p>
+          <a:p>
+            <a:r>
+              <a:rPr lang="es-ES" dirty="0" smtClean="0"/>
+              <a:t>RF 6. Realización de cuestionarios. </a:t>
+            </a:r>
+            <a:r>
+              <a:rPr lang="es-ES" i="1" dirty="0" smtClean="0"/>
+              <a:t>Rol estudiante</a:t>
+            </a:r>
+          </a:p>
+          <a:p>
+            <a:r>
+              <a:rPr lang="es-ES" dirty="0" smtClean="0"/>
+              <a:t>RF 7. Visualización de resultados</a:t>
+            </a:r>
+          </a:p>
+          <a:p>
+            <a:r>
+              <a:rPr lang="es-ES" dirty="0" smtClean="0"/>
+              <a:t>RF 8. Análisis de resultados</a:t>
+            </a:r>
+          </a:p>
+          <a:p>
+            <a:r>
+              <a:rPr lang="es-ES" dirty="0" smtClean="0"/>
+              <a:t>RNF 1. Interfaz</a:t>
+            </a:r>
+          </a:p>
+          <a:p>
+            <a:r>
+              <a:rPr lang="es-ES" dirty="0" smtClean="0"/>
+              <a:t>RNF 2. Seguridad</a:t>
+            </a:r>
+          </a:p>
+          <a:p>
+            <a:r>
+              <a:rPr lang="es-ES" dirty="0" smtClean="0"/>
+              <a:t>RNF 3. Modularidad</a:t>
+            </a:r>
+          </a:p>
+          <a:p>
+            <a:r>
+              <a:rPr lang="es-ES" dirty="0" smtClean="0"/>
+              <a:t>RNF 4. Rendimiento</a:t>
+            </a:r>
             <a:endParaRPr lang="es-ES" dirty="0"/>
           </a:p>
         </p:txBody>
@@ -3329,7 +3425,7 @@
     </p:spTree>
     <p:extLst>
       <p:ext uri="{BB962C8B-B14F-4D97-AF65-F5344CB8AC3E}">
-        <p14:creationId xmlns:p14="http://schemas.microsoft.com/office/powerpoint/2010/main" val="3164672964"/>
+        <p14:creationId xmlns:p14="http://schemas.microsoft.com/office/powerpoint/2010/main" val="2020599597"/>
       </p:ext>
     </p:extLst>
   </p:cSld>
@@ -3392,10 +3488,197 @@
         </p:nvSpPr>
         <p:spPr/>
         <p:txBody>
-          <a:bodyPr/>
+          <a:bodyPr>
+            <a:normAutofit fontScale="70000" lnSpcReduction="20000"/>
+          </a:bodyPr>
           <a:lstStyle/>
           <a:p>
-            <a:endParaRPr lang="es-ES"/>
+            <a:r>
+              <a:rPr lang="es-ES" dirty="0" smtClean="0">
+                <a:solidFill>
+                  <a:schemeClr val="tx1">
+                    <a:lumMod val="50000"/>
+                    <a:lumOff val="50000"/>
+                  </a:schemeClr>
+                </a:solidFill>
+              </a:rPr>
+              <a:t>RF 1. Gestión de usuarios</a:t>
+            </a:r>
+          </a:p>
+          <a:p>
+            <a:r>
+              <a:rPr lang="es-ES" dirty="0" smtClean="0"/>
+              <a:t>RF 2. Creación y gestión de materias. </a:t>
+            </a:r>
+            <a:r>
+              <a:rPr lang="es-ES" i="1" dirty="0" smtClean="0"/>
+              <a:t>Rol docente</a:t>
+            </a:r>
+          </a:p>
+          <a:p>
+            <a:r>
+              <a:rPr lang="es-ES" dirty="0" smtClean="0"/>
+              <a:t>RF 3. Creación y gestión de preguntas y respuestas. </a:t>
+            </a:r>
+            <a:r>
+              <a:rPr lang="es-ES" i="1" dirty="0" smtClean="0"/>
+              <a:t>Rol docente</a:t>
+            </a:r>
+          </a:p>
+          <a:p>
+            <a:r>
+              <a:rPr lang="es-ES" dirty="0" smtClean="0">
+                <a:solidFill>
+                  <a:schemeClr val="tx1">
+                    <a:lumMod val="50000"/>
+                    <a:lumOff val="50000"/>
+                  </a:schemeClr>
+                </a:solidFill>
+              </a:rPr>
+              <a:t>RF 4. Subida y gestión de fichero multimedia. </a:t>
+            </a:r>
+            <a:r>
+              <a:rPr lang="es-ES" i="1" dirty="0" smtClean="0">
+                <a:solidFill>
+                  <a:schemeClr val="tx1">
+                    <a:lumMod val="50000"/>
+                    <a:lumOff val="50000"/>
+                  </a:schemeClr>
+                </a:solidFill>
+              </a:rPr>
+              <a:t>Rol docente</a:t>
+            </a:r>
+          </a:p>
+          <a:p>
+            <a:r>
+              <a:rPr lang="es-ES" dirty="0" smtClean="0"/>
+              <a:t>RF 5. Creación y gestión de cuestionarios. </a:t>
+            </a:r>
+            <a:r>
+              <a:rPr lang="es-ES" i="1" dirty="0" smtClean="0"/>
+              <a:t>Rol docente</a:t>
+            </a:r>
+          </a:p>
+          <a:p>
+            <a:r>
+              <a:rPr lang="es-ES" dirty="0" smtClean="0"/>
+              <a:t>RF 6. Realización de cuestionarios. </a:t>
+            </a:r>
+            <a:r>
+              <a:rPr lang="es-ES" i="1" dirty="0" smtClean="0"/>
+              <a:t>Rol estudiante</a:t>
+            </a:r>
+          </a:p>
+          <a:p>
+            <a:r>
+              <a:rPr lang="es-ES" dirty="0" smtClean="0"/>
+              <a:t>RF 7. Visualización de resultados</a:t>
+            </a:r>
+          </a:p>
+          <a:p>
+            <a:r>
+              <a:rPr lang="es-ES" dirty="0" smtClean="0">
+                <a:solidFill>
+                  <a:schemeClr val="tx1">
+                    <a:lumMod val="50000"/>
+                    <a:lumOff val="50000"/>
+                  </a:schemeClr>
+                </a:solidFill>
+              </a:rPr>
+              <a:t>RF 8. Análisis de resultados</a:t>
+            </a:r>
+          </a:p>
+          <a:p>
+            <a:r>
+              <a:rPr lang="es-ES" dirty="0" smtClean="0">
+                <a:solidFill>
+                  <a:schemeClr val="tx1">
+                    <a:lumMod val="50000"/>
+                    <a:lumOff val="50000"/>
+                  </a:schemeClr>
+                </a:solidFill>
+              </a:rPr>
+              <a:t>RNF 1. Interfaz</a:t>
+            </a:r>
+          </a:p>
+          <a:p>
+            <a:r>
+              <a:rPr lang="es-ES" dirty="0" smtClean="0">
+                <a:solidFill>
+                  <a:schemeClr val="tx1">
+                    <a:lumMod val="50000"/>
+                    <a:lumOff val="50000"/>
+                  </a:schemeClr>
+                </a:solidFill>
+              </a:rPr>
+              <a:t>RNF 2. Seguridad</a:t>
+            </a:r>
+          </a:p>
+          <a:p>
+            <a:r>
+              <a:rPr lang="es-ES" dirty="0" smtClean="0">
+                <a:solidFill>
+                  <a:schemeClr val="tx1">
+                    <a:lumMod val="50000"/>
+                    <a:lumOff val="50000"/>
+                  </a:schemeClr>
+                </a:solidFill>
+              </a:rPr>
+              <a:t>RNF 3. Modularidad</a:t>
+            </a:r>
+          </a:p>
+          <a:p>
+            <a:r>
+              <a:rPr lang="es-ES" dirty="0" smtClean="0">
+                <a:solidFill>
+                  <a:schemeClr val="tx1">
+                    <a:lumMod val="50000"/>
+                    <a:lumOff val="50000"/>
+                  </a:schemeClr>
+                </a:solidFill>
+              </a:rPr>
+              <a:t>RNF 4. Rendimiento</a:t>
+            </a:r>
+            <a:endParaRPr lang="es-ES" dirty="0">
+              <a:solidFill>
+                <a:schemeClr val="tx1">
+                  <a:lumMod val="50000"/>
+                  <a:lumOff val="50000"/>
+                </a:schemeClr>
+              </a:solidFill>
+            </a:endParaRPr>
+          </a:p>
+        </p:txBody>
+      </p:sp>
+      <p:sp>
+        <p:nvSpPr>
+          <p:cNvPr id="4" name="3 CuadroTexto"/>
+          <p:cNvSpPr txBox="1"/>
+          <p:nvPr/>
+        </p:nvSpPr>
+        <p:spPr>
+          <a:xfrm>
+            <a:off x="3995936" y="5301208"/>
+            <a:ext cx="4248472" cy="923330"/>
+          </a:xfrm>
+          <a:prstGeom prst="rect">
+            <a:avLst/>
+          </a:prstGeom>
+          <a:noFill/>
+        </p:spPr>
+        <p:txBody>
+          <a:bodyPr wrap="square" rtlCol="0">
+            <a:spAutoFit/>
+          </a:bodyPr>
+          <a:lstStyle/>
+          <a:p>
+            <a:r>
+              <a:rPr lang="es-ES" b="1" dirty="0" smtClean="0"/>
+              <a:t>1. Sistema para crear cuestionario online de (auto)evaluación</a:t>
+            </a:r>
+          </a:p>
+          <a:p>
+            <a:endParaRPr lang="es-ES" dirty="0"/>
           </a:p>
         </p:txBody>
       </p:sp>
@@ -3447,7 +3730,7 @@
             <a:pPr algn="l"/>
             <a:r>
               <a:rPr lang="es-ES" dirty="0" smtClean="0"/>
-              <a:t>Diseño – Modelo de los usuarios</a:t>
+              <a:t>Análisis</a:t>
             </a:r>
             <a:endParaRPr lang="es-ES" dirty="0"/>
           </a:p>
@@ -3455,154 +3738,256 @@
       </p:sp>
       <p:sp>
         <p:nvSpPr>
-          <p:cNvPr id="3" name="2 Marcador de texto"/>
-          <p:cNvSpPr>
-            <a:spLocks noGrp="1"/>
-          </p:cNvSpPr>
-          <p:nvPr>
-            <p:ph type="body" idx="1"/>
-          </p:nvPr>
+          <p:cNvPr id="3" name="2 Marcador de contenido"/>
+          <p:cNvSpPr>
+            <a:spLocks noGrp="1"/>
+          </p:cNvSpPr>
+          <p:nvPr>
+            <p:ph idx="1"/>
+          </p:nvPr>
+        </p:nvSpPr>
+        <p:spPr/>
+        <p:txBody>
+          <a:bodyPr>
+            <a:normAutofit fontScale="70000" lnSpcReduction="20000"/>
+          </a:bodyPr>
+          <a:lstStyle/>
+          <a:p>
+            <a:r>
+              <a:rPr lang="es-ES" dirty="0" smtClean="0">
+                <a:solidFill>
+                  <a:schemeClr val="tx1">
+                    <a:lumMod val="50000"/>
+                    <a:lumOff val="50000"/>
+                  </a:schemeClr>
+                </a:solidFill>
+              </a:rPr>
+              <a:t>RF 1. Gestión de usuarios</a:t>
+            </a:r>
+          </a:p>
+          <a:p>
+            <a:r>
+              <a:rPr lang="es-ES" dirty="0" smtClean="0">
+                <a:solidFill>
+                  <a:schemeClr val="tx1">
+                    <a:lumMod val="50000"/>
+                    <a:lumOff val="50000"/>
+                  </a:schemeClr>
+                </a:solidFill>
+              </a:rPr>
+              <a:t>RF 2. Creación y gestión de materias. </a:t>
+            </a:r>
+            <a:r>
+              <a:rPr lang="es-ES" i="1" dirty="0" smtClean="0">
+                <a:solidFill>
+                  <a:schemeClr val="tx1">
+                    <a:lumMod val="50000"/>
+                    <a:lumOff val="50000"/>
+                  </a:schemeClr>
+                </a:solidFill>
+              </a:rPr>
+              <a:t>Rol docente</a:t>
+            </a:r>
+          </a:p>
+          <a:p>
+            <a:r>
+              <a:rPr lang="es-ES" dirty="0" smtClean="0">
+                <a:solidFill>
+                  <a:schemeClr val="tx1">
+                    <a:lumMod val="50000"/>
+                    <a:lumOff val="50000"/>
+                  </a:schemeClr>
+                </a:solidFill>
+              </a:rPr>
+              <a:t>RF 3. Creación y gestión de preguntas y respuestas. </a:t>
+            </a:r>
+            <a:r>
+              <a:rPr lang="es-ES" i="1" dirty="0" smtClean="0">
+                <a:solidFill>
+                  <a:schemeClr val="tx1">
+                    <a:lumMod val="50000"/>
+                    <a:lumOff val="50000"/>
+                  </a:schemeClr>
+                </a:solidFill>
+              </a:rPr>
+              <a:t>Rol docente</a:t>
+            </a:r>
+          </a:p>
+          <a:p>
+            <a:r>
+              <a:rPr lang="es-ES" dirty="0" smtClean="0"/>
+              <a:t>RF 4. Subida y gestión de fichero multimedia. </a:t>
+            </a:r>
+            <a:r>
+              <a:rPr lang="es-ES" i="1" dirty="0" smtClean="0"/>
+              <a:t>Rol docente</a:t>
+            </a:r>
+          </a:p>
+          <a:p>
+            <a:r>
+              <a:rPr lang="es-ES" dirty="0" smtClean="0">
+                <a:solidFill>
+                  <a:schemeClr val="tx1">
+                    <a:lumMod val="50000"/>
+                    <a:lumOff val="50000"/>
+                  </a:schemeClr>
+                </a:solidFill>
+              </a:rPr>
+              <a:t>RF 5. Creación y gestión de cuestionarios. </a:t>
+            </a:r>
+            <a:r>
+              <a:rPr lang="es-ES" i="1" dirty="0" smtClean="0">
+                <a:solidFill>
+                  <a:schemeClr val="tx1">
+                    <a:lumMod val="50000"/>
+                    <a:lumOff val="50000"/>
+                  </a:schemeClr>
+                </a:solidFill>
+              </a:rPr>
+              <a:t>Rol docente</a:t>
+            </a:r>
+          </a:p>
+          <a:p>
+            <a:r>
+              <a:rPr lang="es-ES" dirty="0" smtClean="0">
+                <a:solidFill>
+                  <a:schemeClr val="tx1">
+                    <a:lumMod val="50000"/>
+                    <a:lumOff val="50000"/>
+                  </a:schemeClr>
+                </a:solidFill>
+              </a:rPr>
+              <a:t>RF 6. Realización de cuestionarios. </a:t>
+            </a:r>
+            <a:r>
+              <a:rPr lang="es-ES" i="1" dirty="0" smtClean="0">
+                <a:solidFill>
+                  <a:schemeClr val="tx1">
+                    <a:lumMod val="50000"/>
+                    <a:lumOff val="50000"/>
+                  </a:schemeClr>
+                </a:solidFill>
+              </a:rPr>
+              <a:t>Rol estudiante</a:t>
+            </a:r>
+          </a:p>
+          <a:p>
+            <a:r>
+              <a:rPr lang="es-ES" dirty="0" smtClean="0">
+                <a:solidFill>
+                  <a:schemeClr val="tx1">
+                    <a:lumMod val="50000"/>
+                    <a:lumOff val="50000"/>
+                  </a:schemeClr>
+                </a:solidFill>
+              </a:rPr>
+              <a:t>RF 7. Visualización de resultados</a:t>
+            </a:r>
+          </a:p>
+          <a:p>
+            <a:r>
+              <a:rPr lang="es-ES" dirty="0" smtClean="0"/>
+              <a:t>RF 8. Análisis de resultados</a:t>
+            </a:r>
+          </a:p>
+          <a:p>
+            <a:r>
+              <a:rPr lang="es-ES" dirty="0" smtClean="0"/>
+              <a:t>RNF 1. Interfaz</a:t>
+            </a:r>
+          </a:p>
+          <a:p>
+            <a:r>
+              <a:rPr lang="es-ES" dirty="0" smtClean="0">
+                <a:solidFill>
+                  <a:schemeClr val="tx1">
+                    <a:lumMod val="50000"/>
+                    <a:lumOff val="50000"/>
+                  </a:schemeClr>
+                </a:solidFill>
+              </a:rPr>
+              <a:t>RNF 2. Seguridad</a:t>
+            </a:r>
+          </a:p>
+          <a:p>
+            <a:r>
+              <a:rPr lang="es-ES" dirty="0" smtClean="0">
+                <a:solidFill>
+                  <a:schemeClr val="tx1">
+                    <a:lumMod val="50000"/>
+                    <a:lumOff val="50000"/>
+                  </a:schemeClr>
+                </a:solidFill>
+              </a:rPr>
+              <a:t>RNF 3. Modularidad</a:t>
+            </a:r>
+          </a:p>
+          <a:p>
+            <a:r>
+              <a:rPr lang="es-ES" dirty="0" smtClean="0">
+                <a:solidFill>
+                  <a:schemeClr val="tx1">
+                    <a:lumMod val="50000"/>
+                    <a:lumOff val="50000"/>
+                  </a:schemeClr>
+                </a:solidFill>
+              </a:rPr>
+              <a:t>RNF 4. Rendimiento</a:t>
+            </a:r>
+            <a:endParaRPr lang="es-ES" dirty="0">
+              <a:solidFill>
+                <a:schemeClr val="tx1">
+                  <a:lumMod val="50000"/>
+                  <a:lumOff val="50000"/>
+                </a:schemeClr>
+              </a:solidFill>
+            </a:endParaRPr>
+          </a:p>
+        </p:txBody>
+      </p:sp>
+      <p:sp>
+        <p:nvSpPr>
+          <p:cNvPr id="4" name="3 CuadroTexto"/>
+          <p:cNvSpPr txBox="1"/>
+          <p:nvPr/>
         </p:nvSpPr>
         <p:spPr>
           <a:xfrm>
-            <a:off x="456183" y="1484784"/>
-            <a:ext cx="4040188" cy="639762"/>
+            <a:off x="4058411" y="5229200"/>
+            <a:ext cx="4680520" cy="1477328"/>
           </a:xfrm>
+          <a:prstGeom prst="rect">
+            <a:avLst/>
+          </a:prstGeom>
+          <a:noFill/>
         </p:spPr>
         <p:txBody>
-          <a:bodyPr/>
+          <a:bodyPr wrap="square" rtlCol="0">
+            <a:spAutoFit/>
+          </a:bodyPr>
           <a:lstStyle/>
           <a:p>
             <a:r>
-              <a:rPr lang="es-ES" dirty="0" smtClean="0"/>
-              <a:t>Profesor</a:t>
-            </a:r>
-            <a:endParaRPr lang="es-ES" dirty="0"/>
-          </a:p>
-        </p:txBody>
-      </p:sp>
-      <p:sp>
-        <p:nvSpPr>
-          <p:cNvPr id="4" name="3 Marcador de contenido"/>
-          <p:cNvSpPr>
-            <a:spLocks noGrp="1"/>
-          </p:cNvSpPr>
-          <p:nvPr>
-            <p:ph sz="half" idx="2"/>
-          </p:nvPr>
-        </p:nvSpPr>
-        <p:spPr>
-          <a:xfrm>
-            <a:off x="456183" y="2124546"/>
-            <a:ext cx="4040188" cy="4040758"/>
-          </a:xfrm>
-        </p:spPr>
-        <p:txBody>
-          <a:bodyPr/>
-          <a:lstStyle/>
-          <a:p>
-            <a:r>
-              <a:rPr lang="es-ES" dirty="0" smtClean="0"/>
-              <a:t>Creación y gestión de contenido</a:t>
-            </a:r>
-          </a:p>
-          <a:p>
-            <a:r>
-              <a:rPr lang="es-ES" dirty="0" smtClean="0"/>
-              <a:t>Análisis de resultados</a:t>
-            </a:r>
-          </a:p>
-          <a:p>
-            <a:r>
-              <a:rPr lang="es-ES" dirty="0" smtClean="0"/>
-              <a:t>Recuperación de exámenes</a:t>
-            </a:r>
-            <a:endParaRPr lang="es-ES" dirty="0"/>
-          </a:p>
-          <a:p>
-            <a:r>
-              <a:rPr lang="es-ES" dirty="0" smtClean="0"/>
-              <a:t>Autoría</a:t>
-            </a:r>
-          </a:p>
-          <a:p>
-            <a:endParaRPr lang="es-ES" dirty="0"/>
-          </a:p>
-          <a:p>
-            <a:endParaRPr lang="es-ES" dirty="0"/>
-          </a:p>
-        </p:txBody>
-      </p:sp>
-      <p:sp>
-        <p:nvSpPr>
-          <p:cNvPr id="5" name="4 Marcador de texto"/>
-          <p:cNvSpPr>
-            <a:spLocks noGrp="1"/>
-          </p:cNvSpPr>
-          <p:nvPr>
-            <p:ph type="body" sz="quarter" idx="3"/>
-          </p:nvPr>
-        </p:nvSpPr>
-        <p:spPr>
-          <a:xfrm>
-            <a:off x="4644008" y="1484784"/>
-            <a:ext cx="4041775" cy="639762"/>
-          </a:xfrm>
-        </p:spPr>
-        <p:txBody>
-          <a:bodyPr/>
-          <a:lstStyle/>
-          <a:p>
-            <a:r>
-              <a:rPr lang="es-ES" dirty="0" smtClean="0"/>
-              <a:t>Alumno</a:t>
-            </a:r>
-            <a:endParaRPr lang="es-ES" dirty="0"/>
-          </a:p>
-        </p:txBody>
-      </p:sp>
-      <p:sp>
-        <p:nvSpPr>
-          <p:cNvPr id="6" name="5 Marcador de contenido"/>
-          <p:cNvSpPr>
-            <a:spLocks noGrp="1"/>
-          </p:cNvSpPr>
-          <p:nvPr>
-            <p:ph sz="quarter" idx="4"/>
-          </p:nvPr>
-        </p:nvSpPr>
-        <p:spPr>
-          <a:xfrm>
-            <a:off x="4644008" y="2124546"/>
-            <a:ext cx="4041775" cy="4040758"/>
-          </a:xfrm>
-        </p:spPr>
-        <p:txBody>
-          <a:bodyPr/>
-          <a:lstStyle/>
-          <a:p>
-            <a:r>
-              <a:rPr lang="es-ES" dirty="0" smtClean="0"/>
-              <a:t>Realización de los exámenes</a:t>
-            </a:r>
-          </a:p>
-          <a:p>
-            <a:r>
-              <a:rPr lang="es-ES" dirty="0" smtClean="0"/>
-              <a:t>Retroalimentación</a:t>
-            </a:r>
-          </a:p>
-          <a:p>
-            <a:r>
-              <a:rPr lang="es-ES" dirty="0" smtClean="0"/>
-              <a:t>Resultados</a:t>
-            </a:r>
-          </a:p>
-          <a:p>
-            <a:r>
-              <a:rPr lang="es-ES" dirty="0" smtClean="0"/>
-              <a:t>Almacenar qué cuestionario responde, cuándo y cómo</a:t>
-            </a:r>
+              <a:rPr lang="es-ES" b="1" dirty="0" smtClean="0"/>
+              <a:t>2. Válido para múltiples áreas de conocimiento</a:t>
+            </a:r>
+          </a:p>
+          <a:p>
+            <a:r>
+              <a:rPr lang="es-ES" b="1" dirty="0" smtClean="0"/>
+              <a:t>3. Sin conocimientos avanzados de informática</a:t>
+            </a:r>
+          </a:p>
+          <a:p>
+            <a:r>
+              <a:rPr lang="es-ES" b="1" dirty="0" smtClean="0"/>
+              <a:t>4. Herramientas de análisis</a:t>
+            </a:r>
+          </a:p>
+          <a:p>
+            <a:endParaRPr lang="es-ES" b="1" dirty="0" smtClean="0"/>
+          </a:p>
+          <a:p>
             <a:endParaRPr lang="es-ES" dirty="0"/>
           </a:p>
         </p:txBody>
@@ -3610,7 +3995,7 @@
     </p:spTree>
     <p:extLst>
       <p:ext uri="{BB962C8B-B14F-4D97-AF65-F5344CB8AC3E}">
-        <p14:creationId xmlns:p14="http://schemas.microsoft.com/office/powerpoint/2010/main" val="330037513"/>
+        <p14:creationId xmlns:p14="http://schemas.microsoft.com/office/powerpoint/2010/main" val="1673655322"/>
       </p:ext>
     </p:extLst>
   </p:cSld>
@@ -3655,7 +4040,7 @@
             <a:pPr algn="l"/>
             <a:r>
               <a:rPr lang="es-ES" dirty="0" smtClean="0"/>
-              <a:t>Diseño – Modelo del dominio</a:t>
+              <a:t>Análisis</a:t>
             </a:r>
             <a:endParaRPr lang="es-ES" dirty="0"/>
           </a:p>
@@ -3668,107 +4053,238 @@
             <a:spLocks noGrp="1"/>
           </p:cNvSpPr>
           <p:nvPr>
-            <p:ph sz="half" idx="1"/>
+            <p:ph idx="1"/>
           </p:nvPr>
         </p:nvSpPr>
         <p:spPr/>
         <p:txBody>
-          <a:bodyPr/>
+          <a:bodyPr>
+            <a:normAutofit fontScale="70000" lnSpcReduction="20000"/>
+          </a:bodyPr>
           <a:lstStyle/>
           <a:p>
             <a:r>
               <a:rPr lang="es-ES" dirty="0" smtClean="0"/>
-              <a:t>Materia</a:t>
-            </a:r>
-          </a:p>
-          <a:p>
-            <a:pPr lvl="1"/>
-            <a:r>
-              <a:rPr lang="es-ES" dirty="0" smtClean="0"/>
-              <a:t>Nombre</a:t>
-            </a:r>
-          </a:p>
-          <a:p>
-            <a:r>
-              <a:rPr lang="es-ES" dirty="0" smtClean="0"/>
-              <a:t>Pregunta</a:t>
-            </a:r>
-          </a:p>
-          <a:p>
-            <a:pPr lvl="1"/>
-            <a:r>
-              <a:rPr lang="es-ES" dirty="0" smtClean="0"/>
-              <a:t>Nivel de relevancia</a:t>
-            </a:r>
-          </a:p>
-          <a:p>
-            <a:pPr lvl="1"/>
-            <a:r>
-              <a:rPr lang="es-ES" dirty="0" smtClean="0"/>
-              <a:t>Enunciado</a:t>
-            </a:r>
-          </a:p>
-          <a:p>
-            <a:pPr lvl="1"/>
-            <a:r>
-              <a:rPr lang="es-ES" i="1" dirty="0" smtClean="0"/>
-              <a:t>Multimedia (imagen o audio)</a:t>
-            </a:r>
-          </a:p>
-          <a:p>
-            <a:pPr lvl="1"/>
-            <a:r>
-              <a:rPr lang="es-ES" i="1" dirty="0" smtClean="0"/>
-              <a:t>Retroalimentación</a:t>
-            </a:r>
-          </a:p>
-        </p:txBody>
-      </p:sp>
-      <p:sp>
-        <p:nvSpPr>
-          <p:cNvPr id="4" name="3 Marcador de contenido"/>
-          <p:cNvSpPr>
-            <a:spLocks noGrp="1"/>
-          </p:cNvSpPr>
-          <p:nvPr>
-            <p:ph sz="half" idx="2"/>
-          </p:nvPr>
-        </p:nvSpPr>
-        <p:spPr/>
-        <p:txBody>
-          <a:bodyPr/>
+              <a:t>RF 1. Gestión de usuarios</a:t>
+            </a:r>
+          </a:p>
+          <a:p>
+            <a:r>
+              <a:rPr lang="es-ES" dirty="0" smtClean="0">
+                <a:solidFill>
+                  <a:schemeClr val="tx1">
+                    <a:lumMod val="50000"/>
+                    <a:lumOff val="50000"/>
+                  </a:schemeClr>
+                </a:solidFill>
+              </a:rPr>
+              <a:t>RF 2. Creación y gestión de materias. </a:t>
+            </a:r>
+            <a:r>
+              <a:rPr lang="es-ES" i="1" dirty="0" smtClean="0">
+                <a:solidFill>
+                  <a:schemeClr val="tx1">
+                    <a:lumMod val="50000"/>
+                    <a:lumOff val="50000"/>
+                  </a:schemeClr>
+                </a:solidFill>
+              </a:rPr>
+              <a:t>Rol docente</a:t>
+            </a:r>
+          </a:p>
+          <a:p>
+            <a:r>
+              <a:rPr lang="es-ES" dirty="0" smtClean="0">
+                <a:solidFill>
+                  <a:schemeClr val="tx1">
+                    <a:lumMod val="50000"/>
+                    <a:lumOff val="50000"/>
+                  </a:schemeClr>
+                </a:solidFill>
+              </a:rPr>
+              <a:t>RF 3. Creación y gestión de preguntas y respuestas. </a:t>
+            </a:r>
+            <a:r>
+              <a:rPr lang="es-ES" i="1" dirty="0" smtClean="0">
+                <a:solidFill>
+                  <a:schemeClr val="tx1">
+                    <a:lumMod val="50000"/>
+                    <a:lumOff val="50000"/>
+                  </a:schemeClr>
+                </a:solidFill>
+              </a:rPr>
+              <a:t>Rol docente</a:t>
+            </a:r>
+          </a:p>
+          <a:p>
+            <a:r>
+              <a:rPr lang="es-ES" dirty="0" smtClean="0">
+                <a:solidFill>
+                  <a:schemeClr val="tx1">
+                    <a:lumMod val="50000"/>
+                    <a:lumOff val="50000"/>
+                  </a:schemeClr>
+                </a:solidFill>
+              </a:rPr>
+              <a:t>RF 4. Subida y gestión de fichero multimedia. </a:t>
+            </a:r>
+            <a:r>
+              <a:rPr lang="es-ES" i="1" dirty="0" smtClean="0">
+                <a:solidFill>
+                  <a:schemeClr val="tx1">
+                    <a:lumMod val="50000"/>
+                    <a:lumOff val="50000"/>
+                  </a:schemeClr>
+                </a:solidFill>
+              </a:rPr>
+              <a:t>Rol docente</a:t>
+            </a:r>
+          </a:p>
+          <a:p>
+            <a:r>
+              <a:rPr lang="es-ES" dirty="0" smtClean="0">
+                <a:solidFill>
+                  <a:schemeClr val="tx1">
+                    <a:lumMod val="50000"/>
+                    <a:lumOff val="50000"/>
+                  </a:schemeClr>
+                </a:solidFill>
+              </a:rPr>
+              <a:t>RF 5. Creación y gestión de cuestionarios. </a:t>
+            </a:r>
+            <a:r>
+              <a:rPr lang="es-ES" i="1" dirty="0" smtClean="0">
+                <a:solidFill>
+                  <a:schemeClr val="tx1">
+                    <a:lumMod val="50000"/>
+                    <a:lumOff val="50000"/>
+                  </a:schemeClr>
+                </a:solidFill>
+              </a:rPr>
+              <a:t>Rol docente</a:t>
+            </a:r>
+          </a:p>
+          <a:p>
+            <a:r>
+              <a:rPr lang="es-ES" dirty="0" smtClean="0">
+                <a:solidFill>
+                  <a:schemeClr val="tx1">
+                    <a:lumMod val="50000"/>
+                    <a:lumOff val="50000"/>
+                  </a:schemeClr>
+                </a:solidFill>
+              </a:rPr>
+              <a:t>RF 6. Realización de cuestionarios. </a:t>
+            </a:r>
+            <a:r>
+              <a:rPr lang="es-ES" i="1" dirty="0" smtClean="0">
+                <a:solidFill>
+                  <a:schemeClr val="tx1">
+                    <a:lumMod val="50000"/>
+                    <a:lumOff val="50000"/>
+                  </a:schemeClr>
+                </a:solidFill>
+              </a:rPr>
+              <a:t>Rol estudiante</a:t>
+            </a:r>
+          </a:p>
+          <a:p>
+            <a:r>
+              <a:rPr lang="es-ES" dirty="0" smtClean="0">
+                <a:solidFill>
+                  <a:schemeClr val="tx1">
+                    <a:lumMod val="50000"/>
+                    <a:lumOff val="50000"/>
+                  </a:schemeClr>
+                </a:solidFill>
+              </a:rPr>
+              <a:t>RF 7. Visualización de resultados</a:t>
+            </a:r>
+          </a:p>
+          <a:p>
+            <a:r>
+              <a:rPr lang="es-ES" dirty="0" smtClean="0">
+                <a:solidFill>
+                  <a:schemeClr val="tx1">
+                    <a:lumMod val="50000"/>
+                    <a:lumOff val="50000"/>
+                  </a:schemeClr>
+                </a:solidFill>
+              </a:rPr>
+              <a:t>RF 8. Análisis de resultados</a:t>
+            </a:r>
+          </a:p>
+          <a:p>
+            <a:r>
+              <a:rPr lang="es-ES" dirty="0" smtClean="0">
+                <a:solidFill>
+                  <a:schemeClr val="tx1">
+                    <a:lumMod val="50000"/>
+                    <a:lumOff val="50000"/>
+                  </a:schemeClr>
+                </a:solidFill>
+              </a:rPr>
+              <a:t>RNF 1. Interfaz</a:t>
+            </a:r>
+          </a:p>
+          <a:p>
+            <a:r>
+              <a:rPr lang="es-ES" dirty="0" smtClean="0"/>
+              <a:t>RNF 2. Seguridad</a:t>
+            </a:r>
+          </a:p>
+          <a:p>
+            <a:r>
+              <a:rPr lang="es-ES" dirty="0" smtClean="0"/>
+              <a:t>RNF 3. Modularidad</a:t>
+            </a:r>
+          </a:p>
+          <a:p>
+            <a:r>
+              <a:rPr lang="es-ES" dirty="0" smtClean="0"/>
+              <a:t>RNF 4. Rendimiento</a:t>
+            </a:r>
+            <a:endParaRPr lang="es-ES" dirty="0"/>
+          </a:p>
+        </p:txBody>
+      </p:sp>
+      <p:sp>
+        <p:nvSpPr>
+          <p:cNvPr id="4" name="3 CuadroTexto"/>
+          <p:cNvSpPr txBox="1"/>
+          <p:nvPr/>
+        </p:nvSpPr>
+        <p:spPr>
+          <a:xfrm>
+            <a:off x="4058410" y="5229200"/>
+            <a:ext cx="4834069" cy="1477328"/>
+          </a:xfrm>
+          <a:prstGeom prst="rect">
+            <a:avLst/>
+          </a:prstGeom>
+          <a:noFill/>
+        </p:spPr>
+        <p:txBody>
+          <a:bodyPr wrap="square" rtlCol="0">
+            <a:spAutoFit/>
+          </a:bodyPr>
           <a:lstStyle/>
           <a:p>
             <a:r>
-              <a:rPr lang="es-ES" dirty="0" smtClean="0"/>
-              <a:t>Respuestas</a:t>
-            </a:r>
-          </a:p>
-          <a:p>
-            <a:pPr lvl="1"/>
-            <a:r>
-              <a:rPr lang="es-ES" dirty="0" smtClean="0"/>
-              <a:t>Texto</a:t>
-            </a:r>
-          </a:p>
-          <a:p>
-            <a:pPr lvl="1"/>
-            <a:r>
-              <a:rPr lang="es-ES" dirty="0" smtClean="0"/>
-              <a:t>Booleano si es correcta</a:t>
-            </a:r>
-          </a:p>
-          <a:p>
-            <a:pPr lvl="1"/>
-            <a:r>
-              <a:rPr lang="es-ES" i="1" dirty="0" smtClean="0"/>
-              <a:t>Multimedia</a:t>
-            </a:r>
-          </a:p>
-          <a:p>
-            <a:r>
-              <a:rPr lang="es-ES" dirty="0" smtClean="0"/>
-              <a:t>Cuestionarios</a:t>
+              <a:rPr lang="es-ES" b="1" dirty="0" smtClean="0"/>
+              <a:t>5. Sistema web robusto</a:t>
+            </a:r>
+          </a:p>
+          <a:p>
+            <a:r>
+              <a:rPr lang="es-ES" b="1" dirty="0" smtClean="0"/>
+              <a:t>6. Crear un modelo de datos para una evaluación</a:t>
+            </a:r>
+          </a:p>
+          <a:p>
+            <a:r>
+              <a:rPr lang="es-ES" b="1" dirty="0" smtClean="0"/>
+              <a:t>7. Arquitectura flexible pensando en nuevos modelos</a:t>
             </a:r>
           </a:p>
           <a:p>
@@ -3779,7 +4295,7 @@
     </p:spTree>
     <p:extLst>
       <p:ext uri="{BB962C8B-B14F-4D97-AF65-F5344CB8AC3E}">
-        <p14:creationId xmlns:p14="http://schemas.microsoft.com/office/powerpoint/2010/main" val="705898338"/>
+        <p14:creationId xmlns:p14="http://schemas.microsoft.com/office/powerpoint/2010/main" val="3776853173"/>
       </p:ext>
     </p:extLst>
   </p:cSld>
@@ -3824,7 +4340,7 @@
             <a:pPr algn="l"/>
             <a:r>
               <a:rPr lang="es-ES" dirty="0" smtClean="0"/>
-              <a:t>Diseño – Modelo de adaptación </a:t>
+              <a:t>Diseño – Modelo de los usuarios</a:t>
             </a:r>
             <a:endParaRPr lang="es-ES" dirty="0"/>
           </a:p>
@@ -3832,49 +4348,162 @@
       </p:sp>
       <p:sp>
         <p:nvSpPr>
-          <p:cNvPr id="3" name="2 Marcador de contenido"/>
-          <p:cNvSpPr>
-            <a:spLocks noGrp="1"/>
-          </p:cNvSpPr>
-          <p:nvPr>
-            <p:ph idx="1"/>
-          </p:nvPr>
-        </p:nvSpPr>
-        <p:spPr/>
+          <p:cNvPr id="3" name="2 Marcador de texto"/>
+          <p:cNvSpPr>
+            <a:spLocks noGrp="1"/>
+          </p:cNvSpPr>
+          <p:nvPr>
+            <p:ph type="body" idx="1"/>
+          </p:nvPr>
+        </p:nvSpPr>
+        <p:spPr>
+          <a:xfrm>
+            <a:off x="456183" y="1484784"/>
+            <a:ext cx="4040188" cy="639762"/>
+          </a:xfrm>
+        </p:spPr>
         <p:txBody>
           <a:bodyPr/>
           <a:lstStyle/>
           <a:p>
             <a:r>
-              <a:rPr lang="es-ES" b="1" dirty="0" smtClean="0"/>
-              <a:t>¿Cómo elegir la primera pregunta?</a:t>
-            </a:r>
-          </a:p>
-          <a:p>
-            <a:endParaRPr lang="es-ES" b="1" dirty="0" smtClean="0"/>
-          </a:p>
-          <a:p>
-            <a:r>
-              <a:rPr lang="es-ES" b="1" dirty="0" smtClean="0"/>
-              <a:t>¿Cómo elegir la siguiente pregunta, teniendo en cuenta las respuestas anteriores?</a:t>
-            </a:r>
-          </a:p>
-          <a:p>
-            <a:endParaRPr lang="es-ES" b="1" dirty="0" smtClean="0"/>
-          </a:p>
-          <a:p>
-            <a:r>
-              <a:rPr lang="es-ES" b="1" dirty="0" smtClean="0"/>
-              <a:t>¿Cuándo parar el cuestionario?</a:t>
-            </a:r>
-            <a:endParaRPr lang="es-ES" b="1" dirty="0"/>
+              <a:rPr lang="es-ES" dirty="0" smtClean="0"/>
+              <a:t>Profesor</a:t>
+            </a:r>
+            <a:endParaRPr lang="es-ES" dirty="0"/>
+          </a:p>
+        </p:txBody>
+      </p:sp>
+      <p:sp>
+        <p:nvSpPr>
+          <p:cNvPr id="4" name="3 Marcador de contenido"/>
+          <p:cNvSpPr>
+            <a:spLocks noGrp="1"/>
+          </p:cNvSpPr>
+          <p:nvPr>
+            <p:ph sz="half" idx="2"/>
+          </p:nvPr>
+        </p:nvSpPr>
+        <p:spPr>
+          <a:xfrm>
+            <a:off x="456183" y="2124546"/>
+            <a:ext cx="4040188" cy="4040758"/>
+          </a:xfrm>
+        </p:spPr>
+        <p:txBody>
+          <a:bodyPr/>
+          <a:lstStyle/>
+          <a:p>
+            <a:r>
+              <a:rPr lang="es-ES" dirty="0" smtClean="0"/>
+              <a:t>Creación y gestión de contenido</a:t>
+            </a:r>
+          </a:p>
+          <a:p>
+            <a:r>
+              <a:rPr lang="es-ES" dirty="0" smtClean="0"/>
+              <a:t>Análisis de resultados</a:t>
+            </a:r>
+          </a:p>
+          <a:p>
+            <a:r>
+              <a:rPr lang="es-ES" dirty="0" smtClean="0"/>
+              <a:t>Recuperación de exámenes</a:t>
+            </a:r>
+            <a:endParaRPr lang="es-ES" dirty="0"/>
+          </a:p>
+          <a:p>
+            <a:r>
+              <a:rPr lang="es-ES" dirty="0" smtClean="0"/>
+              <a:t>Autoría</a:t>
+            </a:r>
+          </a:p>
+          <a:p>
+            <a:endParaRPr lang="es-ES" dirty="0"/>
+          </a:p>
+          <a:p>
+            <a:endParaRPr lang="es-ES" dirty="0"/>
+          </a:p>
+        </p:txBody>
+      </p:sp>
+      <p:sp>
+        <p:nvSpPr>
+          <p:cNvPr id="5" name="4 Marcador de texto"/>
+          <p:cNvSpPr>
+            <a:spLocks noGrp="1"/>
+          </p:cNvSpPr>
+          <p:nvPr>
+            <p:ph type="body" sz="quarter" idx="3"/>
+          </p:nvPr>
+        </p:nvSpPr>
+        <p:spPr>
+          <a:xfrm>
+            <a:off x="4644008" y="1484784"/>
+            <a:ext cx="4041775" cy="639762"/>
+          </a:xfrm>
+        </p:spPr>
+        <p:txBody>
+          <a:bodyPr/>
+          <a:lstStyle/>
+          <a:p>
+            <a:r>
+              <a:rPr lang="es-ES" dirty="0" smtClean="0"/>
+              <a:t>Alumno</a:t>
+            </a:r>
+            <a:endParaRPr lang="es-ES" dirty="0"/>
+          </a:p>
+        </p:txBody>
+      </p:sp>
+      <p:sp>
+        <p:nvSpPr>
+          <p:cNvPr id="6" name="5 Marcador de contenido"/>
+          <p:cNvSpPr>
+            <a:spLocks noGrp="1"/>
+          </p:cNvSpPr>
+          <p:nvPr>
+            <p:ph sz="quarter" idx="4"/>
+          </p:nvPr>
+        </p:nvSpPr>
+        <p:spPr>
+          <a:xfrm>
+            <a:off x="4644008" y="2124546"/>
+            <a:ext cx="4041775" cy="4040758"/>
+          </a:xfrm>
+        </p:spPr>
+        <p:txBody>
+          <a:bodyPr/>
+          <a:lstStyle/>
+          <a:p>
+            <a:r>
+              <a:rPr lang="es-ES" dirty="0" smtClean="0"/>
+              <a:t>Realización de los exámenes</a:t>
+            </a:r>
+          </a:p>
+          <a:p>
+            <a:r>
+              <a:rPr lang="es-ES" dirty="0" smtClean="0"/>
+              <a:t>Retroalimentación</a:t>
+            </a:r>
+          </a:p>
+          <a:p>
+            <a:r>
+              <a:rPr lang="es-ES" dirty="0" smtClean="0"/>
+              <a:t>Resultados</a:t>
+            </a:r>
+          </a:p>
+          <a:p>
+            <a:r>
+              <a:rPr lang="es-ES" dirty="0" smtClean="0"/>
+              <a:t>Almacenar qué cuestionario responde, cuándo y cómo</a:t>
+            </a:r>
+            <a:endParaRPr lang="es-ES" dirty="0"/>
           </a:p>
         </p:txBody>
       </p:sp>
     </p:spTree>
     <p:extLst>
       <p:ext uri="{BB962C8B-B14F-4D97-AF65-F5344CB8AC3E}">
-        <p14:creationId xmlns:p14="http://schemas.microsoft.com/office/powerpoint/2010/main" val="2012737019"/>
+        <p14:creationId xmlns:p14="http://schemas.microsoft.com/office/powerpoint/2010/main" val="330037513"/>
       </p:ext>
     </p:extLst>
   </p:cSld>
@@ -3919,7 +4548,7 @@
             <a:pPr algn="l"/>
             <a:r>
               <a:rPr lang="es-ES" dirty="0" smtClean="0"/>
-              <a:t>Diseño – Modelo de adaptación </a:t>
+              <a:t>Diseño – Modelo del dominio</a:t>
             </a:r>
             <a:endParaRPr lang="es-ES" dirty="0"/>
           </a:p>
@@ -3932,7 +4561,7 @@
             <a:spLocks noGrp="1"/>
           </p:cNvSpPr>
           <p:nvPr>
-            <p:ph idx="1"/>
+            <p:ph sz="half" idx="1"/>
           </p:nvPr>
         </p:nvSpPr>
         <p:spPr/>
@@ -3941,67 +4570,109 @@
           <a:lstStyle/>
           <a:p>
             <a:r>
-              <a:rPr lang="es-ES" b="1" dirty="0" smtClean="0"/>
-              <a:t>¿Cómo elegir la primera pregunta?</a:t>
+              <a:rPr lang="es-ES" dirty="0" smtClean="0"/>
+              <a:t>Materia</a:t>
             </a:r>
           </a:p>
           <a:p>
             <a:pPr lvl="1"/>
             <a:r>
               <a:rPr lang="es-ES" dirty="0" smtClean="0"/>
-              <a:t>Aleatoriamente entre todas las del primer nivel</a:t>
-            </a:r>
-          </a:p>
-          <a:p>
-            <a:r>
-              <a:rPr lang="es-ES" b="1" dirty="0" smtClean="0">
-                <a:solidFill>
-                  <a:schemeClr val="tx1">
-                    <a:lumMod val="50000"/>
-                    <a:lumOff val="50000"/>
-                  </a:schemeClr>
-                </a:solidFill>
-              </a:rPr>
-              <a:t>¿Cómo elegir la siguiente pregunta, teniendo en cuenta las respuestas anteriores?</a:t>
-            </a:r>
-          </a:p>
-          <a:p>
-            <a:endParaRPr lang="es-ES" i="1" dirty="0" smtClean="0">
-              <a:solidFill>
-                <a:schemeClr val="tx1">
-                  <a:lumMod val="50000"/>
-                  <a:lumOff val="50000"/>
-                </a:schemeClr>
-              </a:solidFill>
-            </a:endParaRPr>
-          </a:p>
-          <a:p>
-            <a:r>
-              <a:rPr lang="es-ES" b="1" dirty="0" smtClean="0">
-                <a:solidFill>
-                  <a:schemeClr val="tx1">
-                    <a:lumMod val="50000"/>
-                    <a:lumOff val="50000"/>
-                  </a:schemeClr>
-                </a:solidFill>
-              </a:rPr>
-              <a:t>¿Cuándo parar el cuestionario?</a:t>
-            </a:r>
-            <a:endParaRPr lang="es-ES" b="1" dirty="0">
-              <a:solidFill>
-                <a:schemeClr val="tx1">
-                  <a:lumMod val="50000"/>
-                  <a:lumOff val="50000"/>
-                </a:schemeClr>
-              </a:solidFill>
-            </a:endParaRPr>
+              <a:t>Nombre</a:t>
+            </a:r>
+          </a:p>
+          <a:p>
+            <a:r>
+              <a:rPr lang="es-ES" dirty="0" smtClean="0"/>
+              <a:t>Pregunta</a:t>
+            </a:r>
+          </a:p>
+          <a:p>
+            <a:pPr lvl="1"/>
+            <a:r>
+              <a:rPr lang="es-ES" dirty="0" smtClean="0"/>
+              <a:t>Nivel de relevancia</a:t>
+            </a:r>
+          </a:p>
+          <a:p>
+            <a:pPr lvl="1"/>
+            <a:r>
+              <a:rPr lang="es-ES" dirty="0" smtClean="0"/>
+              <a:t>Enunciado</a:t>
+            </a:r>
+          </a:p>
+          <a:p>
+            <a:pPr lvl="1"/>
+            <a:r>
+              <a:rPr lang="es-ES" i="1" dirty="0" smtClean="0"/>
+              <a:t>Multimedia (imagen o audio)</a:t>
+            </a:r>
+          </a:p>
+          <a:p>
+            <a:pPr lvl="1"/>
+            <a:r>
+              <a:rPr lang="es-ES" i="1" dirty="0" smtClean="0"/>
+              <a:t>Retroalimentación</a:t>
+            </a:r>
+          </a:p>
+        </p:txBody>
+      </p:sp>
+      <p:sp>
+        <p:nvSpPr>
+          <p:cNvPr id="4" name="3 Marcador de contenido"/>
+          <p:cNvSpPr>
+            <a:spLocks noGrp="1"/>
+          </p:cNvSpPr>
+          <p:nvPr>
+            <p:ph sz="half" idx="2"/>
+          </p:nvPr>
+        </p:nvSpPr>
+        <p:spPr/>
+        <p:txBody>
+          <a:bodyPr/>
+          <a:lstStyle/>
+          <a:p>
+            <a:r>
+              <a:rPr lang="es-ES" dirty="0" smtClean="0"/>
+              <a:t>Respuestas</a:t>
+            </a:r>
+          </a:p>
+          <a:p>
+            <a:pPr lvl="1"/>
+            <a:r>
+              <a:rPr lang="es-ES" dirty="0" smtClean="0"/>
+              <a:t>Texto</a:t>
+            </a:r>
+          </a:p>
+          <a:p>
+            <a:pPr lvl="1"/>
+            <a:r>
+              <a:rPr lang="es-ES" dirty="0" smtClean="0"/>
+              <a:t>Booleano si es correcta</a:t>
+            </a:r>
+          </a:p>
+          <a:p>
+            <a:pPr lvl="1"/>
+            <a:r>
+              <a:rPr lang="es-ES" i="1" dirty="0" smtClean="0"/>
+              <a:t>Multimedia</a:t>
+            </a:r>
+          </a:p>
+          <a:p>
+            <a:r>
+              <a:rPr lang="es-ES" dirty="0" smtClean="0"/>
+              <a:t>Cuestionarios</a:t>
+            </a:r>
+          </a:p>
+          <a:p>
+            <a:endParaRPr lang="es-ES" dirty="0"/>
           </a:p>
         </p:txBody>
       </p:sp>
     </p:spTree>
     <p:extLst>
       <p:ext uri="{BB962C8B-B14F-4D97-AF65-F5344CB8AC3E}">
-        <p14:creationId xmlns:p14="http://schemas.microsoft.com/office/powerpoint/2010/main" val="1952081838"/>
+        <p14:creationId xmlns:p14="http://schemas.microsoft.com/office/powerpoint/2010/main" val="705898338"/>
       </p:ext>
     </p:extLst>
   </p:cSld>
@@ -4068,6 +4739,228 @@
           <a:lstStyle/>
           <a:p>
             <a:r>
+              <a:rPr lang="es-ES" b="1" dirty="0" smtClean="0"/>
+              <a:t>¿Cómo elegir la primera pregunta?</a:t>
+            </a:r>
+          </a:p>
+          <a:p>
+            <a:endParaRPr lang="es-ES" b="1" dirty="0" smtClean="0"/>
+          </a:p>
+          <a:p>
+            <a:r>
+              <a:rPr lang="es-ES" b="1" dirty="0" smtClean="0"/>
+              <a:t>¿Cómo elegir la siguiente pregunta, teniendo en cuenta las respuestas anteriores?</a:t>
+            </a:r>
+          </a:p>
+          <a:p>
+            <a:endParaRPr lang="es-ES" b="1" dirty="0" smtClean="0"/>
+          </a:p>
+          <a:p>
+            <a:r>
+              <a:rPr lang="es-ES" b="1" dirty="0" smtClean="0"/>
+              <a:t>¿Cuándo parar el cuestionario?</a:t>
+            </a:r>
+            <a:endParaRPr lang="es-ES" b="1" dirty="0"/>
+          </a:p>
+        </p:txBody>
+      </p:sp>
+    </p:spTree>
+    <p:extLst>
+      <p:ext uri="{BB962C8B-B14F-4D97-AF65-F5344CB8AC3E}">
+        <p14:creationId xmlns:p14="http://schemas.microsoft.com/office/powerpoint/2010/main" val="2012737019"/>
+      </p:ext>
+    </p:extLst>
+  </p:cSld>
+  <p:clrMapOvr>
+    <a:masterClrMapping/>
+  </p:clrMapOvr>
+</p:sld>
+</file>
+
+<file path=ppt/slides/slide17.xml><?xml version="1.0" encoding="utf-8"?>
+<p:sld xmlns:a="http://schemas.openxmlformats.org/drawingml/2006/main" xmlns:r="http://schemas.openxmlformats.org/officeDocument/2006/relationships" xmlns:p="http://schemas.openxmlformats.org/presentationml/2006/main">
+  <p:cSld>
+    <p:spTree>
+      <p:nvGrpSpPr>
+        <p:cNvPr id="1" name=""/>
+        <p:cNvGrpSpPr/>
+        <p:nvPr/>
+      </p:nvGrpSpPr>
+      <p:grpSpPr>
+        <a:xfrm>
+          <a:off x="0" y="0"/>
+          <a:ext cx="0" cy="0"/>
+          <a:chOff x="0" y="0"/>
+          <a:chExt cx="0" cy="0"/>
+        </a:xfrm>
+      </p:grpSpPr>
+      <p:sp>
+        <p:nvSpPr>
+          <p:cNvPr id="2" name="1 Título"/>
+          <p:cNvSpPr>
+            <a:spLocks noGrp="1"/>
+          </p:cNvSpPr>
+          <p:nvPr>
+            <p:ph type="title"/>
+          </p:nvPr>
+        </p:nvSpPr>
+        <p:spPr/>
+        <p:txBody>
+          <a:bodyPr/>
+          <a:lstStyle/>
+          <a:p>
+            <a:pPr algn="l"/>
+            <a:r>
+              <a:rPr lang="es-ES" dirty="0" smtClean="0"/>
+              <a:t>Diseño – Modelo de adaptación </a:t>
+            </a:r>
+            <a:endParaRPr lang="es-ES" dirty="0"/>
+          </a:p>
+        </p:txBody>
+      </p:sp>
+      <p:sp>
+        <p:nvSpPr>
+          <p:cNvPr id="3" name="2 Marcador de contenido"/>
+          <p:cNvSpPr>
+            <a:spLocks noGrp="1"/>
+          </p:cNvSpPr>
+          <p:nvPr>
+            <p:ph idx="1"/>
+          </p:nvPr>
+        </p:nvSpPr>
+        <p:spPr/>
+        <p:txBody>
+          <a:bodyPr/>
+          <a:lstStyle/>
+          <a:p>
+            <a:r>
+              <a:rPr lang="es-ES" b="1" dirty="0" smtClean="0"/>
+              <a:t>¿Cómo elegir la primera pregunta?</a:t>
+            </a:r>
+          </a:p>
+          <a:p>
+            <a:pPr lvl="1"/>
+            <a:r>
+              <a:rPr lang="es-ES" dirty="0" smtClean="0"/>
+              <a:t>Aleatoriamente entre todas las del primer nivel</a:t>
+            </a:r>
+          </a:p>
+          <a:p>
+            <a:r>
+              <a:rPr lang="es-ES" b="1" dirty="0" smtClean="0">
+                <a:solidFill>
+                  <a:schemeClr val="tx1">
+                    <a:lumMod val="50000"/>
+                    <a:lumOff val="50000"/>
+                  </a:schemeClr>
+                </a:solidFill>
+              </a:rPr>
+              <a:t>¿Cómo elegir la siguiente pregunta, teniendo en cuenta las respuestas anteriores?</a:t>
+            </a:r>
+          </a:p>
+          <a:p>
+            <a:endParaRPr lang="es-ES" i="1" dirty="0" smtClean="0">
+              <a:solidFill>
+                <a:schemeClr val="tx1">
+                  <a:lumMod val="50000"/>
+                  <a:lumOff val="50000"/>
+                </a:schemeClr>
+              </a:solidFill>
+            </a:endParaRPr>
+          </a:p>
+          <a:p>
+            <a:r>
+              <a:rPr lang="es-ES" b="1" dirty="0" smtClean="0">
+                <a:solidFill>
+                  <a:schemeClr val="tx1">
+                    <a:lumMod val="50000"/>
+                    <a:lumOff val="50000"/>
+                  </a:schemeClr>
+                </a:solidFill>
+              </a:rPr>
+              <a:t>¿Cuándo parar el cuestionario?</a:t>
+            </a:r>
+            <a:endParaRPr lang="es-ES" b="1" dirty="0">
+              <a:solidFill>
+                <a:schemeClr val="tx1">
+                  <a:lumMod val="50000"/>
+                  <a:lumOff val="50000"/>
+                </a:schemeClr>
+              </a:solidFill>
+            </a:endParaRPr>
+          </a:p>
+        </p:txBody>
+      </p:sp>
+    </p:spTree>
+    <p:extLst>
+      <p:ext uri="{BB962C8B-B14F-4D97-AF65-F5344CB8AC3E}">
+        <p14:creationId xmlns:p14="http://schemas.microsoft.com/office/powerpoint/2010/main" val="1952081838"/>
+      </p:ext>
+    </p:extLst>
+  </p:cSld>
+  <p:clrMapOvr>
+    <a:masterClrMapping/>
+  </p:clrMapOvr>
+</p:sld>
+</file>
+
+<file path=ppt/slides/slide18.xml><?xml version="1.0" encoding="utf-8"?>
+<p:sld xmlns:a="http://schemas.openxmlformats.org/drawingml/2006/main" xmlns:r="http://schemas.openxmlformats.org/officeDocument/2006/relationships" xmlns:p="http://schemas.openxmlformats.org/presentationml/2006/main">
+  <p:cSld>
+    <p:spTree>
+      <p:nvGrpSpPr>
+        <p:cNvPr id="1" name=""/>
+        <p:cNvGrpSpPr/>
+        <p:nvPr/>
+      </p:nvGrpSpPr>
+      <p:grpSpPr>
+        <a:xfrm>
+          <a:off x="0" y="0"/>
+          <a:ext cx="0" cy="0"/>
+          <a:chOff x="0" y="0"/>
+          <a:chExt cx="0" cy="0"/>
+        </a:xfrm>
+      </p:grpSpPr>
+      <p:sp>
+        <p:nvSpPr>
+          <p:cNvPr id="2" name="1 Título"/>
+          <p:cNvSpPr>
+            <a:spLocks noGrp="1"/>
+          </p:cNvSpPr>
+          <p:nvPr>
+            <p:ph type="title"/>
+          </p:nvPr>
+        </p:nvSpPr>
+        <p:spPr/>
+        <p:txBody>
+          <a:bodyPr/>
+          <a:lstStyle/>
+          <a:p>
+            <a:pPr algn="l"/>
+            <a:r>
+              <a:rPr lang="es-ES" dirty="0" smtClean="0"/>
+              <a:t>Diseño – Modelo de adaptación </a:t>
+            </a:r>
+            <a:endParaRPr lang="es-ES" dirty="0"/>
+          </a:p>
+        </p:txBody>
+      </p:sp>
+      <p:sp>
+        <p:nvSpPr>
+          <p:cNvPr id="3" name="2 Marcador de contenido"/>
+          <p:cNvSpPr>
+            <a:spLocks noGrp="1"/>
+          </p:cNvSpPr>
+          <p:nvPr>
+            <p:ph idx="1"/>
+          </p:nvPr>
+        </p:nvSpPr>
+        <p:spPr/>
+        <p:txBody>
+          <a:bodyPr/>
+          <a:lstStyle/>
+          <a:p>
+            <a:r>
               <a:rPr lang="es-ES" b="1" dirty="0" smtClean="0">
                 <a:solidFill>
                   <a:schemeClr val="tx1">
@@ -4142,7 +5035,7 @@
 </p:sld>
 </file>
 
-<file path=ppt/slides/slide17.xml><?xml version="1.0" encoding="utf-8"?>
+<file path=ppt/slides/slide19.xml><?xml version="1.0" encoding="utf-8"?>
 <p:sld xmlns:a="http://schemas.openxmlformats.org/drawingml/2006/main" xmlns:r="http://schemas.openxmlformats.org/officeDocument/2006/relationships" xmlns:p="http://schemas.openxmlformats.org/presentationml/2006/main">
   <p:cSld>
     <p:spTree>
@@ -4225,227 +5118,6 @@
 </p:sld>
 </file>
 
-<file path=ppt/slides/slide18.xml><?xml version="1.0" encoding="utf-8"?>
-<p:sld xmlns:a="http://schemas.openxmlformats.org/drawingml/2006/main" xmlns:r="http://schemas.openxmlformats.org/officeDocument/2006/relationships" xmlns:p="http://schemas.openxmlformats.org/presentationml/2006/main">
-  <p:cSld>
-    <p:spTree>
-      <p:nvGrpSpPr>
-        <p:cNvPr id="1" name=""/>
-        <p:cNvGrpSpPr/>
-        <p:nvPr/>
-      </p:nvGrpSpPr>
-      <p:grpSpPr>
-        <a:xfrm>
-          <a:off x="0" y="0"/>
-          <a:ext cx="0" cy="0"/>
-          <a:chOff x="0" y="0"/>
-          <a:chExt cx="0" cy="0"/>
-        </a:xfrm>
-      </p:grpSpPr>
-      <p:sp>
-        <p:nvSpPr>
-          <p:cNvPr id="2" name="1 Título"/>
-          <p:cNvSpPr>
-            <a:spLocks noGrp="1"/>
-          </p:cNvSpPr>
-          <p:nvPr>
-            <p:ph type="title"/>
-          </p:nvPr>
-        </p:nvSpPr>
-        <p:spPr/>
-        <p:txBody>
-          <a:bodyPr/>
-          <a:lstStyle/>
-          <a:p>
-            <a:pPr algn="l"/>
-            <a:r>
-              <a:rPr lang="es-ES" dirty="0" smtClean="0"/>
-              <a:t>Diseño – Modelo de adaptación </a:t>
-            </a:r>
-            <a:endParaRPr lang="es-ES" dirty="0"/>
-          </a:p>
-        </p:txBody>
-      </p:sp>
-      <p:sp>
-        <p:nvSpPr>
-          <p:cNvPr id="3" name="2 Marcador de contenido"/>
-          <p:cNvSpPr>
-            <a:spLocks noGrp="1"/>
-          </p:cNvSpPr>
-          <p:nvPr>
-            <p:ph idx="1"/>
-          </p:nvPr>
-        </p:nvSpPr>
-        <p:spPr/>
-        <p:txBody>
-          <a:bodyPr>
-            <a:normAutofit/>
-          </a:bodyPr>
-          <a:lstStyle/>
-          <a:p>
-            <a:r>
-              <a:rPr lang="es-ES" b="1" dirty="0" smtClean="0">
-                <a:solidFill>
-                  <a:schemeClr val="tx1">
-                    <a:lumMod val="50000"/>
-                    <a:lumOff val="50000"/>
-                  </a:schemeClr>
-                </a:solidFill>
-              </a:rPr>
-              <a:t>¿Cómo elegir la primera pregunta?</a:t>
-            </a:r>
-          </a:p>
-          <a:p>
-            <a:pPr lvl="1"/>
-            <a:r>
-              <a:rPr lang="es-ES" dirty="0" smtClean="0">
-                <a:solidFill>
-                  <a:schemeClr val="tx1">
-                    <a:lumMod val="50000"/>
-                    <a:lumOff val="50000"/>
-                  </a:schemeClr>
-                </a:solidFill>
-              </a:rPr>
-              <a:t>Aleatoriamente entre todas las del primer nivel.</a:t>
-            </a:r>
-          </a:p>
-          <a:p>
-            <a:r>
-              <a:rPr lang="es-ES" b="1" dirty="0" smtClean="0">
-                <a:solidFill>
-                  <a:schemeClr val="tx1">
-                    <a:lumMod val="50000"/>
-                    <a:lumOff val="50000"/>
-                  </a:schemeClr>
-                </a:solidFill>
-              </a:rPr>
-              <a:t>¿Cómo elegir la siguiente pregunta, teniendo en cuenta las respuestas anteriores?</a:t>
-            </a:r>
-          </a:p>
-          <a:p>
-            <a:pPr lvl="1"/>
-            <a:r>
-              <a:rPr lang="es-ES" dirty="0" smtClean="0">
-                <a:solidFill>
-                  <a:schemeClr val="tx1">
-                    <a:lumMod val="50000"/>
-                    <a:lumOff val="50000"/>
-                  </a:schemeClr>
-                </a:solidFill>
-              </a:rPr>
-              <a:t>Algoritmo…</a:t>
-            </a:r>
-            <a:endParaRPr lang="es-ES" i="1" dirty="0" smtClean="0">
-              <a:solidFill>
-                <a:schemeClr val="tx1">
-                  <a:lumMod val="50000"/>
-                  <a:lumOff val="50000"/>
-                </a:schemeClr>
-              </a:solidFill>
-            </a:endParaRPr>
-          </a:p>
-          <a:p>
-            <a:r>
-              <a:rPr lang="es-ES" b="1" dirty="0" smtClean="0"/>
-              <a:t>¿Cuándo parar el cuestionario?</a:t>
-            </a:r>
-          </a:p>
-          <a:p>
-            <a:pPr lvl="1"/>
-            <a:r>
-              <a:rPr lang="es-ES" dirty="0" smtClean="0"/>
-              <a:t>Cuando se agote el tiempo o se responda a un número de preguntas suficiente.</a:t>
-            </a:r>
-            <a:endParaRPr lang="es-ES" dirty="0"/>
-          </a:p>
-        </p:txBody>
-      </p:sp>
-    </p:spTree>
-    <p:extLst>
-      <p:ext uri="{BB962C8B-B14F-4D97-AF65-F5344CB8AC3E}">
-        <p14:creationId xmlns:p14="http://schemas.microsoft.com/office/powerpoint/2010/main" val="2460300346"/>
-      </p:ext>
-    </p:extLst>
-  </p:cSld>
-  <p:clrMapOvr>
-    <a:masterClrMapping/>
-  </p:clrMapOvr>
-</p:sld>
-</file>
-
-<file path=ppt/slides/slide19.xml><?xml version="1.0" encoding="utf-8"?>
-<p:sld xmlns:a="http://schemas.openxmlformats.org/drawingml/2006/main" xmlns:r="http://schemas.openxmlformats.org/officeDocument/2006/relationships" xmlns:p="http://schemas.openxmlformats.org/presentationml/2006/main">
-  <p:cSld>
-    <p:spTree>
-      <p:nvGrpSpPr>
-        <p:cNvPr id="1" name=""/>
-        <p:cNvGrpSpPr/>
-        <p:nvPr/>
-      </p:nvGrpSpPr>
-      <p:grpSpPr>
-        <a:xfrm>
-          <a:off x="0" y="0"/>
-          <a:ext cx="0" cy="0"/>
-          <a:chOff x="0" y="0"/>
-          <a:chExt cx="0" cy="0"/>
-        </a:xfrm>
-      </p:grpSpPr>
-      <p:sp>
-        <p:nvSpPr>
-          <p:cNvPr id="2" name="1 Título"/>
-          <p:cNvSpPr>
-            <a:spLocks noGrp="1"/>
-          </p:cNvSpPr>
-          <p:nvPr>
-            <p:ph type="title"/>
-          </p:nvPr>
-        </p:nvSpPr>
-        <p:spPr/>
-        <p:txBody>
-          <a:bodyPr/>
-          <a:lstStyle/>
-          <a:p>
-            <a:pPr algn="l"/>
-            <a:r>
-              <a:rPr lang="es-ES" dirty="0" smtClean="0"/>
-              <a:t>Desarrollo</a:t>
-            </a:r>
-            <a:endParaRPr lang="es-ES" dirty="0"/>
-          </a:p>
-        </p:txBody>
-      </p:sp>
-      <p:sp>
-        <p:nvSpPr>
-          <p:cNvPr id="3" name="2 Marcador de contenido"/>
-          <p:cNvSpPr>
-            <a:spLocks noGrp="1"/>
-          </p:cNvSpPr>
-          <p:nvPr>
-            <p:ph idx="1"/>
-          </p:nvPr>
-        </p:nvSpPr>
-        <p:spPr/>
-        <p:txBody>
-          <a:bodyPr/>
-          <a:lstStyle/>
-          <a:p>
-            <a:endParaRPr lang="es-ES"/>
-          </a:p>
-        </p:txBody>
-      </p:sp>
-    </p:spTree>
-    <p:extLst>
-      <p:ext uri="{BB962C8B-B14F-4D97-AF65-F5344CB8AC3E}">
-        <p14:creationId xmlns:p14="http://schemas.microsoft.com/office/powerpoint/2010/main" val="3846673971"/>
-      </p:ext>
-    </p:extLst>
-  </p:cSld>
-  <p:clrMapOvr>
-    <a:masterClrMapping/>
-  </p:clrMapOvr>
-</p:sld>
-</file>
-
 <file path=ppt/slides/slide2.xml><?xml version="1.0" encoding="utf-8"?>
 <p:sld xmlns:a="http://schemas.openxmlformats.org/drawingml/2006/main" xmlns:r="http://schemas.openxmlformats.org/officeDocument/2006/relationships" xmlns:p="http://schemas.openxmlformats.org/presentationml/2006/main">
   <p:cSld>
@@ -4581,7 +5253,7 @@
             <a:pPr algn="l"/>
             <a:r>
               <a:rPr lang="es-ES" dirty="0" smtClean="0"/>
-              <a:t>Demo</a:t>
+              <a:t>Diseño – Modelo de adaptación </a:t>
             </a:r>
             <a:endParaRPr lang="es-ES" dirty="0"/>
           </a:p>
@@ -4599,17 +5271,92 @@
         </p:nvSpPr>
         <p:spPr/>
         <p:txBody>
-          <a:bodyPr/>
+          <a:bodyPr>
+            <a:normAutofit/>
+          </a:bodyPr>
           <a:lstStyle/>
           <a:p>
-            <a:endParaRPr lang="es-ES"/>
+            <a:r>
+              <a:rPr lang="es-ES" b="1" dirty="0" smtClean="0">
+                <a:solidFill>
+                  <a:schemeClr val="tx1">
+                    <a:lumMod val="50000"/>
+                    <a:lumOff val="50000"/>
+                  </a:schemeClr>
+                </a:solidFill>
+              </a:rPr>
+              <a:t>¿Cómo elegir la primera pregunta?</a:t>
+            </a:r>
+          </a:p>
+          <a:p>
+            <a:pPr lvl="1"/>
+            <a:r>
+              <a:rPr lang="es-ES" dirty="0" smtClean="0">
+                <a:solidFill>
+                  <a:schemeClr val="tx1">
+                    <a:lumMod val="50000"/>
+                    <a:lumOff val="50000"/>
+                  </a:schemeClr>
+                </a:solidFill>
+              </a:rPr>
+              <a:t>Aleatoriamente entre todas las del primer nivel.</a:t>
+            </a:r>
+          </a:p>
+          <a:p>
+            <a:r>
+              <a:rPr lang="es-ES" b="1" dirty="0" smtClean="0">
+                <a:solidFill>
+                  <a:schemeClr val="tx1">
+                    <a:lumMod val="50000"/>
+                    <a:lumOff val="50000"/>
+                  </a:schemeClr>
+                </a:solidFill>
+              </a:rPr>
+              <a:t>¿Cómo elegir la siguiente pregunta, teniendo en cuenta las respuestas anteriores?</a:t>
+            </a:r>
+          </a:p>
+          <a:p>
+            <a:pPr lvl="1"/>
+            <a:r>
+              <a:rPr lang="es-ES" dirty="0" smtClean="0">
+                <a:solidFill>
+                  <a:schemeClr val="tx1">
+                    <a:lumMod val="50000"/>
+                    <a:lumOff val="50000"/>
+                  </a:schemeClr>
+                </a:solidFill>
+              </a:rPr>
+              <a:t>Algoritmo…</a:t>
+            </a:r>
+            <a:endParaRPr lang="es-ES" i="1" dirty="0" smtClean="0">
+              <a:solidFill>
+                <a:schemeClr val="tx1">
+                  <a:lumMod val="50000"/>
+                  <a:lumOff val="50000"/>
+                </a:schemeClr>
+              </a:solidFill>
+            </a:endParaRPr>
+          </a:p>
+          <a:p>
+            <a:r>
+              <a:rPr lang="es-ES" b="1" dirty="0" smtClean="0"/>
+              <a:t>¿Cuándo parar el cuestionario?</a:t>
+            </a:r>
+          </a:p>
+          <a:p>
+            <a:pPr lvl="1"/>
+            <a:r>
+              <a:rPr lang="es-ES" dirty="0" smtClean="0"/>
+              <a:t>Cuando se agote el tiempo o se responda a un número de preguntas suficiente.</a:t>
+            </a:r>
+            <a:endParaRPr lang="es-ES" dirty="0"/>
           </a:p>
         </p:txBody>
       </p:sp>
     </p:spTree>
     <p:extLst>
       <p:ext uri="{BB962C8B-B14F-4D97-AF65-F5344CB8AC3E}">
-        <p14:creationId xmlns:p14="http://schemas.microsoft.com/office/powerpoint/2010/main" val="1425361133"/>
+        <p14:creationId xmlns:p14="http://schemas.microsoft.com/office/powerpoint/2010/main" val="2460300346"/>
       </p:ext>
     </p:extLst>
   </p:cSld>
@@ -4654,7 +5401,7 @@
             <a:pPr algn="l"/>
             <a:r>
               <a:rPr lang="es-ES" dirty="0" smtClean="0"/>
-              <a:t>Índice</a:t>
+              <a:t>Desarrollo</a:t>
             </a:r>
             <a:endParaRPr lang="es-ES" dirty="0"/>
           </a:p>
@@ -4672,86 +5419,90 @@
         </p:nvSpPr>
         <p:spPr/>
         <p:txBody>
-          <a:bodyPr/>
+          <a:bodyPr>
+            <a:normAutofit lnSpcReduction="10000"/>
+          </a:bodyPr>
           <a:lstStyle/>
           <a:p>
-            <a:r>
-              <a:rPr lang="es-ES" dirty="0" smtClean="0">
-                <a:solidFill>
-                  <a:schemeClr val="tx1">
-                    <a:lumMod val="50000"/>
-                    <a:lumOff val="50000"/>
-                  </a:schemeClr>
-                </a:solidFill>
-              </a:rPr>
-              <a:t>Introducción</a:t>
-            </a:r>
-          </a:p>
-          <a:p>
-            <a:r>
-              <a:rPr lang="es-ES" dirty="0" smtClean="0">
-                <a:solidFill>
-                  <a:schemeClr val="tx1">
-                    <a:lumMod val="50000"/>
-                    <a:lumOff val="50000"/>
-                  </a:schemeClr>
-                </a:solidFill>
-              </a:rPr>
-              <a:t>Estado del arte</a:t>
-            </a:r>
-          </a:p>
-          <a:p>
-            <a:r>
-              <a:rPr lang="es-ES" dirty="0" smtClean="0">
-                <a:solidFill>
-                  <a:schemeClr val="tx1">
-                    <a:lumMod val="50000"/>
-                    <a:lumOff val="50000"/>
-                  </a:schemeClr>
-                </a:solidFill>
-              </a:rPr>
-              <a:t>Análisis, diseño, desarrollo</a:t>
-            </a:r>
-          </a:p>
-          <a:p>
-            <a:r>
-              <a:rPr lang="es-ES" dirty="0" smtClean="0"/>
-              <a:t>Pruebas</a:t>
-            </a:r>
-          </a:p>
-          <a:p>
-            <a:pPr lvl="1"/>
-            <a:r>
-              <a:rPr lang="es-ES" dirty="0" smtClean="0"/>
-              <a:t>Primer prototipo</a:t>
-            </a:r>
-          </a:p>
-          <a:p>
-            <a:pPr lvl="1"/>
-            <a:r>
-              <a:rPr lang="es-ES" dirty="0" smtClean="0"/>
-              <a:t>Segundo prototipo</a:t>
-            </a:r>
-          </a:p>
-          <a:p>
-            <a:r>
-              <a:rPr lang="es-ES" dirty="0" smtClean="0">
-                <a:solidFill>
-                  <a:schemeClr val="tx1">
-                    <a:lumMod val="50000"/>
-                    <a:lumOff val="50000"/>
-                  </a:schemeClr>
-                </a:solidFill>
-              </a:rPr>
-              <a:t>Conclusiones y trabajo futuro</a:t>
-            </a:r>
+            <a:pPr marL="0" indent="0">
+              <a:buNone/>
+            </a:pPr>
+            <a:r>
+              <a:rPr lang="es-ES" dirty="0" smtClean="0"/>
+              <a:t>Tecnologías utilizadas:</a:t>
+            </a:r>
+          </a:p>
+          <a:p>
+            <a:r>
+              <a:rPr lang="es-ES" dirty="0" smtClean="0"/>
+              <a:t>HTML5, CSS3 </a:t>
+            </a:r>
+          </a:p>
+          <a:p>
+            <a:r>
+              <a:rPr lang="es-ES" dirty="0" err="1" smtClean="0"/>
+              <a:t>Bootstrap</a:t>
+            </a:r>
+            <a:r>
+              <a:rPr lang="es-ES" dirty="0" smtClean="0"/>
+              <a:t> 3</a:t>
+            </a:r>
+            <a:endParaRPr lang="es-ES" dirty="0" smtClean="0"/>
+          </a:p>
+          <a:p>
+            <a:r>
+              <a:rPr lang="es-ES" dirty="0" err="1" smtClean="0"/>
+              <a:t>Javascript</a:t>
+            </a:r>
+            <a:r>
+              <a:rPr lang="es-ES" dirty="0" smtClean="0"/>
+              <a:t> </a:t>
+            </a:r>
+            <a:r>
+              <a:rPr lang="es-ES" dirty="0" smtClean="0"/>
+              <a:t>con </a:t>
+            </a:r>
+            <a:r>
+              <a:rPr lang="es-ES" dirty="0" err="1" smtClean="0"/>
+              <a:t>jQuery</a:t>
+            </a:r>
+            <a:endParaRPr lang="es-ES" dirty="0" smtClean="0"/>
+          </a:p>
+          <a:p>
+            <a:r>
+              <a:rPr lang="es-ES" dirty="0" smtClean="0"/>
+              <a:t>PHP 5</a:t>
+            </a:r>
+          </a:p>
+          <a:p>
+            <a:r>
+              <a:rPr lang="es-ES" dirty="0" err="1" smtClean="0"/>
+              <a:t>PostgreSQL</a:t>
+            </a:r>
+            <a:r>
+              <a:rPr lang="es-ES" dirty="0" smtClean="0"/>
+              <a:t> 9.3</a:t>
+            </a:r>
+          </a:p>
+          <a:p>
+            <a:r>
+              <a:rPr lang="es-ES" dirty="0" smtClean="0"/>
+              <a:t>Apache 2.2</a:t>
+            </a:r>
+          </a:p>
+          <a:p>
+            <a:r>
+              <a:rPr lang="es-ES" dirty="0" err="1" smtClean="0"/>
+              <a:t>git</a:t>
+            </a:r>
+            <a:endParaRPr lang="es-ES" dirty="0" smtClean="0"/>
           </a:p>
         </p:txBody>
       </p:sp>
     </p:spTree>
     <p:extLst>
       <p:ext uri="{BB962C8B-B14F-4D97-AF65-F5344CB8AC3E}">
-        <p14:creationId xmlns:p14="http://schemas.microsoft.com/office/powerpoint/2010/main" val="3013069437"/>
+        <p14:creationId xmlns:p14="http://schemas.microsoft.com/office/powerpoint/2010/main" val="3846673971"/>
       </p:ext>
     </p:extLst>
   </p:cSld>
@@ -4796,35 +5547,45 @@
             <a:pPr algn="l"/>
             <a:r>
               <a:rPr lang="es-ES" dirty="0" smtClean="0"/>
-              <a:t>Pruebas</a:t>
+              <a:t>Desarrollo</a:t>
             </a:r>
             <a:endParaRPr lang="es-ES" dirty="0"/>
           </a:p>
         </p:txBody>
       </p:sp>
-      <p:sp>
-        <p:nvSpPr>
-          <p:cNvPr id="3" name="2 Marcador de contenido"/>
-          <p:cNvSpPr>
-            <a:spLocks noGrp="1"/>
-          </p:cNvSpPr>
+      <p:pic>
+        <p:nvPicPr>
+          <p:cNvPr id="4" name="3 Marcador de contenido"/>
+          <p:cNvPicPr>
+            <a:picLocks noGrp="1" noChangeAspect="1"/>
+          </p:cNvPicPr>
           <p:nvPr>
             <p:ph idx="1"/>
           </p:nvPr>
-        </p:nvSpPr>
-        <p:spPr/>
-        <p:txBody>
-          <a:bodyPr/>
-          <a:lstStyle/>
-          <a:p>
-            <a:endParaRPr lang="es-ES"/>
-          </a:p>
-        </p:txBody>
-      </p:sp>
+        </p:nvPicPr>
+        <p:blipFill>
+          <a:blip r:embed="rId2">
+            <a:extLst>
+              <a:ext uri="{28A0092B-C50C-407E-A947-70E740481C1C}">
+                <a14:useLocalDpi xmlns:a14="http://schemas.microsoft.com/office/drawing/2010/main" val="0"/>
+              </a:ext>
+            </a:extLst>
+          </a:blip>
+          <a:stretch>
+            <a:fillRect/>
+          </a:stretch>
+        </p:blipFill>
+        <p:spPr>
+          <a:xfrm>
+            <a:off x="1439652" y="1124744"/>
+            <a:ext cx="6264696" cy="5185738"/>
+          </a:xfrm>
+        </p:spPr>
+      </p:pic>
     </p:spTree>
     <p:extLst>
       <p:ext uri="{BB962C8B-B14F-4D97-AF65-F5344CB8AC3E}">
-        <p14:creationId xmlns:p14="http://schemas.microsoft.com/office/powerpoint/2010/main" val="3320618018"/>
+        <p14:creationId xmlns:p14="http://schemas.microsoft.com/office/powerpoint/2010/main" val="1515647882"/>
       </p:ext>
     </p:extLst>
   </p:cSld>
@@ -4869,7 +5630,7 @@
             <a:pPr algn="l"/>
             <a:r>
               <a:rPr lang="es-ES" dirty="0" smtClean="0"/>
-              <a:t>Índice</a:t>
+              <a:t>Desarrollo</a:t>
             </a:r>
             <a:endParaRPr lang="es-ES" dirty="0"/>
           </a:p>
@@ -4887,64 +5648,70 @@
         </p:nvSpPr>
         <p:spPr/>
         <p:txBody>
-          <a:bodyPr/>
+          <a:bodyPr>
+            <a:normAutofit lnSpcReduction="10000"/>
+          </a:bodyPr>
           <a:lstStyle/>
           <a:p>
             <a:r>
-              <a:rPr lang="es-ES" dirty="0" smtClean="0">
-                <a:solidFill>
-                  <a:schemeClr val="tx1">
-                    <a:lumMod val="50000"/>
-                    <a:lumOff val="50000"/>
-                  </a:schemeClr>
-                </a:solidFill>
-              </a:rPr>
-              <a:t>Introducción</a:t>
-            </a:r>
-          </a:p>
-          <a:p>
-            <a:r>
-              <a:rPr lang="es-ES" dirty="0" smtClean="0">
-                <a:solidFill>
-                  <a:schemeClr val="tx1">
-                    <a:lumMod val="50000"/>
-                    <a:lumOff val="50000"/>
-                  </a:schemeClr>
-                </a:solidFill>
-              </a:rPr>
-              <a:t>Estado del arte</a:t>
-            </a:r>
-          </a:p>
-          <a:p>
-            <a:r>
-              <a:rPr lang="es-ES" dirty="0" smtClean="0">
-                <a:solidFill>
-                  <a:schemeClr val="tx1">
-                    <a:lumMod val="50000"/>
-                    <a:lumOff val="50000"/>
-                  </a:schemeClr>
-                </a:solidFill>
-              </a:rPr>
-              <a:t>Análisis, diseño, desarrollo</a:t>
-            </a:r>
-          </a:p>
-          <a:p>
-            <a:r>
-              <a:rPr lang="es-ES" dirty="0" smtClean="0">
-                <a:solidFill>
-                  <a:schemeClr val="tx1">
-                    <a:lumMod val="50000"/>
-                    <a:lumOff val="50000"/>
-                  </a:schemeClr>
-                </a:solidFill>
-              </a:rPr>
-              <a:t>Pruebas</a:t>
-            </a:r>
-          </a:p>
-          <a:p>
-            <a:r>
-              <a:rPr lang="es-ES" dirty="0" smtClean="0"/>
-              <a:t>Conclusiones y trabajo futuro</a:t>
+              <a:rPr lang="es-ES" dirty="0" smtClean="0"/>
+              <a:t>Sección profesor</a:t>
+            </a:r>
+          </a:p>
+          <a:p>
+            <a:pPr lvl="1"/>
+            <a:r>
+              <a:rPr lang="es-ES" dirty="0" smtClean="0"/>
+              <a:t>Gestión de Materias, Preguntas y Exámenes</a:t>
+            </a:r>
+          </a:p>
+          <a:p>
+            <a:pPr lvl="1"/>
+            <a:r>
+              <a:rPr lang="es-ES" dirty="0" smtClean="0"/>
+              <a:t>Ficheros multimedia</a:t>
+            </a:r>
+          </a:p>
+          <a:p>
+            <a:pPr lvl="1"/>
+            <a:r>
+              <a:rPr lang="es-ES" dirty="0" smtClean="0"/>
+              <a:t>Recuperación de exámenes</a:t>
+            </a:r>
+          </a:p>
+          <a:p>
+            <a:pPr lvl="1"/>
+            <a:r>
+              <a:rPr lang="es-ES" dirty="0" smtClean="0"/>
+              <a:t>Análisis de resultados</a:t>
+            </a:r>
+            <a:endParaRPr lang="es-ES" dirty="0"/>
+          </a:p>
+          <a:p>
+            <a:r>
+              <a:rPr lang="es-ES" dirty="0" smtClean="0"/>
+              <a:t>Sección alumno</a:t>
+            </a:r>
+          </a:p>
+          <a:p>
+            <a:pPr lvl="1"/>
+            <a:r>
+              <a:rPr lang="es-ES" dirty="0" smtClean="0"/>
+              <a:t>Elección de examen</a:t>
+            </a:r>
+          </a:p>
+          <a:p>
+            <a:pPr lvl="1"/>
+            <a:r>
+              <a:rPr lang="es-ES" dirty="0" smtClean="0"/>
+              <a:t>Realización del examen</a:t>
+            </a:r>
+          </a:p>
+          <a:p>
+            <a:pPr lvl="1"/>
+            <a:r>
+              <a:rPr lang="es-ES" dirty="0" smtClean="0"/>
+              <a:t>Resultados</a:t>
             </a:r>
           </a:p>
         </p:txBody>
@@ -4952,7 +5719,7 @@
     </p:spTree>
     <p:extLst>
       <p:ext uri="{BB962C8B-B14F-4D97-AF65-F5344CB8AC3E}">
-        <p14:creationId xmlns:p14="http://schemas.microsoft.com/office/powerpoint/2010/main" val="4045646826"/>
+        <p14:creationId xmlns:p14="http://schemas.microsoft.com/office/powerpoint/2010/main" val="4087094006"/>
       </p:ext>
     </p:extLst>
   </p:cSld>
@@ -4989,43 +5756,51 @@
             <p:ph type="title"/>
           </p:nvPr>
         </p:nvSpPr>
-        <p:spPr/>
-        <p:txBody>
-          <a:bodyPr/>
+        <p:spPr>
+          <a:xfrm>
+            <a:off x="683568" y="2276872"/>
+            <a:ext cx="7772400" cy="2448272"/>
+          </a:xfrm>
+        </p:spPr>
+        <p:txBody>
+          <a:bodyPr>
+            <a:normAutofit fontScale="90000"/>
+          </a:bodyPr>
           <a:lstStyle/>
           <a:p>
-            <a:pPr algn="l"/>
-            <a:r>
-              <a:rPr lang="es-ES" dirty="0" smtClean="0"/>
-              <a:t>Conclusiones</a:t>
-            </a:r>
-            <a:endParaRPr lang="es-ES" dirty="0"/>
-          </a:p>
-        </p:txBody>
-      </p:sp>
-      <p:sp>
-        <p:nvSpPr>
-          <p:cNvPr id="3" name="2 Marcador de contenido"/>
-          <p:cNvSpPr>
-            <a:spLocks noGrp="1"/>
-          </p:cNvSpPr>
-          <p:nvPr>
-            <p:ph idx="1"/>
-          </p:nvPr>
-        </p:nvSpPr>
-        <p:spPr/>
-        <p:txBody>
-          <a:bodyPr/>
-          <a:lstStyle/>
-          <a:p>
-            <a:endParaRPr lang="es-ES"/>
+            <a:pPr algn="ctr"/>
+            <a:r>
+              <a:rPr lang="es-ES" sz="6000" b="0" cap="none" dirty="0" smtClean="0"/>
+              <a:t>Demo</a:t>
+            </a:r>
+            <a:br>
+              <a:rPr lang="es-ES" sz="6000" b="0" cap="none" dirty="0" smtClean="0"/>
+            </a:br>
+            <a:r>
+              <a:rPr lang="es-ES" sz="6000" b="0" cap="none" dirty="0" smtClean="0"/>
+              <a:t/>
+            </a:r>
+            <a:br>
+              <a:rPr lang="es-ES" sz="6000" b="0" cap="none" dirty="0" smtClean="0"/>
+            </a:br>
+            <a:r>
+              <a:rPr lang="es-ES" sz="3600" b="0" cap="none" dirty="0" smtClean="0">
+                <a:latin typeface="Consolas" panose="020B0609020204030204" pitchFamily="49" charset="0"/>
+                <a:cs typeface="Consolas" panose="020B0609020204030204" pitchFamily="49" charset="0"/>
+              </a:rPr>
+              <a:t>http://sacha.ii.uam.es/e-valUAM/</a:t>
+            </a:r>
+            <a:endParaRPr lang="es-ES" sz="2200" b="0" cap="none" dirty="0">
+              <a:latin typeface="Consolas" panose="020B0609020204030204" pitchFamily="49" charset="0"/>
+              <a:cs typeface="Consolas" panose="020B0609020204030204" pitchFamily="49" charset="0"/>
+            </a:endParaRPr>
           </a:p>
         </p:txBody>
       </p:sp>
     </p:spTree>
     <p:extLst>
       <p:ext uri="{BB962C8B-B14F-4D97-AF65-F5344CB8AC3E}">
-        <p14:creationId xmlns:p14="http://schemas.microsoft.com/office/powerpoint/2010/main" val="130507571"/>
+        <p14:creationId xmlns:p14="http://schemas.microsoft.com/office/powerpoint/2010/main" val="1425361133"/>
       </p:ext>
     </p:extLst>
   </p:cSld>
@@ -5070,7 +5845,7 @@
             <a:pPr algn="l"/>
             <a:r>
               <a:rPr lang="es-ES" dirty="0" smtClean="0"/>
-              <a:t>Trabajo futuro</a:t>
+              <a:t>Índice</a:t>
             </a:r>
             <a:endParaRPr lang="es-ES" dirty="0"/>
           </a:p>
@@ -5091,14 +5866,3426 @@
           <a:bodyPr/>
           <a:lstStyle/>
           <a:p>
-            <a:endParaRPr lang="es-ES"/>
+            <a:r>
+              <a:rPr lang="es-ES" dirty="0" smtClean="0">
+                <a:solidFill>
+                  <a:schemeClr val="tx1">
+                    <a:lumMod val="50000"/>
+                    <a:lumOff val="50000"/>
+                  </a:schemeClr>
+                </a:solidFill>
+              </a:rPr>
+              <a:t>Introducción</a:t>
+            </a:r>
+          </a:p>
+          <a:p>
+            <a:r>
+              <a:rPr lang="es-ES" dirty="0" smtClean="0">
+                <a:solidFill>
+                  <a:schemeClr val="tx1">
+                    <a:lumMod val="50000"/>
+                    <a:lumOff val="50000"/>
+                  </a:schemeClr>
+                </a:solidFill>
+              </a:rPr>
+              <a:t>Estado del arte</a:t>
+            </a:r>
+          </a:p>
+          <a:p>
+            <a:r>
+              <a:rPr lang="es-ES" dirty="0" smtClean="0">
+                <a:solidFill>
+                  <a:schemeClr val="tx1">
+                    <a:lumMod val="50000"/>
+                    <a:lumOff val="50000"/>
+                  </a:schemeClr>
+                </a:solidFill>
+              </a:rPr>
+              <a:t>Análisis, diseño, desarrollo</a:t>
+            </a:r>
+          </a:p>
+          <a:p>
+            <a:r>
+              <a:rPr lang="es-ES" dirty="0" smtClean="0"/>
+              <a:t>Pruebas</a:t>
+            </a:r>
+          </a:p>
+          <a:p>
+            <a:pPr lvl="1"/>
+            <a:r>
+              <a:rPr lang="es-ES" dirty="0" smtClean="0"/>
+              <a:t>Primer prototipo</a:t>
+            </a:r>
+          </a:p>
+          <a:p>
+            <a:pPr lvl="1"/>
+            <a:r>
+              <a:rPr lang="es-ES" dirty="0" smtClean="0"/>
+              <a:t>Segundo prototipo</a:t>
+            </a:r>
+          </a:p>
+          <a:p>
+            <a:r>
+              <a:rPr lang="es-ES" dirty="0" smtClean="0">
+                <a:solidFill>
+                  <a:schemeClr val="tx1">
+                    <a:lumMod val="50000"/>
+                    <a:lumOff val="50000"/>
+                  </a:schemeClr>
+                </a:solidFill>
+              </a:rPr>
+              <a:t>Conclusiones y trabajo futuro</a:t>
+            </a:r>
           </a:p>
         </p:txBody>
       </p:sp>
     </p:spTree>
     <p:extLst>
       <p:ext uri="{BB962C8B-B14F-4D97-AF65-F5344CB8AC3E}">
-        <p14:creationId xmlns:p14="http://schemas.microsoft.com/office/powerpoint/2010/main" val="752336203"/>
+        <p14:creationId xmlns:p14="http://schemas.microsoft.com/office/powerpoint/2010/main" val="3013069437"/>
+      </p:ext>
+    </p:extLst>
+  </p:cSld>
+  <p:clrMapOvr>
+    <a:masterClrMapping/>
+  </p:clrMapOvr>
+</p:sld>
+</file>
+
+<file path=ppt/slides/slide26.xml><?xml version="1.0" encoding="utf-8"?>
+<p:sld xmlns:a="http://schemas.openxmlformats.org/drawingml/2006/main" xmlns:r="http://schemas.openxmlformats.org/officeDocument/2006/relationships" xmlns:p="http://schemas.openxmlformats.org/presentationml/2006/main">
+  <p:cSld>
+    <p:bg>
+      <p:bgRef idx="1001">
+        <a:schemeClr val="bg1"/>
+      </p:bgRef>
+    </p:bg>
+    <p:spTree>
+      <p:nvGrpSpPr>
+        <p:cNvPr id="1" name=""/>
+        <p:cNvGrpSpPr/>
+        <p:nvPr/>
+      </p:nvGrpSpPr>
+      <p:grpSpPr>
+        <a:xfrm>
+          <a:off x="0" y="0"/>
+          <a:ext cx="0" cy="0"/>
+          <a:chOff x="0" y="0"/>
+          <a:chExt cx="0" cy="0"/>
+        </a:xfrm>
+      </p:grpSpPr>
+      <p:sp>
+        <p:nvSpPr>
+          <p:cNvPr id="2" name="1 Título"/>
+          <p:cNvSpPr>
+            <a:spLocks noGrp="1"/>
+          </p:cNvSpPr>
+          <p:nvPr>
+            <p:ph type="title"/>
+          </p:nvPr>
+        </p:nvSpPr>
+        <p:spPr/>
+        <p:txBody>
+          <a:bodyPr/>
+          <a:lstStyle/>
+          <a:p>
+            <a:pPr algn="l"/>
+            <a:r>
+              <a:rPr lang="es-ES" dirty="0" smtClean="0"/>
+              <a:t>Pruebas – Primer prototipo</a:t>
+            </a:r>
+            <a:endParaRPr lang="es-ES" dirty="0"/>
+          </a:p>
+        </p:txBody>
+      </p:sp>
+      <p:graphicFrame>
+        <p:nvGraphicFramePr>
+          <p:cNvPr id="4" name="3 Marcador de contenido"/>
+          <p:cNvGraphicFramePr>
+            <a:graphicFrameLocks noGrp="1"/>
+          </p:cNvGraphicFramePr>
+          <p:nvPr>
+            <p:ph idx="1"/>
+            <p:extLst>
+              <p:ext uri="{D42A27DB-BD31-4B8C-83A1-F6EECF244321}">
+                <p14:modId xmlns:p14="http://schemas.microsoft.com/office/powerpoint/2010/main" val="37179473"/>
+              </p:ext>
+            </p:extLst>
+          </p:nvPr>
+        </p:nvGraphicFramePr>
+        <p:xfrm>
+          <a:off x="467544" y="3933056"/>
+          <a:ext cx="8229600" cy="2225040"/>
+        </p:xfrm>
+        <a:graphic>
+          <a:graphicData uri="http://schemas.openxmlformats.org/drawingml/2006/table">
+            <a:tbl>
+              <a:tblPr firstRow="1" bandRow="1">
+                <a:tableStyleId>{2D5ABB26-0587-4C30-8999-92F81FD0307C}</a:tableStyleId>
+              </a:tblPr>
+              <a:tblGrid>
+                <a:gridCol w="4114800"/>
+                <a:gridCol w="4114800"/>
+              </a:tblGrid>
+              <a:tr h="370840">
+                <a:tc>
+                  <a:txBody>
+                    <a:bodyPr/>
+                    <a:lstStyle/>
+                    <a:p>
+                      <a:r>
+                        <a:rPr lang="es-ES" b="1" dirty="0" smtClean="0"/>
+                        <a:t>Cuestionarios</a:t>
+                      </a:r>
+                      <a:endParaRPr lang="es-ES" b="1" dirty="0"/>
+                    </a:p>
+                  </a:txBody>
+                  <a:tcPr>
+                    <a:lnL>
+                      <a:noFill/>
+                    </a:lnL>
+                    <a:lnR w="12700" cap="flat" cmpd="sng" algn="ctr">
+                      <a:solidFill>
+                        <a:schemeClr val="tx1"/>
+                      </a:solidFill>
+                      <a:prstDash val="solid"/>
+                      <a:round/>
+                      <a:headEnd type="none" w="med" len="med"/>
+                      <a:tailEnd type="none" w="med" len="med"/>
+                    </a:lnR>
+                    <a:lnT>
+                      <a:noFill/>
+                    </a:lnT>
+                    <a:lnB>
+                      <a:noFill/>
+                    </a:lnB>
+                    <a:lnTlToBr w="12700" cmpd="sng">
+                      <a:noFill/>
+                      <a:prstDash val="solid"/>
+                    </a:lnTlToBr>
+                    <a:lnBlToTr w="12700" cmpd="sng">
+                      <a:noFill/>
+                      <a:prstDash val="solid"/>
+                    </a:lnBlToTr>
+                  </a:tcPr>
+                </a:tc>
+                <a:tc>
+                  <a:txBody>
+                    <a:bodyPr/>
+                    <a:lstStyle/>
+                    <a:p>
+                      <a:r>
+                        <a:rPr lang="es-ES" dirty="0" smtClean="0"/>
+                        <a:t>3 de autoevaluación y 4 exámenes</a:t>
+                      </a:r>
+                    </a:p>
+                  </a:txBody>
+                  <a:tcPr>
+                    <a:lnL w="12700" cap="flat" cmpd="sng" algn="ctr">
+                      <a:solidFill>
+                        <a:schemeClr val="tx1"/>
+                      </a:solidFill>
+                      <a:prstDash val="solid"/>
+                      <a:round/>
+                      <a:headEnd type="none" w="med" len="med"/>
+                      <a:tailEnd type="none" w="med" len="med"/>
+                    </a:lnL>
+                    <a:lnR>
+                      <a:noFill/>
+                    </a:lnR>
+                    <a:lnT>
+                      <a:noFill/>
+                    </a:lnT>
+                    <a:lnB>
+                      <a:noFill/>
+                    </a:lnB>
+                    <a:lnTlToBr w="12700" cmpd="sng">
+                      <a:noFill/>
+                      <a:prstDash val="solid"/>
+                    </a:lnTlToBr>
+                    <a:lnBlToTr w="12700" cmpd="sng">
+                      <a:noFill/>
+                      <a:prstDash val="solid"/>
+                    </a:lnBlToTr>
+                  </a:tcPr>
+                </a:tc>
+              </a:tr>
+              <a:tr h="370840">
+                <a:tc>
+                  <a:txBody>
+                    <a:bodyPr/>
+                    <a:lstStyle/>
+                    <a:p>
+                      <a:r>
+                        <a:rPr lang="es-ES" b="1" dirty="0" smtClean="0"/>
+                        <a:t>Usuarios</a:t>
+                      </a:r>
+                      <a:endParaRPr lang="es-ES" b="1" dirty="0"/>
+                    </a:p>
+                  </a:txBody>
+                  <a:tcPr>
+                    <a:lnL>
+                      <a:noFill/>
+                    </a:lnL>
+                    <a:lnR w="12700" cap="flat" cmpd="sng" algn="ctr">
+                      <a:solidFill>
+                        <a:schemeClr val="tx1"/>
+                      </a:solidFill>
+                      <a:prstDash val="solid"/>
+                      <a:round/>
+                      <a:headEnd type="none" w="med" len="med"/>
+                      <a:tailEnd type="none" w="med" len="med"/>
+                    </a:lnR>
+                    <a:lnT>
+                      <a:noFill/>
+                    </a:lnT>
+                    <a:lnB>
+                      <a:noFill/>
+                    </a:lnB>
+                    <a:lnTlToBr w="12700" cmpd="sng">
+                      <a:noFill/>
+                      <a:prstDash val="solid"/>
+                    </a:lnTlToBr>
+                    <a:lnBlToTr w="12700" cmpd="sng">
+                      <a:noFill/>
+                      <a:prstDash val="solid"/>
+                    </a:lnBlToTr>
+                  </a:tcPr>
+                </a:tc>
+                <a:tc>
+                  <a:txBody>
+                    <a:bodyPr/>
+                    <a:lstStyle/>
+                    <a:p>
+                      <a:r>
+                        <a:rPr lang="es-ES" dirty="0" smtClean="0"/>
+                        <a:t>15 alumnos</a:t>
+                      </a:r>
+                      <a:endParaRPr lang="es-ES" baseline="0" dirty="0" smtClean="0"/>
+                    </a:p>
+                  </a:txBody>
+                  <a:tcPr>
+                    <a:lnL w="12700" cap="flat" cmpd="sng" algn="ctr">
+                      <a:solidFill>
+                        <a:schemeClr val="tx1"/>
+                      </a:solidFill>
+                      <a:prstDash val="solid"/>
+                      <a:round/>
+                      <a:headEnd type="none" w="med" len="med"/>
+                      <a:tailEnd type="none" w="med" len="med"/>
+                    </a:lnL>
+                    <a:lnR>
+                      <a:noFill/>
+                    </a:lnR>
+                    <a:lnT>
+                      <a:noFill/>
+                    </a:lnT>
+                    <a:lnB>
+                      <a:noFill/>
+                    </a:lnB>
+                    <a:lnTlToBr w="12700" cmpd="sng">
+                      <a:noFill/>
+                      <a:prstDash val="solid"/>
+                    </a:lnTlToBr>
+                    <a:lnBlToTr w="12700" cmpd="sng">
+                      <a:noFill/>
+                      <a:prstDash val="solid"/>
+                    </a:lnBlToTr>
+                  </a:tcPr>
+                </a:tc>
+              </a:tr>
+              <a:tr h="370840">
+                <a:tc>
+                  <a:txBody>
+                    <a:bodyPr/>
+                    <a:lstStyle/>
+                    <a:p>
+                      <a:r>
+                        <a:rPr lang="es-ES" b="1" dirty="0" smtClean="0"/>
+                        <a:t>Preguntas</a:t>
+                      </a:r>
+                      <a:r>
+                        <a:rPr lang="es-ES" b="1" baseline="0" dirty="0" smtClean="0"/>
+                        <a:t> totales</a:t>
+                      </a:r>
+                      <a:endParaRPr lang="es-ES" b="1" dirty="0"/>
+                    </a:p>
+                  </a:txBody>
+                  <a:tcPr>
+                    <a:lnL>
+                      <a:noFill/>
+                    </a:lnL>
+                    <a:lnR w="12700" cap="flat" cmpd="sng" algn="ctr">
+                      <a:solidFill>
+                        <a:schemeClr val="tx1"/>
+                      </a:solidFill>
+                      <a:prstDash val="solid"/>
+                      <a:round/>
+                      <a:headEnd type="none" w="med" len="med"/>
+                      <a:tailEnd type="none" w="med" len="med"/>
+                    </a:lnR>
+                    <a:lnT>
+                      <a:noFill/>
+                    </a:lnT>
+                    <a:lnB>
+                      <a:noFill/>
+                    </a:lnB>
+                    <a:lnTlToBr w="12700" cmpd="sng">
+                      <a:noFill/>
+                      <a:prstDash val="solid"/>
+                    </a:lnTlToBr>
+                    <a:lnBlToTr w="12700" cmpd="sng">
+                      <a:noFill/>
+                      <a:prstDash val="solid"/>
+                    </a:lnBlToTr>
+                  </a:tcPr>
+                </a:tc>
+                <a:tc>
+                  <a:txBody>
+                    <a:bodyPr/>
+                    <a:lstStyle/>
+                    <a:p>
+                      <a:r>
+                        <a:rPr lang="es-ES" dirty="0" smtClean="0"/>
+                        <a:t>372</a:t>
+                      </a:r>
+                      <a:endParaRPr lang="es-ES" dirty="0"/>
+                    </a:p>
+                  </a:txBody>
+                  <a:tcPr>
+                    <a:lnL w="12700" cap="flat" cmpd="sng" algn="ctr">
+                      <a:solidFill>
+                        <a:schemeClr val="tx1"/>
+                      </a:solidFill>
+                      <a:prstDash val="solid"/>
+                      <a:round/>
+                      <a:headEnd type="none" w="med" len="med"/>
+                      <a:tailEnd type="none" w="med" len="med"/>
+                    </a:lnL>
+                    <a:lnR>
+                      <a:noFill/>
+                    </a:lnR>
+                    <a:lnT>
+                      <a:noFill/>
+                    </a:lnT>
+                    <a:lnB>
+                      <a:noFill/>
+                    </a:lnB>
+                    <a:lnTlToBr w="12700" cmpd="sng">
+                      <a:noFill/>
+                      <a:prstDash val="solid"/>
+                    </a:lnTlToBr>
+                    <a:lnBlToTr w="12700" cmpd="sng">
+                      <a:noFill/>
+                      <a:prstDash val="solid"/>
+                    </a:lnBlToTr>
+                  </a:tcPr>
+                </a:tc>
+              </a:tr>
+              <a:tr h="370840">
+                <a:tc>
+                  <a:txBody>
+                    <a:bodyPr/>
+                    <a:lstStyle/>
+                    <a:p>
+                      <a:r>
+                        <a:rPr lang="es-ES" b="1" dirty="0" smtClean="0"/>
+                        <a:t>Cuestionarios contestados</a:t>
+                      </a:r>
+                      <a:endParaRPr lang="es-ES" b="1" dirty="0"/>
+                    </a:p>
+                  </a:txBody>
+                  <a:tcPr>
+                    <a:lnL>
+                      <a:noFill/>
+                    </a:lnL>
+                    <a:lnR w="12700" cap="flat" cmpd="sng" algn="ctr">
+                      <a:solidFill>
+                        <a:schemeClr val="tx1"/>
+                      </a:solidFill>
+                      <a:prstDash val="solid"/>
+                      <a:round/>
+                      <a:headEnd type="none" w="med" len="med"/>
+                      <a:tailEnd type="none" w="med" len="med"/>
+                    </a:lnR>
+                    <a:lnT>
+                      <a:noFill/>
+                    </a:lnT>
+                    <a:lnB>
+                      <a:noFill/>
+                    </a:lnB>
+                    <a:lnTlToBr w="12700" cmpd="sng">
+                      <a:noFill/>
+                      <a:prstDash val="solid"/>
+                    </a:lnTlToBr>
+                    <a:lnBlToTr w="12700" cmpd="sng">
+                      <a:noFill/>
+                      <a:prstDash val="solid"/>
+                    </a:lnBlToTr>
+                  </a:tcPr>
+                </a:tc>
+                <a:tc>
+                  <a:txBody>
+                    <a:bodyPr/>
+                    <a:lstStyle/>
+                    <a:p>
+                      <a:r>
+                        <a:rPr lang="es-ES" dirty="0" smtClean="0"/>
+                        <a:t>254</a:t>
+                      </a:r>
+                      <a:endParaRPr lang="es-ES" dirty="0"/>
+                    </a:p>
+                  </a:txBody>
+                  <a:tcPr>
+                    <a:lnL w="12700" cap="flat" cmpd="sng" algn="ctr">
+                      <a:solidFill>
+                        <a:schemeClr val="tx1"/>
+                      </a:solidFill>
+                      <a:prstDash val="solid"/>
+                      <a:round/>
+                      <a:headEnd type="none" w="med" len="med"/>
+                      <a:tailEnd type="none" w="med" len="med"/>
+                    </a:lnL>
+                    <a:lnR>
+                      <a:noFill/>
+                    </a:lnR>
+                    <a:lnT>
+                      <a:noFill/>
+                    </a:lnT>
+                    <a:lnB>
+                      <a:noFill/>
+                    </a:lnB>
+                    <a:lnTlToBr w="12700" cmpd="sng">
+                      <a:noFill/>
+                      <a:prstDash val="solid"/>
+                    </a:lnTlToBr>
+                    <a:lnBlToTr w="12700" cmpd="sng">
+                      <a:noFill/>
+                      <a:prstDash val="solid"/>
+                    </a:lnBlToTr>
+                  </a:tcPr>
+                </a:tc>
+              </a:tr>
+              <a:tr h="370840">
+                <a:tc>
+                  <a:txBody>
+                    <a:bodyPr/>
+                    <a:lstStyle/>
+                    <a:p>
+                      <a:r>
+                        <a:rPr lang="es-ES" b="1" dirty="0" smtClean="0"/>
+                        <a:t>Preguntas contestadas</a:t>
+                      </a:r>
+                      <a:endParaRPr lang="es-ES" b="1" dirty="0"/>
+                    </a:p>
+                  </a:txBody>
+                  <a:tcPr>
+                    <a:lnL>
+                      <a:noFill/>
+                    </a:lnL>
+                    <a:lnR w="12700" cap="flat" cmpd="sng" algn="ctr">
+                      <a:solidFill>
+                        <a:schemeClr val="tx1"/>
+                      </a:solidFill>
+                      <a:prstDash val="solid"/>
+                      <a:round/>
+                      <a:headEnd type="none" w="med" len="med"/>
+                      <a:tailEnd type="none" w="med" len="med"/>
+                    </a:lnR>
+                    <a:lnT>
+                      <a:noFill/>
+                    </a:lnT>
+                    <a:lnB>
+                      <a:noFill/>
+                    </a:lnB>
+                    <a:lnTlToBr w="12700" cmpd="sng">
+                      <a:noFill/>
+                      <a:prstDash val="solid"/>
+                    </a:lnTlToBr>
+                    <a:lnBlToTr w="12700" cmpd="sng">
+                      <a:noFill/>
+                      <a:prstDash val="solid"/>
+                    </a:lnBlToTr>
+                  </a:tcPr>
+                </a:tc>
+                <a:tc>
+                  <a:txBody>
+                    <a:bodyPr/>
+                    <a:lstStyle/>
+                    <a:p>
+                      <a:r>
+                        <a:rPr lang="es-ES" dirty="0" smtClean="0"/>
+                        <a:t>12390</a:t>
+                      </a:r>
+                      <a:endParaRPr lang="es-ES" dirty="0"/>
+                    </a:p>
+                  </a:txBody>
+                  <a:tcPr>
+                    <a:lnL w="12700" cap="flat" cmpd="sng" algn="ctr">
+                      <a:solidFill>
+                        <a:schemeClr val="tx1"/>
+                      </a:solidFill>
+                      <a:prstDash val="solid"/>
+                      <a:round/>
+                      <a:headEnd type="none" w="med" len="med"/>
+                      <a:tailEnd type="none" w="med" len="med"/>
+                    </a:lnL>
+                    <a:lnR>
+                      <a:noFill/>
+                    </a:lnR>
+                    <a:lnT>
+                      <a:noFill/>
+                    </a:lnT>
+                    <a:lnB>
+                      <a:noFill/>
+                    </a:lnB>
+                    <a:lnTlToBr w="12700" cmpd="sng">
+                      <a:noFill/>
+                      <a:prstDash val="solid"/>
+                    </a:lnTlToBr>
+                    <a:lnBlToTr w="12700" cmpd="sng">
+                      <a:noFill/>
+                      <a:prstDash val="solid"/>
+                    </a:lnBlToTr>
+                  </a:tcPr>
+                </a:tc>
+              </a:tr>
+              <a:tr h="370840">
+                <a:tc>
+                  <a:txBody>
+                    <a:bodyPr/>
+                    <a:lstStyle/>
+                    <a:p>
+                      <a:r>
+                        <a:rPr lang="es-ES" b="1" dirty="0" smtClean="0"/>
+                        <a:t>Ficheros multimedia</a:t>
+                      </a:r>
+                      <a:endParaRPr lang="es-ES" b="1" dirty="0"/>
+                    </a:p>
+                  </a:txBody>
+                  <a:tcPr>
+                    <a:lnL>
+                      <a:noFill/>
+                    </a:lnL>
+                    <a:lnR w="12700" cap="flat" cmpd="sng" algn="ctr">
+                      <a:solidFill>
+                        <a:schemeClr val="tx1"/>
+                      </a:solidFill>
+                      <a:prstDash val="solid"/>
+                      <a:round/>
+                      <a:headEnd type="none" w="med" len="med"/>
+                      <a:tailEnd type="none" w="med" len="med"/>
+                    </a:lnR>
+                    <a:lnT>
+                      <a:noFill/>
+                    </a:lnT>
+                    <a:lnB>
+                      <a:noFill/>
+                    </a:lnB>
+                    <a:lnTlToBr w="12700" cmpd="sng">
+                      <a:noFill/>
+                      <a:prstDash val="solid"/>
+                    </a:lnTlToBr>
+                    <a:lnBlToTr w="12700" cmpd="sng">
+                      <a:noFill/>
+                      <a:prstDash val="solid"/>
+                    </a:lnBlToTr>
+                  </a:tcPr>
+                </a:tc>
+                <a:tc>
+                  <a:txBody>
+                    <a:bodyPr/>
+                    <a:lstStyle/>
+                    <a:p>
+                      <a:r>
+                        <a:rPr lang="es-ES" dirty="0" smtClean="0"/>
+                        <a:t>178</a:t>
+                      </a:r>
+                      <a:endParaRPr lang="es-ES" dirty="0"/>
+                    </a:p>
+                  </a:txBody>
+                  <a:tcPr>
+                    <a:lnL w="12700" cap="flat" cmpd="sng" algn="ctr">
+                      <a:solidFill>
+                        <a:schemeClr val="tx1"/>
+                      </a:solidFill>
+                      <a:prstDash val="solid"/>
+                      <a:round/>
+                      <a:headEnd type="none" w="med" len="med"/>
+                      <a:tailEnd type="none" w="med" len="med"/>
+                    </a:lnL>
+                    <a:lnR>
+                      <a:noFill/>
+                    </a:lnR>
+                    <a:lnT>
+                      <a:noFill/>
+                    </a:lnT>
+                    <a:lnB>
+                      <a:noFill/>
+                    </a:lnB>
+                    <a:lnTlToBr w="12700" cmpd="sng">
+                      <a:noFill/>
+                      <a:prstDash val="solid"/>
+                    </a:lnTlToBr>
+                    <a:lnBlToTr w="12700" cmpd="sng">
+                      <a:noFill/>
+                      <a:prstDash val="solid"/>
+                    </a:lnBlToTr>
+                  </a:tcPr>
+                </a:tc>
+              </a:tr>
+            </a:tbl>
+          </a:graphicData>
+        </a:graphic>
+      </p:graphicFrame>
+      <p:sp>
+        <p:nvSpPr>
+          <p:cNvPr id="7" name="2 Marcador de contenido"/>
+          <p:cNvSpPr txBox="1">
+            <a:spLocks/>
+          </p:cNvSpPr>
+          <p:nvPr/>
+        </p:nvSpPr>
+        <p:spPr>
+          <a:xfrm>
+            <a:off x="457200" y="1600201"/>
+            <a:ext cx="8229600" cy="2044824"/>
+          </a:xfrm>
+          <a:prstGeom prst="rect">
+            <a:avLst/>
+          </a:prstGeom>
+        </p:spPr>
+        <p:txBody>
+          <a:bodyPr vert="horz" lIns="91440" tIns="45720" rIns="91440" bIns="45720" rtlCol="0">
+            <a:normAutofit lnSpcReduction="10000"/>
+          </a:bodyPr>
+          <a:lstStyle>
+            <a:lvl1pPr marL="342900" indent="-342900" algn="l" defTabSz="914400" rtl="0" eaLnBrk="1" latinLnBrk="0" hangingPunct="1">
+              <a:spcBef>
+                <a:spcPct val="20000"/>
+              </a:spcBef>
+              <a:buFont typeface="Arial" panose="020B0604020202020204" pitchFamily="34" charset="0"/>
+              <a:buChar char="•"/>
+              <a:defRPr sz="3200" kern="1200">
+                <a:solidFill>
+                  <a:schemeClr val="tx1"/>
+                </a:solidFill>
+                <a:latin typeface="+mn-lt"/>
+                <a:ea typeface="+mn-ea"/>
+                <a:cs typeface="+mn-cs"/>
+              </a:defRPr>
+            </a:lvl1pPr>
+            <a:lvl2pPr marL="742950" indent="-285750" algn="l" defTabSz="914400" rtl="0" eaLnBrk="1" latinLnBrk="0" hangingPunct="1">
+              <a:spcBef>
+                <a:spcPct val="20000"/>
+              </a:spcBef>
+              <a:buFont typeface="Arial" panose="020B0604020202020204" pitchFamily="34" charset="0"/>
+              <a:buChar char="–"/>
+              <a:defRPr sz="2800" kern="1200">
+                <a:solidFill>
+                  <a:schemeClr val="tx1"/>
+                </a:solidFill>
+                <a:latin typeface="+mn-lt"/>
+                <a:ea typeface="+mn-ea"/>
+                <a:cs typeface="+mn-cs"/>
+              </a:defRPr>
+            </a:lvl2pPr>
+            <a:lvl3pPr marL="1143000" indent="-228600" algn="l" defTabSz="914400" rtl="0" eaLnBrk="1" latinLnBrk="0" hangingPunct="1">
+              <a:spcBef>
+                <a:spcPct val="20000"/>
+              </a:spcBef>
+              <a:buFont typeface="Arial" panose="020B0604020202020204" pitchFamily="34" charset="0"/>
+              <a:buChar char="•"/>
+              <a:defRPr sz="2400" kern="1200">
+                <a:solidFill>
+                  <a:schemeClr val="tx1"/>
+                </a:solidFill>
+                <a:latin typeface="+mn-lt"/>
+                <a:ea typeface="+mn-ea"/>
+                <a:cs typeface="+mn-cs"/>
+              </a:defRPr>
+            </a:lvl3pPr>
+            <a:lvl4pPr marL="1600200" indent="-228600" algn="l" defTabSz="914400" rtl="0" eaLnBrk="1" latinLnBrk="0" hangingPunct="1">
+              <a:spcBef>
+                <a:spcPct val="20000"/>
+              </a:spcBef>
+              <a:buFont typeface="Arial" panose="020B0604020202020204" pitchFamily="34" charset="0"/>
+              <a:buChar char="–"/>
+              <a:defRPr sz="2000" kern="1200">
+                <a:solidFill>
+                  <a:schemeClr val="tx1"/>
+                </a:solidFill>
+                <a:latin typeface="+mn-lt"/>
+                <a:ea typeface="+mn-ea"/>
+                <a:cs typeface="+mn-cs"/>
+              </a:defRPr>
+            </a:lvl4pPr>
+            <a:lvl5pPr marL="2057400" indent="-228600" algn="l" defTabSz="914400" rtl="0" eaLnBrk="1" latinLnBrk="0" hangingPunct="1">
+              <a:spcBef>
+                <a:spcPct val="20000"/>
+              </a:spcBef>
+              <a:buFont typeface="Arial" panose="020B0604020202020204" pitchFamily="34" charset="0"/>
+              <a:buChar char="»"/>
+              <a:defRPr sz="2000" kern="1200">
+                <a:solidFill>
+                  <a:schemeClr val="tx1"/>
+                </a:solidFill>
+                <a:latin typeface="+mn-lt"/>
+                <a:ea typeface="+mn-ea"/>
+                <a:cs typeface="+mn-cs"/>
+              </a:defRPr>
+            </a:lvl5pPr>
+            <a:lvl6pPr marL="2514600" indent="-228600" algn="l" defTabSz="914400" rtl="0" eaLnBrk="1" latinLnBrk="0" hangingPunct="1">
+              <a:spcBef>
+                <a:spcPct val="20000"/>
+              </a:spcBef>
+              <a:buFont typeface="Arial" panose="020B0604020202020204" pitchFamily="34" charset="0"/>
+              <a:buChar char="•"/>
+              <a:defRPr sz="2000" kern="1200">
+                <a:solidFill>
+                  <a:schemeClr val="tx1"/>
+                </a:solidFill>
+                <a:latin typeface="+mn-lt"/>
+                <a:ea typeface="+mn-ea"/>
+                <a:cs typeface="+mn-cs"/>
+              </a:defRPr>
+            </a:lvl6pPr>
+            <a:lvl7pPr marL="2971800" indent="-228600" algn="l" defTabSz="914400" rtl="0" eaLnBrk="1" latinLnBrk="0" hangingPunct="1">
+              <a:spcBef>
+                <a:spcPct val="20000"/>
+              </a:spcBef>
+              <a:buFont typeface="Arial" panose="020B0604020202020204" pitchFamily="34" charset="0"/>
+              <a:buChar char="•"/>
+              <a:defRPr sz="2000" kern="1200">
+                <a:solidFill>
+                  <a:schemeClr val="tx1"/>
+                </a:solidFill>
+                <a:latin typeface="+mn-lt"/>
+                <a:ea typeface="+mn-ea"/>
+                <a:cs typeface="+mn-cs"/>
+              </a:defRPr>
+            </a:lvl7pPr>
+            <a:lvl8pPr marL="3429000" indent="-228600" algn="l" defTabSz="914400" rtl="0" eaLnBrk="1" latinLnBrk="0" hangingPunct="1">
+              <a:spcBef>
+                <a:spcPct val="20000"/>
+              </a:spcBef>
+              <a:buFont typeface="Arial" panose="020B0604020202020204" pitchFamily="34" charset="0"/>
+              <a:buChar char="•"/>
+              <a:defRPr sz="2000" kern="1200">
+                <a:solidFill>
+                  <a:schemeClr val="tx1"/>
+                </a:solidFill>
+                <a:latin typeface="+mn-lt"/>
+                <a:ea typeface="+mn-ea"/>
+                <a:cs typeface="+mn-cs"/>
+              </a:defRPr>
+            </a:lvl8pPr>
+            <a:lvl9pPr marL="3886200" indent="-228600" algn="l" defTabSz="914400" rtl="0" eaLnBrk="1" latinLnBrk="0" hangingPunct="1">
+              <a:spcBef>
+                <a:spcPct val="20000"/>
+              </a:spcBef>
+              <a:buFont typeface="Arial" panose="020B0604020202020204" pitchFamily="34" charset="0"/>
+              <a:buChar char="•"/>
+              <a:defRPr sz="2000" kern="1200">
+                <a:solidFill>
+                  <a:schemeClr val="tx1"/>
+                </a:solidFill>
+                <a:latin typeface="+mn-lt"/>
+                <a:ea typeface="+mn-ea"/>
+                <a:cs typeface="+mn-cs"/>
+              </a:defRPr>
+            </a:lvl9pPr>
+          </a:lstStyle>
+          <a:p>
+            <a:r>
+              <a:rPr lang="es-ES" dirty="0" smtClean="0"/>
+              <a:t>Probado en el curso 2013/2014</a:t>
+            </a:r>
+          </a:p>
+          <a:p>
+            <a:r>
+              <a:rPr lang="es-ES" dirty="0" smtClean="0"/>
+              <a:t>Utilizado en el Grado de Historia</a:t>
+            </a:r>
+          </a:p>
+          <a:p>
+            <a:r>
+              <a:rPr lang="es-ES" dirty="0" smtClean="0"/>
+              <a:t>Opciones multimedia y gestión del profesor limitados</a:t>
+            </a:r>
+            <a:endParaRPr lang="es-ES" dirty="0"/>
+          </a:p>
+        </p:txBody>
+      </p:sp>
+    </p:spTree>
+    <p:extLst>
+      <p:ext uri="{BB962C8B-B14F-4D97-AF65-F5344CB8AC3E}">
+        <p14:creationId xmlns:p14="http://schemas.microsoft.com/office/powerpoint/2010/main" val="4012506760"/>
+      </p:ext>
+    </p:extLst>
+  </p:cSld>
+  <p:clrMapOvr>
+    <a:overrideClrMapping bg1="lt1" tx1="dk1" bg2="lt2" tx2="dk2" accent1="accent1" accent2="accent2" accent3="accent3" accent4="accent4" accent5="accent5" accent6="accent6" hlink="hlink" folHlink="folHlink"/>
+  </p:clrMapOvr>
+</p:sld>
+</file>
+
+<file path=ppt/slides/slide27.xml><?xml version="1.0" encoding="utf-8"?>
+<p:sld xmlns:a="http://schemas.openxmlformats.org/drawingml/2006/main" xmlns:r="http://schemas.openxmlformats.org/officeDocument/2006/relationships" xmlns:p="http://schemas.openxmlformats.org/presentationml/2006/main">
+  <p:cSld>
+    <p:spTree>
+      <p:nvGrpSpPr>
+        <p:cNvPr id="1" name=""/>
+        <p:cNvGrpSpPr/>
+        <p:nvPr/>
+      </p:nvGrpSpPr>
+      <p:grpSpPr>
+        <a:xfrm>
+          <a:off x="0" y="0"/>
+          <a:ext cx="0" cy="0"/>
+          <a:chOff x="0" y="0"/>
+          <a:chExt cx="0" cy="0"/>
+        </a:xfrm>
+      </p:grpSpPr>
+      <p:sp>
+        <p:nvSpPr>
+          <p:cNvPr id="2" name="1 Título"/>
+          <p:cNvSpPr>
+            <a:spLocks noGrp="1"/>
+          </p:cNvSpPr>
+          <p:nvPr>
+            <p:ph type="title"/>
+          </p:nvPr>
+        </p:nvSpPr>
+        <p:spPr/>
+        <p:txBody>
+          <a:bodyPr/>
+          <a:lstStyle/>
+          <a:p>
+            <a:pPr algn="l"/>
+            <a:r>
+              <a:rPr lang="es-ES" dirty="0" smtClean="0"/>
+              <a:t>Pruebas – Segundo prototipo</a:t>
+            </a:r>
+            <a:endParaRPr lang="es-ES" dirty="0"/>
+          </a:p>
+        </p:txBody>
+      </p:sp>
+      <p:sp>
+        <p:nvSpPr>
+          <p:cNvPr id="7" name="2 Marcador de contenido"/>
+          <p:cNvSpPr txBox="1">
+            <a:spLocks/>
+          </p:cNvSpPr>
+          <p:nvPr/>
+        </p:nvSpPr>
+        <p:spPr>
+          <a:xfrm>
+            <a:off x="457200" y="1600200"/>
+            <a:ext cx="8229600" cy="4637111"/>
+          </a:xfrm>
+          <a:prstGeom prst="rect">
+            <a:avLst/>
+          </a:prstGeom>
+        </p:spPr>
+        <p:txBody>
+          <a:bodyPr vert="horz" lIns="91440" tIns="45720" rIns="91440" bIns="45720" rtlCol="0">
+            <a:normAutofit lnSpcReduction="10000"/>
+          </a:bodyPr>
+          <a:lstStyle>
+            <a:lvl1pPr marL="342900" indent="-342900" algn="l" defTabSz="914400" rtl="0" eaLnBrk="1" latinLnBrk="0" hangingPunct="1">
+              <a:spcBef>
+                <a:spcPct val="20000"/>
+              </a:spcBef>
+              <a:buFont typeface="Arial" panose="020B0604020202020204" pitchFamily="34" charset="0"/>
+              <a:buChar char="•"/>
+              <a:defRPr sz="3200" kern="1200">
+                <a:solidFill>
+                  <a:schemeClr val="tx1"/>
+                </a:solidFill>
+                <a:latin typeface="+mn-lt"/>
+                <a:ea typeface="+mn-ea"/>
+                <a:cs typeface="+mn-cs"/>
+              </a:defRPr>
+            </a:lvl1pPr>
+            <a:lvl2pPr marL="742950" indent="-285750" algn="l" defTabSz="914400" rtl="0" eaLnBrk="1" latinLnBrk="0" hangingPunct="1">
+              <a:spcBef>
+                <a:spcPct val="20000"/>
+              </a:spcBef>
+              <a:buFont typeface="Arial" panose="020B0604020202020204" pitchFamily="34" charset="0"/>
+              <a:buChar char="–"/>
+              <a:defRPr sz="2800" kern="1200">
+                <a:solidFill>
+                  <a:schemeClr val="tx1"/>
+                </a:solidFill>
+                <a:latin typeface="+mn-lt"/>
+                <a:ea typeface="+mn-ea"/>
+                <a:cs typeface="+mn-cs"/>
+              </a:defRPr>
+            </a:lvl2pPr>
+            <a:lvl3pPr marL="1143000" indent="-228600" algn="l" defTabSz="914400" rtl="0" eaLnBrk="1" latinLnBrk="0" hangingPunct="1">
+              <a:spcBef>
+                <a:spcPct val="20000"/>
+              </a:spcBef>
+              <a:buFont typeface="Arial" panose="020B0604020202020204" pitchFamily="34" charset="0"/>
+              <a:buChar char="•"/>
+              <a:defRPr sz="2400" kern="1200">
+                <a:solidFill>
+                  <a:schemeClr val="tx1"/>
+                </a:solidFill>
+                <a:latin typeface="+mn-lt"/>
+                <a:ea typeface="+mn-ea"/>
+                <a:cs typeface="+mn-cs"/>
+              </a:defRPr>
+            </a:lvl3pPr>
+            <a:lvl4pPr marL="1600200" indent="-228600" algn="l" defTabSz="914400" rtl="0" eaLnBrk="1" latinLnBrk="0" hangingPunct="1">
+              <a:spcBef>
+                <a:spcPct val="20000"/>
+              </a:spcBef>
+              <a:buFont typeface="Arial" panose="020B0604020202020204" pitchFamily="34" charset="0"/>
+              <a:buChar char="–"/>
+              <a:defRPr sz="2000" kern="1200">
+                <a:solidFill>
+                  <a:schemeClr val="tx1"/>
+                </a:solidFill>
+                <a:latin typeface="+mn-lt"/>
+                <a:ea typeface="+mn-ea"/>
+                <a:cs typeface="+mn-cs"/>
+              </a:defRPr>
+            </a:lvl4pPr>
+            <a:lvl5pPr marL="2057400" indent="-228600" algn="l" defTabSz="914400" rtl="0" eaLnBrk="1" latinLnBrk="0" hangingPunct="1">
+              <a:spcBef>
+                <a:spcPct val="20000"/>
+              </a:spcBef>
+              <a:buFont typeface="Arial" panose="020B0604020202020204" pitchFamily="34" charset="0"/>
+              <a:buChar char="»"/>
+              <a:defRPr sz="2000" kern="1200">
+                <a:solidFill>
+                  <a:schemeClr val="tx1"/>
+                </a:solidFill>
+                <a:latin typeface="+mn-lt"/>
+                <a:ea typeface="+mn-ea"/>
+                <a:cs typeface="+mn-cs"/>
+              </a:defRPr>
+            </a:lvl5pPr>
+            <a:lvl6pPr marL="2514600" indent="-228600" algn="l" defTabSz="914400" rtl="0" eaLnBrk="1" latinLnBrk="0" hangingPunct="1">
+              <a:spcBef>
+                <a:spcPct val="20000"/>
+              </a:spcBef>
+              <a:buFont typeface="Arial" panose="020B0604020202020204" pitchFamily="34" charset="0"/>
+              <a:buChar char="•"/>
+              <a:defRPr sz="2000" kern="1200">
+                <a:solidFill>
+                  <a:schemeClr val="tx1"/>
+                </a:solidFill>
+                <a:latin typeface="+mn-lt"/>
+                <a:ea typeface="+mn-ea"/>
+                <a:cs typeface="+mn-cs"/>
+              </a:defRPr>
+            </a:lvl6pPr>
+            <a:lvl7pPr marL="2971800" indent="-228600" algn="l" defTabSz="914400" rtl="0" eaLnBrk="1" latinLnBrk="0" hangingPunct="1">
+              <a:spcBef>
+                <a:spcPct val="20000"/>
+              </a:spcBef>
+              <a:buFont typeface="Arial" panose="020B0604020202020204" pitchFamily="34" charset="0"/>
+              <a:buChar char="•"/>
+              <a:defRPr sz="2000" kern="1200">
+                <a:solidFill>
+                  <a:schemeClr val="tx1"/>
+                </a:solidFill>
+                <a:latin typeface="+mn-lt"/>
+                <a:ea typeface="+mn-ea"/>
+                <a:cs typeface="+mn-cs"/>
+              </a:defRPr>
+            </a:lvl7pPr>
+            <a:lvl8pPr marL="3429000" indent="-228600" algn="l" defTabSz="914400" rtl="0" eaLnBrk="1" latinLnBrk="0" hangingPunct="1">
+              <a:spcBef>
+                <a:spcPct val="20000"/>
+              </a:spcBef>
+              <a:buFont typeface="Arial" panose="020B0604020202020204" pitchFamily="34" charset="0"/>
+              <a:buChar char="•"/>
+              <a:defRPr sz="2000" kern="1200">
+                <a:solidFill>
+                  <a:schemeClr val="tx1"/>
+                </a:solidFill>
+                <a:latin typeface="+mn-lt"/>
+                <a:ea typeface="+mn-ea"/>
+                <a:cs typeface="+mn-cs"/>
+              </a:defRPr>
+            </a:lvl8pPr>
+            <a:lvl9pPr marL="3886200" indent="-228600" algn="l" defTabSz="914400" rtl="0" eaLnBrk="1" latinLnBrk="0" hangingPunct="1">
+              <a:spcBef>
+                <a:spcPct val="20000"/>
+              </a:spcBef>
+              <a:buFont typeface="Arial" panose="020B0604020202020204" pitchFamily="34" charset="0"/>
+              <a:buChar char="•"/>
+              <a:defRPr sz="2000" kern="1200">
+                <a:solidFill>
+                  <a:schemeClr val="tx1"/>
+                </a:solidFill>
+                <a:latin typeface="+mn-lt"/>
+                <a:ea typeface="+mn-ea"/>
+                <a:cs typeface="+mn-cs"/>
+              </a:defRPr>
+            </a:lvl9pPr>
+          </a:lstStyle>
+          <a:p>
+            <a:r>
+              <a:rPr lang="es-ES" dirty="0" smtClean="0"/>
+              <a:t>Probado en el curso 2014/2015</a:t>
+            </a:r>
+          </a:p>
+          <a:p>
+            <a:r>
+              <a:rPr lang="es-ES" dirty="0" smtClean="0"/>
+              <a:t>Utilizado en el Grado de Educación Infantil</a:t>
+            </a:r>
+          </a:p>
+          <a:p>
+            <a:r>
+              <a:rPr lang="es-ES" dirty="0" smtClean="0"/>
+              <a:t>Versión completa del sistema</a:t>
+            </a:r>
+          </a:p>
+          <a:p>
+            <a:r>
+              <a:rPr lang="es-ES" dirty="0" smtClean="0"/>
+              <a:t>Probado de 3 maneras distintas</a:t>
+            </a:r>
+          </a:p>
+          <a:p>
+            <a:pPr lvl="1"/>
+            <a:r>
+              <a:rPr lang="es-ES" dirty="0" smtClean="0"/>
+              <a:t>Test de conocimientos informáticos</a:t>
+            </a:r>
+          </a:p>
+          <a:p>
+            <a:pPr lvl="1"/>
+            <a:r>
+              <a:rPr lang="es-ES" dirty="0" smtClean="0"/>
+              <a:t>Evaluación clásica</a:t>
+            </a:r>
+          </a:p>
+          <a:p>
+            <a:pPr lvl="2"/>
+            <a:r>
+              <a:rPr lang="es-ES" dirty="0" smtClean="0"/>
+              <a:t>Cuestionario previo de autoevaluación</a:t>
+            </a:r>
+          </a:p>
+          <a:p>
+            <a:pPr lvl="2"/>
+            <a:r>
+              <a:rPr lang="es-ES" dirty="0" smtClean="0"/>
+              <a:t>Cuestionario de examen</a:t>
+            </a:r>
+          </a:p>
+          <a:p>
+            <a:pPr lvl="2"/>
+            <a:r>
+              <a:rPr lang="es-ES" dirty="0" smtClean="0"/>
+              <a:t>Entrega de un proyecto pedagógico</a:t>
+            </a:r>
+          </a:p>
+          <a:p>
+            <a:endParaRPr lang="es-ES" dirty="0"/>
+          </a:p>
+        </p:txBody>
+      </p:sp>
+    </p:spTree>
+    <p:extLst>
+      <p:ext uri="{BB962C8B-B14F-4D97-AF65-F5344CB8AC3E}">
+        <p14:creationId xmlns:p14="http://schemas.microsoft.com/office/powerpoint/2010/main" val="3320618018"/>
+      </p:ext>
+    </p:extLst>
+  </p:cSld>
+  <p:clrMapOvr>
+    <a:masterClrMapping/>
+  </p:clrMapOvr>
+</p:sld>
+</file>
+
+<file path=ppt/slides/slide28.xml><?xml version="1.0" encoding="utf-8"?>
+<p:sld xmlns:a="http://schemas.openxmlformats.org/drawingml/2006/main" xmlns:r="http://schemas.openxmlformats.org/officeDocument/2006/relationships" xmlns:p="http://schemas.openxmlformats.org/presentationml/2006/main">
+  <p:cSld>
+    <p:spTree>
+      <p:nvGrpSpPr>
+        <p:cNvPr id="1" name=""/>
+        <p:cNvGrpSpPr/>
+        <p:nvPr/>
+      </p:nvGrpSpPr>
+      <p:grpSpPr>
+        <a:xfrm>
+          <a:off x="0" y="0"/>
+          <a:ext cx="0" cy="0"/>
+          <a:chOff x="0" y="0"/>
+          <a:chExt cx="0" cy="0"/>
+        </a:xfrm>
+      </p:grpSpPr>
+      <p:sp>
+        <p:nvSpPr>
+          <p:cNvPr id="2" name="1 Título"/>
+          <p:cNvSpPr>
+            <a:spLocks noGrp="1"/>
+          </p:cNvSpPr>
+          <p:nvPr>
+            <p:ph type="title"/>
+          </p:nvPr>
+        </p:nvSpPr>
+        <p:spPr/>
+        <p:txBody>
+          <a:bodyPr>
+            <a:normAutofit fontScale="90000"/>
+          </a:bodyPr>
+          <a:lstStyle/>
+          <a:p>
+            <a:pPr algn="l"/>
+            <a:r>
+              <a:rPr lang="es-ES" dirty="0" smtClean="0"/>
+              <a:t>Pruebas – Test de conocimientos informáticos</a:t>
+            </a:r>
+            <a:endParaRPr lang="es-ES" dirty="0"/>
+          </a:p>
+        </p:txBody>
+      </p:sp>
+      <p:graphicFrame>
+        <p:nvGraphicFramePr>
+          <p:cNvPr id="4" name="3 Marcador de contenido"/>
+          <p:cNvGraphicFramePr>
+            <a:graphicFrameLocks noGrp="1"/>
+          </p:cNvGraphicFramePr>
+          <p:nvPr>
+            <p:ph idx="1"/>
+            <p:extLst>
+              <p:ext uri="{D42A27DB-BD31-4B8C-83A1-F6EECF244321}">
+                <p14:modId xmlns:p14="http://schemas.microsoft.com/office/powerpoint/2010/main" val="1629028160"/>
+              </p:ext>
+            </p:extLst>
+          </p:nvPr>
+        </p:nvGraphicFramePr>
+        <p:xfrm>
+          <a:off x="467544" y="3933056"/>
+          <a:ext cx="8229600" cy="2494280"/>
+        </p:xfrm>
+        <a:graphic>
+          <a:graphicData uri="http://schemas.openxmlformats.org/drawingml/2006/table">
+            <a:tbl>
+              <a:tblPr firstRow="1" bandRow="1">
+                <a:tableStyleId>{2D5ABB26-0587-4C30-8999-92F81FD0307C}</a:tableStyleId>
+              </a:tblPr>
+              <a:tblGrid>
+                <a:gridCol w="4114800"/>
+                <a:gridCol w="4114800"/>
+              </a:tblGrid>
+              <a:tr h="370840">
+                <a:tc>
+                  <a:txBody>
+                    <a:bodyPr/>
+                    <a:lstStyle/>
+                    <a:p>
+                      <a:r>
+                        <a:rPr lang="es-ES" b="1" dirty="0" smtClean="0"/>
+                        <a:t>Cuestionarios</a:t>
+                      </a:r>
+                      <a:endParaRPr lang="es-ES" b="1" dirty="0"/>
+                    </a:p>
+                  </a:txBody>
+                  <a:tcPr>
+                    <a:lnL>
+                      <a:noFill/>
+                    </a:lnL>
+                    <a:lnR w="12700" cap="flat" cmpd="sng" algn="ctr">
+                      <a:solidFill>
+                        <a:schemeClr val="tx1"/>
+                      </a:solidFill>
+                      <a:prstDash val="solid"/>
+                      <a:round/>
+                      <a:headEnd type="none" w="med" len="med"/>
+                      <a:tailEnd type="none" w="med" len="med"/>
+                    </a:lnR>
+                    <a:lnT>
+                      <a:noFill/>
+                    </a:lnT>
+                    <a:lnB>
+                      <a:noFill/>
+                    </a:lnB>
+                    <a:lnTlToBr w="12700" cmpd="sng">
+                      <a:noFill/>
+                      <a:prstDash val="solid"/>
+                    </a:lnTlToBr>
+                    <a:lnBlToTr w="12700" cmpd="sng">
+                      <a:noFill/>
+                      <a:prstDash val="solid"/>
+                    </a:lnBlToTr>
+                  </a:tcPr>
+                </a:tc>
+                <a:tc>
+                  <a:txBody>
+                    <a:bodyPr/>
+                    <a:lstStyle/>
+                    <a:p>
+                      <a:r>
+                        <a:rPr lang="es-ES" dirty="0" smtClean="0"/>
+                        <a:t>3 examen</a:t>
+                      </a:r>
+                    </a:p>
+                  </a:txBody>
+                  <a:tcPr>
+                    <a:lnL w="12700" cap="flat" cmpd="sng" algn="ctr">
+                      <a:solidFill>
+                        <a:schemeClr val="tx1"/>
+                      </a:solidFill>
+                      <a:prstDash val="solid"/>
+                      <a:round/>
+                      <a:headEnd type="none" w="med" len="med"/>
+                      <a:tailEnd type="none" w="med" len="med"/>
+                    </a:lnL>
+                    <a:lnR>
+                      <a:noFill/>
+                    </a:lnR>
+                    <a:lnT>
+                      <a:noFill/>
+                    </a:lnT>
+                    <a:lnB>
+                      <a:noFill/>
+                    </a:lnB>
+                    <a:lnTlToBr w="12700" cmpd="sng">
+                      <a:noFill/>
+                      <a:prstDash val="solid"/>
+                    </a:lnTlToBr>
+                    <a:lnBlToTr w="12700" cmpd="sng">
+                      <a:noFill/>
+                      <a:prstDash val="solid"/>
+                    </a:lnBlToTr>
+                  </a:tcPr>
+                </a:tc>
+              </a:tr>
+              <a:tr h="370840">
+                <a:tc>
+                  <a:txBody>
+                    <a:bodyPr/>
+                    <a:lstStyle/>
+                    <a:p>
+                      <a:r>
+                        <a:rPr lang="es-ES" b="1" dirty="0" smtClean="0"/>
+                        <a:t>Usuarios</a:t>
+                      </a:r>
+                      <a:endParaRPr lang="es-ES" b="1" dirty="0"/>
+                    </a:p>
+                  </a:txBody>
+                  <a:tcPr>
+                    <a:lnL>
+                      <a:noFill/>
+                    </a:lnL>
+                    <a:lnR w="12700" cap="flat" cmpd="sng" algn="ctr">
+                      <a:solidFill>
+                        <a:schemeClr val="tx1"/>
+                      </a:solidFill>
+                      <a:prstDash val="solid"/>
+                      <a:round/>
+                      <a:headEnd type="none" w="med" len="med"/>
+                      <a:tailEnd type="none" w="med" len="med"/>
+                    </a:lnR>
+                    <a:lnT>
+                      <a:noFill/>
+                    </a:lnT>
+                    <a:lnB>
+                      <a:noFill/>
+                    </a:lnB>
+                    <a:lnTlToBr w="12700" cmpd="sng">
+                      <a:noFill/>
+                      <a:prstDash val="solid"/>
+                    </a:lnTlToBr>
+                    <a:lnBlToTr w="12700" cmpd="sng">
+                      <a:noFill/>
+                      <a:prstDash val="solid"/>
+                    </a:lnBlToTr>
+                  </a:tcPr>
+                </a:tc>
+                <a:tc>
+                  <a:txBody>
+                    <a:bodyPr/>
+                    <a:lstStyle/>
+                    <a:p>
+                      <a:r>
+                        <a:rPr lang="es-ES" baseline="0" dirty="0" smtClean="0"/>
+                        <a:t>83 alumnos: 49 Infantil + 24 Informática o Doble</a:t>
+                      </a:r>
+                    </a:p>
+                  </a:txBody>
+                  <a:tcPr>
+                    <a:lnL w="12700" cap="flat" cmpd="sng" algn="ctr">
+                      <a:solidFill>
+                        <a:schemeClr val="tx1"/>
+                      </a:solidFill>
+                      <a:prstDash val="solid"/>
+                      <a:round/>
+                      <a:headEnd type="none" w="med" len="med"/>
+                      <a:tailEnd type="none" w="med" len="med"/>
+                    </a:lnL>
+                    <a:lnR>
+                      <a:noFill/>
+                    </a:lnR>
+                    <a:lnT>
+                      <a:noFill/>
+                    </a:lnT>
+                    <a:lnB>
+                      <a:noFill/>
+                    </a:lnB>
+                    <a:lnTlToBr w="12700" cmpd="sng">
+                      <a:noFill/>
+                      <a:prstDash val="solid"/>
+                    </a:lnTlToBr>
+                    <a:lnBlToTr w="12700" cmpd="sng">
+                      <a:noFill/>
+                      <a:prstDash val="solid"/>
+                    </a:lnBlToTr>
+                  </a:tcPr>
+                </a:tc>
+              </a:tr>
+              <a:tr h="370840">
+                <a:tc>
+                  <a:txBody>
+                    <a:bodyPr/>
+                    <a:lstStyle/>
+                    <a:p>
+                      <a:r>
+                        <a:rPr lang="es-ES" b="1" dirty="0" smtClean="0"/>
+                        <a:t>Preguntas</a:t>
+                      </a:r>
+                      <a:r>
+                        <a:rPr lang="es-ES" b="1" baseline="0" dirty="0" smtClean="0"/>
+                        <a:t> totales</a:t>
+                      </a:r>
+                      <a:endParaRPr lang="es-ES" b="1" dirty="0"/>
+                    </a:p>
+                  </a:txBody>
+                  <a:tcPr>
+                    <a:lnL>
+                      <a:noFill/>
+                    </a:lnL>
+                    <a:lnR w="12700" cap="flat" cmpd="sng" algn="ctr">
+                      <a:solidFill>
+                        <a:schemeClr val="tx1"/>
+                      </a:solidFill>
+                      <a:prstDash val="solid"/>
+                      <a:round/>
+                      <a:headEnd type="none" w="med" len="med"/>
+                      <a:tailEnd type="none" w="med" len="med"/>
+                    </a:lnR>
+                    <a:lnT>
+                      <a:noFill/>
+                    </a:lnT>
+                    <a:lnB>
+                      <a:noFill/>
+                    </a:lnB>
+                    <a:lnTlToBr w="12700" cmpd="sng">
+                      <a:noFill/>
+                      <a:prstDash val="solid"/>
+                    </a:lnTlToBr>
+                    <a:lnBlToTr w="12700" cmpd="sng">
+                      <a:noFill/>
+                      <a:prstDash val="solid"/>
+                    </a:lnBlToTr>
+                  </a:tcPr>
+                </a:tc>
+                <a:tc>
+                  <a:txBody>
+                    <a:bodyPr/>
+                    <a:lstStyle/>
+                    <a:p>
+                      <a:r>
+                        <a:rPr lang="es-ES" dirty="0" smtClean="0"/>
+                        <a:t>60</a:t>
+                      </a:r>
+                      <a:endParaRPr lang="es-ES" dirty="0"/>
+                    </a:p>
+                  </a:txBody>
+                  <a:tcPr>
+                    <a:lnL w="12700" cap="flat" cmpd="sng" algn="ctr">
+                      <a:solidFill>
+                        <a:schemeClr val="tx1"/>
+                      </a:solidFill>
+                      <a:prstDash val="solid"/>
+                      <a:round/>
+                      <a:headEnd type="none" w="med" len="med"/>
+                      <a:tailEnd type="none" w="med" len="med"/>
+                    </a:lnL>
+                    <a:lnR>
+                      <a:noFill/>
+                    </a:lnR>
+                    <a:lnT>
+                      <a:noFill/>
+                    </a:lnT>
+                    <a:lnB>
+                      <a:noFill/>
+                    </a:lnB>
+                    <a:lnTlToBr w="12700" cmpd="sng">
+                      <a:noFill/>
+                      <a:prstDash val="solid"/>
+                    </a:lnTlToBr>
+                    <a:lnBlToTr w="12700" cmpd="sng">
+                      <a:noFill/>
+                      <a:prstDash val="solid"/>
+                    </a:lnBlToTr>
+                  </a:tcPr>
+                </a:tc>
+              </a:tr>
+              <a:tr h="370840">
+                <a:tc>
+                  <a:txBody>
+                    <a:bodyPr/>
+                    <a:lstStyle/>
+                    <a:p>
+                      <a:r>
+                        <a:rPr lang="es-ES" b="1" dirty="0" smtClean="0"/>
+                        <a:t>Cuestionarios contestados</a:t>
+                      </a:r>
+                      <a:endParaRPr lang="es-ES" b="1" dirty="0"/>
+                    </a:p>
+                  </a:txBody>
+                  <a:tcPr>
+                    <a:lnL>
+                      <a:noFill/>
+                    </a:lnL>
+                    <a:lnR w="12700" cap="flat" cmpd="sng" algn="ctr">
+                      <a:solidFill>
+                        <a:schemeClr val="tx1"/>
+                      </a:solidFill>
+                      <a:prstDash val="solid"/>
+                      <a:round/>
+                      <a:headEnd type="none" w="med" len="med"/>
+                      <a:tailEnd type="none" w="med" len="med"/>
+                    </a:lnR>
+                    <a:lnT>
+                      <a:noFill/>
+                    </a:lnT>
+                    <a:lnB>
+                      <a:noFill/>
+                    </a:lnB>
+                    <a:lnTlToBr w="12700" cmpd="sng">
+                      <a:noFill/>
+                      <a:prstDash val="solid"/>
+                    </a:lnTlToBr>
+                    <a:lnBlToTr w="12700" cmpd="sng">
+                      <a:noFill/>
+                      <a:prstDash val="solid"/>
+                    </a:lnBlToTr>
+                  </a:tcPr>
+                </a:tc>
+                <a:tc>
+                  <a:txBody>
+                    <a:bodyPr/>
+                    <a:lstStyle/>
+                    <a:p>
+                      <a:r>
+                        <a:rPr lang="es-ES" dirty="0" smtClean="0"/>
+                        <a:t>83</a:t>
+                      </a:r>
+                      <a:endParaRPr lang="es-ES" dirty="0"/>
+                    </a:p>
+                  </a:txBody>
+                  <a:tcPr>
+                    <a:lnL w="12700" cap="flat" cmpd="sng" algn="ctr">
+                      <a:solidFill>
+                        <a:schemeClr val="tx1"/>
+                      </a:solidFill>
+                      <a:prstDash val="solid"/>
+                      <a:round/>
+                      <a:headEnd type="none" w="med" len="med"/>
+                      <a:tailEnd type="none" w="med" len="med"/>
+                    </a:lnL>
+                    <a:lnR>
+                      <a:noFill/>
+                    </a:lnR>
+                    <a:lnT>
+                      <a:noFill/>
+                    </a:lnT>
+                    <a:lnB>
+                      <a:noFill/>
+                    </a:lnB>
+                    <a:lnTlToBr w="12700" cmpd="sng">
+                      <a:noFill/>
+                      <a:prstDash val="solid"/>
+                    </a:lnTlToBr>
+                    <a:lnBlToTr w="12700" cmpd="sng">
+                      <a:noFill/>
+                      <a:prstDash val="solid"/>
+                    </a:lnBlToTr>
+                  </a:tcPr>
+                </a:tc>
+              </a:tr>
+              <a:tr h="370840">
+                <a:tc>
+                  <a:txBody>
+                    <a:bodyPr/>
+                    <a:lstStyle/>
+                    <a:p>
+                      <a:r>
+                        <a:rPr lang="es-ES" b="1" dirty="0" smtClean="0"/>
+                        <a:t>Preguntas contestadas</a:t>
+                      </a:r>
+                      <a:endParaRPr lang="es-ES" b="1" dirty="0"/>
+                    </a:p>
+                  </a:txBody>
+                  <a:tcPr>
+                    <a:lnL>
+                      <a:noFill/>
+                    </a:lnL>
+                    <a:lnR w="12700" cap="flat" cmpd="sng" algn="ctr">
+                      <a:solidFill>
+                        <a:schemeClr val="tx1"/>
+                      </a:solidFill>
+                      <a:prstDash val="solid"/>
+                      <a:round/>
+                      <a:headEnd type="none" w="med" len="med"/>
+                      <a:tailEnd type="none" w="med" len="med"/>
+                    </a:lnR>
+                    <a:lnT>
+                      <a:noFill/>
+                    </a:lnT>
+                    <a:lnB>
+                      <a:noFill/>
+                    </a:lnB>
+                    <a:lnTlToBr w="12700" cmpd="sng">
+                      <a:noFill/>
+                      <a:prstDash val="solid"/>
+                    </a:lnTlToBr>
+                    <a:lnBlToTr w="12700" cmpd="sng">
+                      <a:noFill/>
+                      <a:prstDash val="solid"/>
+                    </a:lnBlToTr>
+                  </a:tcPr>
+                </a:tc>
+                <a:tc>
+                  <a:txBody>
+                    <a:bodyPr/>
+                    <a:lstStyle/>
+                    <a:p>
+                      <a:r>
+                        <a:rPr lang="es-ES" dirty="0" smtClean="0"/>
+                        <a:t>4980</a:t>
+                      </a:r>
+                      <a:endParaRPr lang="es-ES" dirty="0"/>
+                    </a:p>
+                  </a:txBody>
+                  <a:tcPr>
+                    <a:lnL w="12700" cap="flat" cmpd="sng" algn="ctr">
+                      <a:solidFill>
+                        <a:schemeClr val="tx1"/>
+                      </a:solidFill>
+                      <a:prstDash val="solid"/>
+                      <a:round/>
+                      <a:headEnd type="none" w="med" len="med"/>
+                      <a:tailEnd type="none" w="med" len="med"/>
+                    </a:lnL>
+                    <a:lnR>
+                      <a:noFill/>
+                    </a:lnR>
+                    <a:lnT>
+                      <a:noFill/>
+                    </a:lnT>
+                    <a:lnB>
+                      <a:noFill/>
+                    </a:lnB>
+                    <a:lnTlToBr w="12700" cmpd="sng">
+                      <a:noFill/>
+                      <a:prstDash val="solid"/>
+                    </a:lnTlToBr>
+                    <a:lnBlToTr w="12700" cmpd="sng">
+                      <a:noFill/>
+                      <a:prstDash val="solid"/>
+                    </a:lnBlToTr>
+                  </a:tcPr>
+                </a:tc>
+              </a:tr>
+              <a:tr h="370840">
+                <a:tc>
+                  <a:txBody>
+                    <a:bodyPr/>
+                    <a:lstStyle/>
+                    <a:p>
+                      <a:r>
+                        <a:rPr lang="es-ES" b="1" dirty="0" smtClean="0"/>
+                        <a:t>Ficheros multimedia</a:t>
+                      </a:r>
+                      <a:endParaRPr lang="es-ES" b="1" dirty="0"/>
+                    </a:p>
+                  </a:txBody>
+                  <a:tcPr>
+                    <a:lnL>
+                      <a:noFill/>
+                    </a:lnL>
+                    <a:lnR w="12700" cap="flat" cmpd="sng" algn="ctr">
+                      <a:solidFill>
+                        <a:schemeClr val="tx1"/>
+                      </a:solidFill>
+                      <a:prstDash val="solid"/>
+                      <a:round/>
+                      <a:headEnd type="none" w="med" len="med"/>
+                      <a:tailEnd type="none" w="med" len="med"/>
+                    </a:lnR>
+                    <a:lnT>
+                      <a:noFill/>
+                    </a:lnT>
+                    <a:lnB>
+                      <a:noFill/>
+                    </a:lnB>
+                    <a:lnTlToBr w="12700" cmpd="sng">
+                      <a:noFill/>
+                      <a:prstDash val="solid"/>
+                    </a:lnTlToBr>
+                    <a:lnBlToTr w="12700" cmpd="sng">
+                      <a:noFill/>
+                      <a:prstDash val="solid"/>
+                    </a:lnBlToTr>
+                  </a:tcPr>
+                </a:tc>
+                <a:tc>
+                  <a:txBody>
+                    <a:bodyPr/>
+                    <a:lstStyle/>
+                    <a:p>
+                      <a:r>
+                        <a:rPr lang="es-ES" dirty="0" smtClean="0"/>
+                        <a:t>0</a:t>
+                      </a:r>
+                      <a:endParaRPr lang="es-ES" dirty="0"/>
+                    </a:p>
+                  </a:txBody>
+                  <a:tcPr>
+                    <a:lnL w="12700" cap="flat" cmpd="sng" algn="ctr">
+                      <a:solidFill>
+                        <a:schemeClr val="tx1"/>
+                      </a:solidFill>
+                      <a:prstDash val="solid"/>
+                      <a:round/>
+                      <a:headEnd type="none" w="med" len="med"/>
+                      <a:tailEnd type="none" w="med" len="med"/>
+                    </a:lnL>
+                    <a:lnR>
+                      <a:noFill/>
+                    </a:lnR>
+                    <a:lnT>
+                      <a:noFill/>
+                    </a:lnT>
+                    <a:lnB>
+                      <a:noFill/>
+                    </a:lnB>
+                    <a:lnTlToBr w="12700" cmpd="sng">
+                      <a:noFill/>
+                      <a:prstDash val="solid"/>
+                    </a:lnTlToBr>
+                    <a:lnBlToTr w="12700" cmpd="sng">
+                      <a:noFill/>
+                      <a:prstDash val="solid"/>
+                    </a:lnBlToTr>
+                  </a:tcPr>
+                </a:tc>
+              </a:tr>
+            </a:tbl>
+          </a:graphicData>
+        </a:graphic>
+      </p:graphicFrame>
+      <p:sp>
+        <p:nvSpPr>
+          <p:cNvPr id="7" name="2 Marcador de contenido"/>
+          <p:cNvSpPr txBox="1">
+            <a:spLocks/>
+          </p:cNvSpPr>
+          <p:nvPr/>
+        </p:nvSpPr>
+        <p:spPr>
+          <a:xfrm>
+            <a:off x="457200" y="1600201"/>
+            <a:ext cx="8229600" cy="2044824"/>
+          </a:xfrm>
+          <a:prstGeom prst="rect">
+            <a:avLst/>
+          </a:prstGeom>
+        </p:spPr>
+        <p:txBody>
+          <a:bodyPr vert="horz" lIns="91440" tIns="45720" rIns="91440" bIns="45720" rtlCol="0">
+            <a:normAutofit/>
+          </a:bodyPr>
+          <a:lstStyle>
+            <a:lvl1pPr marL="342900" indent="-342900" algn="l" defTabSz="914400" rtl="0" eaLnBrk="1" latinLnBrk="0" hangingPunct="1">
+              <a:spcBef>
+                <a:spcPct val="20000"/>
+              </a:spcBef>
+              <a:buFont typeface="Arial" panose="020B0604020202020204" pitchFamily="34" charset="0"/>
+              <a:buChar char="•"/>
+              <a:defRPr sz="3200" kern="1200">
+                <a:solidFill>
+                  <a:schemeClr val="tx1"/>
+                </a:solidFill>
+                <a:latin typeface="+mn-lt"/>
+                <a:ea typeface="+mn-ea"/>
+                <a:cs typeface="+mn-cs"/>
+              </a:defRPr>
+            </a:lvl1pPr>
+            <a:lvl2pPr marL="742950" indent="-285750" algn="l" defTabSz="914400" rtl="0" eaLnBrk="1" latinLnBrk="0" hangingPunct="1">
+              <a:spcBef>
+                <a:spcPct val="20000"/>
+              </a:spcBef>
+              <a:buFont typeface="Arial" panose="020B0604020202020204" pitchFamily="34" charset="0"/>
+              <a:buChar char="–"/>
+              <a:defRPr sz="2800" kern="1200">
+                <a:solidFill>
+                  <a:schemeClr val="tx1"/>
+                </a:solidFill>
+                <a:latin typeface="+mn-lt"/>
+                <a:ea typeface="+mn-ea"/>
+                <a:cs typeface="+mn-cs"/>
+              </a:defRPr>
+            </a:lvl2pPr>
+            <a:lvl3pPr marL="1143000" indent="-228600" algn="l" defTabSz="914400" rtl="0" eaLnBrk="1" latinLnBrk="0" hangingPunct="1">
+              <a:spcBef>
+                <a:spcPct val="20000"/>
+              </a:spcBef>
+              <a:buFont typeface="Arial" panose="020B0604020202020204" pitchFamily="34" charset="0"/>
+              <a:buChar char="•"/>
+              <a:defRPr sz="2400" kern="1200">
+                <a:solidFill>
+                  <a:schemeClr val="tx1"/>
+                </a:solidFill>
+                <a:latin typeface="+mn-lt"/>
+                <a:ea typeface="+mn-ea"/>
+                <a:cs typeface="+mn-cs"/>
+              </a:defRPr>
+            </a:lvl3pPr>
+            <a:lvl4pPr marL="1600200" indent="-228600" algn="l" defTabSz="914400" rtl="0" eaLnBrk="1" latinLnBrk="0" hangingPunct="1">
+              <a:spcBef>
+                <a:spcPct val="20000"/>
+              </a:spcBef>
+              <a:buFont typeface="Arial" panose="020B0604020202020204" pitchFamily="34" charset="0"/>
+              <a:buChar char="–"/>
+              <a:defRPr sz="2000" kern="1200">
+                <a:solidFill>
+                  <a:schemeClr val="tx1"/>
+                </a:solidFill>
+                <a:latin typeface="+mn-lt"/>
+                <a:ea typeface="+mn-ea"/>
+                <a:cs typeface="+mn-cs"/>
+              </a:defRPr>
+            </a:lvl4pPr>
+            <a:lvl5pPr marL="2057400" indent="-228600" algn="l" defTabSz="914400" rtl="0" eaLnBrk="1" latinLnBrk="0" hangingPunct="1">
+              <a:spcBef>
+                <a:spcPct val="20000"/>
+              </a:spcBef>
+              <a:buFont typeface="Arial" panose="020B0604020202020204" pitchFamily="34" charset="0"/>
+              <a:buChar char="»"/>
+              <a:defRPr sz="2000" kern="1200">
+                <a:solidFill>
+                  <a:schemeClr val="tx1"/>
+                </a:solidFill>
+                <a:latin typeface="+mn-lt"/>
+                <a:ea typeface="+mn-ea"/>
+                <a:cs typeface="+mn-cs"/>
+              </a:defRPr>
+            </a:lvl5pPr>
+            <a:lvl6pPr marL="2514600" indent="-228600" algn="l" defTabSz="914400" rtl="0" eaLnBrk="1" latinLnBrk="0" hangingPunct="1">
+              <a:spcBef>
+                <a:spcPct val="20000"/>
+              </a:spcBef>
+              <a:buFont typeface="Arial" panose="020B0604020202020204" pitchFamily="34" charset="0"/>
+              <a:buChar char="•"/>
+              <a:defRPr sz="2000" kern="1200">
+                <a:solidFill>
+                  <a:schemeClr val="tx1"/>
+                </a:solidFill>
+                <a:latin typeface="+mn-lt"/>
+                <a:ea typeface="+mn-ea"/>
+                <a:cs typeface="+mn-cs"/>
+              </a:defRPr>
+            </a:lvl6pPr>
+            <a:lvl7pPr marL="2971800" indent="-228600" algn="l" defTabSz="914400" rtl="0" eaLnBrk="1" latinLnBrk="0" hangingPunct="1">
+              <a:spcBef>
+                <a:spcPct val="20000"/>
+              </a:spcBef>
+              <a:buFont typeface="Arial" panose="020B0604020202020204" pitchFamily="34" charset="0"/>
+              <a:buChar char="•"/>
+              <a:defRPr sz="2000" kern="1200">
+                <a:solidFill>
+                  <a:schemeClr val="tx1"/>
+                </a:solidFill>
+                <a:latin typeface="+mn-lt"/>
+                <a:ea typeface="+mn-ea"/>
+                <a:cs typeface="+mn-cs"/>
+              </a:defRPr>
+            </a:lvl7pPr>
+            <a:lvl8pPr marL="3429000" indent="-228600" algn="l" defTabSz="914400" rtl="0" eaLnBrk="1" latinLnBrk="0" hangingPunct="1">
+              <a:spcBef>
+                <a:spcPct val="20000"/>
+              </a:spcBef>
+              <a:buFont typeface="Arial" panose="020B0604020202020204" pitchFamily="34" charset="0"/>
+              <a:buChar char="•"/>
+              <a:defRPr sz="2000" kern="1200">
+                <a:solidFill>
+                  <a:schemeClr val="tx1"/>
+                </a:solidFill>
+                <a:latin typeface="+mn-lt"/>
+                <a:ea typeface="+mn-ea"/>
+                <a:cs typeface="+mn-cs"/>
+              </a:defRPr>
+            </a:lvl8pPr>
+            <a:lvl9pPr marL="3886200" indent="-228600" algn="l" defTabSz="914400" rtl="0" eaLnBrk="1" latinLnBrk="0" hangingPunct="1">
+              <a:spcBef>
+                <a:spcPct val="20000"/>
+              </a:spcBef>
+              <a:buFont typeface="Arial" panose="020B0604020202020204" pitchFamily="34" charset="0"/>
+              <a:buChar char="•"/>
+              <a:defRPr sz="2000" kern="1200">
+                <a:solidFill>
+                  <a:schemeClr val="tx1"/>
+                </a:solidFill>
+                <a:latin typeface="+mn-lt"/>
+                <a:ea typeface="+mn-ea"/>
+                <a:cs typeface="+mn-cs"/>
+              </a:defRPr>
+            </a:lvl9pPr>
+          </a:lstStyle>
+          <a:p>
+            <a:r>
+              <a:rPr lang="es-ES" dirty="0" smtClean="0"/>
+              <a:t>Nuevo modelo basado en conocimiento experto</a:t>
+            </a:r>
+          </a:p>
+          <a:p>
+            <a:r>
+              <a:rPr lang="es-ES" dirty="0" smtClean="0"/>
+              <a:t>Respuesta con duda</a:t>
+            </a:r>
+            <a:endParaRPr lang="es-ES" dirty="0"/>
+          </a:p>
+        </p:txBody>
+      </p:sp>
+    </p:spTree>
+    <p:extLst>
+      <p:ext uri="{BB962C8B-B14F-4D97-AF65-F5344CB8AC3E}">
+        <p14:creationId xmlns:p14="http://schemas.microsoft.com/office/powerpoint/2010/main" val="1786800115"/>
+      </p:ext>
+    </p:extLst>
+  </p:cSld>
+  <p:clrMapOvr>
+    <a:masterClrMapping/>
+  </p:clrMapOvr>
+</p:sld>
+</file>
+
+<file path=ppt/slides/slide29.xml><?xml version="1.0" encoding="utf-8"?>
+<p:sld xmlns:a="http://schemas.openxmlformats.org/drawingml/2006/main" xmlns:r="http://schemas.openxmlformats.org/officeDocument/2006/relationships" xmlns:p="http://schemas.openxmlformats.org/presentationml/2006/main">
+  <p:cSld>
+    <p:spTree>
+      <p:nvGrpSpPr>
+        <p:cNvPr id="1" name=""/>
+        <p:cNvGrpSpPr/>
+        <p:nvPr/>
+      </p:nvGrpSpPr>
+      <p:grpSpPr>
+        <a:xfrm>
+          <a:off x="0" y="0"/>
+          <a:ext cx="0" cy="0"/>
+          <a:chOff x="0" y="0"/>
+          <a:chExt cx="0" cy="0"/>
+        </a:xfrm>
+      </p:grpSpPr>
+      <p:sp>
+        <p:nvSpPr>
+          <p:cNvPr id="2" name="1 Título"/>
+          <p:cNvSpPr>
+            <a:spLocks noGrp="1"/>
+          </p:cNvSpPr>
+          <p:nvPr>
+            <p:ph type="title"/>
+          </p:nvPr>
+        </p:nvSpPr>
+        <p:spPr>
+          <a:xfrm>
+            <a:off x="455932" y="10277"/>
+            <a:ext cx="8229600" cy="1143000"/>
+          </a:xfrm>
+        </p:spPr>
+        <p:txBody>
+          <a:bodyPr>
+            <a:normAutofit/>
+          </a:bodyPr>
+          <a:lstStyle/>
+          <a:p>
+            <a:pPr algn="l"/>
+            <a:r>
+              <a:rPr lang="es-ES" sz="3600" dirty="0" smtClean="0"/>
+              <a:t>Pruebas – Autoevaluación y examen</a:t>
+            </a:r>
+            <a:endParaRPr lang="es-ES" sz="3600" dirty="0"/>
+          </a:p>
+        </p:txBody>
+      </p:sp>
+      <p:graphicFrame>
+        <p:nvGraphicFramePr>
+          <p:cNvPr id="4" name="3 Marcador de contenido"/>
+          <p:cNvGraphicFramePr>
+            <a:graphicFrameLocks noGrp="1"/>
+          </p:cNvGraphicFramePr>
+          <p:nvPr>
+            <p:ph idx="1"/>
+            <p:extLst>
+              <p:ext uri="{D42A27DB-BD31-4B8C-83A1-F6EECF244321}">
+                <p14:modId xmlns:p14="http://schemas.microsoft.com/office/powerpoint/2010/main" val="1444242042"/>
+              </p:ext>
+            </p:extLst>
+          </p:nvPr>
+        </p:nvGraphicFramePr>
+        <p:xfrm>
+          <a:off x="455932" y="980728"/>
+          <a:ext cx="8229600" cy="2225040"/>
+        </p:xfrm>
+        <a:graphic>
+          <a:graphicData uri="http://schemas.openxmlformats.org/drawingml/2006/table">
+            <a:tbl>
+              <a:tblPr firstRow="1" bandRow="1">
+                <a:tableStyleId>{2D5ABB26-0587-4C30-8999-92F81FD0307C}</a:tableStyleId>
+              </a:tblPr>
+              <a:tblGrid>
+                <a:gridCol w="4114800"/>
+                <a:gridCol w="4114800"/>
+              </a:tblGrid>
+              <a:tr h="370840">
+                <a:tc>
+                  <a:txBody>
+                    <a:bodyPr/>
+                    <a:lstStyle/>
+                    <a:p>
+                      <a:r>
+                        <a:rPr lang="es-ES" b="1" dirty="0" smtClean="0"/>
+                        <a:t>Cuestionarios</a:t>
+                      </a:r>
+                      <a:endParaRPr lang="es-ES" b="1" dirty="0"/>
+                    </a:p>
+                  </a:txBody>
+                  <a:tcPr>
+                    <a:lnL>
+                      <a:noFill/>
+                    </a:lnL>
+                    <a:lnR w="12700" cap="flat" cmpd="sng" algn="ctr">
+                      <a:solidFill>
+                        <a:schemeClr val="tx1"/>
+                      </a:solidFill>
+                      <a:prstDash val="solid"/>
+                      <a:round/>
+                      <a:headEnd type="none" w="med" len="med"/>
+                      <a:tailEnd type="none" w="med" len="med"/>
+                    </a:lnR>
+                    <a:lnT>
+                      <a:noFill/>
+                    </a:lnT>
+                    <a:lnB>
+                      <a:noFill/>
+                    </a:lnB>
+                    <a:lnTlToBr w="12700" cmpd="sng">
+                      <a:noFill/>
+                      <a:prstDash val="solid"/>
+                    </a:lnTlToBr>
+                    <a:lnBlToTr w="12700" cmpd="sng">
+                      <a:noFill/>
+                      <a:prstDash val="solid"/>
+                    </a:lnBlToTr>
+                  </a:tcPr>
+                </a:tc>
+                <a:tc>
+                  <a:txBody>
+                    <a:bodyPr/>
+                    <a:lstStyle/>
+                    <a:p>
+                      <a:r>
+                        <a:rPr lang="es-ES" dirty="0" smtClean="0"/>
+                        <a:t>1</a:t>
+                      </a:r>
+                      <a:r>
+                        <a:rPr lang="es-ES" baseline="0" dirty="0" smtClean="0"/>
+                        <a:t> autoevaluación y 1 examen</a:t>
+                      </a:r>
+                      <a:endParaRPr lang="es-ES" dirty="0" smtClean="0"/>
+                    </a:p>
+                  </a:txBody>
+                  <a:tcPr>
+                    <a:lnL w="12700" cap="flat" cmpd="sng" algn="ctr">
+                      <a:solidFill>
+                        <a:schemeClr val="tx1"/>
+                      </a:solidFill>
+                      <a:prstDash val="solid"/>
+                      <a:round/>
+                      <a:headEnd type="none" w="med" len="med"/>
+                      <a:tailEnd type="none" w="med" len="med"/>
+                    </a:lnL>
+                    <a:lnR>
+                      <a:noFill/>
+                    </a:lnR>
+                    <a:lnT>
+                      <a:noFill/>
+                    </a:lnT>
+                    <a:lnB>
+                      <a:noFill/>
+                    </a:lnB>
+                    <a:lnTlToBr w="12700" cmpd="sng">
+                      <a:noFill/>
+                      <a:prstDash val="solid"/>
+                    </a:lnTlToBr>
+                    <a:lnBlToTr w="12700" cmpd="sng">
+                      <a:noFill/>
+                      <a:prstDash val="solid"/>
+                    </a:lnBlToTr>
+                  </a:tcPr>
+                </a:tc>
+              </a:tr>
+              <a:tr h="370840">
+                <a:tc>
+                  <a:txBody>
+                    <a:bodyPr/>
+                    <a:lstStyle/>
+                    <a:p>
+                      <a:r>
+                        <a:rPr lang="es-ES" b="1" dirty="0" smtClean="0"/>
+                        <a:t>Usuarios</a:t>
+                      </a:r>
+                      <a:endParaRPr lang="es-ES" b="1" dirty="0"/>
+                    </a:p>
+                  </a:txBody>
+                  <a:tcPr>
+                    <a:lnL>
+                      <a:noFill/>
+                    </a:lnL>
+                    <a:lnR w="12700" cap="flat" cmpd="sng" algn="ctr">
+                      <a:solidFill>
+                        <a:schemeClr val="tx1"/>
+                      </a:solidFill>
+                      <a:prstDash val="solid"/>
+                      <a:round/>
+                      <a:headEnd type="none" w="med" len="med"/>
+                      <a:tailEnd type="none" w="med" len="med"/>
+                    </a:lnR>
+                    <a:lnT>
+                      <a:noFill/>
+                    </a:lnT>
+                    <a:lnB>
+                      <a:noFill/>
+                    </a:lnB>
+                    <a:lnTlToBr w="12700" cmpd="sng">
+                      <a:noFill/>
+                      <a:prstDash val="solid"/>
+                    </a:lnTlToBr>
+                    <a:lnBlToTr w="12700" cmpd="sng">
+                      <a:noFill/>
+                      <a:prstDash val="solid"/>
+                    </a:lnBlToTr>
+                  </a:tcPr>
+                </a:tc>
+                <a:tc>
+                  <a:txBody>
+                    <a:bodyPr/>
+                    <a:lstStyle/>
+                    <a:p>
+                      <a:r>
+                        <a:rPr lang="es-ES" baseline="0" dirty="0" smtClean="0"/>
+                        <a:t>49 alumnos</a:t>
+                      </a:r>
+                    </a:p>
+                  </a:txBody>
+                  <a:tcPr>
+                    <a:lnL w="12700" cap="flat" cmpd="sng" algn="ctr">
+                      <a:solidFill>
+                        <a:schemeClr val="tx1"/>
+                      </a:solidFill>
+                      <a:prstDash val="solid"/>
+                      <a:round/>
+                      <a:headEnd type="none" w="med" len="med"/>
+                      <a:tailEnd type="none" w="med" len="med"/>
+                    </a:lnL>
+                    <a:lnR>
+                      <a:noFill/>
+                    </a:lnR>
+                    <a:lnT>
+                      <a:noFill/>
+                    </a:lnT>
+                    <a:lnB>
+                      <a:noFill/>
+                    </a:lnB>
+                    <a:lnTlToBr w="12700" cmpd="sng">
+                      <a:noFill/>
+                      <a:prstDash val="solid"/>
+                    </a:lnTlToBr>
+                    <a:lnBlToTr w="12700" cmpd="sng">
+                      <a:noFill/>
+                      <a:prstDash val="solid"/>
+                    </a:lnBlToTr>
+                  </a:tcPr>
+                </a:tc>
+              </a:tr>
+              <a:tr h="370840">
+                <a:tc>
+                  <a:txBody>
+                    <a:bodyPr/>
+                    <a:lstStyle/>
+                    <a:p>
+                      <a:r>
+                        <a:rPr lang="es-ES" b="1" dirty="0" smtClean="0"/>
+                        <a:t>Preguntas</a:t>
+                      </a:r>
+                      <a:r>
+                        <a:rPr lang="es-ES" b="1" baseline="0" dirty="0" smtClean="0"/>
+                        <a:t> totales</a:t>
+                      </a:r>
+                      <a:endParaRPr lang="es-ES" b="1" dirty="0"/>
+                    </a:p>
+                  </a:txBody>
+                  <a:tcPr>
+                    <a:lnL>
+                      <a:noFill/>
+                    </a:lnL>
+                    <a:lnR w="12700" cap="flat" cmpd="sng" algn="ctr">
+                      <a:solidFill>
+                        <a:schemeClr val="tx1"/>
+                      </a:solidFill>
+                      <a:prstDash val="solid"/>
+                      <a:round/>
+                      <a:headEnd type="none" w="med" len="med"/>
+                      <a:tailEnd type="none" w="med" len="med"/>
+                    </a:lnR>
+                    <a:lnT>
+                      <a:noFill/>
+                    </a:lnT>
+                    <a:lnB>
+                      <a:noFill/>
+                    </a:lnB>
+                    <a:lnTlToBr w="12700" cmpd="sng">
+                      <a:noFill/>
+                      <a:prstDash val="solid"/>
+                    </a:lnTlToBr>
+                    <a:lnBlToTr w="12700" cmpd="sng">
+                      <a:noFill/>
+                      <a:prstDash val="solid"/>
+                    </a:lnBlToTr>
+                  </a:tcPr>
+                </a:tc>
+                <a:tc>
+                  <a:txBody>
+                    <a:bodyPr/>
+                    <a:lstStyle/>
+                    <a:p>
+                      <a:r>
+                        <a:rPr lang="es-ES" dirty="0" smtClean="0"/>
+                        <a:t>244</a:t>
+                      </a:r>
+                      <a:endParaRPr lang="es-ES" dirty="0"/>
+                    </a:p>
+                  </a:txBody>
+                  <a:tcPr>
+                    <a:lnL w="12700" cap="flat" cmpd="sng" algn="ctr">
+                      <a:solidFill>
+                        <a:schemeClr val="tx1"/>
+                      </a:solidFill>
+                      <a:prstDash val="solid"/>
+                      <a:round/>
+                      <a:headEnd type="none" w="med" len="med"/>
+                      <a:tailEnd type="none" w="med" len="med"/>
+                    </a:lnL>
+                    <a:lnR>
+                      <a:noFill/>
+                    </a:lnR>
+                    <a:lnT>
+                      <a:noFill/>
+                    </a:lnT>
+                    <a:lnB>
+                      <a:noFill/>
+                    </a:lnB>
+                    <a:lnTlToBr w="12700" cmpd="sng">
+                      <a:noFill/>
+                      <a:prstDash val="solid"/>
+                    </a:lnTlToBr>
+                    <a:lnBlToTr w="12700" cmpd="sng">
+                      <a:noFill/>
+                      <a:prstDash val="solid"/>
+                    </a:lnBlToTr>
+                  </a:tcPr>
+                </a:tc>
+              </a:tr>
+              <a:tr h="370840">
+                <a:tc>
+                  <a:txBody>
+                    <a:bodyPr/>
+                    <a:lstStyle/>
+                    <a:p>
+                      <a:r>
+                        <a:rPr lang="es-ES" b="1" dirty="0" smtClean="0"/>
+                        <a:t>Cuestionarios contestados</a:t>
+                      </a:r>
+                      <a:endParaRPr lang="es-ES" b="1" dirty="0"/>
+                    </a:p>
+                  </a:txBody>
+                  <a:tcPr>
+                    <a:lnL>
+                      <a:noFill/>
+                    </a:lnL>
+                    <a:lnR w="12700" cap="flat" cmpd="sng" algn="ctr">
+                      <a:solidFill>
+                        <a:schemeClr val="tx1"/>
+                      </a:solidFill>
+                      <a:prstDash val="solid"/>
+                      <a:round/>
+                      <a:headEnd type="none" w="med" len="med"/>
+                      <a:tailEnd type="none" w="med" len="med"/>
+                    </a:lnR>
+                    <a:lnT>
+                      <a:noFill/>
+                    </a:lnT>
+                    <a:lnB>
+                      <a:noFill/>
+                    </a:lnB>
+                    <a:lnTlToBr w="12700" cmpd="sng">
+                      <a:noFill/>
+                      <a:prstDash val="solid"/>
+                    </a:lnTlToBr>
+                    <a:lnBlToTr w="12700" cmpd="sng">
+                      <a:noFill/>
+                      <a:prstDash val="solid"/>
+                    </a:lnBlToTr>
+                  </a:tcPr>
+                </a:tc>
+                <a:tc>
+                  <a:txBody>
+                    <a:bodyPr/>
+                    <a:lstStyle/>
+                    <a:p>
+                      <a:r>
+                        <a:rPr lang="es-ES" dirty="0" smtClean="0"/>
+                        <a:t>887</a:t>
+                      </a:r>
+                      <a:endParaRPr lang="es-ES" dirty="0"/>
+                    </a:p>
+                  </a:txBody>
+                  <a:tcPr>
+                    <a:lnL w="12700" cap="flat" cmpd="sng" algn="ctr">
+                      <a:solidFill>
+                        <a:schemeClr val="tx1"/>
+                      </a:solidFill>
+                      <a:prstDash val="solid"/>
+                      <a:round/>
+                      <a:headEnd type="none" w="med" len="med"/>
+                      <a:tailEnd type="none" w="med" len="med"/>
+                    </a:lnL>
+                    <a:lnR>
+                      <a:noFill/>
+                    </a:lnR>
+                    <a:lnT>
+                      <a:noFill/>
+                    </a:lnT>
+                    <a:lnB>
+                      <a:noFill/>
+                    </a:lnB>
+                    <a:lnTlToBr w="12700" cmpd="sng">
+                      <a:noFill/>
+                      <a:prstDash val="solid"/>
+                    </a:lnTlToBr>
+                    <a:lnBlToTr w="12700" cmpd="sng">
+                      <a:noFill/>
+                      <a:prstDash val="solid"/>
+                    </a:lnBlToTr>
+                  </a:tcPr>
+                </a:tc>
+              </a:tr>
+              <a:tr h="370840">
+                <a:tc>
+                  <a:txBody>
+                    <a:bodyPr/>
+                    <a:lstStyle/>
+                    <a:p>
+                      <a:r>
+                        <a:rPr lang="es-ES" b="1" dirty="0" smtClean="0"/>
+                        <a:t>Preguntas contestadas</a:t>
+                      </a:r>
+                      <a:endParaRPr lang="es-ES" b="1" dirty="0"/>
+                    </a:p>
+                  </a:txBody>
+                  <a:tcPr>
+                    <a:lnL>
+                      <a:noFill/>
+                    </a:lnL>
+                    <a:lnR w="12700" cap="flat" cmpd="sng" algn="ctr">
+                      <a:solidFill>
+                        <a:schemeClr val="tx1"/>
+                      </a:solidFill>
+                      <a:prstDash val="solid"/>
+                      <a:round/>
+                      <a:headEnd type="none" w="med" len="med"/>
+                      <a:tailEnd type="none" w="med" len="med"/>
+                    </a:lnR>
+                    <a:lnT>
+                      <a:noFill/>
+                    </a:lnT>
+                    <a:lnB>
+                      <a:noFill/>
+                    </a:lnB>
+                    <a:lnTlToBr w="12700" cmpd="sng">
+                      <a:noFill/>
+                      <a:prstDash val="solid"/>
+                    </a:lnTlToBr>
+                    <a:lnBlToTr w="12700" cmpd="sng">
+                      <a:noFill/>
+                      <a:prstDash val="solid"/>
+                    </a:lnBlToTr>
+                  </a:tcPr>
+                </a:tc>
+                <a:tc>
+                  <a:txBody>
+                    <a:bodyPr/>
+                    <a:lstStyle/>
+                    <a:p>
+                      <a:r>
+                        <a:rPr lang="es-ES" dirty="0" smtClean="0"/>
+                        <a:t>6079</a:t>
+                      </a:r>
+                      <a:endParaRPr lang="es-ES" dirty="0"/>
+                    </a:p>
+                  </a:txBody>
+                  <a:tcPr>
+                    <a:lnL w="12700" cap="flat" cmpd="sng" algn="ctr">
+                      <a:solidFill>
+                        <a:schemeClr val="tx1"/>
+                      </a:solidFill>
+                      <a:prstDash val="solid"/>
+                      <a:round/>
+                      <a:headEnd type="none" w="med" len="med"/>
+                      <a:tailEnd type="none" w="med" len="med"/>
+                    </a:lnL>
+                    <a:lnR>
+                      <a:noFill/>
+                    </a:lnR>
+                    <a:lnT>
+                      <a:noFill/>
+                    </a:lnT>
+                    <a:lnB>
+                      <a:noFill/>
+                    </a:lnB>
+                    <a:lnTlToBr w="12700" cmpd="sng">
+                      <a:noFill/>
+                      <a:prstDash val="solid"/>
+                    </a:lnTlToBr>
+                    <a:lnBlToTr w="12700" cmpd="sng">
+                      <a:noFill/>
+                      <a:prstDash val="solid"/>
+                    </a:lnBlToTr>
+                  </a:tcPr>
+                </a:tc>
+              </a:tr>
+              <a:tr h="370840">
+                <a:tc>
+                  <a:txBody>
+                    <a:bodyPr/>
+                    <a:lstStyle/>
+                    <a:p>
+                      <a:r>
+                        <a:rPr lang="es-ES" b="1" dirty="0" smtClean="0"/>
+                        <a:t>Ficheros multimedia</a:t>
+                      </a:r>
+                      <a:endParaRPr lang="es-ES" b="1" dirty="0"/>
+                    </a:p>
+                  </a:txBody>
+                  <a:tcPr>
+                    <a:lnL>
+                      <a:noFill/>
+                    </a:lnL>
+                    <a:lnR w="12700" cap="flat" cmpd="sng" algn="ctr">
+                      <a:solidFill>
+                        <a:schemeClr val="tx1"/>
+                      </a:solidFill>
+                      <a:prstDash val="solid"/>
+                      <a:round/>
+                      <a:headEnd type="none" w="med" len="med"/>
+                      <a:tailEnd type="none" w="med" len="med"/>
+                    </a:lnR>
+                    <a:lnT>
+                      <a:noFill/>
+                    </a:lnT>
+                    <a:lnB>
+                      <a:noFill/>
+                    </a:lnB>
+                    <a:lnTlToBr w="12700" cmpd="sng">
+                      <a:noFill/>
+                      <a:prstDash val="solid"/>
+                    </a:lnTlToBr>
+                    <a:lnBlToTr w="12700" cmpd="sng">
+                      <a:noFill/>
+                      <a:prstDash val="solid"/>
+                    </a:lnBlToTr>
+                  </a:tcPr>
+                </a:tc>
+                <a:tc>
+                  <a:txBody>
+                    <a:bodyPr/>
+                    <a:lstStyle/>
+                    <a:p>
+                      <a:r>
+                        <a:rPr lang="es-ES" dirty="0" smtClean="0"/>
+                        <a:t>21</a:t>
+                      </a:r>
+                      <a:endParaRPr lang="es-ES" dirty="0"/>
+                    </a:p>
+                  </a:txBody>
+                  <a:tcPr>
+                    <a:lnL w="12700" cap="flat" cmpd="sng" algn="ctr">
+                      <a:solidFill>
+                        <a:schemeClr val="tx1"/>
+                      </a:solidFill>
+                      <a:prstDash val="solid"/>
+                      <a:round/>
+                      <a:headEnd type="none" w="med" len="med"/>
+                      <a:tailEnd type="none" w="med" len="med"/>
+                    </a:lnL>
+                    <a:lnR>
+                      <a:noFill/>
+                    </a:lnR>
+                    <a:lnT>
+                      <a:noFill/>
+                    </a:lnT>
+                    <a:lnB>
+                      <a:noFill/>
+                    </a:lnB>
+                    <a:lnTlToBr w="12700" cmpd="sng">
+                      <a:noFill/>
+                      <a:prstDash val="solid"/>
+                    </a:lnTlToBr>
+                    <a:lnBlToTr w="12700" cmpd="sng">
+                      <a:noFill/>
+                      <a:prstDash val="solid"/>
+                    </a:lnBlToTr>
+                  </a:tcPr>
+                </a:tc>
+              </a:tr>
+            </a:tbl>
+          </a:graphicData>
+        </a:graphic>
+      </p:graphicFrame>
+      <p:sp>
+        <p:nvSpPr>
+          <p:cNvPr id="7" name="2 Marcador de contenido"/>
+          <p:cNvSpPr txBox="1">
+            <a:spLocks/>
+          </p:cNvSpPr>
+          <p:nvPr/>
+        </p:nvSpPr>
+        <p:spPr>
+          <a:xfrm>
+            <a:off x="455932" y="1600201"/>
+            <a:ext cx="8229600" cy="2044824"/>
+          </a:xfrm>
+          <a:prstGeom prst="rect">
+            <a:avLst/>
+          </a:prstGeom>
+        </p:spPr>
+        <p:txBody>
+          <a:bodyPr vert="horz" lIns="91440" tIns="45720" rIns="91440" bIns="45720" rtlCol="0">
+            <a:normAutofit/>
+          </a:bodyPr>
+          <a:lstStyle>
+            <a:lvl1pPr marL="342900" indent="-342900" algn="l" defTabSz="914400" rtl="0" eaLnBrk="1" latinLnBrk="0" hangingPunct="1">
+              <a:spcBef>
+                <a:spcPct val="20000"/>
+              </a:spcBef>
+              <a:buFont typeface="Arial" panose="020B0604020202020204" pitchFamily="34" charset="0"/>
+              <a:buChar char="•"/>
+              <a:defRPr sz="3200" kern="1200">
+                <a:solidFill>
+                  <a:schemeClr val="tx1"/>
+                </a:solidFill>
+                <a:latin typeface="+mn-lt"/>
+                <a:ea typeface="+mn-ea"/>
+                <a:cs typeface="+mn-cs"/>
+              </a:defRPr>
+            </a:lvl1pPr>
+            <a:lvl2pPr marL="742950" indent="-285750" algn="l" defTabSz="914400" rtl="0" eaLnBrk="1" latinLnBrk="0" hangingPunct="1">
+              <a:spcBef>
+                <a:spcPct val="20000"/>
+              </a:spcBef>
+              <a:buFont typeface="Arial" panose="020B0604020202020204" pitchFamily="34" charset="0"/>
+              <a:buChar char="–"/>
+              <a:defRPr sz="2800" kern="1200">
+                <a:solidFill>
+                  <a:schemeClr val="tx1"/>
+                </a:solidFill>
+                <a:latin typeface="+mn-lt"/>
+                <a:ea typeface="+mn-ea"/>
+                <a:cs typeface="+mn-cs"/>
+              </a:defRPr>
+            </a:lvl2pPr>
+            <a:lvl3pPr marL="1143000" indent="-228600" algn="l" defTabSz="914400" rtl="0" eaLnBrk="1" latinLnBrk="0" hangingPunct="1">
+              <a:spcBef>
+                <a:spcPct val="20000"/>
+              </a:spcBef>
+              <a:buFont typeface="Arial" panose="020B0604020202020204" pitchFamily="34" charset="0"/>
+              <a:buChar char="•"/>
+              <a:defRPr sz="2400" kern="1200">
+                <a:solidFill>
+                  <a:schemeClr val="tx1"/>
+                </a:solidFill>
+                <a:latin typeface="+mn-lt"/>
+                <a:ea typeface="+mn-ea"/>
+                <a:cs typeface="+mn-cs"/>
+              </a:defRPr>
+            </a:lvl3pPr>
+            <a:lvl4pPr marL="1600200" indent="-228600" algn="l" defTabSz="914400" rtl="0" eaLnBrk="1" latinLnBrk="0" hangingPunct="1">
+              <a:spcBef>
+                <a:spcPct val="20000"/>
+              </a:spcBef>
+              <a:buFont typeface="Arial" panose="020B0604020202020204" pitchFamily="34" charset="0"/>
+              <a:buChar char="–"/>
+              <a:defRPr sz="2000" kern="1200">
+                <a:solidFill>
+                  <a:schemeClr val="tx1"/>
+                </a:solidFill>
+                <a:latin typeface="+mn-lt"/>
+                <a:ea typeface="+mn-ea"/>
+                <a:cs typeface="+mn-cs"/>
+              </a:defRPr>
+            </a:lvl4pPr>
+            <a:lvl5pPr marL="2057400" indent="-228600" algn="l" defTabSz="914400" rtl="0" eaLnBrk="1" latinLnBrk="0" hangingPunct="1">
+              <a:spcBef>
+                <a:spcPct val="20000"/>
+              </a:spcBef>
+              <a:buFont typeface="Arial" panose="020B0604020202020204" pitchFamily="34" charset="0"/>
+              <a:buChar char="»"/>
+              <a:defRPr sz="2000" kern="1200">
+                <a:solidFill>
+                  <a:schemeClr val="tx1"/>
+                </a:solidFill>
+                <a:latin typeface="+mn-lt"/>
+                <a:ea typeface="+mn-ea"/>
+                <a:cs typeface="+mn-cs"/>
+              </a:defRPr>
+            </a:lvl5pPr>
+            <a:lvl6pPr marL="2514600" indent="-228600" algn="l" defTabSz="914400" rtl="0" eaLnBrk="1" latinLnBrk="0" hangingPunct="1">
+              <a:spcBef>
+                <a:spcPct val="20000"/>
+              </a:spcBef>
+              <a:buFont typeface="Arial" panose="020B0604020202020204" pitchFamily="34" charset="0"/>
+              <a:buChar char="•"/>
+              <a:defRPr sz="2000" kern="1200">
+                <a:solidFill>
+                  <a:schemeClr val="tx1"/>
+                </a:solidFill>
+                <a:latin typeface="+mn-lt"/>
+                <a:ea typeface="+mn-ea"/>
+                <a:cs typeface="+mn-cs"/>
+              </a:defRPr>
+            </a:lvl6pPr>
+            <a:lvl7pPr marL="2971800" indent="-228600" algn="l" defTabSz="914400" rtl="0" eaLnBrk="1" latinLnBrk="0" hangingPunct="1">
+              <a:spcBef>
+                <a:spcPct val="20000"/>
+              </a:spcBef>
+              <a:buFont typeface="Arial" panose="020B0604020202020204" pitchFamily="34" charset="0"/>
+              <a:buChar char="•"/>
+              <a:defRPr sz="2000" kern="1200">
+                <a:solidFill>
+                  <a:schemeClr val="tx1"/>
+                </a:solidFill>
+                <a:latin typeface="+mn-lt"/>
+                <a:ea typeface="+mn-ea"/>
+                <a:cs typeface="+mn-cs"/>
+              </a:defRPr>
+            </a:lvl7pPr>
+            <a:lvl8pPr marL="3429000" indent="-228600" algn="l" defTabSz="914400" rtl="0" eaLnBrk="1" latinLnBrk="0" hangingPunct="1">
+              <a:spcBef>
+                <a:spcPct val="20000"/>
+              </a:spcBef>
+              <a:buFont typeface="Arial" panose="020B0604020202020204" pitchFamily="34" charset="0"/>
+              <a:buChar char="•"/>
+              <a:defRPr sz="2000" kern="1200">
+                <a:solidFill>
+                  <a:schemeClr val="tx1"/>
+                </a:solidFill>
+                <a:latin typeface="+mn-lt"/>
+                <a:ea typeface="+mn-ea"/>
+                <a:cs typeface="+mn-cs"/>
+              </a:defRPr>
+            </a:lvl8pPr>
+            <a:lvl9pPr marL="3886200" indent="-228600" algn="l" defTabSz="914400" rtl="0" eaLnBrk="1" latinLnBrk="0" hangingPunct="1">
+              <a:spcBef>
+                <a:spcPct val="20000"/>
+              </a:spcBef>
+              <a:buFont typeface="Arial" panose="020B0604020202020204" pitchFamily="34" charset="0"/>
+              <a:buChar char="•"/>
+              <a:defRPr sz="2000" kern="1200">
+                <a:solidFill>
+                  <a:schemeClr val="tx1"/>
+                </a:solidFill>
+                <a:latin typeface="+mn-lt"/>
+                <a:ea typeface="+mn-ea"/>
+                <a:cs typeface="+mn-cs"/>
+              </a:defRPr>
+            </a:lvl9pPr>
+          </a:lstStyle>
+          <a:p>
+            <a:endParaRPr lang="es-ES" dirty="0"/>
+          </a:p>
+        </p:txBody>
+      </p:sp>
+      <p:sp>
+        <p:nvSpPr>
+          <p:cNvPr id="5" name="2 Marcador de contenido"/>
+          <p:cNvSpPr txBox="1">
+            <a:spLocks/>
+          </p:cNvSpPr>
+          <p:nvPr/>
+        </p:nvSpPr>
+        <p:spPr>
+          <a:xfrm>
+            <a:off x="455932" y="1600200"/>
+            <a:ext cx="8229600" cy="2044825"/>
+          </a:xfrm>
+          <a:prstGeom prst="rect">
+            <a:avLst/>
+          </a:prstGeom>
+        </p:spPr>
+        <p:txBody>
+          <a:bodyPr vert="horz" lIns="91440" tIns="45720" rIns="91440" bIns="45720" rtlCol="0">
+            <a:normAutofit/>
+          </a:bodyPr>
+          <a:lstStyle>
+            <a:lvl1pPr marL="342900" indent="-342900" algn="l" defTabSz="914400" rtl="0" eaLnBrk="1" latinLnBrk="0" hangingPunct="1">
+              <a:spcBef>
+                <a:spcPct val="20000"/>
+              </a:spcBef>
+              <a:buFont typeface="Arial" panose="020B0604020202020204" pitchFamily="34" charset="0"/>
+              <a:buChar char="•"/>
+              <a:defRPr sz="3200" kern="1200">
+                <a:solidFill>
+                  <a:schemeClr val="tx1"/>
+                </a:solidFill>
+                <a:latin typeface="+mn-lt"/>
+                <a:ea typeface="+mn-ea"/>
+                <a:cs typeface="+mn-cs"/>
+              </a:defRPr>
+            </a:lvl1pPr>
+            <a:lvl2pPr marL="742950" indent="-285750" algn="l" defTabSz="914400" rtl="0" eaLnBrk="1" latinLnBrk="0" hangingPunct="1">
+              <a:spcBef>
+                <a:spcPct val="20000"/>
+              </a:spcBef>
+              <a:buFont typeface="Arial" panose="020B0604020202020204" pitchFamily="34" charset="0"/>
+              <a:buChar char="–"/>
+              <a:defRPr sz="2800" kern="1200">
+                <a:solidFill>
+                  <a:schemeClr val="tx1"/>
+                </a:solidFill>
+                <a:latin typeface="+mn-lt"/>
+                <a:ea typeface="+mn-ea"/>
+                <a:cs typeface="+mn-cs"/>
+              </a:defRPr>
+            </a:lvl2pPr>
+            <a:lvl3pPr marL="1143000" indent="-228600" algn="l" defTabSz="914400" rtl="0" eaLnBrk="1" latinLnBrk="0" hangingPunct="1">
+              <a:spcBef>
+                <a:spcPct val="20000"/>
+              </a:spcBef>
+              <a:buFont typeface="Arial" panose="020B0604020202020204" pitchFamily="34" charset="0"/>
+              <a:buChar char="•"/>
+              <a:defRPr sz="2400" kern="1200">
+                <a:solidFill>
+                  <a:schemeClr val="tx1"/>
+                </a:solidFill>
+                <a:latin typeface="+mn-lt"/>
+                <a:ea typeface="+mn-ea"/>
+                <a:cs typeface="+mn-cs"/>
+              </a:defRPr>
+            </a:lvl3pPr>
+            <a:lvl4pPr marL="1600200" indent="-228600" algn="l" defTabSz="914400" rtl="0" eaLnBrk="1" latinLnBrk="0" hangingPunct="1">
+              <a:spcBef>
+                <a:spcPct val="20000"/>
+              </a:spcBef>
+              <a:buFont typeface="Arial" panose="020B0604020202020204" pitchFamily="34" charset="0"/>
+              <a:buChar char="–"/>
+              <a:defRPr sz="2000" kern="1200">
+                <a:solidFill>
+                  <a:schemeClr val="tx1"/>
+                </a:solidFill>
+                <a:latin typeface="+mn-lt"/>
+                <a:ea typeface="+mn-ea"/>
+                <a:cs typeface="+mn-cs"/>
+              </a:defRPr>
+            </a:lvl4pPr>
+            <a:lvl5pPr marL="2057400" indent="-228600" algn="l" defTabSz="914400" rtl="0" eaLnBrk="1" latinLnBrk="0" hangingPunct="1">
+              <a:spcBef>
+                <a:spcPct val="20000"/>
+              </a:spcBef>
+              <a:buFont typeface="Arial" panose="020B0604020202020204" pitchFamily="34" charset="0"/>
+              <a:buChar char="»"/>
+              <a:defRPr sz="2000" kern="1200">
+                <a:solidFill>
+                  <a:schemeClr val="tx1"/>
+                </a:solidFill>
+                <a:latin typeface="+mn-lt"/>
+                <a:ea typeface="+mn-ea"/>
+                <a:cs typeface="+mn-cs"/>
+              </a:defRPr>
+            </a:lvl5pPr>
+            <a:lvl6pPr marL="2514600" indent="-228600" algn="l" defTabSz="914400" rtl="0" eaLnBrk="1" latinLnBrk="0" hangingPunct="1">
+              <a:spcBef>
+                <a:spcPct val="20000"/>
+              </a:spcBef>
+              <a:buFont typeface="Arial" panose="020B0604020202020204" pitchFamily="34" charset="0"/>
+              <a:buChar char="•"/>
+              <a:defRPr sz="2000" kern="1200">
+                <a:solidFill>
+                  <a:schemeClr val="tx1"/>
+                </a:solidFill>
+                <a:latin typeface="+mn-lt"/>
+                <a:ea typeface="+mn-ea"/>
+                <a:cs typeface="+mn-cs"/>
+              </a:defRPr>
+            </a:lvl6pPr>
+            <a:lvl7pPr marL="2971800" indent="-228600" algn="l" defTabSz="914400" rtl="0" eaLnBrk="1" latinLnBrk="0" hangingPunct="1">
+              <a:spcBef>
+                <a:spcPct val="20000"/>
+              </a:spcBef>
+              <a:buFont typeface="Arial" panose="020B0604020202020204" pitchFamily="34" charset="0"/>
+              <a:buChar char="•"/>
+              <a:defRPr sz="2000" kern="1200">
+                <a:solidFill>
+                  <a:schemeClr val="tx1"/>
+                </a:solidFill>
+                <a:latin typeface="+mn-lt"/>
+                <a:ea typeface="+mn-ea"/>
+                <a:cs typeface="+mn-cs"/>
+              </a:defRPr>
+            </a:lvl7pPr>
+            <a:lvl8pPr marL="3429000" indent="-228600" algn="l" defTabSz="914400" rtl="0" eaLnBrk="1" latinLnBrk="0" hangingPunct="1">
+              <a:spcBef>
+                <a:spcPct val="20000"/>
+              </a:spcBef>
+              <a:buFont typeface="Arial" panose="020B0604020202020204" pitchFamily="34" charset="0"/>
+              <a:buChar char="•"/>
+              <a:defRPr sz="2000" kern="1200">
+                <a:solidFill>
+                  <a:schemeClr val="tx1"/>
+                </a:solidFill>
+                <a:latin typeface="+mn-lt"/>
+                <a:ea typeface="+mn-ea"/>
+                <a:cs typeface="+mn-cs"/>
+              </a:defRPr>
+            </a:lvl8pPr>
+            <a:lvl9pPr marL="3886200" indent="-228600" algn="l" defTabSz="914400" rtl="0" eaLnBrk="1" latinLnBrk="0" hangingPunct="1">
+              <a:spcBef>
+                <a:spcPct val="20000"/>
+              </a:spcBef>
+              <a:buFont typeface="Arial" panose="020B0604020202020204" pitchFamily="34" charset="0"/>
+              <a:buChar char="•"/>
+              <a:defRPr sz="2000" kern="1200">
+                <a:solidFill>
+                  <a:schemeClr val="tx1"/>
+                </a:solidFill>
+                <a:latin typeface="+mn-lt"/>
+                <a:ea typeface="+mn-ea"/>
+                <a:cs typeface="+mn-cs"/>
+              </a:defRPr>
+            </a:lvl9pPr>
+          </a:lstStyle>
+          <a:p>
+            <a:endParaRPr lang="es-ES" dirty="0"/>
+          </a:p>
+        </p:txBody>
+      </p:sp>
+      <p:sp>
+        <p:nvSpPr>
+          <p:cNvPr id="6" name="1 Título"/>
+          <p:cNvSpPr txBox="1">
+            <a:spLocks/>
+          </p:cNvSpPr>
+          <p:nvPr/>
+        </p:nvSpPr>
+        <p:spPr>
+          <a:xfrm>
+            <a:off x="455932" y="3356992"/>
+            <a:ext cx="8229600" cy="1143000"/>
+          </a:xfrm>
+          <a:prstGeom prst="rect">
+            <a:avLst/>
+          </a:prstGeom>
+        </p:spPr>
+        <p:txBody>
+          <a:bodyPr vert="horz" lIns="91440" tIns="45720" rIns="91440" bIns="45720" rtlCol="0" anchor="ctr">
+            <a:normAutofit fontScale="97500"/>
+          </a:bodyPr>
+          <a:lstStyle>
+            <a:lvl1pPr algn="ctr" defTabSz="914400" rtl="0" eaLnBrk="1" latinLnBrk="0" hangingPunct="1">
+              <a:spcBef>
+                <a:spcPct val="0"/>
+              </a:spcBef>
+              <a:buNone/>
+              <a:defRPr sz="4400" kern="1200">
+                <a:solidFill>
+                  <a:schemeClr val="tx1"/>
+                </a:solidFill>
+                <a:latin typeface="+mj-lt"/>
+                <a:ea typeface="+mj-ea"/>
+                <a:cs typeface="+mj-cs"/>
+              </a:defRPr>
+            </a:lvl1pPr>
+          </a:lstStyle>
+          <a:p>
+            <a:pPr algn="l"/>
+            <a:r>
+              <a:rPr lang="es-ES" sz="3600" dirty="0" smtClean="0"/>
+              <a:t>Pruebas – Entrega proyecto pedagógico</a:t>
+            </a:r>
+            <a:endParaRPr lang="es-ES" sz="3600" dirty="0"/>
+          </a:p>
+        </p:txBody>
+      </p:sp>
+      <p:graphicFrame>
+        <p:nvGraphicFramePr>
+          <p:cNvPr id="8" name="3 Marcador de contenido"/>
+          <p:cNvGraphicFramePr>
+            <a:graphicFrameLocks/>
+          </p:cNvGraphicFramePr>
+          <p:nvPr>
+            <p:extLst>
+              <p:ext uri="{D42A27DB-BD31-4B8C-83A1-F6EECF244321}">
+                <p14:modId xmlns:p14="http://schemas.microsoft.com/office/powerpoint/2010/main" val="3682633572"/>
+              </p:ext>
+            </p:extLst>
+          </p:nvPr>
+        </p:nvGraphicFramePr>
+        <p:xfrm>
+          <a:off x="455932" y="4351114"/>
+          <a:ext cx="8229600" cy="2225040"/>
+        </p:xfrm>
+        <a:graphic>
+          <a:graphicData uri="http://schemas.openxmlformats.org/drawingml/2006/table">
+            <a:tbl>
+              <a:tblPr firstRow="1" bandRow="1">
+                <a:tableStyleId>{2D5ABB26-0587-4C30-8999-92F81FD0307C}</a:tableStyleId>
+              </a:tblPr>
+              <a:tblGrid>
+                <a:gridCol w="4114800"/>
+                <a:gridCol w="4114800"/>
+              </a:tblGrid>
+              <a:tr h="370840">
+                <a:tc>
+                  <a:txBody>
+                    <a:bodyPr/>
+                    <a:lstStyle/>
+                    <a:p>
+                      <a:r>
+                        <a:rPr lang="es-ES" b="1" dirty="0" smtClean="0"/>
+                        <a:t>Cuestionarios</a:t>
+                      </a:r>
+                      <a:endParaRPr lang="es-ES" b="1" dirty="0"/>
+                    </a:p>
+                  </a:txBody>
+                  <a:tcPr>
+                    <a:lnL>
+                      <a:noFill/>
+                    </a:lnL>
+                    <a:lnR w="12700" cap="flat" cmpd="sng" algn="ctr">
+                      <a:solidFill>
+                        <a:schemeClr val="tx1"/>
+                      </a:solidFill>
+                      <a:prstDash val="solid"/>
+                      <a:round/>
+                      <a:headEnd type="none" w="med" len="med"/>
+                      <a:tailEnd type="none" w="med" len="med"/>
+                    </a:lnR>
+                    <a:lnT>
+                      <a:noFill/>
+                    </a:lnT>
+                    <a:lnB>
+                      <a:noFill/>
+                    </a:lnB>
+                    <a:lnTlToBr w="12700" cmpd="sng">
+                      <a:noFill/>
+                      <a:prstDash val="solid"/>
+                    </a:lnTlToBr>
+                    <a:lnBlToTr w="12700" cmpd="sng">
+                      <a:noFill/>
+                      <a:prstDash val="solid"/>
+                    </a:lnBlToTr>
+                  </a:tcPr>
+                </a:tc>
+                <a:tc>
+                  <a:txBody>
+                    <a:bodyPr/>
+                    <a:lstStyle/>
+                    <a:p>
+                      <a:r>
+                        <a:rPr lang="es-ES" dirty="0" smtClean="0"/>
+                        <a:t>1</a:t>
+                      </a:r>
+                      <a:r>
+                        <a:rPr lang="es-ES" baseline="0" dirty="0" smtClean="0"/>
+                        <a:t>9</a:t>
+                      </a:r>
+                      <a:endParaRPr lang="es-ES" dirty="0" smtClean="0"/>
+                    </a:p>
+                  </a:txBody>
+                  <a:tcPr>
+                    <a:lnL w="12700" cap="flat" cmpd="sng" algn="ctr">
+                      <a:solidFill>
+                        <a:schemeClr val="tx1"/>
+                      </a:solidFill>
+                      <a:prstDash val="solid"/>
+                      <a:round/>
+                      <a:headEnd type="none" w="med" len="med"/>
+                      <a:tailEnd type="none" w="med" len="med"/>
+                    </a:lnL>
+                    <a:lnR>
+                      <a:noFill/>
+                    </a:lnR>
+                    <a:lnT>
+                      <a:noFill/>
+                    </a:lnT>
+                    <a:lnB>
+                      <a:noFill/>
+                    </a:lnB>
+                    <a:lnTlToBr w="12700" cmpd="sng">
+                      <a:noFill/>
+                      <a:prstDash val="solid"/>
+                    </a:lnTlToBr>
+                    <a:lnBlToTr w="12700" cmpd="sng">
+                      <a:noFill/>
+                      <a:prstDash val="solid"/>
+                    </a:lnBlToTr>
+                  </a:tcPr>
+                </a:tc>
+              </a:tr>
+              <a:tr h="370840">
+                <a:tc>
+                  <a:txBody>
+                    <a:bodyPr/>
+                    <a:lstStyle/>
+                    <a:p>
+                      <a:r>
+                        <a:rPr lang="es-ES" b="1" dirty="0" smtClean="0"/>
+                        <a:t>Usuarios</a:t>
+                      </a:r>
+                      <a:endParaRPr lang="es-ES" b="1" dirty="0"/>
+                    </a:p>
+                  </a:txBody>
+                  <a:tcPr>
+                    <a:lnL>
+                      <a:noFill/>
+                    </a:lnL>
+                    <a:lnR w="12700" cap="flat" cmpd="sng" algn="ctr">
+                      <a:solidFill>
+                        <a:schemeClr val="tx1"/>
+                      </a:solidFill>
+                      <a:prstDash val="solid"/>
+                      <a:round/>
+                      <a:headEnd type="none" w="med" len="med"/>
+                      <a:tailEnd type="none" w="med" len="med"/>
+                    </a:lnR>
+                    <a:lnT>
+                      <a:noFill/>
+                    </a:lnT>
+                    <a:lnB>
+                      <a:noFill/>
+                    </a:lnB>
+                    <a:lnTlToBr w="12700" cmpd="sng">
+                      <a:noFill/>
+                      <a:prstDash val="solid"/>
+                    </a:lnTlToBr>
+                    <a:lnBlToTr w="12700" cmpd="sng">
+                      <a:noFill/>
+                      <a:prstDash val="solid"/>
+                    </a:lnBlToTr>
+                  </a:tcPr>
+                </a:tc>
+                <a:tc>
+                  <a:txBody>
+                    <a:bodyPr/>
+                    <a:lstStyle/>
+                    <a:p>
+                      <a:r>
+                        <a:rPr lang="es-ES" baseline="0" dirty="0" smtClean="0"/>
+                        <a:t>49 alumnos, como profesores</a:t>
+                      </a:r>
+                    </a:p>
+                  </a:txBody>
+                  <a:tcPr>
+                    <a:lnL w="12700" cap="flat" cmpd="sng" algn="ctr">
+                      <a:solidFill>
+                        <a:schemeClr val="tx1"/>
+                      </a:solidFill>
+                      <a:prstDash val="solid"/>
+                      <a:round/>
+                      <a:headEnd type="none" w="med" len="med"/>
+                      <a:tailEnd type="none" w="med" len="med"/>
+                    </a:lnL>
+                    <a:lnR>
+                      <a:noFill/>
+                    </a:lnR>
+                    <a:lnT>
+                      <a:noFill/>
+                    </a:lnT>
+                    <a:lnB>
+                      <a:noFill/>
+                    </a:lnB>
+                    <a:lnTlToBr w="12700" cmpd="sng">
+                      <a:noFill/>
+                      <a:prstDash val="solid"/>
+                    </a:lnTlToBr>
+                    <a:lnBlToTr w="12700" cmpd="sng">
+                      <a:noFill/>
+                      <a:prstDash val="solid"/>
+                    </a:lnBlToTr>
+                  </a:tcPr>
+                </a:tc>
+              </a:tr>
+              <a:tr h="370840">
+                <a:tc>
+                  <a:txBody>
+                    <a:bodyPr/>
+                    <a:lstStyle/>
+                    <a:p>
+                      <a:r>
+                        <a:rPr lang="es-ES" b="1" dirty="0" smtClean="0"/>
+                        <a:t>Preguntas</a:t>
+                      </a:r>
+                      <a:r>
+                        <a:rPr lang="es-ES" b="1" baseline="0" dirty="0" smtClean="0"/>
+                        <a:t> totales</a:t>
+                      </a:r>
+                      <a:endParaRPr lang="es-ES" b="1" dirty="0"/>
+                    </a:p>
+                  </a:txBody>
+                  <a:tcPr>
+                    <a:lnL>
+                      <a:noFill/>
+                    </a:lnL>
+                    <a:lnR w="12700" cap="flat" cmpd="sng" algn="ctr">
+                      <a:solidFill>
+                        <a:schemeClr val="tx1"/>
+                      </a:solidFill>
+                      <a:prstDash val="solid"/>
+                      <a:round/>
+                      <a:headEnd type="none" w="med" len="med"/>
+                      <a:tailEnd type="none" w="med" len="med"/>
+                    </a:lnR>
+                    <a:lnT>
+                      <a:noFill/>
+                    </a:lnT>
+                    <a:lnB>
+                      <a:noFill/>
+                    </a:lnB>
+                    <a:lnTlToBr w="12700" cmpd="sng">
+                      <a:noFill/>
+                      <a:prstDash val="solid"/>
+                    </a:lnTlToBr>
+                    <a:lnBlToTr w="12700" cmpd="sng">
+                      <a:noFill/>
+                      <a:prstDash val="solid"/>
+                    </a:lnBlToTr>
+                  </a:tcPr>
+                </a:tc>
+                <a:tc>
+                  <a:txBody>
+                    <a:bodyPr/>
+                    <a:lstStyle/>
+                    <a:p>
+                      <a:r>
+                        <a:rPr lang="es-ES" dirty="0" smtClean="0"/>
+                        <a:t>848</a:t>
+                      </a:r>
+                      <a:endParaRPr lang="es-ES" dirty="0"/>
+                    </a:p>
+                  </a:txBody>
+                  <a:tcPr>
+                    <a:lnL w="12700" cap="flat" cmpd="sng" algn="ctr">
+                      <a:solidFill>
+                        <a:schemeClr val="tx1"/>
+                      </a:solidFill>
+                      <a:prstDash val="solid"/>
+                      <a:round/>
+                      <a:headEnd type="none" w="med" len="med"/>
+                      <a:tailEnd type="none" w="med" len="med"/>
+                    </a:lnL>
+                    <a:lnR>
+                      <a:noFill/>
+                    </a:lnR>
+                    <a:lnT>
+                      <a:noFill/>
+                    </a:lnT>
+                    <a:lnB>
+                      <a:noFill/>
+                    </a:lnB>
+                    <a:lnTlToBr w="12700" cmpd="sng">
+                      <a:noFill/>
+                      <a:prstDash val="solid"/>
+                    </a:lnTlToBr>
+                    <a:lnBlToTr w="12700" cmpd="sng">
+                      <a:noFill/>
+                      <a:prstDash val="solid"/>
+                    </a:lnBlToTr>
+                  </a:tcPr>
+                </a:tc>
+              </a:tr>
+              <a:tr h="370840">
+                <a:tc>
+                  <a:txBody>
+                    <a:bodyPr/>
+                    <a:lstStyle/>
+                    <a:p>
+                      <a:r>
+                        <a:rPr lang="es-ES" b="1" dirty="0" smtClean="0"/>
+                        <a:t>Cuestionarios contestados</a:t>
+                      </a:r>
+                      <a:endParaRPr lang="es-ES" b="1" dirty="0"/>
+                    </a:p>
+                  </a:txBody>
+                  <a:tcPr>
+                    <a:lnL>
+                      <a:noFill/>
+                    </a:lnL>
+                    <a:lnR w="12700" cap="flat" cmpd="sng" algn="ctr">
+                      <a:solidFill>
+                        <a:schemeClr val="tx1"/>
+                      </a:solidFill>
+                      <a:prstDash val="solid"/>
+                      <a:round/>
+                      <a:headEnd type="none" w="med" len="med"/>
+                      <a:tailEnd type="none" w="med" len="med"/>
+                    </a:lnR>
+                    <a:lnT>
+                      <a:noFill/>
+                    </a:lnT>
+                    <a:lnB>
+                      <a:noFill/>
+                    </a:lnB>
+                    <a:lnTlToBr w="12700" cmpd="sng">
+                      <a:noFill/>
+                      <a:prstDash val="solid"/>
+                    </a:lnTlToBr>
+                    <a:lnBlToTr w="12700" cmpd="sng">
+                      <a:noFill/>
+                      <a:prstDash val="solid"/>
+                    </a:lnBlToTr>
+                  </a:tcPr>
+                </a:tc>
+                <a:tc>
+                  <a:txBody>
+                    <a:bodyPr/>
+                    <a:lstStyle/>
+                    <a:p>
+                      <a:r>
+                        <a:rPr lang="es-ES" dirty="0" smtClean="0"/>
+                        <a:t>0</a:t>
+                      </a:r>
+                      <a:endParaRPr lang="es-ES" dirty="0"/>
+                    </a:p>
+                  </a:txBody>
+                  <a:tcPr>
+                    <a:lnL w="12700" cap="flat" cmpd="sng" algn="ctr">
+                      <a:solidFill>
+                        <a:schemeClr val="tx1"/>
+                      </a:solidFill>
+                      <a:prstDash val="solid"/>
+                      <a:round/>
+                      <a:headEnd type="none" w="med" len="med"/>
+                      <a:tailEnd type="none" w="med" len="med"/>
+                    </a:lnL>
+                    <a:lnR>
+                      <a:noFill/>
+                    </a:lnR>
+                    <a:lnT>
+                      <a:noFill/>
+                    </a:lnT>
+                    <a:lnB>
+                      <a:noFill/>
+                    </a:lnB>
+                    <a:lnTlToBr w="12700" cmpd="sng">
+                      <a:noFill/>
+                      <a:prstDash val="solid"/>
+                    </a:lnTlToBr>
+                    <a:lnBlToTr w="12700" cmpd="sng">
+                      <a:noFill/>
+                      <a:prstDash val="solid"/>
+                    </a:lnBlToTr>
+                  </a:tcPr>
+                </a:tc>
+              </a:tr>
+              <a:tr h="370840">
+                <a:tc>
+                  <a:txBody>
+                    <a:bodyPr/>
+                    <a:lstStyle/>
+                    <a:p>
+                      <a:r>
+                        <a:rPr lang="es-ES" b="1" dirty="0" smtClean="0"/>
+                        <a:t>Preguntas contestadas</a:t>
+                      </a:r>
+                      <a:endParaRPr lang="es-ES" b="1" dirty="0"/>
+                    </a:p>
+                  </a:txBody>
+                  <a:tcPr>
+                    <a:lnL>
+                      <a:noFill/>
+                    </a:lnL>
+                    <a:lnR w="12700" cap="flat" cmpd="sng" algn="ctr">
+                      <a:solidFill>
+                        <a:schemeClr val="tx1"/>
+                      </a:solidFill>
+                      <a:prstDash val="solid"/>
+                      <a:round/>
+                      <a:headEnd type="none" w="med" len="med"/>
+                      <a:tailEnd type="none" w="med" len="med"/>
+                    </a:lnR>
+                    <a:lnT>
+                      <a:noFill/>
+                    </a:lnT>
+                    <a:lnB>
+                      <a:noFill/>
+                    </a:lnB>
+                    <a:lnTlToBr w="12700" cmpd="sng">
+                      <a:noFill/>
+                      <a:prstDash val="solid"/>
+                    </a:lnTlToBr>
+                    <a:lnBlToTr w="12700" cmpd="sng">
+                      <a:noFill/>
+                      <a:prstDash val="solid"/>
+                    </a:lnBlToTr>
+                  </a:tcPr>
+                </a:tc>
+                <a:tc>
+                  <a:txBody>
+                    <a:bodyPr/>
+                    <a:lstStyle/>
+                    <a:p>
+                      <a:r>
+                        <a:rPr lang="es-ES" dirty="0" smtClean="0"/>
+                        <a:t>0</a:t>
+                      </a:r>
+                      <a:endParaRPr lang="es-ES" dirty="0"/>
+                    </a:p>
+                  </a:txBody>
+                  <a:tcPr>
+                    <a:lnL w="12700" cap="flat" cmpd="sng" algn="ctr">
+                      <a:solidFill>
+                        <a:schemeClr val="tx1"/>
+                      </a:solidFill>
+                      <a:prstDash val="solid"/>
+                      <a:round/>
+                      <a:headEnd type="none" w="med" len="med"/>
+                      <a:tailEnd type="none" w="med" len="med"/>
+                    </a:lnL>
+                    <a:lnR>
+                      <a:noFill/>
+                    </a:lnR>
+                    <a:lnT>
+                      <a:noFill/>
+                    </a:lnT>
+                    <a:lnB>
+                      <a:noFill/>
+                    </a:lnB>
+                    <a:lnTlToBr w="12700" cmpd="sng">
+                      <a:noFill/>
+                      <a:prstDash val="solid"/>
+                    </a:lnTlToBr>
+                    <a:lnBlToTr w="12700" cmpd="sng">
+                      <a:noFill/>
+                      <a:prstDash val="solid"/>
+                    </a:lnBlToTr>
+                  </a:tcPr>
+                </a:tc>
+              </a:tr>
+              <a:tr h="370840">
+                <a:tc>
+                  <a:txBody>
+                    <a:bodyPr/>
+                    <a:lstStyle/>
+                    <a:p>
+                      <a:r>
+                        <a:rPr lang="es-ES" b="1" dirty="0" smtClean="0"/>
+                        <a:t>Ficheros multimedia</a:t>
+                      </a:r>
+                      <a:endParaRPr lang="es-ES" b="1" dirty="0"/>
+                    </a:p>
+                  </a:txBody>
+                  <a:tcPr>
+                    <a:lnL>
+                      <a:noFill/>
+                    </a:lnL>
+                    <a:lnR w="12700" cap="flat" cmpd="sng" algn="ctr">
+                      <a:solidFill>
+                        <a:schemeClr val="tx1"/>
+                      </a:solidFill>
+                      <a:prstDash val="solid"/>
+                      <a:round/>
+                      <a:headEnd type="none" w="med" len="med"/>
+                      <a:tailEnd type="none" w="med" len="med"/>
+                    </a:lnR>
+                    <a:lnT>
+                      <a:noFill/>
+                    </a:lnT>
+                    <a:lnB>
+                      <a:noFill/>
+                    </a:lnB>
+                    <a:lnTlToBr w="12700" cmpd="sng">
+                      <a:noFill/>
+                      <a:prstDash val="solid"/>
+                    </a:lnTlToBr>
+                    <a:lnBlToTr w="12700" cmpd="sng">
+                      <a:noFill/>
+                      <a:prstDash val="solid"/>
+                    </a:lnBlToTr>
+                  </a:tcPr>
+                </a:tc>
+                <a:tc>
+                  <a:txBody>
+                    <a:bodyPr/>
+                    <a:lstStyle/>
+                    <a:p>
+                      <a:r>
+                        <a:rPr lang="es-ES" dirty="0" smtClean="0"/>
+                        <a:t>1364</a:t>
+                      </a:r>
+                      <a:endParaRPr lang="es-ES" dirty="0"/>
+                    </a:p>
+                  </a:txBody>
+                  <a:tcPr>
+                    <a:lnL w="12700" cap="flat" cmpd="sng" algn="ctr">
+                      <a:solidFill>
+                        <a:schemeClr val="tx1"/>
+                      </a:solidFill>
+                      <a:prstDash val="solid"/>
+                      <a:round/>
+                      <a:headEnd type="none" w="med" len="med"/>
+                      <a:tailEnd type="none" w="med" len="med"/>
+                    </a:lnL>
+                    <a:lnR>
+                      <a:noFill/>
+                    </a:lnR>
+                    <a:lnT>
+                      <a:noFill/>
+                    </a:lnT>
+                    <a:lnB>
+                      <a:noFill/>
+                    </a:lnB>
+                    <a:lnTlToBr w="12700" cmpd="sng">
+                      <a:noFill/>
+                      <a:prstDash val="solid"/>
+                    </a:lnTlToBr>
+                    <a:lnBlToTr w="12700" cmpd="sng">
+                      <a:noFill/>
+                      <a:prstDash val="solid"/>
+                    </a:lnBlToTr>
+                  </a:tcPr>
+                </a:tc>
+              </a:tr>
+            </a:tbl>
+          </a:graphicData>
+        </a:graphic>
+      </p:graphicFrame>
+    </p:spTree>
+    <p:extLst>
+      <p:ext uri="{BB962C8B-B14F-4D97-AF65-F5344CB8AC3E}">
+        <p14:creationId xmlns:p14="http://schemas.microsoft.com/office/powerpoint/2010/main" val="57931982"/>
       </p:ext>
     </p:extLst>
   </p:cSld>
@@ -5243,6 +9430,504 @@
     <p:extLst>
       <p:ext uri="{BB962C8B-B14F-4D97-AF65-F5344CB8AC3E}">
         <p14:creationId xmlns:p14="http://schemas.microsoft.com/office/powerpoint/2010/main" val="1960911746"/>
+      </p:ext>
+    </p:extLst>
+  </p:cSld>
+  <p:clrMapOvr>
+    <a:masterClrMapping/>
+  </p:clrMapOvr>
+</p:sld>
+</file>
+
+<file path=ppt/slides/slide30.xml><?xml version="1.0" encoding="utf-8"?>
+<p:sld xmlns:a="http://schemas.openxmlformats.org/drawingml/2006/main" xmlns:r="http://schemas.openxmlformats.org/officeDocument/2006/relationships" xmlns:p="http://schemas.openxmlformats.org/presentationml/2006/main">
+  <p:cSld>
+    <p:spTree>
+      <p:nvGrpSpPr>
+        <p:cNvPr id="1" name=""/>
+        <p:cNvGrpSpPr/>
+        <p:nvPr/>
+      </p:nvGrpSpPr>
+      <p:grpSpPr>
+        <a:xfrm>
+          <a:off x="0" y="0"/>
+          <a:ext cx="0" cy="0"/>
+          <a:chOff x="0" y="0"/>
+          <a:chExt cx="0" cy="0"/>
+        </a:xfrm>
+      </p:grpSpPr>
+      <p:sp>
+        <p:nvSpPr>
+          <p:cNvPr id="2" name="1 Título"/>
+          <p:cNvSpPr>
+            <a:spLocks noGrp="1"/>
+          </p:cNvSpPr>
+          <p:nvPr>
+            <p:ph type="title"/>
+          </p:nvPr>
+        </p:nvSpPr>
+        <p:spPr/>
+        <p:txBody>
+          <a:bodyPr/>
+          <a:lstStyle/>
+          <a:p>
+            <a:pPr algn="l"/>
+            <a:r>
+              <a:rPr lang="es-ES" dirty="0" smtClean="0"/>
+              <a:t>Índice</a:t>
+            </a:r>
+            <a:endParaRPr lang="es-ES" dirty="0"/>
+          </a:p>
+        </p:txBody>
+      </p:sp>
+      <p:sp>
+        <p:nvSpPr>
+          <p:cNvPr id="3" name="2 Marcador de contenido"/>
+          <p:cNvSpPr>
+            <a:spLocks noGrp="1"/>
+          </p:cNvSpPr>
+          <p:nvPr>
+            <p:ph idx="1"/>
+          </p:nvPr>
+        </p:nvSpPr>
+        <p:spPr/>
+        <p:txBody>
+          <a:bodyPr/>
+          <a:lstStyle/>
+          <a:p>
+            <a:r>
+              <a:rPr lang="es-ES" dirty="0" smtClean="0">
+                <a:solidFill>
+                  <a:schemeClr val="tx1">
+                    <a:lumMod val="50000"/>
+                    <a:lumOff val="50000"/>
+                  </a:schemeClr>
+                </a:solidFill>
+              </a:rPr>
+              <a:t>Introducción</a:t>
+            </a:r>
+          </a:p>
+          <a:p>
+            <a:r>
+              <a:rPr lang="es-ES" dirty="0" smtClean="0">
+                <a:solidFill>
+                  <a:schemeClr val="tx1">
+                    <a:lumMod val="50000"/>
+                    <a:lumOff val="50000"/>
+                  </a:schemeClr>
+                </a:solidFill>
+              </a:rPr>
+              <a:t>Estado del arte</a:t>
+            </a:r>
+          </a:p>
+          <a:p>
+            <a:r>
+              <a:rPr lang="es-ES" dirty="0" smtClean="0">
+                <a:solidFill>
+                  <a:schemeClr val="tx1">
+                    <a:lumMod val="50000"/>
+                    <a:lumOff val="50000"/>
+                  </a:schemeClr>
+                </a:solidFill>
+              </a:rPr>
+              <a:t>Análisis, diseño, desarrollo</a:t>
+            </a:r>
+          </a:p>
+          <a:p>
+            <a:r>
+              <a:rPr lang="es-ES" dirty="0" smtClean="0">
+                <a:solidFill>
+                  <a:schemeClr val="tx1">
+                    <a:lumMod val="50000"/>
+                    <a:lumOff val="50000"/>
+                  </a:schemeClr>
+                </a:solidFill>
+              </a:rPr>
+              <a:t>Pruebas</a:t>
+            </a:r>
+          </a:p>
+          <a:p>
+            <a:r>
+              <a:rPr lang="es-ES" dirty="0" smtClean="0"/>
+              <a:t>Conclusiones y trabajo futuro</a:t>
+            </a:r>
+          </a:p>
+        </p:txBody>
+      </p:sp>
+    </p:spTree>
+    <p:extLst>
+      <p:ext uri="{BB962C8B-B14F-4D97-AF65-F5344CB8AC3E}">
+        <p14:creationId xmlns:p14="http://schemas.microsoft.com/office/powerpoint/2010/main" val="4045646826"/>
+      </p:ext>
+    </p:extLst>
+  </p:cSld>
+  <p:clrMapOvr>
+    <a:masterClrMapping/>
+  </p:clrMapOvr>
+</p:sld>
+</file>
+
+<file path=ppt/slides/slide31.xml><?xml version="1.0" encoding="utf-8"?>
+<p:sld xmlns:a="http://schemas.openxmlformats.org/drawingml/2006/main" xmlns:r="http://schemas.openxmlformats.org/officeDocument/2006/relationships" xmlns:p="http://schemas.openxmlformats.org/presentationml/2006/main">
+  <p:cSld>
+    <p:spTree>
+      <p:nvGrpSpPr>
+        <p:cNvPr id="1" name=""/>
+        <p:cNvGrpSpPr/>
+        <p:nvPr/>
+      </p:nvGrpSpPr>
+      <p:grpSpPr>
+        <a:xfrm>
+          <a:off x="0" y="0"/>
+          <a:ext cx="0" cy="0"/>
+          <a:chOff x="0" y="0"/>
+          <a:chExt cx="0" cy="0"/>
+        </a:xfrm>
+      </p:grpSpPr>
+      <p:sp>
+        <p:nvSpPr>
+          <p:cNvPr id="2" name="1 Título"/>
+          <p:cNvSpPr>
+            <a:spLocks noGrp="1"/>
+          </p:cNvSpPr>
+          <p:nvPr>
+            <p:ph type="title"/>
+          </p:nvPr>
+        </p:nvSpPr>
+        <p:spPr/>
+        <p:txBody>
+          <a:bodyPr/>
+          <a:lstStyle/>
+          <a:p>
+            <a:pPr algn="l"/>
+            <a:r>
+              <a:rPr lang="es-ES" dirty="0" smtClean="0"/>
+              <a:t>Conclusiones</a:t>
+            </a:r>
+            <a:endParaRPr lang="es-ES" dirty="0"/>
+          </a:p>
+        </p:txBody>
+      </p:sp>
+      <p:sp>
+        <p:nvSpPr>
+          <p:cNvPr id="3" name="2 Marcador de contenido"/>
+          <p:cNvSpPr>
+            <a:spLocks noGrp="1"/>
+          </p:cNvSpPr>
+          <p:nvPr>
+            <p:ph idx="1"/>
+          </p:nvPr>
+        </p:nvSpPr>
+        <p:spPr/>
+        <p:txBody>
+          <a:bodyPr>
+            <a:normAutofit fontScale="92500" lnSpcReduction="20000"/>
+          </a:bodyPr>
+          <a:lstStyle/>
+          <a:p>
+            <a:r>
+              <a:rPr lang="es-ES" dirty="0" smtClean="0"/>
+              <a:t>Todos los objetivos se han cumplido</a:t>
+            </a:r>
+          </a:p>
+          <a:p>
+            <a:r>
+              <a:rPr lang="es-ES" dirty="0" smtClean="0"/>
+              <a:t>Se ha creado un sistema adaptativo de cuestionarios con ficheros multimedia, retroalimentación instantánea y análisis automático de resultados</a:t>
+            </a:r>
+          </a:p>
+          <a:p>
+            <a:r>
+              <a:rPr lang="es-ES" dirty="0" smtClean="0"/>
+              <a:t>Dos prototipos funcionales e incrementales </a:t>
+            </a:r>
+          </a:p>
+          <a:p>
+            <a:r>
+              <a:rPr lang="es-ES" dirty="0" smtClean="0"/>
+              <a:t>Probado en dos asignaturas reales, con más de 100 alumnos de varias disciplinas distintas</a:t>
+            </a:r>
+          </a:p>
+          <a:p>
+            <a:r>
+              <a:rPr lang="es-ES" dirty="0" smtClean="0"/>
+              <a:t>Resultados parciales validados y publicados en congresos y revistas</a:t>
+            </a:r>
+            <a:endParaRPr lang="es-ES" dirty="0"/>
+          </a:p>
+        </p:txBody>
+      </p:sp>
+    </p:spTree>
+    <p:extLst>
+      <p:ext uri="{BB962C8B-B14F-4D97-AF65-F5344CB8AC3E}">
+        <p14:creationId xmlns:p14="http://schemas.microsoft.com/office/powerpoint/2010/main" val="130507571"/>
+      </p:ext>
+    </p:extLst>
+  </p:cSld>
+  <p:clrMapOvr>
+    <a:masterClrMapping/>
+  </p:clrMapOvr>
+</p:sld>
+</file>
+
+<file path=ppt/slides/slide32.xml><?xml version="1.0" encoding="utf-8"?>
+<p:sld xmlns:a="http://schemas.openxmlformats.org/drawingml/2006/main" xmlns:r="http://schemas.openxmlformats.org/officeDocument/2006/relationships" xmlns:p="http://schemas.openxmlformats.org/presentationml/2006/main">
+  <p:cSld>
+    <p:spTree>
+      <p:nvGrpSpPr>
+        <p:cNvPr id="1" name=""/>
+        <p:cNvGrpSpPr/>
+        <p:nvPr/>
+      </p:nvGrpSpPr>
+      <p:grpSpPr>
+        <a:xfrm>
+          <a:off x="0" y="0"/>
+          <a:ext cx="0" cy="0"/>
+          <a:chOff x="0" y="0"/>
+          <a:chExt cx="0" cy="0"/>
+        </a:xfrm>
+      </p:grpSpPr>
+      <p:sp>
+        <p:nvSpPr>
+          <p:cNvPr id="2" name="1 Título"/>
+          <p:cNvSpPr>
+            <a:spLocks noGrp="1"/>
+          </p:cNvSpPr>
+          <p:nvPr>
+            <p:ph type="title"/>
+          </p:nvPr>
+        </p:nvSpPr>
+        <p:spPr/>
+        <p:txBody>
+          <a:bodyPr/>
+          <a:lstStyle/>
+          <a:p>
+            <a:pPr algn="l"/>
+            <a:r>
+              <a:rPr lang="es-ES" dirty="0" smtClean="0"/>
+              <a:t>Trabajo futuro</a:t>
+            </a:r>
+            <a:endParaRPr lang="es-ES" dirty="0"/>
+          </a:p>
+        </p:txBody>
+      </p:sp>
+      <p:sp>
+        <p:nvSpPr>
+          <p:cNvPr id="3" name="2 Marcador de contenido"/>
+          <p:cNvSpPr>
+            <a:spLocks noGrp="1"/>
+          </p:cNvSpPr>
+          <p:nvPr>
+            <p:ph idx="1"/>
+          </p:nvPr>
+        </p:nvSpPr>
+        <p:spPr/>
+        <p:txBody>
+          <a:bodyPr/>
+          <a:lstStyle/>
+          <a:p>
+            <a:r>
+              <a:rPr lang="es-ES" dirty="0" smtClean="0"/>
+              <a:t>Ampliar las opciones del análisis de resultados. Añadir visualización de resultados</a:t>
+            </a:r>
+          </a:p>
+          <a:p>
+            <a:r>
+              <a:rPr lang="es-ES" dirty="0" smtClean="0"/>
+              <a:t>Nuevos tipos de pregunta</a:t>
+            </a:r>
+          </a:p>
+          <a:p>
+            <a:r>
+              <a:rPr lang="es-ES" dirty="0" smtClean="0"/>
+              <a:t>Elegir qué modelo se aplica al examen</a:t>
+            </a:r>
+          </a:p>
+          <a:p>
+            <a:r>
+              <a:rPr lang="es-ES" dirty="0" smtClean="0"/>
+              <a:t>Ampliar las herramientas de creación y gestión del profesor</a:t>
+            </a:r>
+          </a:p>
+          <a:p>
+            <a:r>
+              <a:rPr lang="es-ES" dirty="0" smtClean="0"/>
+              <a:t>Interacción persona-ordenador. Accesibilidad</a:t>
+            </a:r>
+          </a:p>
+          <a:p>
+            <a:r>
+              <a:rPr lang="es-ES" dirty="0" smtClean="0"/>
+              <a:t>Facilitar tareas de administración</a:t>
+            </a:r>
+            <a:endParaRPr lang="es-ES" dirty="0"/>
+          </a:p>
+        </p:txBody>
+      </p:sp>
+    </p:spTree>
+    <p:extLst>
+      <p:ext uri="{BB962C8B-B14F-4D97-AF65-F5344CB8AC3E}">
+        <p14:creationId xmlns:p14="http://schemas.microsoft.com/office/powerpoint/2010/main" val="752336203"/>
+      </p:ext>
+    </p:extLst>
+  </p:cSld>
+  <p:clrMapOvr>
+    <a:masterClrMapping/>
+  </p:clrMapOvr>
+</p:sld>
+</file>
+
+<file path=ppt/slides/slide33.xml><?xml version="1.0" encoding="utf-8"?>
+<p:sld xmlns:a="http://schemas.openxmlformats.org/drawingml/2006/main" xmlns:r="http://schemas.openxmlformats.org/officeDocument/2006/relationships" xmlns:p="http://schemas.openxmlformats.org/presentationml/2006/main">
+  <p:cSld>
+    <p:spTree>
+      <p:nvGrpSpPr>
+        <p:cNvPr id="1" name=""/>
+        <p:cNvGrpSpPr/>
+        <p:nvPr/>
+      </p:nvGrpSpPr>
+      <p:grpSpPr>
+        <a:xfrm>
+          <a:off x="0" y="0"/>
+          <a:ext cx="0" cy="0"/>
+          <a:chOff x="0" y="0"/>
+          <a:chExt cx="0" cy="0"/>
+        </a:xfrm>
+      </p:grpSpPr>
+      <p:sp>
+        <p:nvSpPr>
+          <p:cNvPr id="2" name="1 Título"/>
+          <p:cNvSpPr>
+            <a:spLocks noGrp="1"/>
+          </p:cNvSpPr>
+          <p:nvPr>
+            <p:ph type="ctrTitle"/>
+          </p:nvPr>
+        </p:nvSpPr>
+        <p:spPr>
+          <a:xfrm>
+            <a:off x="683568" y="2636912"/>
+            <a:ext cx="7772400" cy="1470025"/>
+          </a:xfrm>
+        </p:spPr>
+        <p:txBody>
+          <a:bodyPr>
+            <a:normAutofit fontScale="90000"/>
+          </a:bodyPr>
+          <a:lstStyle/>
+          <a:p>
+            <a:r>
+              <a:rPr lang="es-ES" dirty="0" smtClean="0"/>
+              <a:t>Desarrollo de un sistema de cuestionarios adaptativos para el apoyo al aprendizaje</a:t>
+            </a:r>
+            <a:endParaRPr lang="es-ES" dirty="0"/>
+          </a:p>
+        </p:txBody>
+      </p:sp>
+      <p:sp>
+        <p:nvSpPr>
+          <p:cNvPr id="3" name="2 Subtítulo"/>
+          <p:cNvSpPr>
+            <a:spLocks noGrp="1"/>
+          </p:cNvSpPr>
+          <p:nvPr>
+            <p:ph type="subTitle" idx="1"/>
+          </p:nvPr>
+        </p:nvSpPr>
+        <p:spPr>
+          <a:xfrm>
+            <a:off x="1356041" y="4365104"/>
+            <a:ext cx="6400800" cy="1752600"/>
+          </a:xfrm>
+        </p:spPr>
+        <p:txBody>
+          <a:bodyPr/>
+          <a:lstStyle/>
+          <a:p>
+            <a:r>
+              <a:rPr lang="es-ES" dirty="0" smtClean="0"/>
+              <a:t>Junio 2015</a:t>
+            </a:r>
+          </a:p>
+          <a:p>
+            <a:r>
+              <a:rPr lang="es-ES" dirty="0" smtClean="0"/>
+              <a:t>Pablo Molins Ruano</a:t>
+            </a:r>
+          </a:p>
+          <a:p>
+            <a:r>
+              <a:rPr lang="es-ES" dirty="0" smtClean="0"/>
+              <a:t>1415_182_ISTI </a:t>
+            </a:r>
+            <a:endParaRPr lang="es-ES" dirty="0"/>
+          </a:p>
+        </p:txBody>
+      </p:sp>
+      <p:pic>
+        <p:nvPicPr>
+          <p:cNvPr id="4" name="3 Imagen"/>
+          <p:cNvPicPr>
+            <a:picLocks noChangeAspect="1"/>
+          </p:cNvPicPr>
+          <p:nvPr/>
+        </p:nvPicPr>
+        <p:blipFill>
+          <a:blip r:embed="rId2" cstate="print">
+            <a:extLst>
+              <a:ext uri="{28A0092B-C50C-407E-A947-70E740481C1C}">
+                <a14:useLocalDpi xmlns:a14="http://schemas.microsoft.com/office/drawing/2010/main" val="0"/>
+              </a:ext>
+            </a:extLst>
+          </a:blip>
+          <a:stretch>
+            <a:fillRect/>
+          </a:stretch>
+        </p:blipFill>
+        <p:spPr>
+          <a:xfrm>
+            <a:off x="539552" y="477890"/>
+            <a:ext cx="1584176" cy="1385932"/>
+          </a:xfrm>
+          <a:prstGeom prst="rect">
+            <a:avLst/>
+          </a:prstGeom>
+        </p:spPr>
+      </p:pic>
+      <p:pic>
+        <p:nvPicPr>
+          <p:cNvPr id="5" name="4 Imagen"/>
+          <p:cNvPicPr>
+            <a:picLocks noChangeAspect="1"/>
+          </p:cNvPicPr>
+          <p:nvPr/>
+        </p:nvPicPr>
+        <p:blipFill>
+          <a:blip r:embed="rId3">
+            <a:extLst>
+              <a:ext uri="{28A0092B-C50C-407E-A947-70E740481C1C}">
+                <a14:useLocalDpi xmlns:a14="http://schemas.microsoft.com/office/drawing/2010/main" val="0"/>
+              </a:ext>
+            </a:extLst>
+          </a:blip>
+          <a:stretch>
+            <a:fillRect/>
+          </a:stretch>
+        </p:blipFill>
+        <p:spPr>
+          <a:xfrm>
+            <a:off x="6689831" y="522784"/>
+            <a:ext cx="2106234" cy="1296144"/>
+          </a:xfrm>
+          <a:prstGeom prst="rect">
+            <a:avLst/>
+          </a:prstGeom>
+        </p:spPr>
+      </p:pic>
+    </p:spTree>
+    <p:extLst>
+      <p:ext uri="{BB962C8B-B14F-4D97-AF65-F5344CB8AC3E}">
+        <p14:creationId xmlns:p14="http://schemas.microsoft.com/office/powerpoint/2010/main" val="2671494101"/>
       </p:ext>
     </p:extLst>
   </p:cSld>
@@ -5432,6 +10117,10 @@
           </a:bodyPr>
           <a:lstStyle/>
           <a:p>
+            <a:pPr marL="514350" indent="-514350">
+              <a:buFont typeface="+mj-lt"/>
+              <a:buAutoNum type="arabicPeriod"/>
+            </a:pPr>
             <a:r>
               <a:rPr lang="es-ES" dirty="0" smtClean="0"/>
               <a:t>Sistema para crear cuestionario online de (</a:t>
@@ -5446,36 +10135,60 @@
             </a:r>
           </a:p>
           <a:p>
+            <a:pPr marL="514350" indent="-514350">
+              <a:buFont typeface="+mj-lt"/>
+              <a:buAutoNum type="arabicPeriod"/>
+            </a:pPr>
             <a:r>
               <a:rPr lang="es-ES" dirty="0" smtClean="0"/>
               <a:t>Válido para múltiples áreas de conocimiento</a:t>
             </a:r>
           </a:p>
           <a:p>
+            <a:pPr marL="514350" indent="-514350">
+              <a:buFont typeface="+mj-lt"/>
+              <a:buAutoNum type="arabicPeriod"/>
+            </a:pPr>
             <a:r>
               <a:rPr lang="es-ES" dirty="0" smtClean="0"/>
               <a:t>Sin conocimientos avanzados de informática</a:t>
             </a:r>
           </a:p>
           <a:p>
+            <a:pPr marL="514350" indent="-514350">
+              <a:buFont typeface="+mj-lt"/>
+              <a:buAutoNum type="arabicPeriod"/>
+            </a:pPr>
             <a:r>
               <a:rPr lang="es-ES" dirty="0" smtClean="0"/>
               <a:t>Herramientas de análisis</a:t>
             </a:r>
           </a:p>
           <a:p>
+            <a:pPr marL="514350" indent="-514350">
+              <a:buFont typeface="+mj-lt"/>
+              <a:buAutoNum type="arabicPeriod"/>
+            </a:pPr>
             <a:r>
               <a:rPr lang="es-ES" dirty="0" smtClean="0"/>
               <a:t>Sistema web robusto</a:t>
             </a:r>
           </a:p>
           <a:p>
+            <a:pPr marL="514350" indent="-514350">
+              <a:buFont typeface="+mj-lt"/>
+              <a:buAutoNum type="arabicPeriod"/>
+            </a:pPr>
             <a:r>
               <a:rPr lang="es-ES" dirty="0" smtClean="0"/>
               <a:t>Crear un modelo de datos para una evaluación</a:t>
             </a:r>
           </a:p>
           <a:p>
+            <a:pPr marL="514350" indent="-514350">
+              <a:buFont typeface="+mj-lt"/>
+              <a:buAutoNum type="arabicPeriod"/>
+            </a:pPr>
             <a:r>
               <a:rPr lang="es-ES" dirty="0" smtClean="0"/>
               <a:t>Arquitectura flexible pensando en nuevos modelos</a:t>
@@ -5950,7 +10663,7 @@
         <p:spPr/>
         <p:txBody>
           <a:bodyPr>
-            <a:normAutofit fontScale="77500" lnSpcReduction="20000"/>
+            <a:normAutofit fontScale="85000" lnSpcReduction="20000"/>
           </a:bodyPr>
           <a:lstStyle/>
           <a:p>
@@ -5984,18 +10697,6 @@
               <a:rPr lang="es-ES" dirty="0" smtClean="0"/>
               <a:t>Análisis, diseño, desarrollo</a:t>
             </a:r>
-          </a:p>
-          <a:p>
-            <a:pPr lvl="1"/>
-            <a:r>
-              <a:rPr lang="es-ES" dirty="0" smtClean="0"/>
-              <a:t>Introducción a e-</a:t>
-            </a:r>
-            <a:r>
-              <a:rPr lang="es-ES" dirty="0" err="1" smtClean="0"/>
-              <a:t>valUAM</a:t>
-            </a:r>
-            <a:endParaRPr lang="es-ES" dirty="0" smtClean="0"/>
           </a:p>
           <a:p>
             <a:pPr lvl="1"/>
@@ -6371,4 +11072,47 @@
   <a:objectDefaults/>
   <a:extraClrSchemeLst/>
 </a:theme>
+</file>
+
+<file path=ppt/theme/themeOverride1.xml><?xml version="1.0" encoding="utf-8"?>
+<a:themeOverride xmlns:a="http://schemas.openxmlformats.org/drawingml/2006/main">
+  <a:clrScheme name="Office">
+    <a:dk1>
+      <a:sysClr val="windowText" lastClr="000000"/>
+    </a:dk1>
+    <a:lt1>
+      <a:sysClr val="window" lastClr="FFFFFF"/>
+    </a:lt1>
+    <a:dk2>
+      <a:srgbClr val="1F497D"/>
+    </a:dk2>
+    <a:lt2>
+      <a:srgbClr val="EEECE1"/>
+    </a:lt2>
+    <a:accent1>
+      <a:srgbClr val="4F81BD"/>
+    </a:accent1>
+    <a:accent2>
+      <a:srgbClr val="C0504D"/>
+    </a:accent2>
+    <a:accent3>
+      <a:srgbClr val="9BBB59"/>
+    </a:accent3>
+    <a:accent4>
+      <a:srgbClr val="8064A2"/>
+    </a:accent4>
+    <a:accent5>
+      <a:srgbClr val="4BACC6"/>
+    </a:accent5>
+    <a:accent6>
+      <a:srgbClr val="F79646"/>
+    </a:accent6>
+    <a:hlink>
+      <a:srgbClr val="0000FF"/>
+    </a:hlink>
+    <a:folHlink>
+      <a:srgbClr val="800080"/>
+    </a:folHlink>
+  </a:clrScheme>
+</a:themeOverride>
 </file>
--- a/presentacion/TFG.pptx
+++ b/presentacion/TFG.pptx
@@ -2,7 +2,7 @@
 <file path=ppt/presentation.xml><?xml version="1.0" encoding="utf-8"?>
 <p:presentation xmlns:a="http://schemas.openxmlformats.org/drawingml/2006/main" xmlns:r="http://schemas.openxmlformats.org/officeDocument/2006/relationships" xmlns:p="http://schemas.openxmlformats.org/presentationml/2006/main" saveSubsetFonts="1">
   <p:sldMasterIdLst>
-    <p:sldMasterId id="2147483648" r:id="rId1"/>
+    <p:sldMasterId id="2147483672" r:id="rId1"/>
   </p:sldMasterIdLst>
   <p:sldIdLst>
     <p:sldId id="256" r:id="rId2"/>
@@ -15,32 +15,34 @@
     <p:sldId id="259" r:id="rId9"/>
     <p:sldId id="278" r:id="rId10"/>
     <p:sldId id="287" r:id="rId11"/>
-    <p:sldId id="263" r:id="rId12"/>
-    <p:sldId id="288" r:id="rId13"/>
-    <p:sldId id="289" r:id="rId14"/>
-    <p:sldId id="282" r:id="rId15"/>
-    <p:sldId id="283" r:id="rId16"/>
-    <p:sldId id="268" r:id="rId17"/>
-    <p:sldId id="271" r:id="rId18"/>
-    <p:sldId id="281" r:id="rId19"/>
-    <p:sldId id="264" r:id="rId20"/>
-    <p:sldId id="272" r:id="rId21"/>
-    <p:sldId id="261" r:id="rId22"/>
-    <p:sldId id="286" r:id="rId23"/>
-    <p:sldId id="284" r:id="rId24"/>
-    <p:sldId id="260" r:id="rId25"/>
-    <p:sldId id="279" r:id="rId26"/>
-    <p:sldId id="290" r:id="rId27"/>
-    <p:sldId id="262" r:id="rId28"/>
-    <p:sldId id="291" r:id="rId29"/>
-    <p:sldId id="292" r:id="rId30"/>
-    <p:sldId id="280" r:id="rId31"/>
-    <p:sldId id="274" r:id="rId32"/>
-    <p:sldId id="275" r:id="rId33"/>
-    <p:sldId id="293" r:id="rId34"/>
+    <p:sldId id="294" r:id="rId12"/>
+    <p:sldId id="263" r:id="rId13"/>
+    <p:sldId id="288" r:id="rId14"/>
+    <p:sldId id="289" r:id="rId15"/>
+    <p:sldId id="296" r:id="rId16"/>
+    <p:sldId id="282" r:id="rId17"/>
+    <p:sldId id="283" r:id="rId18"/>
+    <p:sldId id="268" r:id="rId19"/>
+    <p:sldId id="271" r:id="rId20"/>
+    <p:sldId id="281" r:id="rId21"/>
+    <p:sldId id="264" r:id="rId22"/>
+    <p:sldId id="272" r:id="rId23"/>
+    <p:sldId id="261" r:id="rId24"/>
+    <p:sldId id="286" r:id="rId25"/>
+    <p:sldId id="284" r:id="rId26"/>
+    <p:sldId id="260" r:id="rId27"/>
+    <p:sldId id="279" r:id="rId28"/>
+    <p:sldId id="290" r:id="rId29"/>
+    <p:sldId id="262" r:id="rId30"/>
+    <p:sldId id="291" r:id="rId31"/>
+    <p:sldId id="292" r:id="rId32"/>
+    <p:sldId id="280" r:id="rId33"/>
+    <p:sldId id="274" r:id="rId34"/>
+    <p:sldId id="275" r:id="rId35"/>
+    <p:sldId id="293" r:id="rId36"/>
   </p:sldIdLst>
   <p:sldSz cx="9144000" cy="6858000" type="screen4x3"/>
-  <p:notesSz cx="6858000" cy="9144000"/>
+  <p:notesSz cx="6797675" cy="9874250"/>
   <p:defaultTextStyle>
     <a:defPPr>
       <a:defRPr lang="es-ES"/>
@@ -371,7 +373,7 @@
     </p:spTree>
     <p:extLst>
       <p:ext uri="{BB962C8B-B14F-4D97-AF65-F5344CB8AC3E}">
-        <p14:creationId xmlns:p14="http://schemas.microsoft.com/office/powerpoint/2010/main" val="1172274078"/>
+        <p14:creationId xmlns:p14="http://schemas.microsoft.com/office/powerpoint/2010/main" val="1943163191"/>
       </p:ext>
     </p:extLst>
   </p:cSld>
@@ -541,7 +543,7 @@
     </p:spTree>
     <p:extLst>
       <p:ext uri="{BB962C8B-B14F-4D97-AF65-F5344CB8AC3E}">
-        <p14:creationId xmlns:p14="http://schemas.microsoft.com/office/powerpoint/2010/main" val="2332816744"/>
+        <p14:creationId xmlns:p14="http://schemas.microsoft.com/office/powerpoint/2010/main" val="2689905751"/>
       </p:ext>
     </p:extLst>
   </p:cSld>
@@ -721,7 +723,7 @@
     </p:spTree>
     <p:extLst>
       <p:ext uri="{BB962C8B-B14F-4D97-AF65-F5344CB8AC3E}">
-        <p14:creationId xmlns:p14="http://schemas.microsoft.com/office/powerpoint/2010/main" val="2625642296"/>
+        <p14:creationId xmlns:p14="http://schemas.microsoft.com/office/powerpoint/2010/main" val="2308278271"/>
       </p:ext>
     </p:extLst>
   </p:cSld>
@@ -891,7 +893,7 @@
     </p:spTree>
     <p:extLst>
       <p:ext uri="{BB962C8B-B14F-4D97-AF65-F5344CB8AC3E}">
-        <p14:creationId xmlns:p14="http://schemas.microsoft.com/office/powerpoint/2010/main" val="1082723657"/>
+        <p14:creationId xmlns:p14="http://schemas.microsoft.com/office/powerpoint/2010/main" val="789169414"/>
       </p:ext>
     </p:extLst>
   </p:cSld>
@@ -1137,7 +1139,7 @@
     </p:spTree>
     <p:extLst>
       <p:ext uri="{BB962C8B-B14F-4D97-AF65-F5344CB8AC3E}">
-        <p14:creationId xmlns:p14="http://schemas.microsoft.com/office/powerpoint/2010/main" val="87097565"/>
+        <p14:creationId xmlns:p14="http://schemas.microsoft.com/office/powerpoint/2010/main" val="2546309966"/>
       </p:ext>
     </p:extLst>
   </p:cSld>
@@ -1425,7 +1427,7 @@
     </p:spTree>
     <p:extLst>
       <p:ext uri="{BB962C8B-B14F-4D97-AF65-F5344CB8AC3E}">
-        <p14:creationId xmlns:p14="http://schemas.microsoft.com/office/powerpoint/2010/main" val="3522821127"/>
+        <p14:creationId xmlns:p14="http://schemas.microsoft.com/office/powerpoint/2010/main" val="2752117095"/>
       </p:ext>
     </p:extLst>
   </p:cSld>
@@ -1847,7 +1849,7 @@
     </p:spTree>
     <p:extLst>
       <p:ext uri="{BB962C8B-B14F-4D97-AF65-F5344CB8AC3E}">
-        <p14:creationId xmlns:p14="http://schemas.microsoft.com/office/powerpoint/2010/main" val="2965205299"/>
+        <p14:creationId xmlns:p14="http://schemas.microsoft.com/office/powerpoint/2010/main" val="2866728720"/>
       </p:ext>
     </p:extLst>
   </p:cSld>
@@ -1965,7 +1967,7 @@
     </p:spTree>
     <p:extLst>
       <p:ext uri="{BB962C8B-B14F-4D97-AF65-F5344CB8AC3E}">
-        <p14:creationId xmlns:p14="http://schemas.microsoft.com/office/powerpoint/2010/main" val="2615659717"/>
+        <p14:creationId xmlns:p14="http://schemas.microsoft.com/office/powerpoint/2010/main" val="3079345721"/>
       </p:ext>
     </p:extLst>
   </p:cSld>
@@ -2060,7 +2062,7 @@
     </p:spTree>
     <p:extLst>
       <p:ext uri="{BB962C8B-B14F-4D97-AF65-F5344CB8AC3E}">
-        <p14:creationId xmlns:p14="http://schemas.microsoft.com/office/powerpoint/2010/main" val="345055970"/>
+        <p14:creationId xmlns:p14="http://schemas.microsoft.com/office/powerpoint/2010/main" val="2428675010"/>
       </p:ext>
     </p:extLst>
   </p:cSld>
@@ -2337,7 +2339,7 @@
     </p:spTree>
     <p:extLst>
       <p:ext uri="{BB962C8B-B14F-4D97-AF65-F5344CB8AC3E}">
-        <p14:creationId xmlns:p14="http://schemas.microsoft.com/office/powerpoint/2010/main" val="748382844"/>
+        <p14:creationId xmlns:p14="http://schemas.microsoft.com/office/powerpoint/2010/main" val="173968838"/>
       </p:ext>
     </p:extLst>
   </p:cSld>
@@ -2590,7 +2592,7 @@
     </p:spTree>
     <p:extLst>
       <p:ext uri="{BB962C8B-B14F-4D97-AF65-F5344CB8AC3E}">
-        <p14:creationId xmlns:p14="http://schemas.microsoft.com/office/powerpoint/2010/main" val="669765546"/>
+        <p14:creationId xmlns:p14="http://schemas.microsoft.com/office/powerpoint/2010/main" val="2761842966"/>
       </p:ext>
     </p:extLst>
   </p:cSld>
@@ -2604,8 +2606,8 @@
 <p:sldMaster xmlns:a="http://schemas.openxmlformats.org/drawingml/2006/main" xmlns:r="http://schemas.openxmlformats.org/officeDocument/2006/relationships" xmlns:p="http://schemas.openxmlformats.org/presentationml/2006/main">
   <p:cSld>
     <p:bg>
-      <p:bgRef idx="1001">
-        <a:schemeClr val="bg1"/>
+      <p:bgRef idx="1003">
+        <a:schemeClr val="bg2"/>
       </p:bgRef>
     </p:bg>
     <p:spTree>
@@ -2839,23 +2841,23 @@
     </p:spTree>
     <p:extLst>
       <p:ext uri="{BB962C8B-B14F-4D97-AF65-F5344CB8AC3E}">
-        <p14:creationId xmlns:p14="http://schemas.microsoft.com/office/powerpoint/2010/main" val="3162113443"/>
+        <p14:creationId xmlns:p14="http://schemas.microsoft.com/office/powerpoint/2010/main" val="1532133798"/>
       </p:ext>
     </p:extLst>
   </p:cSld>
-  <p:clrMap bg1="lt1" tx1="dk1" bg2="lt2" tx2="dk2" accent1="accent1" accent2="accent2" accent3="accent3" accent4="accent4" accent5="accent5" accent6="accent6" hlink="hlink" folHlink="folHlink"/>
+  <p:clrMap bg1="dk1" tx1="lt1" bg2="dk2" tx2="lt2" accent1="accent1" accent2="accent2" accent3="accent3" accent4="accent4" accent5="accent5" accent6="accent6" hlink="hlink" folHlink="folHlink"/>
   <p:sldLayoutIdLst>
-    <p:sldLayoutId id="2147483649" r:id="rId1"/>
-    <p:sldLayoutId id="2147483650" r:id="rId2"/>
-    <p:sldLayoutId id="2147483651" r:id="rId3"/>
-    <p:sldLayoutId id="2147483652" r:id="rId4"/>
-    <p:sldLayoutId id="2147483653" r:id="rId5"/>
-    <p:sldLayoutId id="2147483654" r:id="rId6"/>
-    <p:sldLayoutId id="2147483655" r:id="rId7"/>
-    <p:sldLayoutId id="2147483656" r:id="rId8"/>
-    <p:sldLayoutId id="2147483657" r:id="rId9"/>
-    <p:sldLayoutId id="2147483658" r:id="rId10"/>
-    <p:sldLayoutId id="2147483659" r:id="rId11"/>
+    <p:sldLayoutId id="2147483673" r:id="rId1"/>
+    <p:sldLayoutId id="2147483674" r:id="rId2"/>
+    <p:sldLayoutId id="2147483675" r:id="rId3"/>
+    <p:sldLayoutId id="2147483676" r:id="rId4"/>
+    <p:sldLayoutId id="2147483677" r:id="rId5"/>
+    <p:sldLayoutId id="2147483678" r:id="rId6"/>
+    <p:sldLayoutId id="2147483679" r:id="rId7"/>
+    <p:sldLayoutId id="2147483680" r:id="rId8"/>
+    <p:sldLayoutId id="2147483681" r:id="rId9"/>
+    <p:sldLayoutId id="2147483682" r:id="rId10"/>
+    <p:sldLayoutId id="2147483683" r:id="rId11"/>
   </p:sldLayoutIdLst>
   <p:txStyles>
     <p:titleStyle>
@@ -3145,15 +3147,15 @@
         </p:spPr>
         <p:txBody>
           <a:bodyPr>
-            <a:normAutofit fontScale="90000"/>
+            <a:noAutofit/>
           </a:bodyPr>
           <a:lstStyle/>
           <a:p>
             <a:r>
-              <a:rPr lang="es-ES" dirty="0" smtClean="0"/>
+              <a:rPr lang="es-ES" sz="4000" dirty="0" smtClean="0"/>
               <a:t>Desarrollo de un sistema de cuestionarios adaptativos para el apoyo al aprendizaje</a:t>
             </a:r>
-            <a:endParaRPr lang="es-ES" dirty="0"/>
+            <a:endParaRPr lang="es-ES" sz="4000" dirty="0"/>
           </a:p>
         </p:txBody>
       </p:sp>
@@ -3267,6 +3269,13 @@
   <p:clrMapOvr>
     <a:masterClrMapping/>
   </p:clrMapOvr>
+  <p:timing>
+    <p:tnLst>
+      <p:par>
+        <p:cTn id="1" dur="indefinite" restart="never" nodeType="tmRoot"/>
+      </p:par>
+    </p:tnLst>
+  </p:timing>
 </p:sld>
 </file>
 
@@ -3432,6 +3441,13 @@
   <p:clrMapOvr>
     <a:masterClrMapping/>
   </p:clrMapOvr>
+  <p:timing>
+    <p:tnLst>
+      <p:par>
+        <p:cTn id="1" dur="indefinite" restart="never" nodeType="tmRoot"/>
+      </p:par>
+    </p:tnLst>
+  </p:timing>
 </p:sld>
 </file>
 
@@ -3494,34 +3510,29 @@
           <a:lstStyle/>
           <a:p>
             <a:r>
+              <a:rPr lang="es-ES" dirty="0" smtClean="0"/>
+              <a:t>RF 1. Gestión de usuarios</a:t>
+            </a:r>
+          </a:p>
+          <a:p>
+            <a:r>
               <a:rPr lang="es-ES" dirty="0" smtClean="0">
                 <a:solidFill>
                   <a:schemeClr val="tx1">
                     <a:lumMod val="50000"/>
-                    <a:lumOff val="50000"/>
                   </a:schemeClr>
                 </a:solidFill>
               </a:rPr>
-              <a:t>RF 1. Gestión de usuarios</a:t>
-            </a:r>
-          </a:p>
-          <a:p>
-            <a:r>
-              <a:rPr lang="es-ES" dirty="0" smtClean="0"/>
               <a:t>RF 2. Creación y gestión de materias. </a:t>
             </a:r>
             <a:r>
-              <a:rPr lang="es-ES" i="1" dirty="0" smtClean="0"/>
-              <a:t>Rol docente</a:t>
-            </a:r>
-          </a:p>
-          <a:p>
-            <a:r>
-              <a:rPr lang="es-ES" dirty="0" smtClean="0"/>
-              <a:t>RF 3. Creación y gestión de preguntas y respuestas. </a:t>
-            </a:r>
-            <a:r>
-              <a:rPr lang="es-ES" i="1" dirty="0" smtClean="0"/>
+              <a:rPr lang="es-ES" i="1" dirty="0" smtClean="0">
+                <a:solidFill>
+                  <a:schemeClr val="tx1">
+                    <a:lumMod val="50000"/>
+                  </a:schemeClr>
+                </a:solidFill>
+              </a:rPr>
               <a:t>Rol docente</a:t>
             </a:r>
           </a:p>
@@ -3531,7 +3542,28 @@
                 <a:solidFill>
                   <a:schemeClr val="tx1">
                     <a:lumMod val="50000"/>
-                    <a:lumOff val="50000"/>
+                  </a:schemeClr>
+                </a:solidFill>
+              </a:rPr>
+              <a:t>RF 3. Creación y gestión de preguntas y respuestas. </a:t>
+            </a:r>
+            <a:r>
+              <a:rPr lang="es-ES" i="1" dirty="0" smtClean="0">
+                <a:solidFill>
+                  <a:schemeClr val="tx1">
+                    <a:lumMod val="50000"/>
+                  </a:schemeClr>
+                </a:solidFill>
+              </a:rPr>
+              <a:t>Rol docente</a:t>
+            </a:r>
+          </a:p>
+          <a:p>
+            <a:r>
+              <a:rPr lang="es-ES" dirty="0" smtClean="0">
+                <a:solidFill>
+                  <a:schemeClr val="tx1">
+                    <a:lumMod val="50000"/>
                   </a:schemeClr>
                 </a:solidFill>
               </a:rPr>
@@ -3542,7 +3574,6 @@
                 <a:solidFill>
                   <a:schemeClr val="tx1">
                     <a:lumMod val="50000"/>
-                    <a:lumOff val="50000"/>
                   </a:schemeClr>
                 </a:solidFill>
               </a:rPr>
@@ -3551,37 +3582,66 @@
           </a:p>
           <a:p>
             <a:r>
-              <a:rPr lang="es-ES" dirty="0" smtClean="0"/>
-              <a:t>RF 5. Creación y gestión de cuestionarios. </a:t>
-            </a:r>
-            <a:r>
-              <a:rPr lang="es-ES" i="1" dirty="0" smtClean="0"/>
-              <a:t>Rol docente</a:t>
-            </a:r>
-          </a:p>
-          <a:p>
-            <a:r>
-              <a:rPr lang="es-ES" dirty="0" smtClean="0"/>
-              <a:t>RF 6. Realización de cuestionarios. </a:t>
-            </a:r>
-            <a:r>
-              <a:rPr lang="es-ES" i="1" dirty="0" smtClean="0"/>
-              <a:t>Rol estudiante</a:t>
-            </a:r>
-          </a:p>
-          <a:p>
-            <a:r>
-              <a:rPr lang="es-ES" dirty="0" smtClean="0"/>
-              <a:t>RF 7. Visualización de resultados</a:t>
-            </a:r>
-          </a:p>
-          <a:p>
-            <a:r>
               <a:rPr lang="es-ES" dirty="0" smtClean="0">
                 <a:solidFill>
                   <a:schemeClr val="tx1">
                     <a:lumMod val="50000"/>
-                    <a:lumOff val="50000"/>
+                  </a:schemeClr>
+                </a:solidFill>
+              </a:rPr>
+              <a:t>RF 5. Creación y gestión de cuestionarios. </a:t>
+            </a:r>
+            <a:r>
+              <a:rPr lang="es-ES" i="1" dirty="0" smtClean="0">
+                <a:solidFill>
+                  <a:schemeClr val="tx1">
+                    <a:lumMod val="50000"/>
+                  </a:schemeClr>
+                </a:solidFill>
+              </a:rPr>
+              <a:t>Rol docente</a:t>
+            </a:r>
+          </a:p>
+          <a:p>
+            <a:r>
+              <a:rPr lang="es-ES" dirty="0" smtClean="0">
+                <a:solidFill>
+                  <a:schemeClr val="tx1">
+                    <a:lumMod val="50000"/>
+                  </a:schemeClr>
+                </a:solidFill>
+              </a:rPr>
+              <a:t>RF 6. Realización de cuestionarios. </a:t>
+            </a:r>
+            <a:r>
+              <a:rPr lang="es-ES" i="1" dirty="0" smtClean="0">
+                <a:solidFill>
+                  <a:schemeClr val="tx1">
+                    <a:lumMod val="50000"/>
+                  </a:schemeClr>
+                </a:solidFill>
+              </a:rPr>
+              <a:t>Rol estudiante</a:t>
+            </a:r>
+          </a:p>
+          <a:p>
+            <a:r>
+              <a:rPr lang="es-ES" dirty="0" smtClean="0">
+                <a:solidFill>
+                  <a:schemeClr val="tx1">
+                    <a:lumMod val="50000"/>
+                  </a:schemeClr>
+                </a:solidFill>
+              </a:rPr>
+              <a:t>RF 7. Visualización de resultados</a:t>
+            </a:r>
+          </a:p>
+          <a:p>
+            <a:r>
+              <a:rPr lang="es-ES" dirty="0" smtClean="0">
+                <a:solidFill>
+                  <a:schemeClr val="tx1">
+                    <a:lumMod val="50000"/>
                   </a:schemeClr>
                 </a:solidFill>
               </a:rPr>
@@ -3594,7 +3654,6 @@
                 <a:solidFill>
                   <a:schemeClr val="tx1">
                     <a:lumMod val="50000"/>
-                    <a:lumOff val="50000"/>
                   </a:schemeClr>
                 </a:solidFill>
               </a:rPr>
@@ -3607,7 +3666,6 @@
                 <a:solidFill>
                   <a:schemeClr val="tx1">
                     <a:lumMod val="50000"/>
-                    <a:lumOff val="50000"/>
                   </a:schemeClr>
                 </a:solidFill>
               </a:rPr>
@@ -3620,7 +3678,6 @@
                 <a:solidFill>
                   <a:schemeClr val="tx1">
                     <a:lumMod val="50000"/>
-                    <a:lumOff val="50000"/>
                   </a:schemeClr>
                 </a:solidFill>
               </a:rPr>
@@ -3633,7 +3690,6 @@
                 <a:solidFill>
                   <a:schemeClr val="tx1">
                     <a:lumMod val="50000"/>
-                    <a:lumOff val="50000"/>
                   </a:schemeClr>
                 </a:solidFill>
               </a:rPr>
@@ -3643,55 +3699,29 @@
               <a:solidFill>
                 <a:schemeClr val="tx1">
                   <a:lumMod val="50000"/>
-                  <a:lumOff val="50000"/>
                 </a:schemeClr>
               </a:solidFill>
             </a:endParaRPr>
-          </a:p>
-        </p:txBody>
-      </p:sp>
-      <p:sp>
-        <p:nvSpPr>
-          <p:cNvPr id="4" name="3 CuadroTexto"/>
-          <p:cNvSpPr txBox="1"/>
-          <p:nvPr/>
-        </p:nvSpPr>
-        <p:spPr>
-          <a:xfrm>
-            <a:off x="3995936" y="5301208"/>
-            <a:ext cx="4248472" cy="923330"/>
-          </a:xfrm>
-          <a:prstGeom prst="rect">
-            <a:avLst/>
-          </a:prstGeom>
-          <a:noFill/>
-        </p:spPr>
-        <p:txBody>
-          <a:bodyPr wrap="square" rtlCol="0">
-            <a:spAutoFit/>
-          </a:bodyPr>
-          <a:lstStyle/>
-          <a:p>
-            <a:r>
-              <a:rPr lang="es-ES" b="1" dirty="0" smtClean="0"/>
-              <a:t>1. Sistema para crear cuestionario online de (auto)evaluación</a:t>
-            </a:r>
-          </a:p>
-          <a:p>
-            <a:endParaRPr lang="es-ES" dirty="0"/>
           </a:p>
         </p:txBody>
       </p:sp>
     </p:spTree>
     <p:extLst>
       <p:ext uri="{BB962C8B-B14F-4D97-AF65-F5344CB8AC3E}">
-        <p14:creationId xmlns:p14="http://schemas.microsoft.com/office/powerpoint/2010/main" val="4237922498"/>
+        <p14:creationId xmlns:p14="http://schemas.microsoft.com/office/powerpoint/2010/main" val="1086011954"/>
       </p:ext>
     </p:extLst>
   </p:cSld>
   <p:clrMapOvr>
     <a:masterClrMapping/>
   </p:clrMapOvr>
+  <p:timing>
+    <p:tnLst>
+      <p:par>
+        <p:cTn id="1" dur="indefinite" restart="never" nodeType="tmRoot"/>
+      </p:par>
+    </p:tnLst>
+  </p:timing>
 </p:sld>
 </file>
 
@@ -3758,7 +3788,6 @@
                 <a:solidFill>
                   <a:schemeClr val="tx1">
                     <a:lumMod val="50000"/>
-                    <a:lumOff val="50000"/>
                   </a:schemeClr>
                 </a:solidFill>
               </a:rPr>
@@ -3767,22 +3796,40 @@
           </a:p>
           <a:p>
             <a:r>
+              <a:rPr lang="es-ES" dirty="0" smtClean="0"/>
+              <a:t>RF 2. Creación y gestión de materias. </a:t>
+            </a:r>
+            <a:r>
+              <a:rPr lang="es-ES" i="1" dirty="0" smtClean="0"/>
+              <a:t>Rol docente</a:t>
+            </a:r>
+          </a:p>
+          <a:p>
+            <a:r>
+              <a:rPr lang="es-ES" dirty="0" smtClean="0"/>
+              <a:t>RF 3. Creación y gestión de preguntas y respuestas. </a:t>
+            </a:r>
+            <a:r>
+              <a:rPr lang="es-ES" i="1" dirty="0" smtClean="0"/>
+              <a:t>Rol docente</a:t>
+            </a:r>
+          </a:p>
+          <a:p>
+            <a:r>
               <a:rPr lang="es-ES" dirty="0" smtClean="0">
                 <a:solidFill>
                   <a:schemeClr val="tx1">
                     <a:lumMod val="50000"/>
-                    <a:lumOff val="50000"/>
                   </a:schemeClr>
                 </a:solidFill>
               </a:rPr>
-              <a:t>RF 2. Creación y gestión de materias. </a:t>
+              <a:t>RF 4. Subida y gestión de fichero multimedia. </a:t>
             </a:r>
             <a:r>
               <a:rPr lang="es-ES" i="1" dirty="0" smtClean="0">
                 <a:solidFill>
                   <a:schemeClr val="tx1">
                     <a:lumMod val="50000"/>
-                    <a:lumOff val="50000"/>
                   </a:schemeClr>
                 </a:solidFill>
               </a:rPr>
@@ -3791,36 +3838,34 @@
           </a:p>
           <a:p>
             <a:r>
+              <a:rPr lang="es-ES" dirty="0" smtClean="0"/>
+              <a:t>RF 5. Creación y gestión de cuestionarios. </a:t>
+            </a:r>
+            <a:r>
+              <a:rPr lang="es-ES" i="1" dirty="0" smtClean="0"/>
+              <a:t>Rol docente</a:t>
+            </a:r>
+          </a:p>
+          <a:p>
+            <a:r>
+              <a:rPr lang="es-ES" dirty="0" smtClean="0"/>
+              <a:t>RF 6. Realización de cuestionarios. </a:t>
+            </a:r>
+            <a:r>
+              <a:rPr lang="es-ES" i="1" dirty="0" smtClean="0"/>
+              <a:t>Rol estudiante</a:t>
+            </a:r>
+          </a:p>
+          <a:p>
+            <a:r>
               <a:rPr lang="es-ES" dirty="0" smtClean="0">
                 <a:solidFill>
                   <a:schemeClr val="tx1">
                     <a:lumMod val="50000"/>
-                    <a:lumOff val="50000"/>
                   </a:schemeClr>
                 </a:solidFill>
               </a:rPr>
-              <a:t>RF 3. Creación y gestión de preguntas y respuestas. </a:t>
-            </a:r>
-            <a:r>
-              <a:rPr lang="es-ES" i="1" dirty="0" smtClean="0">
-                <a:solidFill>
-                  <a:schemeClr val="tx1">
-                    <a:lumMod val="50000"/>
-                    <a:lumOff val="50000"/>
-                  </a:schemeClr>
-                </a:solidFill>
-              </a:rPr>
-              <a:t>Rol docente</a:t>
-            </a:r>
-          </a:p>
-          <a:p>
-            <a:r>
-              <a:rPr lang="es-ES" dirty="0" smtClean="0"/>
-              <a:t>RF 4. Subida y gestión de fichero multimedia. </a:t>
-            </a:r>
-            <a:r>
-              <a:rPr lang="es-ES" i="1" dirty="0" smtClean="0"/>
-              <a:t>Rol docente</a:t>
+              <a:t>RF 7. Visualización de resultados</a:t>
             </a:r>
           </a:p>
           <a:p>
@@ -3829,22 +3874,10 @@
                 <a:solidFill>
                   <a:schemeClr val="tx1">
                     <a:lumMod val="50000"/>
-                    <a:lumOff val="50000"/>
                   </a:schemeClr>
                 </a:solidFill>
               </a:rPr>
-              <a:t>RF 5. Creación y gestión de cuestionarios. </a:t>
-            </a:r>
-            <a:r>
-              <a:rPr lang="es-ES" i="1" dirty="0" smtClean="0">
-                <a:solidFill>
-                  <a:schemeClr val="tx1">
-                    <a:lumMod val="50000"/>
-                    <a:lumOff val="50000"/>
-                  </a:schemeClr>
-                </a:solidFill>
-              </a:rPr>
-              <a:t>Rol docente</a:t>
+              <a:t>RF 8. Análisis de resultados</a:t>
             </a:r>
           </a:p>
           <a:p>
@@ -3853,22 +3886,10 @@
                 <a:solidFill>
                   <a:schemeClr val="tx1">
                     <a:lumMod val="50000"/>
-                    <a:lumOff val="50000"/>
                   </a:schemeClr>
                 </a:solidFill>
               </a:rPr>
-              <a:t>RF 6. Realización de cuestionarios. </a:t>
-            </a:r>
-            <a:r>
-              <a:rPr lang="es-ES" i="1" dirty="0" smtClean="0">
-                <a:solidFill>
-                  <a:schemeClr val="tx1">
-                    <a:lumMod val="50000"/>
-                    <a:lumOff val="50000"/>
-                  </a:schemeClr>
-                </a:solidFill>
-              </a:rPr>
-              <a:t>Rol estudiante</a:t>
+              <a:t>RNF 1. Interfaz</a:t>
             </a:r>
           </a:p>
           <a:p>
@@ -3877,23 +3898,10 @@
                 <a:solidFill>
                   <a:schemeClr val="tx1">
                     <a:lumMod val="50000"/>
-                    <a:lumOff val="50000"/>
                   </a:schemeClr>
                 </a:solidFill>
               </a:rPr>
-              <a:t>RF 7. Visualización de resultados</a:t>
-            </a:r>
-          </a:p>
-          <a:p>
-            <a:r>
-              <a:rPr lang="es-ES" dirty="0" smtClean="0"/>
-              <a:t>RF 8. Análisis de resultados</a:t>
-            </a:r>
-          </a:p>
-          <a:p>
-            <a:r>
-              <a:rPr lang="es-ES" dirty="0" smtClean="0"/>
-              <a:t>RNF 1. Interfaz</a:t>
+              <a:t>RNF 2. Seguridad</a:t>
             </a:r>
           </a:p>
           <a:p>
@@ -3902,11 +3910,10 @@
                 <a:solidFill>
                   <a:schemeClr val="tx1">
                     <a:lumMod val="50000"/>
-                    <a:lumOff val="50000"/>
                   </a:schemeClr>
                 </a:solidFill>
               </a:rPr>
-              <a:t>RNF 2. Seguridad</a:t>
+              <a:t>RNF 3. Modularidad</a:t>
             </a:r>
           </a:p>
           <a:p>
@@ -3915,20 +3922,6 @@
                 <a:solidFill>
                   <a:schemeClr val="tx1">
                     <a:lumMod val="50000"/>
-                    <a:lumOff val="50000"/>
-                  </a:schemeClr>
-                </a:solidFill>
-              </a:rPr>
-              <a:t>RNF 3. Modularidad</a:t>
-            </a:r>
-          </a:p>
-          <a:p>
-            <a:r>
-              <a:rPr lang="es-ES" dirty="0" smtClean="0">
-                <a:solidFill>
-                  <a:schemeClr val="tx1">
-                    <a:lumMod val="50000"/>
-                    <a:lumOff val="50000"/>
                   </a:schemeClr>
                 </a:solidFill>
               </a:rPr>
@@ -3938,7 +3931,6 @@
               <a:solidFill>
                 <a:schemeClr val="tx1">
                   <a:lumMod val="50000"/>
-                  <a:lumOff val="50000"/>
                 </a:schemeClr>
               </a:solidFill>
             </a:endParaRPr>
@@ -3953,8 +3945,8 @@
         </p:nvSpPr>
         <p:spPr>
           <a:xfrm>
-            <a:off x="4058411" y="5229200"/>
-            <a:ext cx="4680520" cy="1477328"/>
+            <a:off x="3995936" y="5301208"/>
+            <a:ext cx="4248472" cy="923330"/>
           </a:xfrm>
           <a:prstGeom prst="rect">
             <a:avLst/>
@@ -3969,23 +3961,8 @@
           <a:p>
             <a:r>
               <a:rPr lang="es-ES" b="1" dirty="0" smtClean="0"/>
-              <a:t>2. Válido para múltiples áreas de conocimiento</a:t>
-            </a:r>
-          </a:p>
-          <a:p>
-            <a:r>
-              <a:rPr lang="es-ES" b="1" dirty="0" smtClean="0"/>
-              <a:t>3. Sin conocimientos avanzados de informática</a:t>
-            </a:r>
-          </a:p>
-          <a:p>
-            <a:r>
-              <a:rPr lang="es-ES" b="1" dirty="0" smtClean="0"/>
-              <a:t>4. Herramientas de análisis</a:t>
-            </a:r>
-          </a:p>
-          <a:p>
-            <a:endParaRPr lang="es-ES" b="1" dirty="0" smtClean="0"/>
+              <a:t>1. Sistema para crear cuestionario online de (auto)evaluación</a:t>
+            </a:r>
           </a:p>
           <a:p>
             <a:endParaRPr lang="es-ES" dirty="0"/>
@@ -3995,13 +3972,20 @@
     </p:spTree>
     <p:extLst>
       <p:ext uri="{BB962C8B-B14F-4D97-AF65-F5344CB8AC3E}">
-        <p14:creationId xmlns:p14="http://schemas.microsoft.com/office/powerpoint/2010/main" val="1673655322"/>
+        <p14:creationId xmlns:p14="http://schemas.microsoft.com/office/powerpoint/2010/main" val="4237922498"/>
       </p:ext>
     </p:extLst>
   </p:cSld>
   <p:clrMapOvr>
     <a:masterClrMapping/>
   </p:clrMapOvr>
+  <p:timing>
+    <p:tnLst>
+      <p:par>
+        <p:cTn id="1" dur="indefinite" restart="never" nodeType="tmRoot"/>
+      </p:par>
+    </p:tnLst>
+  </p:timing>
 </p:sld>
 </file>
 
@@ -4064,17 +4048,22 @@
           <a:lstStyle/>
           <a:p>
             <a:r>
-              <a:rPr lang="es-ES" dirty="0" smtClean="0"/>
-              <a:t>RF 1. Gestión de usuarios</a:t>
-            </a:r>
-          </a:p>
-          <a:p>
-            <a:r>
               <a:rPr lang="es-ES" dirty="0" smtClean="0">
                 <a:solidFill>
                   <a:schemeClr val="tx1">
                     <a:lumMod val="50000"/>
-                    <a:lumOff val="50000"/>
+                  </a:schemeClr>
+                </a:solidFill>
+              </a:rPr>
+              <a:t>RF 1. Gestión de usuarios</a:t>
+            </a:r>
+          </a:p>
+          <a:p>
+            <a:r>
+              <a:rPr lang="es-ES" dirty="0" smtClean="0">
+                <a:solidFill>
+                  <a:schemeClr val="tx1">
+                    <a:lumMod val="50000"/>
                   </a:schemeClr>
                 </a:solidFill>
               </a:rPr>
@@ -4085,7 +4074,6 @@
                 <a:solidFill>
                   <a:schemeClr val="tx1">
                     <a:lumMod val="50000"/>
-                    <a:lumOff val="50000"/>
                   </a:schemeClr>
                 </a:solidFill>
               </a:rPr>
@@ -4098,7 +4086,6 @@
                 <a:solidFill>
                   <a:schemeClr val="tx1">
                     <a:lumMod val="50000"/>
-                    <a:lumOff val="50000"/>
                   </a:schemeClr>
                 </a:solidFill>
               </a:rPr>
@@ -4109,7 +4096,6 @@
                 <a:solidFill>
                   <a:schemeClr val="tx1">
                     <a:lumMod val="50000"/>
-                    <a:lumOff val="50000"/>
                   </a:schemeClr>
                 </a:solidFill>
               </a:rPr>
@@ -4118,22 +4104,30 @@
           </a:p>
           <a:p>
             <a:r>
+              <a:rPr lang="es-ES" dirty="0" smtClean="0"/>
+              <a:t>RF 4. Subida y gestión de fichero multimedia. </a:t>
+            </a:r>
+            <a:r>
+              <a:rPr lang="es-ES" i="1" dirty="0" smtClean="0"/>
+              <a:t>Rol docente</a:t>
+            </a:r>
+          </a:p>
+          <a:p>
+            <a:r>
               <a:rPr lang="es-ES" dirty="0" smtClean="0">
                 <a:solidFill>
                   <a:schemeClr val="tx1">
                     <a:lumMod val="50000"/>
-                    <a:lumOff val="50000"/>
                   </a:schemeClr>
                 </a:solidFill>
               </a:rPr>
-              <a:t>RF 4. Subida y gestión de fichero multimedia. </a:t>
+              <a:t>RF 5. Creación y gestión de cuestionarios. </a:t>
             </a:r>
             <a:r>
               <a:rPr lang="es-ES" i="1" dirty="0" smtClean="0">
                 <a:solidFill>
                   <a:schemeClr val="tx1">
                     <a:lumMod val="50000"/>
-                    <a:lumOff val="50000"/>
                   </a:schemeClr>
                 </a:solidFill>
               </a:rPr>
@@ -4146,22 +4140,20 @@
                 <a:solidFill>
                   <a:schemeClr val="tx1">
                     <a:lumMod val="50000"/>
-                    <a:lumOff val="50000"/>
                   </a:schemeClr>
                 </a:solidFill>
               </a:rPr>
-              <a:t>RF 5. Creación y gestión de cuestionarios. </a:t>
+              <a:t>RF 6. Realización de cuestionarios. </a:t>
             </a:r>
             <a:r>
               <a:rPr lang="es-ES" i="1" dirty="0" smtClean="0">
                 <a:solidFill>
                   <a:schemeClr val="tx1">
                     <a:lumMod val="50000"/>
-                    <a:lumOff val="50000"/>
                   </a:schemeClr>
                 </a:solidFill>
               </a:rPr>
-              <a:t>Rol docente</a:t>
+              <a:t>Rol estudiante</a:t>
             </a:r>
           </a:p>
           <a:p>
@@ -4170,22 +4162,22 @@
                 <a:solidFill>
                   <a:schemeClr val="tx1">
                     <a:lumMod val="50000"/>
-                    <a:lumOff val="50000"/>
                   </a:schemeClr>
                 </a:solidFill>
               </a:rPr>
-              <a:t>RF 6. Realización de cuestionarios. </a:t>
-            </a:r>
-            <a:r>
-              <a:rPr lang="es-ES" i="1" dirty="0" smtClean="0">
-                <a:solidFill>
-                  <a:schemeClr val="tx1">
-                    <a:lumMod val="50000"/>
-                    <a:lumOff val="50000"/>
-                  </a:schemeClr>
-                </a:solidFill>
-              </a:rPr>
-              <a:t>Rol estudiante</a:t>
+              <a:t>RF 7. Visualización de resultados</a:t>
+            </a:r>
+          </a:p>
+          <a:p>
+            <a:r>
+              <a:rPr lang="es-ES" dirty="0" smtClean="0"/>
+              <a:t>RF 8. Análisis de resultados</a:t>
+            </a:r>
+          </a:p>
+          <a:p>
+            <a:r>
+              <a:rPr lang="es-ES" dirty="0" smtClean="0"/>
+              <a:t>RNF 1. Interfaz</a:t>
             </a:r>
           </a:p>
           <a:p>
@@ -4194,11 +4186,10 @@
                 <a:solidFill>
                   <a:schemeClr val="tx1">
                     <a:lumMod val="50000"/>
-                    <a:lumOff val="50000"/>
                   </a:schemeClr>
                 </a:solidFill>
               </a:rPr>
-              <a:t>RF 7. Visualización de resultados</a:t>
+              <a:t>RNF 2. Seguridad</a:t>
             </a:r>
           </a:p>
           <a:p>
@@ -4207,11 +4198,10 @@
                 <a:solidFill>
                   <a:schemeClr val="tx1">
                     <a:lumMod val="50000"/>
-                    <a:lumOff val="50000"/>
                   </a:schemeClr>
                 </a:solidFill>
               </a:rPr>
-              <a:t>RF 8. Análisis de resultados</a:t>
+              <a:t>RNF 3. Modularidad</a:t>
             </a:r>
           </a:p>
           <a:p>
@@ -4220,31 +4210,18 @@
                 <a:solidFill>
                   <a:schemeClr val="tx1">
                     <a:lumMod val="50000"/>
-                    <a:lumOff val="50000"/>
                   </a:schemeClr>
                 </a:solidFill>
               </a:rPr>
-              <a:t>RNF 1. Interfaz</a:t>
-            </a:r>
-          </a:p>
-          <a:p>
-            <a:r>
-              <a:rPr lang="es-ES" dirty="0" smtClean="0"/>
-              <a:t>RNF 2. Seguridad</a:t>
-            </a:r>
-          </a:p>
-          <a:p>
-            <a:r>
-              <a:rPr lang="es-ES" dirty="0" smtClean="0"/>
-              <a:t>RNF 3. Modularidad</a:t>
-            </a:r>
-          </a:p>
-          <a:p>
-            <a:r>
-              <a:rPr lang="es-ES" dirty="0" smtClean="0"/>
               <a:t>RNF 4. Rendimiento</a:t>
             </a:r>
-            <a:endParaRPr lang="es-ES" dirty="0"/>
+            <a:endParaRPr lang="es-ES" dirty="0">
+              <a:solidFill>
+                <a:schemeClr val="tx1">
+                  <a:lumMod val="50000"/>
+                </a:schemeClr>
+              </a:solidFill>
+            </a:endParaRPr>
           </a:p>
         </p:txBody>
       </p:sp>
@@ -4256,8 +4233,8 @@
         </p:nvSpPr>
         <p:spPr>
           <a:xfrm>
-            <a:off x="4058410" y="5229200"/>
-            <a:ext cx="4834069" cy="1477328"/>
+            <a:off x="4058411" y="5229200"/>
+            <a:ext cx="4680520" cy="1477328"/>
           </a:xfrm>
           <a:prstGeom prst="rect">
             <a:avLst/>
@@ -4272,20 +4249,23 @@
           <a:p>
             <a:r>
               <a:rPr lang="es-ES" b="1" dirty="0" smtClean="0"/>
-              <a:t>5. Sistema web robusto</a:t>
+              <a:t>2. Válido para múltiples áreas de conocimiento</a:t>
             </a:r>
           </a:p>
           <a:p>
             <a:r>
               <a:rPr lang="es-ES" b="1" dirty="0" smtClean="0"/>
-              <a:t>6. Crear un modelo de datos para una evaluación</a:t>
+              <a:t>3. Sin conocimientos avanzados de informática</a:t>
             </a:r>
           </a:p>
           <a:p>
             <a:r>
               <a:rPr lang="es-ES" b="1" dirty="0" smtClean="0"/>
-              <a:t>7. Arquitectura flexible pensando en nuevos modelos</a:t>
-            </a:r>
+              <a:t>4. Herramientas de análisis</a:t>
+            </a:r>
+          </a:p>
+          <a:p>
+            <a:endParaRPr lang="es-ES" b="1" dirty="0" smtClean="0"/>
           </a:p>
           <a:p>
             <a:endParaRPr lang="es-ES" dirty="0"/>
@@ -4295,13 +4275,20 @@
     </p:spTree>
     <p:extLst>
       <p:ext uri="{BB962C8B-B14F-4D97-AF65-F5344CB8AC3E}">
-        <p14:creationId xmlns:p14="http://schemas.microsoft.com/office/powerpoint/2010/main" val="3776853173"/>
+        <p14:creationId xmlns:p14="http://schemas.microsoft.com/office/powerpoint/2010/main" val="1673655322"/>
       </p:ext>
     </p:extLst>
   </p:cSld>
   <p:clrMapOvr>
     <a:masterClrMapping/>
   </p:clrMapOvr>
+  <p:timing>
+    <p:tnLst>
+      <p:par>
+        <p:cTn id="1" dur="indefinite" restart="never" nodeType="tmRoot"/>
+      </p:par>
+    </p:tnLst>
+  </p:timing>
 </p:sld>
 </file>
 
@@ -4340,7 +4327,7 @@
             <a:pPr algn="l"/>
             <a:r>
               <a:rPr lang="es-ES" dirty="0" smtClean="0"/>
-              <a:t>Diseño – Modelo de los usuarios</a:t>
+              <a:t>Análisis</a:t>
             </a:r>
             <a:endParaRPr lang="es-ES" dirty="0"/>
           </a:p>
@@ -4348,27 +4335,195 @@
       </p:sp>
       <p:sp>
         <p:nvSpPr>
-          <p:cNvPr id="3" name="2 Marcador de texto"/>
+          <p:cNvPr id="3" name="2 Marcador de contenido"/>
           <p:cNvSpPr>
             <a:spLocks noGrp="1"/>
           </p:cNvSpPr>
           <p:nvPr>
-            <p:ph type="body" idx="1"/>
+            <p:ph idx="1"/>
           </p:nvPr>
         </p:nvSpPr>
-        <p:spPr>
-          <a:xfrm>
-            <a:off x="456183" y="1484784"/>
-            <a:ext cx="4040188" cy="639762"/>
-          </a:xfrm>
-        </p:spPr>
+        <p:spPr/>
         <p:txBody>
-          <a:bodyPr/>
+          <a:bodyPr>
+            <a:normAutofit fontScale="70000" lnSpcReduction="20000"/>
+          </a:bodyPr>
           <a:lstStyle/>
           <a:p>
             <a:r>
-              <a:rPr lang="es-ES" dirty="0" smtClean="0"/>
-              <a:t>Profesor</a:t>
+              <a:rPr lang="es-ES" dirty="0" smtClean="0">
+                <a:solidFill>
+                  <a:schemeClr val="tx1">
+                    <a:lumMod val="50000"/>
+                  </a:schemeClr>
+                </a:solidFill>
+              </a:rPr>
+              <a:t>RF 1. Gestión de usuarios</a:t>
+            </a:r>
+          </a:p>
+          <a:p>
+            <a:r>
+              <a:rPr lang="es-ES" dirty="0" smtClean="0">
+                <a:solidFill>
+                  <a:schemeClr val="tx1">
+                    <a:lumMod val="50000"/>
+                  </a:schemeClr>
+                </a:solidFill>
+              </a:rPr>
+              <a:t>RF 2. Creación y gestión de materias. </a:t>
+            </a:r>
+            <a:r>
+              <a:rPr lang="es-ES" i="1" dirty="0" smtClean="0">
+                <a:solidFill>
+                  <a:schemeClr val="tx1">
+                    <a:lumMod val="50000"/>
+                  </a:schemeClr>
+                </a:solidFill>
+              </a:rPr>
+              <a:t>Rol docente</a:t>
+            </a:r>
+          </a:p>
+          <a:p>
+            <a:r>
+              <a:rPr lang="es-ES" dirty="0" smtClean="0">
+                <a:solidFill>
+                  <a:schemeClr val="tx1">
+                    <a:lumMod val="50000"/>
+                  </a:schemeClr>
+                </a:solidFill>
+              </a:rPr>
+              <a:t>RF 3. Creación y gestión de preguntas y respuestas. </a:t>
+            </a:r>
+            <a:r>
+              <a:rPr lang="es-ES" i="1" dirty="0" smtClean="0">
+                <a:solidFill>
+                  <a:schemeClr val="tx1">
+                    <a:lumMod val="50000"/>
+                  </a:schemeClr>
+                </a:solidFill>
+              </a:rPr>
+              <a:t>Rol docente</a:t>
+            </a:r>
+          </a:p>
+          <a:p>
+            <a:r>
+              <a:rPr lang="es-ES" dirty="0" smtClean="0">
+                <a:solidFill>
+                  <a:schemeClr val="tx1">
+                    <a:lumMod val="50000"/>
+                  </a:schemeClr>
+                </a:solidFill>
+              </a:rPr>
+              <a:t>RF 4. Subida y gestión de fichero multimedia. </a:t>
+            </a:r>
+            <a:r>
+              <a:rPr lang="es-ES" i="1" dirty="0" smtClean="0">
+                <a:solidFill>
+                  <a:schemeClr val="tx1">
+                    <a:lumMod val="50000"/>
+                  </a:schemeClr>
+                </a:solidFill>
+              </a:rPr>
+              <a:t>Rol docente</a:t>
+            </a:r>
+          </a:p>
+          <a:p>
+            <a:r>
+              <a:rPr lang="es-ES" dirty="0" smtClean="0">
+                <a:solidFill>
+                  <a:schemeClr val="tx1">
+                    <a:lumMod val="50000"/>
+                  </a:schemeClr>
+                </a:solidFill>
+              </a:rPr>
+              <a:t>RF 5. Creación y gestión de cuestionarios. </a:t>
+            </a:r>
+            <a:r>
+              <a:rPr lang="es-ES" i="1" dirty="0" smtClean="0">
+                <a:solidFill>
+                  <a:schemeClr val="tx1">
+                    <a:lumMod val="50000"/>
+                  </a:schemeClr>
+                </a:solidFill>
+              </a:rPr>
+              <a:t>Rol docente</a:t>
+            </a:r>
+          </a:p>
+          <a:p>
+            <a:r>
+              <a:rPr lang="es-ES" dirty="0" smtClean="0">
+                <a:solidFill>
+                  <a:schemeClr val="tx1">
+                    <a:lumMod val="50000"/>
+                  </a:schemeClr>
+                </a:solidFill>
+              </a:rPr>
+              <a:t>RF 6. Realización de cuestionarios. </a:t>
+            </a:r>
+            <a:r>
+              <a:rPr lang="es-ES" i="1" dirty="0" smtClean="0">
+                <a:solidFill>
+                  <a:schemeClr val="tx1">
+                    <a:lumMod val="50000"/>
+                  </a:schemeClr>
+                </a:solidFill>
+              </a:rPr>
+              <a:t>Rol estudiante</a:t>
+            </a:r>
+          </a:p>
+          <a:p>
+            <a:r>
+              <a:rPr lang="es-ES" dirty="0" smtClean="0">
+                <a:solidFill>
+                  <a:schemeClr val="tx1">
+                    <a:lumMod val="50000"/>
+                  </a:schemeClr>
+                </a:solidFill>
+              </a:rPr>
+              <a:t>RF 7. Visualización de resultados</a:t>
+            </a:r>
+          </a:p>
+          <a:p>
+            <a:r>
+              <a:rPr lang="es-ES" dirty="0" smtClean="0">
+                <a:solidFill>
+                  <a:schemeClr val="tx1">
+                    <a:lumMod val="50000"/>
+                  </a:schemeClr>
+                </a:solidFill>
+              </a:rPr>
+              <a:t>RF 8. Análisis de resultados</a:t>
+            </a:r>
+          </a:p>
+          <a:p>
+            <a:r>
+              <a:rPr lang="es-ES" dirty="0" smtClean="0">
+                <a:solidFill>
+                  <a:schemeClr val="tx1">
+                    <a:lumMod val="50000"/>
+                    <a:lumOff val="50000"/>
+                  </a:schemeClr>
+                </a:solidFill>
+              </a:rPr>
+              <a:t>RNF 1. Interfaz</a:t>
+            </a:r>
+          </a:p>
+          <a:p>
+            <a:r>
+              <a:rPr lang="es-ES" dirty="0" smtClean="0"/>
+              <a:t>RNF 2. Seguridad</a:t>
+            </a:r>
+          </a:p>
+          <a:p>
+            <a:r>
+              <a:rPr lang="es-ES" dirty="0" smtClean="0"/>
+              <a:t>RNF 3. Modularidad</a:t>
+            </a:r>
+          </a:p>
+          <a:p>
+            <a:r>
+              <a:rPr lang="es-ES" dirty="0" smtClean="0"/>
+              <a:t>RNF 4. Rendimiento</a:t>
             </a:r>
             <a:endParaRPr lang="es-ES" dirty="0"/>
           </a:p>
@@ -4376,126 +4531,44 @@
       </p:sp>
       <p:sp>
         <p:nvSpPr>
-          <p:cNvPr id="4" name="3 Marcador de contenido"/>
-          <p:cNvSpPr>
-            <a:spLocks noGrp="1"/>
-          </p:cNvSpPr>
-          <p:nvPr>
-            <p:ph sz="half" idx="2"/>
-          </p:nvPr>
+          <p:cNvPr id="4" name="3 CuadroTexto"/>
+          <p:cNvSpPr txBox="1"/>
+          <p:nvPr/>
         </p:nvSpPr>
         <p:spPr>
           <a:xfrm>
-            <a:off x="456183" y="2124546"/>
-            <a:ext cx="4040188" cy="4040758"/>
+            <a:off x="4058410" y="5229200"/>
+            <a:ext cx="4834069" cy="1477328"/>
           </a:xfrm>
+          <a:prstGeom prst="rect">
+            <a:avLst/>
+          </a:prstGeom>
+          <a:noFill/>
         </p:spPr>
         <p:txBody>
-          <a:bodyPr/>
+          <a:bodyPr wrap="square" rtlCol="0">
+            <a:spAutoFit/>
+          </a:bodyPr>
           <a:lstStyle/>
           <a:p>
             <a:r>
-              <a:rPr lang="es-ES" dirty="0" smtClean="0"/>
-              <a:t>Creación y gestión de contenido</a:t>
-            </a:r>
-          </a:p>
-          <a:p>
-            <a:r>
-              <a:rPr lang="es-ES" dirty="0" smtClean="0"/>
-              <a:t>Análisis de resultados</a:t>
-            </a:r>
-          </a:p>
-          <a:p>
-            <a:r>
-              <a:rPr lang="es-ES" dirty="0" smtClean="0"/>
-              <a:t>Recuperación de exámenes</a:t>
-            </a:r>
-            <a:endParaRPr lang="es-ES" dirty="0"/>
-          </a:p>
-          <a:p>
-            <a:r>
-              <a:rPr lang="es-ES" dirty="0" smtClean="0"/>
-              <a:t>Autoría</a:t>
-            </a:r>
-          </a:p>
-          <a:p>
-            <a:endParaRPr lang="es-ES" dirty="0"/>
-          </a:p>
-          <a:p>
-            <a:endParaRPr lang="es-ES" dirty="0"/>
-          </a:p>
-        </p:txBody>
-      </p:sp>
-      <p:sp>
-        <p:nvSpPr>
-          <p:cNvPr id="5" name="4 Marcador de texto"/>
-          <p:cNvSpPr>
-            <a:spLocks noGrp="1"/>
-          </p:cNvSpPr>
-          <p:nvPr>
-            <p:ph type="body" sz="quarter" idx="3"/>
-          </p:nvPr>
-        </p:nvSpPr>
-        <p:spPr>
-          <a:xfrm>
-            <a:off x="4644008" y="1484784"/>
-            <a:ext cx="4041775" cy="639762"/>
-          </a:xfrm>
-        </p:spPr>
-        <p:txBody>
-          <a:bodyPr/>
-          <a:lstStyle/>
-          <a:p>
-            <a:r>
-              <a:rPr lang="es-ES" dirty="0" smtClean="0"/>
-              <a:t>Alumno</a:t>
-            </a:r>
-            <a:endParaRPr lang="es-ES" dirty="0"/>
-          </a:p>
-        </p:txBody>
-      </p:sp>
-      <p:sp>
-        <p:nvSpPr>
-          <p:cNvPr id="6" name="5 Marcador de contenido"/>
-          <p:cNvSpPr>
-            <a:spLocks noGrp="1"/>
-          </p:cNvSpPr>
-          <p:nvPr>
-            <p:ph sz="quarter" idx="4"/>
-          </p:nvPr>
-        </p:nvSpPr>
-        <p:spPr>
-          <a:xfrm>
-            <a:off x="4644008" y="2124546"/>
-            <a:ext cx="4041775" cy="4040758"/>
-          </a:xfrm>
-        </p:spPr>
-        <p:txBody>
-          <a:bodyPr/>
-          <a:lstStyle/>
-          <a:p>
-            <a:r>
-              <a:rPr lang="es-ES" dirty="0" smtClean="0"/>
-              <a:t>Realización de los exámenes</a:t>
-            </a:r>
-          </a:p>
-          <a:p>
-            <a:r>
-              <a:rPr lang="es-ES" dirty="0" smtClean="0"/>
-              <a:t>Retroalimentación</a:t>
-            </a:r>
-          </a:p>
-          <a:p>
-            <a:r>
-              <a:rPr lang="es-ES" dirty="0" smtClean="0"/>
-              <a:t>Resultados</a:t>
-            </a:r>
-          </a:p>
-          <a:p>
-            <a:r>
-              <a:rPr lang="es-ES" dirty="0" smtClean="0"/>
-              <a:t>Almacenar qué cuestionario responde, cuándo y cómo</a:t>
-            </a:r>
+              <a:rPr lang="es-ES" b="1" dirty="0" smtClean="0"/>
+              <a:t>5. Sistema web robusto</a:t>
+            </a:r>
+          </a:p>
+          <a:p>
+            <a:r>
+              <a:rPr lang="es-ES" b="1" dirty="0" smtClean="0"/>
+              <a:t>6. Crear un modelo de datos para una evaluación</a:t>
+            </a:r>
+          </a:p>
+          <a:p>
+            <a:r>
+              <a:rPr lang="es-ES" b="1" dirty="0" smtClean="0"/>
+              <a:t>7. Arquitectura flexible pensando en nuevos modelos</a:t>
+            </a:r>
+          </a:p>
+          <a:p>
             <a:endParaRPr lang="es-ES" dirty="0"/>
           </a:p>
         </p:txBody>
@@ -4503,13 +4576,20 @@
     </p:spTree>
     <p:extLst>
       <p:ext uri="{BB962C8B-B14F-4D97-AF65-F5344CB8AC3E}">
-        <p14:creationId xmlns:p14="http://schemas.microsoft.com/office/powerpoint/2010/main" val="330037513"/>
+        <p14:creationId xmlns:p14="http://schemas.microsoft.com/office/powerpoint/2010/main" val="3776853173"/>
       </p:ext>
     </p:extLst>
   </p:cSld>
   <p:clrMapOvr>
     <a:masterClrMapping/>
   </p:clrMapOvr>
+  <p:timing>
+    <p:tnLst>
+      <p:par>
+        <p:cTn id="1" dur="indefinite" restart="never" nodeType="tmRoot"/>
+      </p:par>
+    </p:tnLst>
+  </p:timing>
 </p:sld>
 </file>
 
@@ -4542,143 +4622,1916 @@
         </p:nvSpPr>
         <p:spPr/>
         <p:txBody>
-          <a:bodyPr/>
+          <a:bodyPr>
+            <a:normAutofit/>
+          </a:bodyPr>
           <a:lstStyle/>
           <a:p>
             <a:pPr algn="l"/>
             <a:r>
               <a:rPr lang="es-ES" dirty="0" smtClean="0"/>
-              <a:t>Diseño – Modelo del dominio</a:t>
-            </a:r>
-            <a:endParaRPr lang="es-ES" dirty="0"/>
+              <a:t>Diseño – Recordatorio</a:t>
+            </a:r>
+            <a:endParaRPr lang="es-ES" i="1" dirty="0"/>
           </a:p>
         </p:txBody>
       </p:sp>
-      <p:sp>
-        <p:nvSpPr>
-          <p:cNvPr id="3" name="2 Marcador de contenido"/>
-          <p:cNvSpPr>
-            <a:spLocks noGrp="1"/>
-          </p:cNvSpPr>
-          <p:nvPr>
-            <p:ph sz="half" idx="1"/>
-          </p:nvPr>
-        </p:nvSpPr>
-        <p:spPr/>
-        <p:txBody>
-          <a:bodyPr/>
-          <a:lstStyle/>
-          <a:p>
-            <a:r>
-              <a:rPr lang="es-ES" dirty="0" smtClean="0"/>
-              <a:t>Materia</a:t>
-            </a:r>
-          </a:p>
-          <a:p>
-            <a:pPr lvl="1"/>
-            <a:r>
-              <a:rPr lang="es-ES" dirty="0" smtClean="0"/>
-              <a:t>Nombre</a:t>
-            </a:r>
-          </a:p>
-          <a:p>
-            <a:r>
-              <a:rPr lang="es-ES" dirty="0" smtClean="0"/>
-              <a:t>Pregunta</a:t>
-            </a:r>
-          </a:p>
-          <a:p>
-            <a:pPr lvl="1"/>
-            <a:r>
-              <a:rPr lang="es-ES" dirty="0" smtClean="0"/>
-              <a:t>Nivel de relevancia</a:t>
-            </a:r>
-          </a:p>
-          <a:p>
-            <a:pPr lvl="1"/>
-            <a:r>
-              <a:rPr lang="es-ES" dirty="0" smtClean="0"/>
-              <a:t>Enunciado</a:t>
-            </a:r>
-          </a:p>
-          <a:p>
-            <a:pPr lvl="1"/>
-            <a:r>
-              <a:rPr lang="es-ES" i="1" dirty="0" smtClean="0"/>
-              <a:t>Multimedia (imagen o audio)</a:t>
-            </a:r>
-          </a:p>
-          <a:p>
-            <a:pPr lvl="1"/>
-            <a:r>
-              <a:rPr lang="es-ES" i="1" dirty="0" smtClean="0"/>
-              <a:t>Retroalimentación</a:t>
-            </a:r>
-          </a:p>
-        </p:txBody>
-      </p:sp>
-      <p:sp>
-        <p:nvSpPr>
-          <p:cNvPr id="4" name="3 Marcador de contenido"/>
-          <p:cNvSpPr>
-            <a:spLocks noGrp="1"/>
-          </p:cNvSpPr>
-          <p:nvPr>
-            <p:ph sz="half" idx="2"/>
-          </p:nvPr>
-        </p:nvSpPr>
-        <p:spPr/>
-        <p:txBody>
-          <a:bodyPr/>
-          <a:lstStyle/>
-          <a:p>
-            <a:r>
-              <a:rPr lang="es-ES" dirty="0" smtClean="0"/>
-              <a:t>Respuestas</a:t>
-            </a:r>
-          </a:p>
-          <a:p>
-            <a:pPr lvl="1"/>
-            <a:r>
-              <a:rPr lang="es-ES" dirty="0" smtClean="0"/>
-              <a:t>Texto</a:t>
-            </a:r>
-          </a:p>
-          <a:p>
-            <a:pPr lvl="1"/>
-            <a:r>
-              <a:rPr lang="es-ES" dirty="0" smtClean="0"/>
-              <a:t>Booleano si es correcta</a:t>
-            </a:r>
-          </a:p>
-          <a:p>
-            <a:pPr lvl="1"/>
-            <a:r>
-              <a:rPr lang="es-ES" i="1" dirty="0" smtClean="0"/>
-              <a:t>Multimedia</a:t>
-            </a:r>
-          </a:p>
-          <a:p>
-            <a:r>
-              <a:rPr lang="es-ES" dirty="0" smtClean="0"/>
-              <a:t>Cuestionarios</a:t>
-            </a:r>
-          </a:p>
-          <a:p>
-            <a:endParaRPr lang="es-ES" dirty="0"/>
-          </a:p>
-        </p:txBody>
-      </p:sp>
+      <p:grpSp>
+        <p:nvGrpSpPr>
+          <p:cNvPr id="36" name="35 Grupo"/>
+          <p:cNvGrpSpPr/>
+          <p:nvPr/>
+        </p:nvGrpSpPr>
+        <p:grpSpPr>
+          <a:xfrm>
+            <a:off x="1399381" y="1916832"/>
+            <a:ext cx="6345238" cy="4214812"/>
+            <a:chOff x="1282700" y="957263"/>
+            <a:chExt cx="6345238" cy="4214812"/>
+          </a:xfrm>
+        </p:grpSpPr>
+        <p:sp>
+          <p:nvSpPr>
+            <p:cNvPr id="21" name="20 Rectángulo"/>
+            <p:cNvSpPr/>
+            <p:nvPr/>
+          </p:nvSpPr>
+          <p:spPr bwMode="auto">
+            <a:xfrm>
+              <a:off x="5027613" y="4233863"/>
+              <a:ext cx="2600325" cy="938212"/>
+            </a:xfrm>
+            <a:prstGeom prst="rect">
+              <a:avLst/>
+            </a:prstGeom>
+            <a:gradFill rotWithShape="1">
+              <a:gsLst>
+                <a:gs pos="0">
+                  <a:srgbClr val="2D2D8A">
+                    <a:tint val="50000"/>
+                    <a:satMod val="300000"/>
+                  </a:srgbClr>
+                </a:gs>
+                <a:gs pos="35000">
+                  <a:srgbClr val="2D2D8A">
+                    <a:tint val="37000"/>
+                    <a:satMod val="300000"/>
+                  </a:srgbClr>
+                </a:gs>
+                <a:gs pos="100000">
+                  <a:srgbClr val="2D2D8A">
+                    <a:tint val="15000"/>
+                    <a:satMod val="350000"/>
+                  </a:srgbClr>
+                </a:gs>
+              </a:gsLst>
+              <a:lin ang="16200000" scaled="1"/>
+            </a:gradFill>
+            <a:ln w="9525" cap="flat" cmpd="sng" algn="ctr">
+              <a:solidFill>
+                <a:srgbClr val="2D2D8A">
+                  <a:shade val="95000"/>
+                  <a:satMod val="105000"/>
+                </a:srgbClr>
+              </a:solidFill>
+              <a:prstDash val="solid"/>
+              <a:headEnd type="none" w="med" len="med"/>
+              <a:tailEnd type="none" w="med" len="med"/>
+            </a:ln>
+            <a:effectLst>
+              <a:outerShdw blurRad="40000" dist="20000" dir="5400000" rotWithShape="0">
+                <a:srgbClr val="000000">
+                  <a:alpha val="38000"/>
+                </a:srgbClr>
+              </a:outerShdw>
+            </a:effectLst>
+          </p:spPr>
+          <p:txBody>
+            <a:bodyPr/>
+            <a:lstStyle>
+              <a:lvl1pPr eaLnBrk="0" hangingPunct="0">
+                <a:lnSpc>
+                  <a:spcPct val="98000"/>
+                </a:lnSpc>
+                <a:buClr>
+                  <a:srgbClr val="000000"/>
+                </a:buClr>
+                <a:buSzPct val="45000"/>
+                <a:buFont typeface="Wingdings" pitchFamily="2" charset="2"/>
+                <a:defRPr>
+                  <a:solidFill>
+                    <a:schemeClr val="tx1"/>
+                  </a:solidFill>
+                  <a:latin typeface="DejaVu Sans" pitchFamily="34" charset="0"/>
+                </a:defRPr>
+              </a:lvl1pPr>
+              <a:lvl2pPr marL="742950" indent="-285750" eaLnBrk="0" hangingPunct="0">
+                <a:lnSpc>
+                  <a:spcPct val="98000"/>
+                </a:lnSpc>
+                <a:buClr>
+                  <a:srgbClr val="000000"/>
+                </a:buClr>
+                <a:buSzPct val="45000"/>
+                <a:buFont typeface="Wingdings" pitchFamily="2" charset="2"/>
+                <a:defRPr>
+                  <a:solidFill>
+                    <a:schemeClr val="tx1"/>
+                  </a:solidFill>
+                  <a:latin typeface="DejaVu Sans" pitchFamily="34" charset="0"/>
+                </a:defRPr>
+              </a:lvl2pPr>
+              <a:lvl3pPr marL="1143000" indent="-228600" eaLnBrk="0" hangingPunct="0">
+                <a:lnSpc>
+                  <a:spcPct val="98000"/>
+                </a:lnSpc>
+                <a:buClr>
+                  <a:srgbClr val="000000"/>
+                </a:buClr>
+                <a:buSzPct val="45000"/>
+                <a:buFont typeface="Wingdings" pitchFamily="2" charset="2"/>
+                <a:defRPr>
+                  <a:solidFill>
+                    <a:schemeClr val="tx1"/>
+                  </a:solidFill>
+                  <a:latin typeface="DejaVu Sans" pitchFamily="34" charset="0"/>
+                </a:defRPr>
+              </a:lvl3pPr>
+              <a:lvl4pPr marL="1600200" indent="-228600" eaLnBrk="0" hangingPunct="0">
+                <a:lnSpc>
+                  <a:spcPct val="98000"/>
+                </a:lnSpc>
+                <a:buClr>
+                  <a:srgbClr val="000000"/>
+                </a:buClr>
+                <a:buSzPct val="45000"/>
+                <a:buFont typeface="Wingdings" pitchFamily="2" charset="2"/>
+                <a:defRPr>
+                  <a:solidFill>
+                    <a:schemeClr val="tx1"/>
+                  </a:solidFill>
+                  <a:latin typeface="DejaVu Sans" pitchFamily="34" charset="0"/>
+                </a:defRPr>
+              </a:lvl4pPr>
+              <a:lvl5pPr marL="2057400" indent="-228600" eaLnBrk="0" hangingPunct="0">
+                <a:lnSpc>
+                  <a:spcPct val="98000"/>
+                </a:lnSpc>
+                <a:buClr>
+                  <a:srgbClr val="000000"/>
+                </a:buClr>
+                <a:buSzPct val="45000"/>
+                <a:buFont typeface="Wingdings" pitchFamily="2" charset="2"/>
+                <a:defRPr>
+                  <a:solidFill>
+                    <a:schemeClr val="tx1"/>
+                  </a:solidFill>
+                  <a:latin typeface="DejaVu Sans" pitchFamily="34" charset="0"/>
+                </a:defRPr>
+              </a:lvl5pPr>
+              <a:lvl6pPr marL="2514600" indent="-228600" eaLnBrk="0" fontAlgn="base" hangingPunct="0">
+                <a:lnSpc>
+                  <a:spcPct val="98000"/>
+                </a:lnSpc>
+                <a:spcBef>
+                  <a:spcPct val="0"/>
+                </a:spcBef>
+                <a:spcAft>
+                  <a:spcPct val="0"/>
+                </a:spcAft>
+                <a:buClr>
+                  <a:srgbClr val="000000"/>
+                </a:buClr>
+                <a:buSzPct val="45000"/>
+                <a:buFont typeface="Wingdings" pitchFamily="2" charset="2"/>
+                <a:defRPr>
+                  <a:solidFill>
+                    <a:schemeClr val="tx1"/>
+                  </a:solidFill>
+                  <a:latin typeface="DejaVu Sans" pitchFamily="34" charset="0"/>
+                </a:defRPr>
+              </a:lvl6pPr>
+              <a:lvl7pPr marL="2971800" indent="-228600" eaLnBrk="0" fontAlgn="base" hangingPunct="0">
+                <a:lnSpc>
+                  <a:spcPct val="98000"/>
+                </a:lnSpc>
+                <a:spcBef>
+                  <a:spcPct val="0"/>
+                </a:spcBef>
+                <a:spcAft>
+                  <a:spcPct val="0"/>
+                </a:spcAft>
+                <a:buClr>
+                  <a:srgbClr val="000000"/>
+                </a:buClr>
+                <a:buSzPct val="45000"/>
+                <a:buFont typeface="Wingdings" pitchFamily="2" charset="2"/>
+                <a:defRPr>
+                  <a:solidFill>
+                    <a:schemeClr val="tx1"/>
+                  </a:solidFill>
+                  <a:latin typeface="DejaVu Sans" pitchFamily="34" charset="0"/>
+                </a:defRPr>
+              </a:lvl7pPr>
+              <a:lvl8pPr marL="3429000" indent="-228600" eaLnBrk="0" fontAlgn="base" hangingPunct="0">
+                <a:lnSpc>
+                  <a:spcPct val="98000"/>
+                </a:lnSpc>
+                <a:spcBef>
+                  <a:spcPct val="0"/>
+                </a:spcBef>
+                <a:spcAft>
+                  <a:spcPct val="0"/>
+                </a:spcAft>
+                <a:buClr>
+                  <a:srgbClr val="000000"/>
+                </a:buClr>
+                <a:buSzPct val="45000"/>
+                <a:buFont typeface="Wingdings" pitchFamily="2" charset="2"/>
+                <a:defRPr>
+                  <a:solidFill>
+                    <a:schemeClr val="tx1"/>
+                  </a:solidFill>
+                  <a:latin typeface="DejaVu Sans" pitchFamily="34" charset="0"/>
+                </a:defRPr>
+              </a:lvl8pPr>
+              <a:lvl9pPr marL="3886200" indent="-228600" eaLnBrk="0" fontAlgn="base" hangingPunct="0">
+                <a:lnSpc>
+                  <a:spcPct val="98000"/>
+                </a:lnSpc>
+                <a:spcBef>
+                  <a:spcPct val="0"/>
+                </a:spcBef>
+                <a:spcAft>
+                  <a:spcPct val="0"/>
+                </a:spcAft>
+                <a:buClr>
+                  <a:srgbClr val="000000"/>
+                </a:buClr>
+                <a:buSzPct val="45000"/>
+                <a:buFont typeface="Wingdings" pitchFamily="2" charset="2"/>
+                <a:defRPr>
+                  <a:solidFill>
+                    <a:schemeClr val="tx1"/>
+                  </a:solidFill>
+                  <a:latin typeface="DejaVu Sans" pitchFamily="34" charset="0"/>
+                </a:defRPr>
+              </a:lvl9pPr>
+            </a:lstStyle>
+            <a:p>
+              <a:pPr marL="0" marR="0" lvl="0" indent="0" algn="ctr" defTabSz="914400" eaLnBrk="1" fontAlgn="base" latinLnBrk="0" hangingPunct="1">
+                <a:lnSpc>
+                  <a:spcPct val="100000"/>
+                </a:lnSpc>
+                <a:spcBef>
+                  <a:spcPct val="0"/>
+                </a:spcBef>
+                <a:spcAft>
+                  <a:spcPct val="0"/>
+                </a:spcAft>
+                <a:buClrTx/>
+                <a:buSzTx/>
+                <a:buFontTx/>
+                <a:buNone/>
+                <a:tabLst/>
+                <a:defRPr/>
+              </a:pPr>
+              <a:r>
+                <a:rPr kumimoji="0" lang="es-ES" altLang="es-ES" sz="2000" b="1" i="0" u="none" strike="noStrike" kern="0" cap="none" spc="0" normalizeH="0" baseline="0" noProof="0" dirty="0" smtClean="0">
+                  <a:ln>
+                    <a:noFill/>
+                  </a:ln>
+                  <a:solidFill>
+                    <a:srgbClr val="000000"/>
+                  </a:solidFill>
+                  <a:effectLst/>
+                  <a:uLnTx/>
+                  <a:uFillTx/>
+                  <a:latin typeface="Arial" pitchFamily="34" charset="0"/>
+                  <a:ea typeface="+mn-ea"/>
+                  <a:cs typeface="+mn-cs"/>
+                </a:rPr>
+                <a:t>Modelo</a:t>
+              </a:r>
+              <a:r>
+                <a:rPr kumimoji="0" lang="en-US" altLang="es-ES" sz="2000" b="1" i="0" u="none" strike="noStrike" kern="0" cap="none" spc="0" normalizeH="0" baseline="0" noProof="0" dirty="0" smtClean="0">
+                  <a:ln>
+                    <a:noFill/>
+                  </a:ln>
+                  <a:solidFill>
+                    <a:srgbClr val="000000"/>
+                  </a:solidFill>
+                  <a:effectLst/>
+                  <a:uLnTx/>
+                  <a:uFillTx/>
+                  <a:latin typeface="Arial" pitchFamily="34" charset="0"/>
+                  <a:ea typeface="+mn-ea"/>
+                  <a:cs typeface="+mn-cs"/>
+                </a:rPr>
+                <a:t> de los </a:t>
+              </a:r>
+              <a:r>
+                <a:rPr kumimoji="0" lang="es-ES" altLang="es-ES" sz="2000" b="1" i="0" u="none" strike="noStrike" kern="0" cap="none" spc="0" normalizeH="0" baseline="0" noProof="0" dirty="0" smtClean="0">
+                  <a:ln>
+                    <a:noFill/>
+                  </a:ln>
+                  <a:solidFill>
+                    <a:srgbClr val="000000"/>
+                  </a:solidFill>
+                  <a:effectLst/>
+                  <a:uLnTx/>
+                  <a:uFillTx/>
+                  <a:latin typeface="Arial" pitchFamily="34" charset="0"/>
+                  <a:ea typeface="+mn-ea"/>
+                  <a:cs typeface="+mn-cs"/>
+                </a:rPr>
+                <a:t>usuarios</a:t>
+              </a:r>
+            </a:p>
+          </p:txBody>
+        </p:sp>
+        <p:sp>
+          <p:nvSpPr>
+            <p:cNvPr id="22" name="21 Rectángulo"/>
+            <p:cNvSpPr/>
+            <p:nvPr/>
+          </p:nvSpPr>
+          <p:spPr bwMode="auto">
+            <a:xfrm>
+              <a:off x="5019675" y="2590800"/>
+              <a:ext cx="2600325" cy="938213"/>
+            </a:xfrm>
+            <a:prstGeom prst="rect">
+              <a:avLst/>
+            </a:prstGeom>
+            <a:gradFill rotWithShape="1">
+              <a:gsLst>
+                <a:gs pos="0">
+                  <a:srgbClr val="2D2D8A">
+                    <a:tint val="50000"/>
+                    <a:satMod val="300000"/>
+                  </a:srgbClr>
+                </a:gs>
+                <a:gs pos="35000">
+                  <a:srgbClr val="2D2D8A">
+                    <a:tint val="37000"/>
+                    <a:satMod val="300000"/>
+                  </a:srgbClr>
+                </a:gs>
+                <a:gs pos="100000">
+                  <a:srgbClr val="2D2D8A">
+                    <a:tint val="15000"/>
+                    <a:satMod val="350000"/>
+                  </a:srgbClr>
+                </a:gs>
+              </a:gsLst>
+              <a:lin ang="16200000" scaled="1"/>
+            </a:gradFill>
+            <a:ln w="9525" cap="flat" cmpd="sng" algn="ctr">
+              <a:solidFill>
+                <a:srgbClr val="2D2D8A">
+                  <a:shade val="95000"/>
+                  <a:satMod val="105000"/>
+                </a:srgbClr>
+              </a:solidFill>
+              <a:prstDash val="solid"/>
+              <a:headEnd type="none" w="med" len="med"/>
+              <a:tailEnd type="none" w="med" len="med"/>
+            </a:ln>
+            <a:effectLst>
+              <a:outerShdw blurRad="40000" dist="20000" dir="5400000" rotWithShape="0">
+                <a:srgbClr val="000000">
+                  <a:alpha val="38000"/>
+                </a:srgbClr>
+              </a:outerShdw>
+            </a:effectLst>
+          </p:spPr>
+          <p:txBody>
+            <a:bodyPr/>
+            <a:lstStyle>
+              <a:lvl1pPr eaLnBrk="0" hangingPunct="0">
+                <a:lnSpc>
+                  <a:spcPct val="98000"/>
+                </a:lnSpc>
+                <a:buClr>
+                  <a:srgbClr val="000000"/>
+                </a:buClr>
+                <a:buSzPct val="45000"/>
+                <a:buFont typeface="Wingdings" pitchFamily="2" charset="2"/>
+                <a:defRPr>
+                  <a:solidFill>
+                    <a:schemeClr val="tx1"/>
+                  </a:solidFill>
+                  <a:latin typeface="DejaVu Sans" pitchFamily="34" charset="0"/>
+                </a:defRPr>
+              </a:lvl1pPr>
+              <a:lvl2pPr marL="742950" indent="-285750" eaLnBrk="0" hangingPunct="0">
+                <a:lnSpc>
+                  <a:spcPct val="98000"/>
+                </a:lnSpc>
+                <a:buClr>
+                  <a:srgbClr val="000000"/>
+                </a:buClr>
+                <a:buSzPct val="45000"/>
+                <a:buFont typeface="Wingdings" pitchFamily="2" charset="2"/>
+                <a:defRPr>
+                  <a:solidFill>
+                    <a:schemeClr val="tx1"/>
+                  </a:solidFill>
+                  <a:latin typeface="DejaVu Sans" pitchFamily="34" charset="0"/>
+                </a:defRPr>
+              </a:lvl2pPr>
+              <a:lvl3pPr marL="1143000" indent="-228600" eaLnBrk="0" hangingPunct="0">
+                <a:lnSpc>
+                  <a:spcPct val="98000"/>
+                </a:lnSpc>
+                <a:buClr>
+                  <a:srgbClr val="000000"/>
+                </a:buClr>
+                <a:buSzPct val="45000"/>
+                <a:buFont typeface="Wingdings" pitchFamily="2" charset="2"/>
+                <a:defRPr>
+                  <a:solidFill>
+                    <a:schemeClr val="tx1"/>
+                  </a:solidFill>
+                  <a:latin typeface="DejaVu Sans" pitchFamily="34" charset="0"/>
+                </a:defRPr>
+              </a:lvl3pPr>
+              <a:lvl4pPr marL="1600200" indent="-228600" eaLnBrk="0" hangingPunct="0">
+                <a:lnSpc>
+                  <a:spcPct val="98000"/>
+                </a:lnSpc>
+                <a:buClr>
+                  <a:srgbClr val="000000"/>
+                </a:buClr>
+                <a:buSzPct val="45000"/>
+                <a:buFont typeface="Wingdings" pitchFamily="2" charset="2"/>
+                <a:defRPr>
+                  <a:solidFill>
+                    <a:schemeClr val="tx1"/>
+                  </a:solidFill>
+                  <a:latin typeface="DejaVu Sans" pitchFamily="34" charset="0"/>
+                </a:defRPr>
+              </a:lvl4pPr>
+              <a:lvl5pPr marL="2057400" indent="-228600" eaLnBrk="0" hangingPunct="0">
+                <a:lnSpc>
+                  <a:spcPct val="98000"/>
+                </a:lnSpc>
+                <a:buClr>
+                  <a:srgbClr val="000000"/>
+                </a:buClr>
+                <a:buSzPct val="45000"/>
+                <a:buFont typeface="Wingdings" pitchFamily="2" charset="2"/>
+                <a:defRPr>
+                  <a:solidFill>
+                    <a:schemeClr val="tx1"/>
+                  </a:solidFill>
+                  <a:latin typeface="DejaVu Sans" pitchFamily="34" charset="0"/>
+                </a:defRPr>
+              </a:lvl5pPr>
+              <a:lvl6pPr marL="2514600" indent="-228600" eaLnBrk="0" fontAlgn="base" hangingPunct="0">
+                <a:lnSpc>
+                  <a:spcPct val="98000"/>
+                </a:lnSpc>
+                <a:spcBef>
+                  <a:spcPct val="0"/>
+                </a:spcBef>
+                <a:spcAft>
+                  <a:spcPct val="0"/>
+                </a:spcAft>
+                <a:buClr>
+                  <a:srgbClr val="000000"/>
+                </a:buClr>
+                <a:buSzPct val="45000"/>
+                <a:buFont typeface="Wingdings" pitchFamily="2" charset="2"/>
+                <a:defRPr>
+                  <a:solidFill>
+                    <a:schemeClr val="tx1"/>
+                  </a:solidFill>
+                  <a:latin typeface="DejaVu Sans" pitchFamily="34" charset="0"/>
+                </a:defRPr>
+              </a:lvl6pPr>
+              <a:lvl7pPr marL="2971800" indent="-228600" eaLnBrk="0" fontAlgn="base" hangingPunct="0">
+                <a:lnSpc>
+                  <a:spcPct val="98000"/>
+                </a:lnSpc>
+                <a:spcBef>
+                  <a:spcPct val="0"/>
+                </a:spcBef>
+                <a:spcAft>
+                  <a:spcPct val="0"/>
+                </a:spcAft>
+                <a:buClr>
+                  <a:srgbClr val="000000"/>
+                </a:buClr>
+                <a:buSzPct val="45000"/>
+                <a:buFont typeface="Wingdings" pitchFamily="2" charset="2"/>
+                <a:defRPr>
+                  <a:solidFill>
+                    <a:schemeClr val="tx1"/>
+                  </a:solidFill>
+                  <a:latin typeface="DejaVu Sans" pitchFamily="34" charset="0"/>
+                </a:defRPr>
+              </a:lvl7pPr>
+              <a:lvl8pPr marL="3429000" indent="-228600" eaLnBrk="0" fontAlgn="base" hangingPunct="0">
+                <a:lnSpc>
+                  <a:spcPct val="98000"/>
+                </a:lnSpc>
+                <a:spcBef>
+                  <a:spcPct val="0"/>
+                </a:spcBef>
+                <a:spcAft>
+                  <a:spcPct val="0"/>
+                </a:spcAft>
+                <a:buClr>
+                  <a:srgbClr val="000000"/>
+                </a:buClr>
+                <a:buSzPct val="45000"/>
+                <a:buFont typeface="Wingdings" pitchFamily="2" charset="2"/>
+                <a:defRPr>
+                  <a:solidFill>
+                    <a:schemeClr val="tx1"/>
+                  </a:solidFill>
+                  <a:latin typeface="DejaVu Sans" pitchFamily="34" charset="0"/>
+                </a:defRPr>
+              </a:lvl8pPr>
+              <a:lvl9pPr marL="3886200" indent="-228600" eaLnBrk="0" fontAlgn="base" hangingPunct="0">
+                <a:lnSpc>
+                  <a:spcPct val="98000"/>
+                </a:lnSpc>
+                <a:spcBef>
+                  <a:spcPct val="0"/>
+                </a:spcBef>
+                <a:spcAft>
+                  <a:spcPct val="0"/>
+                </a:spcAft>
+                <a:buClr>
+                  <a:srgbClr val="000000"/>
+                </a:buClr>
+                <a:buSzPct val="45000"/>
+                <a:buFont typeface="Wingdings" pitchFamily="2" charset="2"/>
+                <a:defRPr>
+                  <a:solidFill>
+                    <a:schemeClr val="tx1"/>
+                  </a:solidFill>
+                  <a:latin typeface="DejaVu Sans" pitchFamily="34" charset="0"/>
+                </a:defRPr>
+              </a:lvl9pPr>
+            </a:lstStyle>
+            <a:p>
+              <a:pPr marL="0" marR="0" lvl="0" indent="0" algn="ctr" defTabSz="914400" eaLnBrk="1" fontAlgn="base" latinLnBrk="0" hangingPunct="1">
+                <a:lnSpc>
+                  <a:spcPct val="100000"/>
+                </a:lnSpc>
+                <a:spcBef>
+                  <a:spcPct val="0"/>
+                </a:spcBef>
+                <a:spcAft>
+                  <a:spcPct val="0"/>
+                </a:spcAft>
+                <a:buClrTx/>
+                <a:buSzTx/>
+                <a:buFontTx/>
+                <a:buNone/>
+                <a:tabLst/>
+                <a:defRPr/>
+              </a:pPr>
+              <a:r>
+                <a:rPr kumimoji="0" lang="en-US" altLang="es-ES" sz="2000" b="1" i="0" u="none" strike="noStrike" kern="0" cap="none" spc="0" normalizeH="0" baseline="0" noProof="0" dirty="0" smtClean="0">
+                  <a:ln>
+                    <a:noFill/>
+                  </a:ln>
+                  <a:solidFill>
+                    <a:srgbClr val="000000"/>
+                  </a:solidFill>
+                  <a:effectLst/>
+                  <a:uLnTx/>
+                  <a:uFillTx/>
+                  <a:latin typeface="Arial" pitchFamily="34" charset="0"/>
+                  <a:ea typeface="+mn-ea"/>
+                  <a:cs typeface="+mn-cs"/>
+                </a:rPr>
+                <a:t>Motor de </a:t>
+              </a:r>
+              <a:r>
+                <a:rPr kumimoji="0" lang="es-ES" altLang="es-ES" sz="2000" b="1" i="0" u="none" strike="noStrike" kern="0" cap="none" spc="0" normalizeH="0" baseline="0" noProof="0" dirty="0" smtClean="0">
+                  <a:ln>
+                    <a:noFill/>
+                  </a:ln>
+                  <a:solidFill>
+                    <a:srgbClr val="000000"/>
+                  </a:solidFill>
+                  <a:effectLst/>
+                  <a:uLnTx/>
+                  <a:uFillTx/>
+                  <a:latin typeface="Arial" pitchFamily="34" charset="0"/>
+                  <a:ea typeface="+mn-ea"/>
+                  <a:cs typeface="+mn-cs"/>
+                </a:rPr>
+                <a:t>adaptación</a:t>
+              </a:r>
+            </a:p>
+          </p:txBody>
+        </p:sp>
+        <p:sp>
+          <p:nvSpPr>
+            <p:cNvPr id="23" name="22 Rectángulo"/>
+            <p:cNvSpPr/>
+            <p:nvPr/>
+          </p:nvSpPr>
+          <p:spPr bwMode="auto">
+            <a:xfrm>
+              <a:off x="5019675" y="1065213"/>
+              <a:ext cx="2600325" cy="938212"/>
+            </a:xfrm>
+            <a:prstGeom prst="rect">
+              <a:avLst/>
+            </a:prstGeom>
+            <a:gradFill rotWithShape="1">
+              <a:gsLst>
+                <a:gs pos="0">
+                  <a:srgbClr val="2D2D8A">
+                    <a:tint val="50000"/>
+                    <a:satMod val="300000"/>
+                  </a:srgbClr>
+                </a:gs>
+                <a:gs pos="35000">
+                  <a:srgbClr val="2D2D8A">
+                    <a:tint val="37000"/>
+                    <a:satMod val="300000"/>
+                  </a:srgbClr>
+                </a:gs>
+                <a:gs pos="100000">
+                  <a:srgbClr val="2D2D8A">
+                    <a:tint val="15000"/>
+                    <a:satMod val="350000"/>
+                  </a:srgbClr>
+                </a:gs>
+              </a:gsLst>
+              <a:lin ang="16200000" scaled="1"/>
+            </a:gradFill>
+            <a:ln w="9525" cap="flat" cmpd="sng" algn="ctr">
+              <a:solidFill>
+                <a:srgbClr val="2D2D8A">
+                  <a:shade val="95000"/>
+                  <a:satMod val="105000"/>
+                </a:srgbClr>
+              </a:solidFill>
+              <a:prstDash val="solid"/>
+              <a:headEnd type="none" w="med" len="med"/>
+              <a:tailEnd type="none" w="med" len="med"/>
+            </a:ln>
+            <a:effectLst>
+              <a:outerShdw blurRad="40000" dist="20000" dir="5400000" rotWithShape="0">
+                <a:srgbClr val="000000">
+                  <a:alpha val="38000"/>
+                </a:srgbClr>
+              </a:outerShdw>
+            </a:effectLst>
+          </p:spPr>
+          <p:txBody>
+            <a:bodyPr/>
+            <a:lstStyle>
+              <a:lvl1pPr eaLnBrk="0" hangingPunct="0">
+                <a:lnSpc>
+                  <a:spcPct val="98000"/>
+                </a:lnSpc>
+                <a:buClr>
+                  <a:srgbClr val="000000"/>
+                </a:buClr>
+                <a:buSzPct val="45000"/>
+                <a:buFont typeface="Wingdings" pitchFamily="2" charset="2"/>
+                <a:defRPr>
+                  <a:solidFill>
+                    <a:schemeClr val="tx1"/>
+                  </a:solidFill>
+                  <a:latin typeface="DejaVu Sans" pitchFamily="34" charset="0"/>
+                </a:defRPr>
+              </a:lvl1pPr>
+              <a:lvl2pPr marL="742950" indent="-285750" eaLnBrk="0" hangingPunct="0">
+                <a:lnSpc>
+                  <a:spcPct val="98000"/>
+                </a:lnSpc>
+                <a:buClr>
+                  <a:srgbClr val="000000"/>
+                </a:buClr>
+                <a:buSzPct val="45000"/>
+                <a:buFont typeface="Wingdings" pitchFamily="2" charset="2"/>
+                <a:defRPr>
+                  <a:solidFill>
+                    <a:schemeClr val="tx1"/>
+                  </a:solidFill>
+                  <a:latin typeface="DejaVu Sans" pitchFamily="34" charset="0"/>
+                </a:defRPr>
+              </a:lvl2pPr>
+              <a:lvl3pPr marL="1143000" indent="-228600" eaLnBrk="0" hangingPunct="0">
+                <a:lnSpc>
+                  <a:spcPct val="98000"/>
+                </a:lnSpc>
+                <a:buClr>
+                  <a:srgbClr val="000000"/>
+                </a:buClr>
+                <a:buSzPct val="45000"/>
+                <a:buFont typeface="Wingdings" pitchFamily="2" charset="2"/>
+                <a:defRPr>
+                  <a:solidFill>
+                    <a:schemeClr val="tx1"/>
+                  </a:solidFill>
+                  <a:latin typeface="DejaVu Sans" pitchFamily="34" charset="0"/>
+                </a:defRPr>
+              </a:lvl3pPr>
+              <a:lvl4pPr marL="1600200" indent="-228600" eaLnBrk="0" hangingPunct="0">
+                <a:lnSpc>
+                  <a:spcPct val="98000"/>
+                </a:lnSpc>
+                <a:buClr>
+                  <a:srgbClr val="000000"/>
+                </a:buClr>
+                <a:buSzPct val="45000"/>
+                <a:buFont typeface="Wingdings" pitchFamily="2" charset="2"/>
+                <a:defRPr>
+                  <a:solidFill>
+                    <a:schemeClr val="tx1"/>
+                  </a:solidFill>
+                  <a:latin typeface="DejaVu Sans" pitchFamily="34" charset="0"/>
+                </a:defRPr>
+              </a:lvl4pPr>
+              <a:lvl5pPr marL="2057400" indent="-228600" eaLnBrk="0" hangingPunct="0">
+                <a:lnSpc>
+                  <a:spcPct val="98000"/>
+                </a:lnSpc>
+                <a:buClr>
+                  <a:srgbClr val="000000"/>
+                </a:buClr>
+                <a:buSzPct val="45000"/>
+                <a:buFont typeface="Wingdings" pitchFamily="2" charset="2"/>
+                <a:defRPr>
+                  <a:solidFill>
+                    <a:schemeClr val="tx1"/>
+                  </a:solidFill>
+                  <a:latin typeface="DejaVu Sans" pitchFamily="34" charset="0"/>
+                </a:defRPr>
+              </a:lvl5pPr>
+              <a:lvl6pPr marL="2514600" indent="-228600" eaLnBrk="0" fontAlgn="base" hangingPunct="0">
+                <a:lnSpc>
+                  <a:spcPct val="98000"/>
+                </a:lnSpc>
+                <a:spcBef>
+                  <a:spcPct val="0"/>
+                </a:spcBef>
+                <a:spcAft>
+                  <a:spcPct val="0"/>
+                </a:spcAft>
+                <a:buClr>
+                  <a:srgbClr val="000000"/>
+                </a:buClr>
+                <a:buSzPct val="45000"/>
+                <a:buFont typeface="Wingdings" pitchFamily="2" charset="2"/>
+                <a:defRPr>
+                  <a:solidFill>
+                    <a:schemeClr val="tx1"/>
+                  </a:solidFill>
+                  <a:latin typeface="DejaVu Sans" pitchFamily="34" charset="0"/>
+                </a:defRPr>
+              </a:lvl6pPr>
+              <a:lvl7pPr marL="2971800" indent="-228600" eaLnBrk="0" fontAlgn="base" hangingPunct="0">
+                <a:lnSpc>
+                  <a:spcPct val="98000"/>
+                </a:lnSpc>
+                <a:spcBef>
+                  <a:spcPct val="0"/>
+                </a:spcBef>
+                <a:spcAft>
+                  <a:spcPct val="0"/>
+                </a:spcAft>
+                <a:buClr>
+                  <a:srgbClr val="000000"/>
+                </a:buClr>
+                <a:buSzPct val="45000"/>
+                <a:buFont typeface="Wingdings" pitchFamily="2" charset="2"/>
+                <a:defRPr>
+                  <a:solidFill>
+                    <a:schemeClr val="tx1"/>
+                  </a:solidFill>
+                  <a:latin typeface="DejaVu Sans" pitchFamily="34" charset="0"/>
+                </a:defRPr>
+              </a:lvl7pPr>
+              <a:lvl8pPr marL="3429000" indent="-228600" eaLnBrk="0" fontAlgn="base" hangingPunct="0">
+                <a:lnSpc>
+                  <a:spcPct val="98000"/>
+                </a:lnSpc>
+                <a:spcBef>
+                  <a:spcPct val="0"/>
+                </a:spcBef>
+                <a:spcAft>
+                  <a:spcPct val="0"/>
+                </a:spcAft>
+                <a:buClr>
+                  <a:srgbClr val="000000"/>
+                </a:buClr>
+                <a:buSzPct val="45000"/>
+                <a:buFont typeface="Wingdings" pitchFamily="2" charset="2"/>
+                <a:defRPr>
+                  <a:solidFill>
+                    <a:schemeClr val="tx1"/>
+                  </a:solidFill>
+                  <a:latin typeface="DejaVu Sans" pitchFamily="34" charset="0"/>
+                </a:defRPr>
+              </a:lvl8pPr>
+              <a:lvl9pPr marL="3886200" indent="-228600" eaLnBrk="0" fontAlgn="base" hangingPunct="0">
+                <a:lnSpc>
+                  <a:spcPct val="98000"/>
+                </a:lnSpc>
+                <a:spcBef>
+                  <a:spcPct val="0"/>
+                </a:spcBef>
+                <a:spcAft>
+                  <a:spcPct val="0"/>
+                </a:spcAft>
+                <a:buClr>
+                  <a:srgbClr val="000000"/>
+                </a:buClr>
+                <a:buSzPct val="45000"/>
+                <a:buFont typeface="Wingdings" pitchFamily="2" charset="2"/>
+                <a:defRPr>
+                  <a:solidFill>
+                    <a:schemeClr val="tx1"/>
+                  </a:solidFill>
+                  <a:latin typeface="DejaVu Sans" pitchFamily="34" charset="0"/>
+                </a:defRPr>
+              </a:lvl9pPr>
+            </a:lstStyle>
+            <a:p>
+              <a:pPr marL="0" marR="0" lvl="0" indent="0" algn="ctr" defTabSz="914400" eaLnBrk="1" fontAlgn="base" latinLnBrk="0" hangingPunct="1">
+                <a:lnSpc>
+                  <a:spcPct val="100000"/>
+                </a:lnSpc>
+                <a:spcBef>
+                  <a:spcPct val="0"/>
+                </a:spcBef>
+                <a:spcAft>
+                  <a:spcPct val="0"/>
+                </a:spcAft>
+                <a:buClrTx/>
+                <a:buSzTx/>
+                <a:buFontTx/>
+                <a:buNone/>
+                <a:tabLst/>
+                <a:defRPr/>
+              </a:pPr>
+              <a:r>
+                <a:rPr kumimoji="0" lang="es-ES" altLang="es-ES" sz="2000" b="1" i="0" u="none" strike="noStrike" kern="0" cap="none" spc="0" normalizeH="0" baseline="0" noProof="0" dirty="0" smtClean="0">
+                  <a:ln>
+                    <a:noFill/>
+                  </a:ln>
+                  <a:solidFill>
+                    <a:srgbClr val="000000"/>
+                  </a:solidFill>
+                  <a:effectLst/>
+                  <a:uLnTx/>
+                  <a:uFillTx/>
+                  <a:latin typeface="Arial" pitchFamily="34" charset="0"/>
+                  <a:ea typeface="+mn-ea"/>
+                  <a:cs typeface="+mn-cs"/>
+                </a:rPr>
+                <a:t>Interfaz</a:t>
+              </a:r>
+              <a:r>
+                <a:rPr kumimoji="0" lang="en-US" altLang="es-ES" sz="2000" b="1" i="0" u="none" strike="noStrike" kern="0" cap="none" spc="0" normalizeH="0" baseline="0" noProof="0" dirty="0" smtClean="0">
+                  <a:ln>
+                    <a:noFill/>
+                  </a:ln>
+                  <a:solidFill>
+                    <a:srgbClr val="000000"/>
+                  </a:solidFill>
+                  <a:effectLst/>
+                  <a:uLnTx/>
+                  <a:uFillTx/>
+                  <a:latin typeface="Arial" pitchFamily="34" charset="0"/>
+                  <a:ea typeface="+mn-ea"/>
+                  <a:cs typeface="+mn-cs"/>
+                </a:rPr>
+                <a:t> de </a:t>
+              </a:r>
+              <a:r>
+                <a:rPr kumimoji="0" lang="es-ES" altLang="es-ES" sz="2000" b="1" i="0" u="none" strike="noStrike" kern="0" cap="none" spc="0" normalizeH="0" baseline="0" noProof="0" dirty="0" smtClean="0">
+                  <a:ln>
+                    <a:noFill/>
+                  </a:ln>
+                  <a:solidFill>
+                    <a:srgbClr val="000000"/>
+                  </a:solidFill>
+                  <a:effectLst/>
+                  <a:uLnTx/>
+                  <a:uFillTx/>
+                  <a:latin typeface="Arial" pitchFamily="34" charset="0"/>
+                  <a:ea typeface="+mn-ea"/>
+                  <a:cs typeface="+mn-cs"/>
+                </a:rPr>
+                <a:t>navegación</a:t>
+              </a:r>
+            </a:p>
+          </p:txBody>
+        </p:sp>
+        <p:sp>
+          <p:nvSpPr>
+            <p:cNvPr id="24" name="23 Rectángulo"/>
+            <p:cNvSpPr/>
+            <p:nvPr/>
+          </p:nvSpPr>
+          <p:spPr bwMode="auto">
+            <a:xfrm>
+              <a:off x="1282700" y="2590800"/>
+              <a:ext cx="2600325" cy="938213"/>
+            </a:xfrm>
+            <a:prstGeom prst="rect">
+              <a:avLst/>
+            </a:prstGeom>
+            <a:gradFill rotWithShape="1">
+              <a:gsLst>
+                <a:gs pos="0">
+                  <a:srgbClr val="2D2D8A">
+                    <a:tint val="50000"/>
+                    <a:satMod val="300000"/>
+                  </a:srgbClr>
+                </a:gs>
+                <a:gs pos="35000">
+                  <a:srgbClr val="2D2D8A">
+                    <a:tint val="37000"/>
+                    <a:satMod val="300000"/>
+                  </a:srgbClr>
+                </a:gs>
+                <a:gs pos="100000">
+                  <a:srgbClr val="2D2D8A">
+                    <a:tint val="15000"/>
+                    <a:satMod val="350000"/>
+                  </a:srgbClr>
+                </a:gs>
+              </a:gsLst>
+              <a:lin ang="16200000" scaled="1"/>
+            </a:gradFill>
+            <a:ln w="9525" cap="flat" cmpd="sng" algn="ctr">
+              <a:solidFill>
+                <a:srgbClr val="2D2D8A">
+                  <a:shade val="95000"/>
+                  <a:satMod val="105000"/>
+                </a:srgbClr>
+              </a:solidFill>
+              <a:prstDash val="solid"/>
+              <a:headEnd type="none" w="med" len="med"/>
+              <a:tailEnd type="none" w="med" len="med"/>
+            </a:ln>
+            <a:effectLst>
+              <a:outerShdw blurRad="40000" dist="20000" dir="5400000" rotWithShape="0">
+                <a:srgbClr val="000000">
+                  <a:alpha val="38000"/>
+                </a:srgbClr>
+              </a:outerShdw>
+            </a:effectLst>
+          </p:spPr>
+          <p:txBody>
+            <a:bodyPr/>
+            <a:lstStyle>
+              <a:lvl1pPr eaLnBrk="0" hangingPunct="0">
+                <a:lnSpc>
+                  <a:spcPct val="98000"/>
+                </a:lnSpc>
+                <a:buClr>
+                  <a:srgbClr val="000000"/>
+                </a:buClr>
+                <a:buSzPct val="45000"/>
+                <a:buFont typeface="Wingdings" pitchFamily="2" charset="2"/>
+                <a:defRPr>
+                  <a:solidFill>
+                    <a:schemeClr val="tx1"/>
+                  </a:solidFill>
+                  <a:latin typeface="DejaVu Sans" pitchFamily="34" charset="0"/>
+                </a:defRPr>
+              </a:lvl1pPr>
+              <a:lvl2pPr marL="742950" indent="-285750" eaLnBrk="0" hangingPunct="0">
+                <a:lnSpc>
+                  <a:spcPct val="98000"/>
+                </a:lnSpc>
+                <a:buClr>
+                  <a:srgbClr val="000000"/>
+                </a:buClr>
+                <a:buSzPct val="45000"/>
+                <a:buFont typeface="Wingdings" pitchFamily="2" charset="2"/>
+                <a:defRPr>
+                  <a:solidFill>
+                    <a:schemeClr val="tx1"/>
+                  </a:solidFill>
+                  <a:latin typeface="DejaVu Sans" pitchFamily="34" charset="0"/>
+                </a:defRPr>
+              </a:lvl2pPr>
+              <a:lvl3pPr marL="1143000" indent="-228600" eaLnBrk="0" hangingPunct="0">
+                <a:lnSpc>
+                  <a:spcPct val="98000"/>
+                </a:lnSpc>
+                <a:buClr>
+                  <a:srgbClr val="000000"/>
+                </a:buClr>
+                <a:buSzPct val="45000"/>
+                <a:buFont typeface="Wingdings" pitchFamily="2" charset="2"/>
+                <a:defRPr>
+                  <a:solidFill>
+                    <a:schemeClr val="tx1"/>
+                  </a:solidFill>
+                  <a:latin typeface="DejaVu Sans" pitchFamily="34" charset="0"/>
+                </a:defRPr>
+              </a:lvl3pPr>
+              <a:lvl4pPr marL="1600200" indent="-228600" eaLnBrk="0" hangingPunct="0">
+                <a:lnSpc>
+                  <a:spcPct val="98000"/>
+                </a:lnSpc>
+                <a:buClr>
+                  <a:srgbClr val="000000"/>
+                </a:buClr>
+                <a:buSzPct val="45000"/>
+                <a:buFont typeface="Wingdings" pitchFamily="2" charset="2"/>
+                <a:defRPr>
+                  <a:solidFill>
+                    <a:schemeClr val="tx1"/>
+                  </a:solidFill>
+                  <a:latin typeface="DejaVu Sans" pitchFamily="34" charset="0"/>
+                </a:defRPr>
+              </a:lvl4pPr>
+              <a:lvl5pPr marL="2057400" indent="-228600" eaLnBrk="0" hangingPunct="0">
+                <a:lnSpc>
+                  <a:spcPct val="98000"/>
+                </a:lnSpc>
+                <a:buClr>
+                  <a:srgbClr val="000000"/>
+                </a:buClr>
+                <a:buSzPct val="45000"/>
+                <a:buFont typeface="Wingdings" pitchFamily="2" charset="2"/>
+                <a:defRPr>
+                  <a:solidFill>
+                    <a:schemeClr val="tx1"/>
+                  </a:solidFill>
+                  <a:latin typeface="DejaVu Sans" pitchFamily="34" charset="0"/>
+                </a:defRPr>
+              </a:lvl5pPr>
+              <a:lvl6pPr marL="2514600" indent="-228600" eaLnBrk="0" fontAlgn="base" hangingPunct="0">
+                <a:lnSpc>
+                  <a:spcPct val="98000"/>
+                </a:lnSpc>
+                <a:spcBef>
+                  <a:spcPct val="0"/>
+                </a:spcBef>
+                <a:spcAft>
+                  <a:spcPct val="0"/>
+                </a:spcAft>
+                <a:buClr>
+                  <a:srgbClr val="000000"/>
+                </a:buClr>
+                <a:buSzPct val="45000"/>
+                <a:buFont typeface="Wingdings" pitchFamily="2" charset="2"/>
+                <a:defRPr>
+                  <a:solidFill>
+                    <a:schemeClr val="tx1"/>
+                  </a:solidFill>
+                  <a:latin typeface="DejaVu Sans" pitchFamily="34" charset="0"/>
+                </a:defRPr>
+              </a:lvl6pPr>
+              <a:lvl7pPr marL="2971800" indent="-228600" eaLnBrk="0" fontAlgn="base" hangingPunct="0">
+                <a:lnSpc>
+                  <a:spcPct val="98000"/>
+                </a:lnSpc>
+                <a:spcBef>
+                  <a:spcPct val="0"/>
+                </a:spcBef>
+                <a:spcAft>
+                  <a:spcPct val="0"/>
+                </a:spcAft>
+                <a:buClr>
+                  <a:srgbClr val="000000"/>
+                </a:buClr>
+                <a:buSzPct val="45000"/>
+                <a:buFont typeface="Wingdings" pitchFamily="2" charset="2"/>
+                <a:defRPr>
+                  <a:solidFill>
+                    <a:schemeClr val="tx1"/>
+                  </a:solidFill>
+                  <a:latin typeface="DejaVu Sans" pitchFamily="34" charset="0"/>
+                </a:defRPr>
+              </a:lvl7pPr>
+              <a:lvl8pPr marL="3429000" indent="-228600" eaLnBrk="0" fontAlgn="base" hangingPunct="0">
+                <a:lnSpc>
+                  <a:spcPct val="98000"/>
+                </a:lnSpc>
+                <a:spcBef>
+                  <a:spcPct val="0"/>
+                </a:spcBef>
+                <a:spcAft>
+                  <a:spcPct val="0"/>
+                </a:spcAft>
+                <a:buClr>
+                  <a:srgbClr val="000000"/>
+                </a:buClr>
+                <a:buSzPct val="45000"/>
+                <a:buFont typeface="Wingdings" pitchFamily="2" charset="2"/>
+                <a:defRPr>
+                  <a:solidFill>
+                    <a:schemeClr val="tx1"/>
+                  </a:solidFill>
+                  <a:latin typeface="DejaVu Sans" pitchFamily="34" charset="0"/>
+                </a:defRPr>
+              </a:lvl8pPr>
+              <a:lvl9pPr marL="3886200" indent="-228600" eaLnBrk="0" fontAlgn="base" hangingPunct="0">
+                <a:lnSpc>
+                  <a:spcPct val="98000"/>
+                </a:lnSpc>
+                <a:spcBef>
+                  <a:spcPct val="0"/>
+                </a:spcBef>
+                <a:spcAft>
+                  <a:spcPct val="0"/>
+                </a:spcAft>
+                <a:buClr>
+                  <a:srgbClr val="000000"/>
+                </a:buClr>
+                <a:buSzPct val="45000"/>
+                <a:buFont typeface="Wingdings" pitchFamily="2" charset="2"/>
+                <a:defRPr>
+                  <a:solidFill>
+                    <a:schemeClr val="tx1"/>
+                  </a:solidFill>
+                  <a:latin typeface="DejaVu Sans" pitchFamily="34" charset="0"/>
+                </a:defRPr>
+              </a:lvl9pPr>
+            </a:lstStyle>
+            <a:p>
+              <a:pPr marL="0" marR="0" lvl="0" indent="0" algn="ctr" defTabSz="914400" eaLnBrk="1" fontAlgn="base" latinLnBrk="0" hangingPunct="1">
+                <a:lnSpc>
+                  <a:spcPct val="100000"/>
+                </a:lnSpc>
+                <a:spcBef>
+                  <a:spcPct val="0"/>
+                </a:spcBef>
+                <a:spcAft>
+                  <a:spcPct val="0"/>
+                </a:spcAft>
+                <a:buClrTx/>
+                <a:buSzTx/>
+                <a:buFontTx/>
+                <a:buNone/>
+                <a:tabLst/>
+                <a:defRPr/>
+              </a:pPr>
+              <a:r>
+                <a:rPr kumimoji="0" lang="es-ES" altLang="es-ES" sz="2000" b="1" i="0" u="none" strike="noStrike" kern="0" cap="none" spc="0" normalizeH="0" baseline="0" noProof="0" dirty="0" smtClean="0">
+                  <a:ln>
+                    <a:noFill/>
+                  </a:ln>
+                  <a:solidFill>
+                    <a:srgbClr val="000000"/>
+                  </a:solidFill>
+                  <a:effectLst/>
+                  <a:uLnTx/>
+                  <a:uFillTx/>
+                  <a:latin typeface="Arial" pitchFamily="34" charset="0"/>
+                  <a:ea typeface="+mn-ea"/>
+                  <a:cs typeface="+mn-cs"/>
+                </a:rPr>
+                <a:t>Modelo</a:t>
+              </a:r>
+              <a:r>
+                <a:rPr kumimoji="0" lang="en-US" altLang="es-ES" sz="2000" b="1" i="0" u="none" strike="noStrike" kern="0" cap="none" spc="0" normalizeH="0" baseline="0" noProof="0" dirty="0" smtClean="0">
+                  <a:ln>
+                    <a:noFill/>
+                  </a:ln>
+                  <a:solidFill>
+                    <a:srgbClr val="000000"/>
+                  </a:solidFill>
+                  <a:effectLst/>
+                  <a:uLnTx/>
+                  <a:uFillTx/>
+                  <a:latin typeface="Arial" pitchFamily="34" charset="0"/>
+                  <a:ea typeface="+mn-ea"/>
+                  <a:cs typeface="+mn-cs"/>
+                </a:rPr>
+                <a:t> del </a:t>
+              </a:r>
+              <a:r>
+                <a:rPr kumimoji="0" lang="es-ES" altLang="es-ES" sz="2000" b="1" i="0" u="none" strike="noStrike" kern="0" cap="none" spc="0" normalizeH="0" baseline="0" noProof="0" dirty="0" smtClean="0">
+                  <a:ln>
+                    <a:noFill/>
+                  </a:ln>
+                  <a:solidFill>
+                    <a:srgbClr val="000000"/>
+                  </a:solidFill>
+                  <a:effectLst/>
+                  <a:uLnTx/>
+                  <a:uFillTx/>
+                  <a:latin typeface="Arial" pitchFamily="34" charset="0"/>
+                  <a:ea typeface="+mn-ea"/>
+                  <a:cs typeface="+mn-cs"/>
+                </a:rPr>
+                <a:t>dominio</a:t>
+              </a:r>
+            </a:p>
+          </p:txBody>
+        </p:sp>
+        <p:cxnSp>
+          <p:nvCxnSpPr>
+            <p:cNvPr id="25" name="13 Conector angular"/>
+            <p:cNvCxnSpPr>
+              <a:cxnSpLocks noChangeShapeType="1"/>
+            </p:cNvCxnSpPr>
+            <p:nvPr/>
+          </p:nvCxnSpPr>
+          <p:spPr bwMode="auto">
+            <a:xfrm>
+              <a:off x="6588125" y="3525838"/>
+              <a:ext cx="7938" cy="704850"/>
+            </a:xfrm>
+            <a:prstGeom prst="straightConnector1">
+              <a:avLst/>
+            </a:prstGeom>
+            <a:noFill/>
+            <a:ln w="38100" algn="ctr">
+              <a:solidFill>
+                <a:srgbClr val="333399"/>
+              </a:solidFill>
+              <a:miter lim="800000"/>
+              <a:headEnd/>
+              <a:tailEnd type="arrow" w="med" len="med"/>
+            </a:ln>
+            <a:effectLst>
+              <a:outerShdw dist="23000" dir="5400000" rotWithShape="0">
+                <a:srgbClr val="000000">
+                  <a:alpha val="34998"/>
+                </a:srgbClr>
+              </a:outerShdw>
+            </a:effectLst>
+            <a:extLst>
+              <a:ext uri="{909E8E84-426E-40DD-AFC4-6F175D3DCCD1}">
+                <a14:hiddenFill xmlns:a14="http://schemas.microsoft.com/office/drawing/2010/main">
+                  <a:noFill/>
+                </a14:hiddenFill>
+              </a:ext>
+            </a:extLst>
+          </p:spPr>
+        </p:cxnSp>
+        <p:cxnSp>
+          <p:nvCxnSpPr>
+            <p:cNvPr id="26" name="13 Conector angular"/>
+            <p:cNvCxnSpPr/>
+            <p:nvPr/>
+          </p:nvCxnSpPr>
+          <p:spPr bwMode="auto">
+            <a:xfrm>
+              <a:off x="3730625" y="1330325"/>
+              <a:ext cx="1325563" cy="0"/>
+            </a:xfrm>
+            <a:prstGeom prst="straightConnector1">
+              <a:avLst/>
+            </a:prstGeom>
+            <a:noFill/>
+            <a:ln w="38100" cap="flat" cmpd="sng" algn="ctr">
+              <a:solidFill>
+                <a:srgbClr val="333399"/>
+              </a:solidFill>
+              <a:prstDash val="solid"/>
+              <a:headEnd type="none" w="med" len="med"/>
+              <a:tailEnd type="arrow"/>
+            </a:ln>
+            <a:effectLst>
+              <a:outerShdw blurRad="40000" dist="23000" dir="5400000" rotWithShape="0">
+                <a:srgbClr val="000000">
+                  <a:alpha val="35000"/>
+                </a:srgbClr>
+              </a:outerShdw>
+            </a:effectLst>
+          </p:spPr>
+        </p:cxnSp>
+        <p:cxnSp>
+          <p:nvCxnSpPr>
+            <p:cNvPr id="27" name="13 Conector angular"/>
+            <p:cNvCxnSpPr/>
+            <p:nvPr/>
+          </p:nvCxnSpPr>
+          <p:spPr bwMode="auto">
+            <a:xfrm flipH="1" flipV="1">
+              <a:off x="6107113" y="3527425"/>
+              <a:ext cx="3175" cy="703263"/>
+            </a:xfrm>
+            <a:prstGeom prst="straightConnector1">
+              <a:avLst/>
+            </a:prstGeom>
+            <a:noFill/>
+            <a:ln w="38100" cap="flat" cmpd="sng" algn="ctr">
+              <a:solidFill>
+                <a:srgbClr val="C00000"/>
+              </a:solidFill>
+              <a:prstDash val="solid"/>
+              <a:headEnd type="none" w="med" len="med"/>
+              <a:tailEnd type="arrow"/>
+            </a:ln>
+            <a:effectLst>
+              <a:outerShdw blurRad="40000" dist="23000" dir="5400000" rotWithShape="0">
+                <a:srgbClr val="000000">
+                  <a:alpha val="35000"/>
+                </a:srgbClr>
+              </a:outerShdw>
+            </a:effectLst>
+          </p:spPr>
+        </p:cxnSp>
+        <p:cxnSp>
+          <p:nvCxnSpPr>
+            <p:cNvPr id="28" name="13 Conector angular"/>
+            <p:cNvCxnSpPr>
+              <a:stCxn id="24" idx="3"/>
+              <a:endCxn id="22" idx="1"/>
+            </p:cNvCxnSpPr>
+            <p:nvPr/>
+          </p:nvCxnSpPr>
+          <p:spPr bwMode="auto">
+            <a:xfrm>
+              <a:off x="3883025" y="3059113"/>
+              <a:ext cx="1136650" cy="0"/>
+            </a:xfrm>
+            <a:prstGeom prst="straightConnector1">
+              <a:avLst/>
+            </a:prstGeom>
+            <a:noFill/>
+            <a:ln w="38100" cap="flat" cmpd="sng" algn="ctr">
+              <a:solidFill>
+                <a:srgbClr val="C00000"/>
+              </a:solidFill>
+              <a:prstDash val="solid"/>
+              <a:headEnd type="none" w="med" len="med"/>
+              <a:tailEnd type="arrow"/>
+            </a:ln>
+            <a:effectLst>
+              <a:outerShdw blurRad="40000" dist="23000" dir="5400000" rotWithShape="0">
+                <a:srgbClr val="000000">
+                  <a:alpha val="35000"/>
+                </a:srgbClr>
+              </a:outerShdw>
+            </a:effectLst>
+          </p:spPr>
+        </p:cxnSp>
+        <p:cxnSp>
+          <p:nvCxnSpPr>
+            <p:cNvPr id="29" name="13 Conector angular"/>
+            <p:cNvCxnSpPr/>
+            <p:nvPr/>
+          </p:nvCxnSpPr>
+          <p:spPr bwMode="auto">
+            <a:xfrm flipH="1" flipV="1">
+              <a:off x="6143625" y="2003425"/>
+              <a:ext cx="3175" cy="587375"/>
+            </a:xfrm>
+            <a:prstGeom prst="straightConnector1">
+              <a:avLst/>
+            </a:prstGeom>
+            <a:noFill/>
+            <a:ln w="38100" cap="flat" cmpd="sng" algn="ctr">
+              <a:solidFill>
+                <a:srgbClr val="C00000"/>
+              </a:solidFill>
+              <a:prstDash val="solid"/>
+              <a:headEnd type="none" w="med" len="med"/>
+              <a:tailEnd type="arrow"/>
+            </a:ln>
+            <a:effectLst>
+              <a:outerShdw blurRad="40000" dist="23000" dir="5400000" rotWithShape="0">
+                <a:srgbClr val="000000">
+                  <a:alpha val="35000"/>
+                </a:srgbClr>
+              </a:outerShdw>
+            </a:effectLst>
+          </p:spPr>
+        </p:cxnSp>
+        <p:cxnSp>
+          <p:nvCxnSpPr>
+            <p:cNvPr id="30" name="13 Conector angular"/>
+            <p:cNvCxnSpPr/>
+            <p:nvPr/>
+          </p:nvCxnSpPr>
+          <p:spPr bwMode="auto">
+            <a:xfrm flipH="1" flipV="1">
+              <a:off x="3730625" y="1654175"/>
+              <a:ext cx="1289050" cy="0"/>
+            </a:xfrm>
+            <a:prstGeom prst="straightConnector1">
+              <a:avLst/>
+            </a:prstGeom>
+            <a:noFill/>
+            <a:ln w="38100" cap="flat" cmpd="sng" algn="ctr">
+              <a:solidFill>
+                <a:srgbClr val="C00000"/>
+              </a:solidFill>
+              <a:prstDash val="solid"/>
+              <a:headEnd type="none" w="med" len="med"/>
+              <a:tailEnd type="arrow"/>
+            </a:ln>
+            <a:effectLst>
+              <a:outerShdw blurRad="40000" dist="23000" dir="5400000" rotWithShape="0">
+                <a:srgbClr val="000000">
+                  <a:alpha val="35000"/>
+                </a:srgbClr>
+              </a:outerShdw>
+            </a:effectLst>
+          </p:spPr>
+        </p:cxnSp>
+        <p:cxnSp>
+          <p:nvCxnSpPr>
+            <p:cNvPr id="31" name="13 Conector angular"/>
+            <p:cNvCxnSpPr/>
+            <p:nvPr/>
+          </p:nvCxnSpPr>
+          <p:spPr bwMode="auto">
+            <a:xfrm>
+              <a:off x="6618288" y="2003425"/>
+              <a:ext cx="0" cy="587375"/>
+            </a:xfrm>
+            <a:prstGeom prst="straightConnector1">
+              <a:avLst/>
+            </a:prstGeom>
+            <a:noFill/>
+            <a:ln w="38100" cap="flat" cmpd="sng" algn="ctr">
+              <a:solidFill>
+                <a:srgbClr val="333399"/>
+              </a:solidFill>
+              <a:prstDash val="solid"/>
+              <a:headEnd type="none" w="med" len="med"/>
+              <a:tailEnd type="arrow"/>
+            </a:ln>
+            <a:effectLst>
+              <a:outerShdw blurRad="40000" dist="23000" dir="5400000" rotWithShape="0">
+                <a:srgbClr val="000000">
+                  <a:alpha val="35000"/>
+                </a:srgbClr>
+              </a:outerShdw>
+            </a:effectLst>
+          </p:spPr>
+        </p:cxnSp>
+        <p:sp>
+          <p:nvSpPr>
+            <p:cNvPr id="32" name="31 Rectángulo"/>
+            <p:cNvSpPr/>
+            <p:nvPr/>
+          </p:nvSpPr>
+          <p:spPr bwMode="auto">
+            <a:xfrm>
+              <a:off x="1282700" y="4230688"/>
+              <a:ext cx="2600325" cy="938212"/>
+            </a:xfrm>
+            <a:prstGeom prst="rect">
+              <a:avLst/>
+            </a:prstGeom>
+            <a:gradFill rotWithShape="1">
+              <a:gsLst>
+                <a:gs pos="0">
+                  <a:srgbClr val="2D2D8A">
+                    <a:tint val="50000"/>
+                    <a:satMod val="300000"/>
+                  </a:srgbClr>
+                </a:gs>
+                <a:gs pos="35000">
+                  <a:srgbClr val="2D2D8A">
+                    <a:tint val="37000"/>
+                    <a:satMod val="300000"/>
+                  </a:srgbClr>
+                </a:gs>
+                <a:gs pos="100000">
+                  <a:srgbClr val="2D2D8A">
+                    <a:tint val="15000"/>
+                    <a:satMod val="350000"/>
+                  </a:srgbClr>
+                </a:gs>
+              </a:gsLst>
+              <a:lin ang="16200000" scaled="1"/>
+            </a:gradFill>
+            <a:ln w="9525" cap="flat" cmpd="sng" algn="ctr">
+              <a:solidFill>
+                <a:srgbClr val="2D2D8A">
+                  <a:shade val="95000"/>
+                  <a:satMod val="105000"/>
+                </a:srgbClr>
+              </a:solidFill>
+              <a:prstDash val="solid"/>
+              <a:headEnd type="none" w="med" len="med"/>
+              <a:tailEnd type="none" w="med" len="med"/>
+            </a:ln>
+            <a:effectLst>
+              <a:outerShdw blurRad="40000" dist="20000" dir="5400000" rotWithShape="0">
+                <a:srgbClr val="000000">
+                  <a:alpha val="38000"/>
+                </a:srgbClr>
+              </a:outerShdw>
+            </a:effectLst>
+          </p:spPr>
+          <p:txBody>
+            <a:bodyPr/>
+            <a:lstStyle>
+              <a:lvl1pPr eaLnBrk="0" hangingPunct="0">
+                <a:lnSpc>
+                  <a:spcPct val="98000"/>
+                </a:lnSpc>
+                <a:buClr>
+                  <a:srgbClr val="000000"/>
+                </a:buClr>
+                <a:buSzPct val="45000"/>
+                <a:buFont typeface="Wingdings" pitchFamily="2" charset="2"/>
+                <a:defRPr>
+                  <a:solidFill>
+                    <a:schemeClr val="tx1"/>
+                  </a:solidFill>
+                  <a:latin typeface="DejaVu Sans" pitchFamily="34" charset="0"/>
+                </a:defRPr>
+              </a:lvl1pPr>
+              <a:lvl2pPr marL="742950" indent="-285750" eaLnBrk="0" hangingPunct="0">
+                <a:lnSpc>
+                  <a:spcPct val="98000"/>
+                </a:lnSpc>
+                <a:buClr>
+                  <a:srgbClr val="000000"/>
+                </a:buClr>
+                <a:buSzPct val="45000"/>
+                <a:buFont typeface="Wingdings" pitchFamily="2" charset="2"/>
+                <a:defRPr>
+                  <a:solidFill>
+                    <a:schemeClr val="tx1"/>
+                  </a:solidFill>
+                  <a:latin typeface="DejaVu Sans" pitchFamily="34" charset="0"/>
+                </a:defRPr>
+              </a:lvl2pPr>
+              <a:lvl3pPr marL="1143000" indent="-228600" eaLnBrk="0" hangingPunct="0">
+                <a:lnSpc>
+                  <a:spcPct val="98000"/>
+                </a:lnSpc>
+                <a:buClr>
+                  <a:srgbClr val="000000"/>
+                </a:buClr>
+                <a:buSzPct val="45000"/>
+                <a:buFont typeface="Wingdings" pitchFamily="2" charset="2"/>
+                <a:defRPr>
+                  <a:solidFill>
+                    <a:schemeClr val="tx1"/>
+                  </a:solidFill>
+                  <a:latin typeface="DejaVu Sans" pitchFamily="34" charset="0"/>
+                </a:defRPr>
+              </a:lvl3pPr>
+              <a:lvl4pPr marL="1600200" indent="-228600" eaLnBrk="0" hangingPunct="0">
+                <a:lnSpc>
+                  <a:spcPct val="98000"/>
+                </a:lnSpc>
+                <a:buClr>
+                  <a:srgbClr val="000000"/>
+                </a:buClr>
+                <a:buSzPct val="45000"/>
+                <a:buFont typeface="Wingdings" pitchFamily="2" charset="2"/>
+                <a:defRPr>
+                  <a:solidFill>
+                    <a:schemeClr val="tx1"/>
+                  </a:solidFill>
+                  <a:latin typeface="DejaVu Sans" pitchFamily="34" charset="0"/>
+                </a:defRPr>
+              </a:lvl4pPr>
+              <a:lvl5pPr marL="2057400" indent="-228600" eaLnBrk="0" hangingPunct="0">
+                <a:lnSpc>
+                  <a:spcPct val="98000"/>
+                </a:lnSpc>
+                <a:buClr>
+                  <a:srgbClr val="000000"/>
+                </a:buClr>
+                <a:buSzPct val="45000"/>
+                <a:buFont typeface="Wingdings" pitchFamily="2" charset="2"/>
+                <a:defRPr>
+                  <a:solidFill>
+                    <a:schemeClr val="tx1"/>
+                  </a:solidFill>
+                  <a:latin typeface="DejaVu Sans" pitchFamily="34" charset="0"/>
+                </a:defRPr>
+              </a:lvl5pPr>
+              <a:lvl6pPr marL="2514600" indent="-228600" eaLnBrk="0" fontAlgn="base" hangingPunct="0">
+                <a:lnSpc>
+                  <a:spcPct val="98000"/>
+                </a:lnSpc>
+                <a:spcBef>
+                  <a:spcPct val="0"/>
+                </a:spcBef>
+                <a:spcAft>
+                  <a:spcPct val="0"/>
+                </a:spcAft>
+                <a:buClr>
+                  <a:srgbClr val="000000"/>
+                </a:buClr>
+                <a:buSzPct val="45000"/>
+                <a:buFont typeface="Wingdings" pitchFamily="2" charset="2"/>
+                <a:defRPr>
+                  <a:solidFill>
+                    <a:schemeClr val="tx1"/>
+                  </a:solidFill>
+                  <a:latin typeface="DejaVu Sans" pitchFamily="34" charset="0"/>
+                </a:defRPr>
+              </a:lvl6pPr>
+              <a:lvl7pPr marL="2971800" indent="-228600" eaLnBrk="0" fontAlgn="base" hangingPunct="0">
+                <a:lnSpc>
+                  <a:spcPct val="98000"/>
+                </a:lnSpc>
+                <a:spcBef>
+                  <a:spcPct val="0"/>
+                </a:spcBef>
+                <a:spcAft>
+                  <a:spcPct val="0"/>
+                </a:spcAft>
+                <a:buClr>
+                  <a:srgbClr val="000000"/>
+                </a:buClr>
+                <a:buSzPct val="45000"/>
+                <a:buFont typeface="Wingdings" pitchFamily="2" charset="2"/>
+                <a:defRPr>
+                  <a:solidFill>
+                    <a:schemeClr val="tx1"/>
+                  </a:solidFill>
+                  <a:latin typeface="DejaVu Sans" pitchFamily="34" charset="0"/>
+                </a:defRPr>
+              </a:lvl7pPr>
+              <a:lvl8pPr marL="3429000" indent="-228600" eaLnBrk="0" fontAlgn="base" hangingPunct="0">
+                <a:lnSpc>
+                  <a:spcPct val="98000"/>
+                </a:lnSpc>
+                <a:spcBef>
+                  <a:spcPct val="0"/>
+                </a:spcBef>
+                <a:spcAft>
+                  <a:spcPct val="0"/>
+                </a:spcAft>
+                <a:buClr>
+                  <a:srgbClr val="000000"/>
+                </a:buClr>
+                <a:buSzPct val="45000"/>
+                <a:buFont typeface="Wingdings" pitchFamily="2" charset="2"/>
+                <a:defRPr>
+                  <a:solidFill>
+                    <a:schemeClr val="tx1"/>
+                  </a:solidFill>
+                  <a:latin typeface="DejaVu Sans" pitchFamily="34" charset="0"/>
+                </a:defRPr>
+              </a:lvl8pPr>
+              <a:lvl9pPr marL="3886200" indent="-228600" eaLnBrk="0" fontAlgn="base" hangingPunct="0">
+                <a:lnSpc>
+                  <a:spcPct val="98000"/>
+                </a:lnSpc>
+                <a:spcBef>
+                  <a:spcPct val="0"/>
+                </a:spcBef>
+                <a:spcAft>
+                  <a:spcPct val="0"/>
+                </a:spcAft>
+                <a:buClr>
+                  <a:srgbClr val="000000"/>
+                </a:buClr>
+                <a:buSzPct val="45000"/>
+                <a:buFont typeface="Wingdings" pitchFamily="2" charset="2"/>
+                <a:defRPr>
+                  <a:solidFill>
+                    <a:schemeClr val="tx1"/>
+                  </a:solidFill>
+                  <a:latin typeface="DejaVu Sans" pitchFamily="34" charset="0"/>
+                </a:defRPr>
+              </a:lvl9pPr>
+            </a:lstStyle>
+            <a:p>
+              <a:pPr marL="0" marR="0" lvl="0" indent="0" algn="ctr" defTabSz="914400" eaLnBrk="1" fontAlgn="base" latinLnBrk="0" hangingPunct="1">
+                <a:lnSpc>
+                  <a:spcPct val="100000"/>
+                </a:lnSpc>
+                <a:spcBef>
+                  <a:spcPct val="0"/>
+                </a:spcBef>
+                <a:spcAft>
+                  <a:spcPct val="0"/>
+                </a:spcAft>
+                <a:buClrTx/>
+                <a:buSzTx/>
+                <a:buFontTx/>
+                <a:buNone/>
+                <a:tabLst/>
+                <a:defRPr/>
+              </a:pPr>
+              <a:r>
+                <a:rPr kumimoji="0" lang="es-ES" altLang="es-ES" sz="2000" b="1" i="0" u="none" strike="noStrike" kern="0" cap="none" spc="0" normalizeH="0" baseline="0" noProof="0" dirty="0" smtClean="0">
+                  <a:ln>
+                    <a:noFill/>
+                  </a:ln>
+                  <a:solidFill>
+                    <a:srgbClr val="000000"/>
+                  </a:solidFill>
+                  <a:effectLst/>
+                  <a:uLnTx/>
+                  <a:uFillTx/>
+                  <a:latin typeface="Arial" pitchFamily="34" charset="0"/>
+                  <a:ea typeface="+mn-ea"/>
+                  <a:cs typeface="+mn-cs"/>
+                </a:rPr>
+                <a:t>Modelo</a:t>
+              </a:r>
+              <a:r>
+                <a:rPr kumimoji="0" lang="en-US" altLang="es-ES" sz="2000" b="1" i="0" u="none" strike="noStrike" kern="0" cap="none" spc="0" normalizeH="0" baseline="0" noProof="0" dirty="0" smtClean="0">
+                  <a:ln>
+                    <a:noFill/>
+                  </a:ln>
+                  <a:solidFill>
+                    <a:srgbClr val="000000"/>
+                  </a:solidFill>
+                  <a:effectLst/>
+                  <a:uLnTx/>
+                  <a:uFillTx/>
+                  <a:latin typeface="Arial" pitchFamily="34" charset="0"/>
+                  <a:ea typeface="+mn-ea"/>
+                  <a:cs typeface="+mn-cs"/>
+                </a:rPr>
+                <a:t> de </a:t>
+              </a:r>
+              <a:r>
+                <a:rPr kumimoji="0" lang="es-ES" altLang="es-ES" sz="2000" b="1" i="0" u="none" strike="noStrike" kern="0" cap="none" spc="0" normalizeH="0" baseline="0" noProof="0" dirty="0" smtClean="0">
+                  <a:ln>
+                    <a:noFill/>
+                  </a:ln>
+                  <a:solidFill>
+                    <a:srgbClr val="000000"/>
+                  </a:solidFill>
+                  <a:effectLst/>
+                  <a:uLnTx/>
+                  <a:uFillTx/>
+                  <a:latin typeface="Arial" pitchFamily="34" charset="0"/>
+                  <a:ea typeface="+mn-ea"/>
+                  <a:cs typeface="+mn-cs"/>
+                </a:rPr>
+                <a:t>adaptación</a:t>
+              </a:r>
+            </a:p>
+          </p:txBody>
+        </p:sp>
+        <p:cxnSp>
+          <p:nvCxnSpPr>
+            <p:cNvPr id="33" name="13 Conector angular"/>
+            <p:cNvCxnSpPr/>
+            <p:nvPr/>
+          </p:nvCxnSpPr>
+          <p:spPr bwMode="auto">
+            <a:xfrm flipV="1">
+              <a:off x="3883025" y="3529013"/>
+              <a:ext cx="1136650" cy="703262"/>
+            </a:xfrm>
+            <a:prstGeom prst="straightConnector1">
+              <a:avLst/>
+            </a:prstGeom>
+            <a:noFill/>
+            <a:ln w="38100" cap="flat" cmpd="sng" algn="ctr">
+              <a:solidFill>
+                <a:srgbClr val="C00000"/>
+              </a:solidFill>
+              <a:prstDash val="solid"/>
+              <a:headEnd type="none" w="med" len="med"/>
+              <a:tailEnd type="arrow"/>
+            </a:ln>
+            <a:effectLst>
+              <a:outerShdw blurRad="40000" dist="23000" dir="5400000" rotWithShape="0">
+                <a:srgbClr val="000000">
+                  <a:alpha val="35000"/>
+                </a:srgbClr>
+              </a:outerShdw>
+            </a:effectLst>
+          </p:spPr>
+        </p:cxnSp>
+        <p:cxnSp>
+          <p:nvCxnSpPr>
+            <p:cNvPr id="34" name="13 Conector angular"/>
+            <p:cNvCxnSpPr>
+              <a:endCxn id="32" idx="3"/>
+            </p:cNvCxnSpPr>
+            <p:nvPr/>
+          </p:nvCxnSpPr>
+          <p:spPr bwMode="auto">
+            <a:xfrm rot="10800000" flipV="1">
+              <a:off x="3883025" y="3529013"/>
+              <a:ext cx="1787525" cy="1171575"/>
+            </a:xfrm>
+            <a:prstGeom prst="straightConnector1">
+              <a:avLst/>
+            </a:prstGeom>
+            <a:noFill/>
+            <a:ln w="38100" cap="flat" cmpd="sng" algn="ctr">
+              <a:solidFill>
+                <a:srgbClr val="333399"/>
+              </a:solidFill>
+              <a:prstDash val="solid"/>
+              <a:headEnd type="none" w="med" len="med"/>
+              <a:tailEnd type="arrow"/>
+            </a:ln>
+            <a:effectLst>
+              <a:outerShdw blurRad="40000" dist="23000" dir="5400000" rotWithShape="0">
+                <a:srgbClr val="000000">
+                  <a:alpha val="35000"/>
+                </a:srgbClr>
+              </a:outerShdw>
+            </a:effectLst>
+          </p:spPr>
+        </p:cxnSp>
+        <p:sp>
+          <p:nvSpPr>
+            <p:cNvPr id="35" name="AutoShape 22"/>
+            <p:cNvSpPr>
+              <a:spLocks noChangeArrowheads="1"/>
+            </p:cNvSpPr>
+            <p:nvPr/>
+          </p:nvSpPr>
+          <p:spPr bwMode="auto">
+            <a:xfrm>
+              <a:off x="2484438" y="957263"/>
+              <a:ext cx="1223962" cy="1152525"/>
+            </a:xfrm>
+            <a:prstGeom prst="smileyFace">
+              <a:avLst>
+                <a:gd name="adj" fmla="val 4653"/>
+              </a:avLst>
+            </a:prstGeom>
+            <a:solidFill>
+              <a:srgbClr val="BBE0E3"/>
+            </a:solidFill>
+            <a:ln w="9525">
+              <a:solidFill>
+                <a:srgbClr val="000000"/>
+              </a:solidFill>
+              <a:round/>
+              <a:headEnd/>
+              <a:tailEnd/>
+            </a:ln>
+            <a:effectLst/>
+            <a:extLst>
+              <a:ext uri="{AF507438-7753-43E0-B8FC-AC1667EBCBE1}">
+                <a14:hiddenEffects xmlns:a14="http://schemas.microsoft.com/office/drawing/2010/main">
+                  <a:effectLst>
+                    <a:outerShdw dist="35921" dir="2700000" algn="ctr" rotWithShape="0">
+                      <a:schemeClr val="bg2"/>
+                    </a:outerShdw>
+                  </a:effectLst>
+                </a14:hiddenEffects>
+              </a:ext>
+            </a:extLst>
+          </p:spPr>
+          <p:txBody>
+            <a:bodyPr wrap="none" anchor="ctr"/>
+            <a:lstStyle/>
+            <a:p>
+              <a:pPr marL="0" marR="0" lvl="0" indent="0" defTabSz="414338" eaLnBrk="1" fontAlgn="base" latinLnBrk="0" hangingPunct="1">
+                <a:lnSpc>
+                  <a:spcPct val="100000"/>
+                </a:lnSpc>
+                <a:spcBef>
+                  <a:spcPct val="0"/>
+                </a:spcBef>
+                <a:spcAft>
+                  <a:spcPct val="0"/>
+                </a:spcAft>
+                <a:buClrTx/>
+                <a:buSzTx/>
+                <a:buFontTx/>
+                <a:buNone/>
+                <a:tabLst/>
+                <a:defRPr/>
+              </a:pPr>
+              <a:endParaRPr kumimoji="0" lang="es-ES" altLang="es-ES" sz="1800" b="0" i="0" u="none" strike="noStrike" kern="0" cap="none" spc="0" normalizeH="0" baseline="0" noProof="0" smtClean="0">
+                <a:ln>
+                  <a:noFill/>
+                </a:ln>
+                <a:solidFill>
+                  <a:srgbClr val="000000"/>
+                </a:solidFill>
+                <a:effectLst/>
+                <a:uLnTx/>
+                <a:uFillTx/>
+                <a:latin typeface="DejaVu Sans" pitchFamily="34" charset="0"/>
+                <a:cs typeface="Arial" charset="0"/>
+              </a:endParaRPr>
+            </a:p>
+          </p:txBody>
+        </p:sp>
+      </p:grpSp>
     </p:spTree>
     <p:extLst>
       <p:ext uri="{BB962C8B-B14F-4D97-AF65-F5344CB8AC3E}">
-        <p14:creationId xmlns:p14="http://schemas.microsoft.com/office/powerpoint/2010/main" val="705898338"/>
+        <p14:creationId xmlns:p14="http://schemas.microsoft.com/office/powerpoint/2010/main" val="3707199295"/>
       </p:ext>
     </p:extLst>
   </p:cSld>
   <p:clrMapOvr>
     <a:masterClrMapping/>
   </p:clrMapOvr>
+  <p:timing>
+    <p:tnLst>
+      <p:par>
+        <p:cTn id="1" dur="indefinite" restart="never" nodeType="tmRoot"/>
+      </p:par>
+    </p:tnLst>
+  </p:timing>
 </p:sld>
 </file>
 
@@ -4717,7 +6570,7 @@
             <a:pPr algn="l"/>
             <a:r>
               <a:rPr lang="es-ES" dirty="0" smtClean="0"/>
-              <a:t>Diseño – Modelo de adaptación </a:t>
+              <a:t>Diseño – Modelo de los usuarios</a:t>
             </a:r>
             <a:endParaRPr lang="es-ES" dirty="0"/>
           </a:p>
@@ -4725,55 +6578,175 @@
       </p:sp>
       <p:sp>
         <p:nvSpPr>
-          <p:cNvPr id="3" name="2 Marcador de contenido"/>
+          <p:cNvPr id="3" name="2 Marcador de texto"/>
           <p:cNvSpPr>
             <a:spLocks noGrp="1"/>
           </p:cNvSpPr>
           <p:nvPr>
-            <p:ph idx="1"/>
+            <p:ph type="body" idx="1"/>
           </p:nvPr>
         </p:nvSpPr>
-        <p:spPr/>
+        <p:spPr>
+          <a:xfrm>
+            <a:off x="456183" y="1484784"/>
+            <a:ext cx="4040188" cy="639762"/>
+          </a:xfrm>
+        </p:spPr>
         <p:txBody>
           <a:bodyPr/>
           <a:lstStyle/>
           <a:p>
             <a:r>
-              <a:rPr lang="es-ES" b="1" dirty="0" smtClean="0"/>
-              <a:t>¿Cómo elegir la primera pregunta?</a:t>
-            </a:r>
-          </a:p>
-          <a:p>
-            <a:endParaRPr lang="es-ES" b="1" dirty="0" smtClean="0"/>
-          </a:p>
-          <a:p>
-            <a:r>
-              <a:rPr lang="es-ES" b="1" dirty="0" smtClean="0"/>
-              <a:t>¿Cómo elegir la siguiente pregunta, teniendo en cuenta las respuestas anteriores?</a:t>
-            </a:r>
-          </a:p>
-          <a:p>
-            <a:endParaRPr lang="es-ES" b="1" dirty="0" smtClean="0"/>
-          </a:p>
-          <a:p>
-            <a:r>
-              <a:rPr lang="es-ES" b="1" dirty="0" smtClean="0"/>
-              <a:t>¿Cuándo parar el cuestionario?</a:t>
-            </a:r>
-            <a:endParaRPr lang="es-ES" b="1" dirty="0"/>
+              <a:rPr lang="es-ES" dirty="0" smtClean="0"/>
+              <a:t>Profesor</a:t>
+            </a:r>
+            <a:endParaRPr lang="es-ES" dirty="0"/>
+          </a:p>
+        </p:txBody>
+      </p:sp>
+      <p:sp>
+        <p:nvSpPr>
+          <p:cNvPr id="4" name="3 Marcador de contenido"/>
+          <p:cNvSpPr>
+            <a:spLocks noGrp="1"/>
+          </p:cNvSpPr>
+          <p:nvPr>
+            <p:ph sz="half" idx="2"/>
+          </p:nvPr>
+        </p:nvSpPr>
+        <p:spPr>
+          <a:xfrm>
+            <a:off x="456183" y="2124546"/>
+            <a:ext cx="4040188" cy="4040758"/>
+          </a:xfrm>
+        </p:spPr>
+        <p:txBody>
+          <a:bodyPr/>
+          <a:lstStyle/>
+          <a:p>
+            <a:r>
+              <a:rPr lang="es-ES" dirty="0" smtClean="0"/>
+              <a:t>Creación y gestión de contenido</a:t>
+            </a:r>
+          </a:p>
+          <a:p>
+            <a:r>
+              <a:rPr lang="es-ES" dirty="0" smtClean="0"/>
+              <a:t>Análisis de resultados</a:t>
+            </a:r>
+          </a:p>
+          <a:p>
+            <a:r>
+              <a:rPr lang="es-ES" dirty="0" smtClean="0"/>
+              <a:t>Recuperación de exámenes</a:t>
+            </a:r>
+            <a:endParaRPr lang="es-ES" dirty="0"/>
+          </a:p>
+          <a:p>
+            <a:r>
+              <a:rPr lang="es-ES" dirty="0" smtClean="0"/>
+              <a:t>Autoría</a:t>
+            </a:r>
+          </a:p>
+          <a:p>
+            <a:endParaRPr lang="es-ES" dirty="0"/>
+          </a:p>
+          <a:p>
+            <a:endParaRPr lang="es-ES" dirty="0"/>
+          </a:p>
+        </p:txBody>
+      </p:sp>
+      <p:sp>
+        <p:nvSpPr>
+          <p:cNvPr id="5" name="4 Marcador de texto"/>
+          <p:cNvSpPr>
+            <a:spLocks noGrp="1"/>
+          </p:cNvSpPr>
+          <p:nvPr>
+            <p:ph type="body" sz="quarter" idx="3"/>
+          </p:nvPr>
+        </p:nvSpPr>
+        <p:spPr>
+          <a:xfrm>
+            <a:off x="4644008" y="1484784"/>
+            <a:ext cx="4041775" cy="639762"/>
+          </a:xfrm>
+        </p:spPr>
+        <p:txBody>
+          <a:bodyPr/>
+          <a:lstStyle/>
+          <a:p>
+            <a:r>
+              <a:rPr lang="es-ES" dirty="0" smtClean="0"/>
+              <a:t>Alumno</a:t>
+            </a:r>
+            <a:endParaRPr lang="es-ES" dirty="0"/>
+          </a:p>
+        </p:txBody>
+      </p:sp>
+      <p:sp>
+        <p:nvSpPr>
+          <p:cNvPr id="6" name="5 Marcador de contenido"/>
+          <p:cNvSpPr>
+            <a:spLocks noGrp="1"/>
+          </p:cNvSpPr>
+          <p:nvPr>
+            <p:ph sz="quarter" idx="4"/>
+          </p:nvPr>
+        </p:nvSpPr>
+        <p:spPr>
+          <a:xfrm>
+            <a:off x="4644008" y="2124546"/>
+            <a:ext cx="4041775" cy="4040758"/>
+          </a:xfrm>
+        </p:spPr>
+        <p:txBody>
+          <a:bodyPr/>
+          <a:lstStyle/>
+          <a:p>
+            <a:r>
+              <a:rPr lang="es-ES" dirty="0" smtClean="0"/>
+              <a:t>Realización de los exámenes</a:t>
+            </a:r>
+          </a:p>
+          <a:p>
+            <a:r>
+              <a:rPr lang="es-ES" dirty="0" smtClean="0"/>
+              <a:t>Retroalimentación</a:t>
+            </a:r>
+          </a:p>
+          <a:p>
+            <a:r>
+              <a:rPr lang="es-ES" dirty="0" smtClean="0"/>
+              <a:t>Resultados</a:t>
+            </a:r>
+          </a:p>
+          <a:p>
+            <a:r>
+              <a:rPr lang="es-ES" dirty="0" smtClean="0"/>
+              <a:t>Almacenar qué cuestionario responde, cuándo y cómo</a:t>
+            </a:r>
+            <a:endParaRPr lang="es-ES" dirty="0"/>
           </a:p>
         </p:txBody>
       </p:sp>
     </p:spTree>
     <p:extLst>
       <p:ext uri="{BB962C8B-B14F-4D97-AF65-F5344CB8AC3E}">
-        <p14:creationId xmlns:p14="http://schemas.microsoft.com/office/powerpoint/2010/main" val="2012737019"/>
+        <p14:creationId xmlns:p14="http://schemas.microsoft.com/office/powerpoint/2010/main" val="330037513"/>
       </p:ext>
     </p:extLst>
   </p:cSld>
   <p:clrMapOvr>
     <a:masterClrMapping/>
   </p:clrMapOvr>
+  <p:timing>
+    <p:tnLst>
+      <p:par>
+        <p:cTn id="1" dur="indefinite" restart="never" nodeType="tmRoot"/>
+      </p:par>
+    </p:tnLst>
+  </p:timing>
 </p:sld>
 </file>
 
@@ -4812,7 +6785,7 @@
             <a:pPr algn="l"/>
             <a:r>
               <a:rPr lang="es-ES" dirty="0" smtClean="0"/>
-              <a:t>Diseño – Modelo de adaptación </a:t>
+              <a:t>Diseño – Modelo del dominio</a:t>
             </a:r>
             <a:endParaRPr lang="es-ES" dirty="0"/>
           </a:p>
@@ -4825,7 +6798,7 @@
             <a:spLocks noGrp="1"/>
           </p:cNvSpPr>
           <p:nvPr>
-            <p:ph idx="1"/>
+            <p:ph sz="half" idx="1"/>
           </p:nvPr>
         </p:nvSpPr>
         <p:spPr/>
@@ -4834,73 +6807,122 @@
           <a:lstStyle/>
           <a:p>
             <a:r>
-              <a:rPr lang="es-ES" b="1" dirty="0" smtClean="0"/>
-              <a:t>¿Cómo elegir la primera pregunta?</a:t>
+              <a:rPr lang="es-ES" dirty="0" smtClean="0"/>
+              <a:t>Materia</a:t>
             </a:r>
           </a:p>
           <a:p>
             <a:pPr lvl="1"/>
             <a:r>
               <a:rPr lang="es-ES" dirty="0" smtClean="0"/>
-              <a:t>Aleatoriamente entre todas las del primer nivel</a:t>
-            </a:r>
-          </a:p>
-          <a:p>
-            <a:r>
-              <a:rPr lang="es-ES" b="1" dirty="0" smtClean="0">
-                <a:solidFill>
-                  <a:schemeClr val="tx1">
-                    <a:lumMod val="50000"/>
-                    <a:lumOff val="50000"/>
-                  </a:schemeClr>
-                </a:solidFill>
-              </a:rPr>
-              <a:t>¿Cómo elegir la siguiente pregunta, teniendo en cuenta las respuestas anteriores?</a:t>
-            </a:r>
-          </a:p>
-          <a:p>
-            <a:endParaRPr lang="es-ES" i="1" dirty="0" smtClean="0">
-              <a:solidFill>
-                <a:schemeClr val="tx1">
-                  <a:lumMod val="50000"/>
-                  <a:lumOff val="50000"/>
-                </a:schemeClr>
-              </a:solidFill>
-            </a:endParaRPr>
-          </a:p>
-          <a:p>
-            <a:r>
-              <a:rPr lang="es-ES" b="1" dirty="0" smtClean="0">
-                <a:solidFill>
-                  <a:schemeClr val="tx1">
-                    <a:lumMod val="50000"/>
-                    <a:lumOff val="50000"/>
-                  </a:schemeClr>
-                </a:solidFill>
-              </a:rPr>
-              <a:t>¿Cuándo parar el cuestionario?</a:t>
-            </a:r>
-            <a:endParaRPr lang="es-ES" b="1" dirty="0">
-              <a:solidFill>
-                <a:schemeClr val="tx1">
-                  <a:lumMod val="50000"/>
-                  <a:lumOff val="50000"/>
-                </a:schemeClr>
-              </a:solidFill>
-            </a:endParaRPr>
+              <a:t>Nombre</a:t>
+            </a:r>
+          </a:p>
+          <a:p>
+            <a:r>
+              <a:rPr lang="es-ES" dirty="0" smtClean="0"/>
+              <a:t>Pregunta</a:t>
+            </a:r>
+          </a:p>
+          <a:p>
+            <a:pPr lvl="1"/>
+            <a:r>
+              <a:rPr lang="es-ES" dirty="0" smtClean="0"/>
+              <a:t>Nivel de relevancia</a:t>
+            </a:r>
+          </a:p>
+          <a:p>
+            <a:pPr lvl="1"/>
+            <a:r>
+              <a:rPr lang="es-ES" dirty="0" smtClean="0"/>
+              <a:t>Enunciado</a:t>
+            </a:r>
+          </a:p>
+          <a:p>
+            <a:pPr lvl="1"/>
+            <a:r>
+              <a:rPr lang="es-ES" i="1" dirty="0" smtClean="0"/>
+              <a:t>Multimedia (imagen o audio)</a:t>
+            </a:r>
+          </a:p>
+          <a:p>
+            <a:pPr lvl="1"/>
+            <a:r>
+              <a:rPr lang="es-ES" i="1" dirty="0" smtClean="0"/>
+              <a:t>Retroalimentación</a:t>
+            </a:r>
+          </a:p>
+        </p:txBody>
+      </p:sp>
+      <p:sp>
+        <p:nvSpPr>
+          <p:cNvPr id="4" name="3 Marcador de contenido"/>
+          <p:cNvSpPr>
+            <a:spLocks noGrp="1"/>
+          </p:cNvSpPr>
+          <p:nvPr>
+            <p:ph sz="half" idx="2"/>
+          </p:nvPr>
+        </p:nvSpPr>
+        <p:spPr/>
+        <p:txBody>
+          <a:bodyPr/>
+          <a:lstStyle/>
+          <a:p>
+            <a:r>
+              <a:rPr lang="es-ES" dirty="0" smtClean="0"/>
+              <a:t>Respuestas</a:t>
+            </a:r>
+          </a:p>
+          <a:p>
+            <a:pPr lvl="1"/>
+            <a:r>
+              <a:rPr lang="es-ES" dirty="0" smtClean="0"/>
+              <a:t>Texto</a:t>
+            </a:r>
+          </a:p>
+          <a:p>
+            <a:pPr lvl="1"/>
+            <a:r>
+              <a:rPr lang="es-ES" dirty="0" smtClean="0"/>
+              <a:t>Booleano si es correcta</a:t>
+            </a:r>
+          </a:p>
+          <a:p>
+            <a:pPr lvl="1"/>
+            <a:r>
+              <a:rPr lang="es-ES" i="1" dirty="0" smtClean="0"/>
+              <a:t>Multimedia</a:t>
+            </a:r>
+          </a:p>
+          <a:p>
+            <a:r>
+              <a:rPr lang="es-ES" dirty="0" smtClean="0"/>
+              <a:t>Cuestionarios</a:t>
+            </a:r>
+          </a:p>
+          <a:p>
+            <a:endParaRPr lang="es-ES" dirty="0"/>
           </a:p>
         </p:txBody>
       </p:sp>
     </p:spTree>
     <p:extLst>
       <p:ext uri="{BB962C8B-B14F-4D97-AF65-F5344CB8AC3E}">
-        <p14:creationId xmlns:p14="http://schemas.microsoft.com/office/powerpoint/2010/main" val="1952081838"/>
+        <p14:creationId xmlns:p14="http://schemas.microsoft.com/office/powerpoint/2010/main" val="705898338"/>
       </p:ext>
     </p:extLst>
   </p:cSld>
   <p:clrMapOvr>
     <a:masterClrMapping/>
   </p:clrMapOvr>
+  <p:timing>
+    <p:tnLst>
+      <p:par>
+        <p:cTn id="1" dur="indefinite" restart="never" nodeType="tmRoot"/>
+      </p:par>
+    </p:tnLst>
+  </p:timing>
 </p:sld>
 </file>
 
@@ -4961,11 +6983,349 @@
           <a:lstStyle/>
           <a:p>
             <a:r>
+              <a:rPr lang="es-ES" b="1" dirty="0" smtClean="0"/>
+              <a:t>¿Cómo elegir la primera pregunta?</a:t>
+            </a:r>
+          </a:p>
+          <a:p>
+            <a:endParaRPr lang="es-ES" b="1" dirty="0" smtClean="0"/>
+          </a:p>
+          <a:p>
+            <a:r>
+              <a:rPr lang="es-ES" b="1" dirty="0" smtClean="0"/>
+              <a:t>¿Cómo elegir la siguiente pregunta, teniendo en cuenta las respuestas anteriores?</a:t>
+            </a:r>
+          </a:p>
+          <a:p>
+            <a:endParaRPr lang="es-ES" b="1" dirty="0" smtClean="0"/>
+          </a:p>
+          <a:p>
+            <a:r>
+              <a:rPr lang="es-ES" b="1" dirty="0" smtClean="0"/>
+              <a:t>¿Cuándo parar el cuestionario?</a:t>
+            </a:r>
+            <a:endParaRPr lang="es-ES" b="1" dirty="0"/>
+          </a:p>
+        </p:txBody>
+      </p:sp>
+    </p:spTree>
+    <p:extLst>
+      <p:ext uri="{BB962C8B-B14F-4D97-AF65-F5344CB8AC3E}">
+        <p14:creationId xmlns:p14="http://schemas.microsoft.com/office/powerpoint/2010/main" val="2012737019"/>
+      </p:ext>
+    </p:extLst>
+  </p:cSld>
+  <p:clrMapOvr>
+    <a:masterClrMapping/>
+  </p:clrMapOvr>
+  <p:timing>
+    <p:tnLst>
+      <p:par>
+        <p:cTn id="1" dur="indefinite" restart="never" nodeType="tmRoot"/>
+      </p:par>
+    </p:tnLst>
+  </p:timing>
+</p:sld>
+</file>
+
+<file path=ppt/slides/slide19.xml><?xml version="1.0" encoding="utf-8"?>
+<p:sld xmlns:a="http://schemas.openxmlformats.org/drawingml/2006/main" xmlns:r="http://schemas.openxmlformats.org/officeDocument/2006/relationships" xmlns:p="http://schemas.openxmlformats.org/presentationml/2006/main">
+  <p:cSld>
+    <p:spTree>
+      <p:nvGrpSpPr>
+        <p:cNvPr id="1" name=""/>
+        <p:cNvGrpSpPr/>
+        <p:nvPr/>
+      </p:nvGrpSpPr>
+      <p:grpSpPr>
+        <a:xfrm>
+          <a:off x="0" y="0"/>
+          <a:ext cx="0" cy="0"/>
+          <a:chOff x="0" y="0"/>
+          <a:chExt cx="0" cy="0"/>
+        </a:xfrm>
+      </p:grpSpPr>
+      <p:sp>
+        <p:nvSpPr>
+          <p:cNvPr id="2" name="1 Título"/>
+          <p:cNvSpPr>
+            <a:spLocks noGrp="1"/>
+          </p:cNvSpPr>
+          <p:nvPr>
+            <p:ph type="title"/>
+          </p:nvPr>
+        </p:nvSpPr>
+        <p:spPr/>
+        <p:txBody>
+          <a:bodyPr/>
+          <a:lstStyle/>
+          <a:p>
+            <a:pPr algn="l"/>
+            <a:r>
+              <a:rPr lang="es-ES" dirty="0" smtClean="0"/>
+              <a:t>Diseño – Modelo de adaptación </a:t>
+            </a:r>
+            <a:endParaRPr lang="es-ES" dirty="0"/>
+          </a:p>
+        </p:txBody>
+      </p:sp>
+      <p:sp>
+        <p:nvSpPr>
+          <p:cNvPr id="3" name="2 Marcador de contenido"/>
+          <p:cNvSpPr>
+            <a:spLocks noGrp="1"/>
+          </p:cNvSpPr>
+          <p:nvPr>
+            <p:ph idx="1"/>
+          </p:nvPr>
+        </p:nvSpPr>
+        <p:spPr/>
+        <p:txBody>
+          <a:bodyPr/>
+          <a:lstStyle/>
+          <a:p>
+            <a:r>
+              <a:rPr lang="es-ES" b="1" dirty="0" smtClean="0"/>
+              <a:t>¿Cómo elegir la primera pregunta?</a:t>
+            </a:r>
+          </a:p>
+          <a:p>
+            <a:pPr lvl="1"/>
+            <a:r>
+              <a:rPr lang="es-ES" dirty="0" smtClean="0"/>
+              <a:t>Aleatoriamente entre todas las del primer nivel</a:t>
+            </a:r>
+          </a:p>
+          <a:p>
+            <a:r>
               <a:rPr lang="es-ES" b="1" dirty="0" smtClean="0">
                 <a:solidFill>
                   <a:schemeClr val="tx1">
                     <a:lumMod val="50000"/>
-                    <a:lumOff val="50000"/>
+                  </a:schemeClr>
+                </a:solidFill>
+              </a:rPr>
+              <a:t>¿Cómo elegir la siguiente pregunta, teniendo en cuenta las respuestas anteriores?</a:t>
+            </a:r>
+          </a:p>
+          <a:p>
+            <a:endParaRPr lang="es-ES" i="1" dirty="0" smtClean="0">
+              <a:solidFill>
+                <a:schemeClr val="tx1">
+                  <a:lumMod val="50000"/>
+                </a:schemeClr>
+              </a:solidFill>
+            </a:endParaRPr>
+          </a:p>
+          <a:p>
+            <a:r>
+              <a:rPr lang="es-ES" b="1" dirty="0" smtClean="0">
+                <a:solidFill>
+                  <a:schemeClr val="tx1">
+                    <a:lumMod val="50000"/>
+                  </a:schemeClr>
+                </a:solidFill>
+              </a:rPr>
+              <a:t>¿Cuándo parar el cuestionario?</a:t>
+            </a:r>
+            <a:endParaRPr lang="es-ES" b="1" dirty="0">
+              <a:solidFill>
+                <a:schemeClr val="tx1">
+                  <a:lumMod val="50000"/>
+                </a:schemeClr>
+              </a:solidFill>
+            </a:endParaRPr>
+          </a:p>
+        </p:txBody>
+      </p:sp>
+    </p:spTree>
+    <p:extLst>
+      <p:ext uri="{BB962C8B-B14F-4D97-AF65-F5344CB8AC3E}">
+        <p14:creationId xmlns:p14="http://schemas.microsoft.com/office/powerpoint/2010/main" val="1952081838"/>
+      </p:ext>
+    </p:extLst>
+  </p:cSld>
+  <p:clrMapOvr>
+    <a:masterClrMapping/>
+  </p:clrMapOvr>
+  <p:timing>
+    <p:tnLst>
+      <p:par>
+        <p:cTn id="1" dur="indefinite" restart="never" nodeType="tmRoot"/>
+      </p:par>
+    </p:tnLst>
+  </p:timing>
+</p:sld>
+</file>
+
+<file path=ppt/slides/slide2.xml><?xml version="1.0" encoding="utf-8"?>
+<p:sld xmlns:a="http://schemas.openxmlformats.org/drawingml/2006/main" xmlns:r="http://schemas.openxmlformats.org/officeDocument/2006/relationships" xmlns:p="http://schemas.openxmlformats.org/presentationml/2006/main">
+  <p:cSld>
+    <p:spTree>
+      <p:nvGrpSpPr>
+        <p:cNvPr id="1" name=""/>
+        <p:cNvGrpSpPr/>
+        <p:nvPr/>
+      </p:nvGrpSpPr>
+      <p:grpSpPr>
+        <a:xfrm>
+          <a:off x="0" y="0"/>
+          <a:ext cx="0" cy="0"/>
+          <a:chOff x="0" y="0"/>
+          <a:chExt cx="0" cy="0"/>
+        </a:xfrm>
+      </p:grpSpPr>
+      <p:sp>
+        <p:nvSpPr>
+          <p:cNvPr id="2" name="1 Título"/>
+          <p:cNvSpPr>
+            <a:spLocks noGrp="1"/>
+          </p:cNvSpPr>
+          <p:nvPr>
+            <p:ph type="title"/>
+          </p:nvPr>
+        </p:nvSpPr>
+        <p:spPr/>
+        <p:txBody>
+          <a:bodyPr/>
+          <a:lstStyle/>
+          <a:p>
+            <a:pPr algn="l"/>
+            <a:r>
+              <a:rPr lang="es-ES" dirty="0" smtClean="0"/>
+              <a:t>Índice</a:t>
+            </a:r>
+            <a:endParaRPr lang="es-ES" dirty="0"/>
+          </a:p>
+        </p:txBody>
+      </p:sp>
+      <p:sp>
+        <p:nvSpPr>
+          <p:cNvPr id="3" name="2 Marcador de contenido"/>
+          <p:cNvSpPr>
+            <a:spLocks noGrp="1"/>
+          </p:cNvSpPr>
+          <p:nvPr>
+            <p:ph idx="1"/>
+          </p:nvPr>
+        </p:nvSpPr>
+        <p:spPr/>
+        <p:txBody>
+          <a:bodyPr/>
+          <a:lstStyle/>
+          <a:p>
+            <a:r>
+              <a:rPr lang="es-ES" dirty="0" smtClean="0"/>
+              <a:t>Introducción</a:t>
+            </a:r>
+          </a:p>
+          <a:p>
+            <a:r>
+              <a:rPr lang="es-ES" dirty="0" smtClean="0"/>
+              <a:t>Estado del arte</a:t>
+            </a:r>
+          </a:p>
+          <a:p>
+            <a:r>
+              <a:rPr lang="es-ES" dirty="0" smtClean="0"/>
+              <a:t>Análisis, diseño, desarrollo</a:t>
+            </a:r>
+          </a:p>
+          <a:p>
+            <a:r>
+              <a:rPr lang="es-ES" dirty="0" smtClean="0"/>
+              <a:t>Pruebas</a:t>
+            </a:r>
+          </a:p>
+          <a:p>
+            <a:r>
+              <a:rPr lang="es-ES" dirty="0" smtClean="0"/>
+              <a:t>Conclusiones y trabajo futuro</a:t>
+            </a:r>
+          </a:p>
+        </p:txBody>
+      </p:sp>
+    </p:spTree>
+    <p:extLst>
+      <p:ext uri="{BB962C8B-B14F-4D97-AF65-F5344CB8AC3E}">
+        <p14:creationId xmlns:p14="http://schemas.microsoft.com/office/powerpoint/2010/main" val="1364136384"/>
+      </p:ext>
+    </p:extLst>
+  </p:cSld>
+  <p:clrMapOvr>
+    <a:masterClrMapping/>
+  </p:clrMapOvr>
+  <p:timing>
+    <p:tnLst>
+      <p:par>
+        <p:cTn id="1" dur="indefinite" restart="never" nodeType="tmRoot"/>
+      </p:par>
+    </p:tnLst>
+  </p:timing>
+</p:sld>
+</file>
+
+<file path=ppt/slides/slide20.xml><?xml version="1.0" encoding="utf-8"?>
+<p:sld xmlns:a="http://schemas.openxmlformats.org/drawingml/2006/main" xmlns:r="http://schemas.openxmlformats.org/officeDocument/2006/relationships" xmlns:p="http://schemas.openxmlformats.org/presentationml/2006/main">
+  <p:cSld>
+    <p:spTree>
+      <p:nvGrpSpPr>
+        <p:cNvPr id="1" name=""/>
+        <p:cNvGrpSpPr/>
+        <p:nvPr/>
+      </p:nvGrpSpPr>
+      <p:grpSpPr>
+        <a:xfrm>
+          <a:off x="0" y="0"/>
+          <a:ext cx="0" cy="0"/>
+          <a:chOff x="0" y="0"/>
+          <a:chExt cx="0" cy="0"/>
+        </a:xfrm>
+      </p:grpSpPr>
+      <p:sp>
+        <p:nvSpPr>
+          <p:cNvPr id="2" name="1 Título"/>
+          <p:cNvSpPr>
+            <a:spLocks noGrp="1"/>
+          </p:cNvSpPr>
+          <p:nvPr>
+            <p:ph type="title"/>
+          </p:nvPr>
+        </p:nvSpPr>
+        <p:spPr/>
+        <p:txBody>
+          <a:bodyPr/>
+          <a:lstStyle/>
+          <a:p>
+            <a:pPr algn="l"/>
+            <a:r>
+              <a:rPr lang="es-ES" dirty="0" smtClean="0"/>
+              <a:t>Diseño – Modelo de adaptación </a:t>
+            </a:r>
+            <a:endParaRPr lang="es-ES" dirty="0"/>
+          </a:p>
+        </p:txBody>
+      </p:sp>
+      <p:sp>
+        <p:nvSpPr>
+          <p:cNvPr id="3" name="2 Marcador de contenido"/>
+          <p:cNvSpPr>
+            <a:spLocks noGrp="1"/>
+          </p:cNvSpPr>
+          <p:nvPr>
+            <p:ph idx="1"/>
+          </p:nvPr>
+        </p:nvSpPr>
+        <p:spPr/>
+        <p:txBody>
+          <a:bodyPr/>
+          <a:lstStyle/>
+          <a:p>
+            <a:r>
+              <a:rPr lang="es-ES" b="1" dirty="0" smtClean="0">
+                <a:solidFill>
+                  <a:schemeClr val="tx1">
+                    <a:lumMod val="50000"/>
                   </a:schemeClr>
                 </a:solidFill>
               </a:rPr>
@@ -4979,7 +7339,6 @@
                 <a:solidFill>
                   <a:schemeClr val="tx1">
                     <a:lumMod val="50000"/>
-                    <a:lumOff val="50000"/>
                   </a:schemeClr>
                 </a:solidFill>
               </a:rPr>
@@ -5005,7 +7364,6 @@
                 <a:solidFill>
                   <a:schemeClr val="tx1">
                     <a:lumMod val="50000"/>
-                    <a:lumOff val="50000"/>
                   </a:schemeClr>
                 </a:solidFill>
               </a:rPr>
@@ -5015,7 +7373,6 @@
               <a:solidFill>
                 <a:schemeClr val="tx1">
                   <a:lumMod val="50000"/>
-                  <a:lumOff val="50000"/>
                 </a:schemeClr>
               </a:solidFill>
             </a:endParaRPr>
@@ -5032,10 +7389,17 @@
   <p:clrMapOvr>
     <a:masterClrMapping/>
   </p:clrMapOvr>
+  <p:timing>
+    <p:tnLst>
+      <p:par>
+        <p:cTn id="1" dur="indefinite" restart="never" nodeType="tmRoot"/>
+      </p:par>
+    </p:tnLst>
+  </p:timing>
 </p:sld>
 </file>
 
-<file path=ppt/slides/slide19.xml><?xml version="1.0" encoding="utf-8"?>
+<file path=ppt/slides/slide21.xml><?xml version="1.0" encoding="utf-8"?>
 <p:sld xmlns:a="http://schemas.openxmlformats.org/drawingml/2006/main" xmlns:r="http://schemas.openxmlformats.org/officeDocument/2006/relationships" xmlns:p="http://schemas.openxmlformats.org/presentationml/2006/main">
   <p:cSld>
     <p:spTree>
@@ -5115,400 +7479,13 @@
   <p:clrMapOvr>
     <a:masterClrMapping/>
   </p:clrMapOvr>
-</p:sld>
-</file>
-
-<file path=ppt/slides/slide2.xml><?xml version="1.0" encoding="utf-8"?>
-<p:sld xmlns:a="http://schemas.openxmlformats.org/drawingml/2006/main" xmlns:r="http://schemas.openxmlformats.org/officeDocument/2006/relationships" xmlns:p="http://schemas.openxmlformats.org/presentationml/2006/main">
-  <p:cSld>
-    <p:spTree>
-      <p:nvGrpSpPr>
-        <p:cNvPr id="1" name=""/>
-        <p:cNvGrpSpPr/>
-        <p:nvPr/>
-      </p:nvGrpSpPr>
-      <p:grpSpPr>
-        <a:xfrm>
-          <a:off x="0" y="0"/>
-          <a:ext cx="0" cy="0"/>
-          <a:chOff x="0" y="0"/>
-          <a:chExt cx="0" cy="0"/>
-        </a:xfrm>
-      </p:grpSpPr>
-      <p:sp>
-        <p:nvSpPr>
-          <p:cNvPr id="2" name="1 Título"/>
-          <p:cNvSpPr>
-            <a:spLocks noGrp="1"/>
-          </p:cNvSpPr>
-          <p:nvPr>
-            <p:ph type="title"/>
-          </p:nvPr>
-        </p:nvSpPr>
-        <p:spPr/>
-        <p:txBody>
-          <a:bodyPr/>
-          <a:lstStyle/>
-          <a:p>
-            <a:pPr algn="l"/>
-            <a:r>
-              <a:rPr lang="es-ES" dirty="0" smtClean="0"/>
-              <a:t>Índice</a:t>
-            </a:r>
-            <a:endParaRPr lang="es-ES" dirty="0"/>
-          </a:p>
-        </p:txBody>
-      </p:sp>
-      <p:sp>
-        <p:nvSpPr>
-          <p:cNvPr id="3" name="2 Marcador de contenido"/>
-          <p:cNvSpPr>
-            <a:spLocks noGrp="1"/>
-          </p:cNvSpPr>
-          <p:nvPr>
-            <p:ph idx="1"/>
-          </p:nvPr>
-        </p:nvSpPr>
-        <p:spPr/>
-        <p:txBody>
-          <a:bodyPr/>
-          <a:lstStyle/>
-          <a:p>
-            <a:r>
-              <a:rPr lang="es-ES" dirty="0" smtClean="0"/>
-              <a:t>Introducción</a:t>
-            </a:r>
-          </a:p>
-          <a:p>
-            <a:r>
-              <a:rPr lang="es-ES" dirty="0" smtClean="0"/>
-              <a:t>Estado del arte</a:t>
-            </a:r>
-          </a:p>
-          <a:p>
-            <a:r>
-              <a:rPr lang="es-ES" dirty="0" smtClean="0"/>
-              <a:t>Análisis, diseño, desarrollo</a:t>
-            </a:r>
-          </a:p>
-          <a:p>
-            <a:r>
-              <a:rPr lang="es-ES" dirty="0" smtClean="0"/>
-              <a:t>Pruebas</a:t>
-            </a:r>
-          </a:p>
-          <a:p>
-            <a:r>
-              <a:rPr lang="es-ES" dirty="0" smtClean="0"/>
-              <a:t>Conclusiones y trabajo futuro</a:t>
-            </a:r>
-          </a:p>
-        </p:txBody>
-      </p:sp>
-    </p:spTree>
-    <p:extLst>
-      <p:ext uri="{BB962C8B-B14F-4D97-AF65-F5344CB8AC3E}">
-        <p14:creationId xmlns:p14="http://schemas.microsoft.com/office/powerpoint/2010/main" val="1364136384"/>
-      </p:ext>
-    </p:extLst>
-  </p:cSld>
-  <p:clrMapOvr>
-    <a:masterClrMapping/>
-  </p:clrMapOvr>
-</p:sld>
-</file>
-
-<file path=ppt/slides/slide20.xml><?xml version="1.0" encoding="utf-8"?>
-<p:sld xmlns:a="http://schemas.openxmlformats.org/drawingml/2006/main" xmlns:r="http://schemas.openxmlformats.org/officeDocument/2006/relationships" xmlns:p="http://schemas.openxmlformats.org/presentationml/2006/main">
-  <p:cSld>
-    <p:spTree>
-      <p:nvGrpSpPr>
-        <p:cNvPr id="1" name=""/>
-        <p:cNvGrpSpPr/>
-        <p:nvPr/>
-      </p:nvGrpSpPr>
-      <p:grpSpPr>
-        <a:xfrm>
-          <a:off x="0" y="0"/>
-          <a:ext cx="0" cy="0"/>
-          <a:chOff x="0" y="0"/>
-          <a:chExt cx="0" cy="0"/>
-        </a:xfrm>
-      </p:grpSpPr>
-      <p:sp>
-        <p:nvSpPr>
-          <p:cNvPr id="2" name="1 Título"/>
-          <p:cNvSpPr>
-            <a:spLocks noGrp="1"/>
-          </p:cNvSpPr>
-          <p:nvPr>
-            <p:ph type="title"/>
-          </p:nvPr>
-        </p:nvSpPr>
-        <p:spPr/>
-        <p:txBody>
-          <a:bodyPr/>
-          <a:lstStyle/>
-          <a:p>
-            <a:pPr algn="l"/>
-            <a:r>
-              <a:rPr lang="es-ES" dirty="0" smtClean="0"/>
-              <a:t>Diseño – Modelo de adaptación </a:t>
-            </a:r>
-            <a:endParaRPr lang="es-ES" dirty="0"/>
-          </a:p>
-        </p:txBody>
-      </p:sp>
-      <p:sp>
-        <p:nvSpPr>
-          <p:cNvPr id="3" name="2 Marcador de contenido"/>
-          <p:cNvSpPr>
-            <a:spLocks noGrp="1"/>
-          </p:cNvSpPr>
-          <p:nvPr>
-            <p:ph idx="1"/>
-          </p:nvPr>
-        </p:nvSpPr>
-        <p:spPr/>
-        <p:txBody>
-          <a:bodyPr>
-            <a:normAutofit/>
-          </a:bodyPr>
-          <a:lstStyle/>
-          <a:p>
-            <a:r>
-              <a:rPr lang="es-ES" b="1" dirty="0" smtClean="0">
-                <a:solidFill>
-                  <a:schemeClr val="tx1">
-                    <a:lumMod val="50000"/>
-                    <a:lumOff val="50000"/>
-                  </a:schemeClr>
-                </a:solidFill>
-              </a:rPr>
-              <a:t>¿Cómo elegir la primera pregunta?</a:t>
-            </a:r>
-          </a:p>
-          <a:p>
-            <a:pPr lvl="1"/>
-            <a:r>
-              <a:rPr lang="es-ES" dirty="0" smtClean="0">
-                <a:solidFill>
-                  <a:schemeClr val="tx1">
-                    <a:lumMod val="50000"/>
-                    <a:lumOff val="50000"/>
-                  </a:schemeClr>
-                </a:solidFill>
-              </a:rPr>
-              <a:t>Aleatoriamente entre todas las del primer nivel.</a:t>
-            </a:r>
-          </a:p>
-          <a:p>
-            <a:r>
-              <a:rPr lang="es-ES" b="1" dirty="0" smtClean="0">
-                <a:solidFill>
-                  <a:schemeClr val="tx1">
-                    <a:lumMod val="50000"/>
-                    <a:lumOff val="50000"/>
-                  </a:schemeClr>
-                </a:solidFill>
-              </a:rPr>
-              <a:t>¿Cómo elegir la siguiente pregunta, teniendo en cuenta las respuestas anteriores?</a:t>
-            </a:r>
-          </a:p>
-          <a:p>
-            <a:pPr lvl="1"/>
-            <a:r>
-              <a:rPr lang="es-ES" dirty="0" smtClean="0">
-                <a:solidFill>
-                  <a:schemeClr val="tx1">
-                    <a:lumMod val="50000"/>
-                    <a:lumOff val="50000"/>
-                  </a:schemeClr>
-                </a:solidFill>
-              </a:rPr>
-              <a:t>Algoritmo…</a:t>
-            </a:r>
-            <a:endParaRPr lang="es-ES" i="1" dirty="0" smtClean="0">
-              <a:solidFill>
-                <a:schemeClr val="tx1">
-                  <a:lumMod val="50000"/>
-                  <a:lumOff val="50000"/>
-                </a:schemeClr>
-              </a:solidFill>
-            </a:endParaRPr>
-          </a:p>
-          <a:p>
-            <a:r>
-              <a:rPr lang="es-ES" b="1" dirty="0" smtClean="0"/>
-              <a:t>¿Cuándo parar el cuestionario?</a:t>
-            </a:r>
-          </a:p>
-          <a:p>
-            <a:pPr lvl="1"/>
-            <a:r>
-              <a:rPr lang="es-ES" dirty="0" smtClean="0"/>
-              <a:t>Cuando se agote el tiempo o se responda a un número de preguntas suficiente.</a:t>
-            </a:r>
-            <a:endParaRPr lang="es-ES" dirty="0"/>
-          </a:p>
-        </p:txBody>
-      </p:sp>
-    </p:spTree>
-    <p:extLst>
-      <p:ext uri="{BB962C8B-B14F-4D97-AF65-F5344CB8AC3E}">
-        <p14:creationId xmlns:p14="http://schemas.microsoft.com/office/powerpoint/2010/main" val="2460300346"/>
-      </p:ext>
-    </p:extLst>
-  </p:cSld>
-  <p:clrMapOvr>
-    <a:masterClrMapping/>
-  </p:clrMapOvr>
-</p:sld>
-</file>
-
-<file path=ppt/slides/slide21.xml><?xml version="1.0" encoding="utf-8"?>
-<p:sld xmlns:a="http://schemas.openxmlformats.org/drawingml/2006/main" xmlns:r="http://schemas.openxmlformats.org/officeDocument/2006/relationships" xmlns:p="http://schemas.openxmlformats.org/presentationml/2006/main">
-  <p:cSld>
-    <p:spTree>
-      <p:nvGrpSpPr>
-        <p:cNvPr id="1" name=""/>
-        <p:cNvGrpSpPr/>
-        <p:nvPr/>
-      </p:nvGrpSpPr>
-      <p:grpSpPr>
-        <a:xfrm>
-          <a:off x="0" y="0"/>
-          <a:ext cx="0" cy="0"/>
-          <a:chOff x="0" y="0"/>
-          <a:chExt cx="0" cy="0"/>
-        </a:xfrm>
-      </p:grpSpPr>
-      <p:sp>
-        <p:nvSpPr>
-          <p:cNvPr id="2" name="1 Título"/>
-          <p:cNvSpPr>
-            <a:spLocks noGrp="1"/>
-          </p:cNvSpPr>
-          <p:nvPr>
-            <p:ph type="title"/>
-          </p:nvPr>
-        </p:nvSpPr>
-        <p:spPr/>
-        <p:txBody>
-          <a:bodyPr/>
-          <a:lstStyle/>
-          <a:p>
-            <a:pPr algn="l"/>
-            <a:r>
-              <a:rPr lang="es-ES" dirty="0" smtClean="0"/>
-              <a:t>Desarrollo</a:t>
-            </a:r>
-            <a:endParaRPr lang="es-ES" dirty="0"/>
-          </a:p>
-        </p:txBody>
-      </p:sp>
-      <p:sp>
-        <p:nvSpPr>
-          <p:cNvPr id="3" name="2 Marcador de contenido"/>
-          <p:cNvSpPr>
-            <a:spLocks noGrp="1"/>
-          </p:cNvSpPr>
-          <p:nvPr>
-            <p:ph idx="1"/>
-          </p:nvPr>
-        </p:nvSpPr>
-        <p:spPr/>
-        <p:txBody>
-          <a:bodyPr>
-            <a:normAutofit lnSpcReduction="10000"/>
-          </a:bodyPr>
-          <a:lstStyle/>
-          <a:p>
-            <a:pPr marL="0" indent="0">
-              <a:buNone/>
-            </a:pPr>
-            <a:r>
-              <a:rPr lang="es-ES" dirty="0" smtClean="0"/>
-              <a:t>Tecnologías utilizadas:</a:t>
-            </a:r>
-          </a:p>
-          <a:p>
-            <a:r>
-              <a:rPr lang="es-ES" dirty="0" smtClean="0"/>
-              <a:t>HTML5, CSS3 </a:t>
-            </a:r>
-          </a:p>
-          <a:p>
-            <a:r>
-              <a:rPr lang="es-ES" dirty="0" err="1" smtClean="0"/>
-              <a:t>Bootstrap</a:t>
-            </a:r>
-            <a:r>
-              <a:rPr lang="es-ES" dirty="0" smtClean="0"/>
-              <a:t> 3</a:t>
-            </a:r>
-            <a:endParaRPr lang="es-ES" dirty="0" smtClean="0"/>
-          </a:p>
-          <a:p>
-            <a:r>
-              <a:rPr lang="es-ES" dirty="0" err="1" smtClean="0"/>
-              <a:t>Javascript</a:t>
-            </a:r>
-            <a:r>
-              <a:rPr lang="es-ES" dirty="0" smtClean="0"/>
-              <a:t> </a:t>
-            </a:r>
-            <a:r>
-              <a:rPr lang="es-ES" dirty="0" smtClean="0"/>
-              <a:t>con </a:t>
-            </a:r>
-            <a:r>
-              <a:rPr lang="es-ES" dirty="0" err="1" smtClean="0"/>
-              <a:t>jQuery</a:t>
-            </a:r>
-            <a:endParaRPr lang="es-ES" dirty="0" smtClean="0"/>
-          </a:p>
-          <a:p>
-            <a:r>
-              <a:rPr lang="es-ES" dirty="0" smtClean="0"/>
-              <a:t>PHP 5</a:t>
-            </a:r>
-          </a:p>
-          <a:p>
-            <a:r>
-              <a:rPr lang="es-ES" dirty="0" err="1" smtClean="0"/>
-              <a:t>PostgreSQL</a:t>
-            </a:r>
-            <a:r>
-              <a:rPr lang="es-ES" dirty="0" smtClean="0"/>
-              <a:t> 9.3</a:t>
-            </a:r>
-          </a:p>
-          <a:p>
-            <a:r>
-              <a:rPr lang="es-ES" dirty="0" smtClean="0"/>
-              <a:t>Apache 2.2</a:t>
-            </a:r>
-          </a:p>
-          <a:p>
-            <a:r>
-              <a:rPr lang="es-ES" dirty="0" err="1" smtClean="0"/>
-              <a:t>git</a:t>
-            </a:r>
-            <a:endParaRPr lang="es-ES" dirty="0" smtClean="0"/>
-          </a:p>
-        </p:txBody>
-      </p:sp>
-    </p:spTree>
-    <p:extLst>
-      <p:ext uri="{BB962C8B-B14F-4D97-AF65-F5344CB8AC3E}">
-        <p14:creationId xmlns:p14="http://schemas.microsoft.com/office/powerpoint/2010/main" val="3846673971"/>
-      </p:ext>
-    </p:extLst>
-  </p:cSld>
-  <p:clrMapOvr>
-    <a:masterClrMapping/>
-  </p:clrMapOvr>
+  <p:timing>
+    <p:tnLst>
+      <p:par>
+        <p:cTn id="1" dur="indefinite" restart="never" nodeType="tmRoot"/>
+      </p:par>
+    </p:tnLst>
+  </p:timing>
 </p:sld>
 </file>
 
@@ -5547,51 +7524,118 @@
             <a:pPr algn="l"/>
             <a:r>
               <a:rPr lang="es-ES" dirty="0" smtClean="0"/>
-              <a:t>Desarrollo</a:t>
+              <a:t>Diseño – Modelo de adaptación </a:t>
             </a:r>
             <a:endParaRPr lang="es-ES" dirty="0"/>
           </a:p>
         </p:txBody>
       </p:sp>
-      <p:pic>
-        <p:nvPicPr>
-          <p:cNvPr id="4" name="3 Marcador de contenido"/>
-          <p:cNvPicPr>
-            <a:picLocks noGrp="1" noChangeAspect="1"/>
-          </p:cNvPicPr>
+      <p:sp>
+        <p:nvSpPr>
+          <p:cNvPr id="3" name="2 Marcador de contenido"/>
+          <p:cNvSpPr>
+            <a:spLocks noGrp="1"/>
+          </p:cNvSpPr>
           <p:nvPr>
             <p:ph idx="1"/>
           </p:nvPr>
-        </p:nvPicPr>
-        <p:blipFill>
-          <a:blip r:embed="rId2">
-            <a:extLst>
-              <a:ext uri="{28A0092B-C50C-407E-A947-70E740481C1C}">
-                <a14:useLocalDpi xmlns:a14="http://schemas.microsoft.com/office/drawing/2010/main" val="0"/>
-              </a:ext>
-            </a:extLst>
-          </a:blip>
-          <a:stretch>
-            <a:fillRect/>
-          </a:stretch>
-        </p:blipFill>
-        <p:spPr>
-          <a:xfrm>
-            <a:off x="1439652" y="1124744"/>
-            <a:ext cx="6264696" cy="5185738"/>
-          </a:xfrm>
-        </p:spPr>
-      </p:pic>
+        </p:nvSpPr>
+        <p:spPr/>
+        <p:txBody>
+          <a:bodyPr>
+            <a:normAutofit/>
+          </a:bodyPr>
+          <a:lstStyle/>
+          <a:p>
+            <a:r>
+              <a:rPr lang="es-ES" b="1" dirty="0" smtClean="0">
+                <a:solidFill>
+                  <a:schemeClr val="tx1">
+                    <a:lumMod val="50000"/>
+                  </a:schemeClr>
+                </a:solidFill>
+              </a:rPr>
+              <a:t>¿Cómo elegir la primera pregunta?</a:t>
+            </a:r>
+          </a:p>
+          <a:p>
+            <a:pPr lvl="1"/>
+            <a:r>
+              <a:rPr lang="es-ES" dirty="0" smtClean="0">
+                <a:solidFill>
+                  <a:schemeClr val="tx1">
+                    <a:lumMod val="50000"/>
+                  </a:schemeClr>
+                </a:solidFill>
+              </a:rPr>
+              <a:t>Aleatoriamente entre todas las del primer nivel.</a:t>
+            </a:r>
+          </a:p>
+          <a:p>
+            <a:r>
+              <a:rPr lang="es-ES" b="1" dirty="0" smtClean="0">
+                <a:solidFill>
+                  <a:schemeClr val="tx1">
+                    <a:lumMod val="50000"/>
+                  </a:schemeClr>
+                </a:solidFill>
+              </a:rPr>
+              <a:t>¿Cómo elegir la siguiente pregunta, teniendo en cuenta las respuestas anteriores?</a:t>
+            </a:r>
+          </a:p>
+          <a:p>
+            <a:pPr lvl="1"/>
+            <a:r>
+              <a:rPr lang="es-ES" dirty="0" smtClean="0">
+                <a:solidFill>
+                  <a:schemeClr val="tx1">
+                    <a:lumMod val="50000"/>
+                  </a:schemeClr>
+                </a:solidFill>
+              </a:rPr>
+              <a:t>Algoritmo…</a:t>
+            </a:r>
+            <a:endParaRPr lang="es-ES" i="1" dirty="0" smtClean="0">
+              <a:solidFill>
+                <a:schemeClr val="tx1">
+                  <a:lumMod val="50000"/>
+                </a:schemeClr>
+              </a:solidFill>
+            </a:endParaRPr>
+          </a:p>
+          <a:p>
+            <a:r>
+              <a:rPr lang="es-ES" b="1" dirty="0" smtClean="0"/>
+              <a:t>¿Cuándo parar el cuestionario?</a:t>
+            </a:r>
+          </a:p>
+          <a:p>
+            <a:pPr lvl="1"/>
+            <a:r>
+              <a:rPr lang="es-ES" dirty="0" smtClean="0"/>
+              <a:t>Cuando se agote el tiempo o se responda a un número de preguntas suficiente.</a:t>
+            </a:r>
+            <a:endParaRPr lang="es-ES" dirty="0"/>
+          </a:p>
+        </p:txBody>
+      </p:sp>
     </p:spTree>
     <p:extLst>
       <p:ext uri="{BB962C8B-B14F-4D97-AF65-F5344CB8AC3E}">
-        <p14:creationId xmlns:p14="http://schemas.microsoft.com/office/powerpoint/2010/main" val="1515647882"/>
+        <p14:creationId xmlns:p14="http://schemas.microsoft.com/office/powerpoint/2010/main" val="2460300346"/>
       </p:ext>
     </p:extLst>
   </p:cSld>
   <p:clrMapOvr>
     <a:masterClrMapping/>
   </p:clrMapOvr>
+  <p:timing>
+    <p:tnLst>
+      <p:par>
+        <p:cTn id="1" dur="indefinite" restart="never" nodeType="tmRoot"/>
+      </p:par>
+    </p:tnLst>
+  </p:timing>
 </p:sld>
 </file>
 
@@ -5653,6 +7697,249 @@
           </a:bodyPr>
           <a:lstStyle/>
           <a:p>
+            <a:pPr marL="0" indent="0">
+              <a:buNone/>
+            </a:pPr>
+            <a:r>
+              <a:rPr lang="es-ES" dirty="0" smtClean="0"/>
+              <a:t>Tecnologías utilizadas:</a:t>
+            </a:r>
+          </a:p>
+          <a:p>
+            <a:r>
+              <a:rPr lang="es-ES" dirty="0" smtClean="0"/>
+              <a:t>HTML5, CSS3 </a:t>
+            </a:r>
+          </a:p>
+          <a:p>
+            <a:r>
+              <a:rPr lang="es-ES" dirty="0" err="1" smtClean="0"/>
+              <a:t>Bootstrap</a:t>
+            </a:r>
+            <a:r>
+              <a:rPr lang="es-ES" dirty="0" smtClean="0"/>
+              <a:t> 3</a:t>
+            </a:r>
+            <a:endParaRPr lang="es-ES" dirty="0" smtClean="0"/>
+          </a:p>
+          <a:p>
+            <a:r>
+              <a:rPr lang="es-ES" dirty="0" err="1" smtClean="0"/>
+              <a:t>Javascript</a:t>
+            </a:r>
+            <a:r>
+              <a:rPr lang="es-ES" dirty="0" smtClean="0"/>
+              <a:t> </a:t>
+            </a:r>
+            <a:r>
+              <a:rPr lang="es-ES" dirty="0" smtClean="0"/>
+              <a:t>con </a:t>
+            </a:r>
+            <a:r>
+              <a:rPr lang="es-ES" dirty="0" err="1" smtClean="0"/>
+              <a:t>jQuery</a:t>
+            </a:r>
+            <a:endParaRPr lang="es-ES" dirty="0" smtClean="0"/>
+          </a:p>
+          <a:p>
+            <a:r>
+              <a:rPr lang="es-ES" dirty="0" smtClean="0"/>
+              <a:t>PHP 5</a:t>
+            </a:r>
+          </a:p>
+          <a:p>
+            <a:r>
+              <a:rPr lang="es-ES" dirty="0" err="1" smtClean="0"/>
+              <a:t>PostgreSQL</a:t>
+            </a:r>
+            <a:r>
+              <a:rPr lang="es-ES" dirty="0" smtClean="0"/>
+              <a:t> 9.3</a:t>
+            </a:r>
+          </a:p>
+          <a:p>
+            <a:r>
+              <a:rPr lang="es-ES" dirty="0" smtClean="0"/>
+              <a:t>Apache 2.2</a:t>
+            </a:r>
+          </a:p>
+          <a:p>
+            <a:r>
+              <a:rPr lang="es-ES" dirty="0" err="1" smtClean="0"/>
+              <a:t>git</a:t>
+            </a:r>
+            <a:endParaRPr lang="es-ES" dirty="0" smtClean="0"/>
+          </a:p>
+        </p:txBody>
+      </p:sp>
+    </p:spTree>
+    <p:extLst>
+      <p:ext uri="{BB962C8B-B14F-4D97-AF65-F5344CB8AC3E}">
+        <p14:creationId xmlns:p14="http://schemas.microsoft.com/office/powerpoint/2010/main" val="3846673971"/>
+      </p:ext>
+    </p:extLst>
+  </p:cSld>
+  <p:clrMapOvr>
+    <a:masterClrMapping/>
+  </p:clrMapOvr>
+  <p:timing>
+    <p:tnLst>
+      <p:par>
+        <p:cTn id="1" dur="indefinite" restart="never" nodeType="tmRoot"/>
+      </p:par>
+    </p:tnLst>
+  </p:timing>
+</p:sld>
+</file>
+
+<file path=ppt/slides/slide24.xml><?xml version="1.0" encoding="utf-8"?>
+<p:sld xmlns:a="http://schemas.openxmlformats.org/drawingml/2006/main" xmlns:r="http://schemas.openxmlformats.org/officeDocument/2006/relationships" xmlns:p="http://schemas.openxmlformats.org/presentationml/2006/main">
+  <p:cSld>
+    <p:spTree>
+      <p:nvGrpSpPr>
+        <p:cNvPr id="1" name=""/>
+        <p:cNvGrpSpPr/>
+        <p:nvPr/>
+      </p:nvGrpSpPr>
+      <p:grpSpPr>
+        <a:xfrm>
+          <a:off x="0" y="0"/>
+          <a:ext cx="0" cy="0"/>
+          <a:chOff x="0" y="0"/>
+          <a:chExt cx="0" cy="0"/>
+        </a:xfrm>
+      </p:grpSpPr>
+      <p:sp>
+        <p:nvSpPr>
+          <p:cNvPr id="2" name="1 Título"/>
+          <p:cNvSpPr>
+            <a:spLocks noGrp="1"/>
+          </p:cNvSpPr>
+          <p:nvPr>
+            <p:ph type="title"/>
+          </p:nvPr>
+        </p:nvSpPr>
+        <p:spPr/>
+        <p:txBody>
+          <a:bodyPr/>
+          <a:lstStyle/>
+          <a:p>
+            <a:pPr algn="l"/>
+            <a:r>
+              <a:rPr lang="es-ES" dirty="0" smtClean="0"/>
+              <a:t>Desarrollo</a:t>
+            </a:r>
+            <a:endParaRPr lang="es-ES" dirty="0"/>
+          </a:p>
+        </p:txBody>
+      </p:sp>
+      <p:pic>
+        <p:nvPicPr>
+          <p:cNvPr id="4" name="3 Marcador de contenido"/>
+          <p:cNvPicPr>
+            <a:picLocks noGrp="1" noChangeAspect="1"/>
+          </p:cNvPicPr>
+          <p:nvPr>
+            <p:ph idx="1"/>
+          </p:nvPr>
+        </p:nvPicPr>
+        <p:blipFill>
+          <a:blip r:embed="rId2">
+            <a:extLst>
+              <a:ext uri="{28A0092B-C50C-407E-A947-70E740481C1C}">
+                <a14:useLocalDpi xmlns:a14="http://schemas.microsoft.com/office/drawing/2010/main" val="0"/>
+              </a:ext>
+            </a:extLst>
+          </a:blip>
+          <a:stretch>
+            <a:fillRect/>
+          </a:stretch>
+        </p:blipFill>
+        <p:spPr>
+          <a:xfrm>
+            <a:off x="1439652" y="1268760"/>
+            <a:ext cx="6264696" cy="5185738"/>
+          </a:xfrm>
+        </p:spPr>
+      </p:pic>
+    </p:spTree>
+    <p:extLst>
+      <p:ext uri="{BB962C8B-B14F-4D97-AF65-F5344CB8AC3E}">
+        <p14:creationId xmlns:p14="http://schemas.microsoft.com/office/powerpoint/2010/main" val="1515647882"/>
+      </p:ext>
+    </p:extLst>
+  </p:cSld>
+  <p:clrMapOvr>
+    <a:masterClrMapping/>
+  </p:clrMapOvr>
+  <p:timing>
+    <p:tnLst>
+      <p:par>
+        <p:cTn id="1" dur="indefinite" restart="never" nodeType="tmRoot"/>
+      </p:par>
+    </p:tnLst>
+  </p:timing>
+</p:sld>
+</file>
+
+<file path=ppt/slides/slide25.xml><?xml version="1.0" encoding="utf-8"?>
+<p:sld xmlns:a="http://schemas.openxmlformats.org/drawingml/2006/main" xmlns:r="http://schemas.openxmlformats.org/officeDocument/2006/relationships" xmlns:p="http://schemas.openxmlformats.org/presentationml/2006/main">
+  <p:cSld>
+    <p:spTree>
+      <p:nvGrpSpPr>
+        <p:cNvPr id="1" name=""/>
+        <p:cNvGrpSpPr/>
+        <p:nvPr/>
+      </p:nvGrpSpPr>
+      <p:grpSpPr>
+        <a:xfrm>
+          <a:off x="0" y="0"/>
+          <a:ext cx="0" cy="0"/>
+          <a:chOff x="0" y="0"/>
+          <a:chExt cx="0" cy="0"/>
+        </a:xfrm>
+      </p:grpSpPr>
+      <p:sp>
+        <p:nvSpPr>
+          <p:cNvPr id="2" name="1 Título"/>
+          <p:cNvSpPr>
+            <a:spLocks noGrp="1"/>
+          </p:cNvSpPr>
+          <p:nvPr>
+            <p:ph type="title"/>
+          </p:nvPr>
+        </p:nvSpPr>
+        <p:spPr/>
+        <p:txBody>
+          <a:bodyPr/>
+          <a:lstStyle/>
+          <a:p>
+            <a:pPr algn="l"/>
+            <a:r>
+              <a:rPr lang="es-ES" dirty="0" smtClean="0"/>
+              <a:t>Desarrollo</a:t>
+            </a:r>
+            <a:endParaRPr lang="es-ES" dirty="0"/>
+          </a:p>
+        </p:txBody>
+      </p:sp>
+      <p:sp>
+        <p:nvSpPr>
+          <p:cNvPr id="3" name="2 Marcador de contenido"/>
+          <p:cNvSpPr>
+            <a:spLocks noGrp="1"/>
+          </p:cNvSpPr>
+          <p:nvPr>
+            <p:ph idx="1"/>
+          </p:nvPr>
+        </p:nvSpPr>
+        <p:spPr/>
+        <p:txBody>
+          <a:bodyPr>
+            <a:normAutofit lnSpcReduction="10000"/>
+          </a:bodyPr>
+          <a:lstStyle/>
+          <a:p>
             <a:r>
               <a:rPr lang="es-ES" dirty="0" smtClean="0"/>
               <a:t>Sección profesor</a:t>
@@ -5726,10 +8013,17 @@
   <p:clrMapOvr>
     <a:masterClrMapping/>
   </p:clrMapOvr>
+  <p:timing>
+    <p:tnLst>
+      <p:par>
+        <p:cTn id="1" dur="indefinite" restart="never" nodeType="tmRoot"/>
+      </p:par>
+    </p:tnLst>
+  </p:timing>
 </p:sld>
 </file>
 
-<file path=ppt/slides/slide24.xml><?xml version="1.0" encoding="utf-8"?>
+<file path=ppt/slides/slide26.xml><?xml version="1.0" encoding="utf-8"?>
 <p:sld xmlns:a="http://schemas.openxmlformats.org/drawingml/2006/main" xmlns:r="http://schemas.openxmlformats.org/officeDocument/2006/relationships" xmlns:p="http://schemas.openxmlformats.org/presentationml/2006/main">
   <p:cSld>
     <p:spTree>
@@ -5807,10 +8101,17 @@
   <p:clrMapOvr>
     <a:masterClrMapping/>
   </p:clrMapOvr>
+  <p:timing>
+    <p:tnLst>
+      <p:par>
+        <p:cTn id="1" dur="indefinite" restart="never" nodeType="tmRoot"/>
+      </p:par>
+    </p:tnLst>
+  </p:timing>
 </p:sld>
 </file>
 
-<file path=ppt/slides/slide25.xml><?xml version="1.0" encoding="utf-8"?>
+<file path=ppt/slides/slide27.xml><?xml version="1.0" encoding="utf-8"?>
 <p:sld xmlns:a="http://schemas.openxmlformats.org/drawingml/2006/main" xmlns:r="http://schemas.openxmlformats.org/officeDocument/2006/relationships" xmlns:p="http://schemas.openxmlformats.org/presentationml/2006/main">
   <p:cSld>
     <p:spTree>
@@ -5871,7 +8172,6 @@
                 <a:solidFill>
                   <a:schemeClr val="tx1">
                     <a:lumMod val="50000"/>
-                    <a:lumOff val="50000"/>
                   </a:schemeClr>
                 </a:solidFill>
               </a:rPr>
@@ -5884,7 +8184,6 @@
                 <a:solidFill>
                   <a:schemeClr val="tx1">
                     <a:lumMod val="50000"/>
-                    <a:lumOff val="50000"/>
                   </a:schemeClr>
                 </a:solidFill>
               </a:rPr>
@@ -5897,7 +8196,6 @@
                 <a:solidFill>
                   <a:schemeClr val="tx1">
                     <a:lumMod val="50000"/>
-                    <a:lumOff val="50000"/>
                   </a:schemeClr>
                 </a:solidFill>
               </a:rPr>
@@ -5930,7 +8228,6 @@
                 <a:solidFill>
                   <a:schemeClr val="tx1">
                     <a:lumMod val="50000"/>
-                    <a:lumOff val="50000"/>
                   </a:schemeClr>
                 </a:solidFill>
               </a:rPr>
@@ -5949,17 +8246,19 @@
   <p:clrMapOvr>
     <a:masterClrMapping/>
   </p:clrMapOvr>
+  <p:timing>
+    <p:tnLst>
+      <p:par>
+        <p:cTn id="1" dur="indefinite" restart="never" nodeType="tmRoot"/>
+      </p:par>
+    </p:tnLst>
+  </p:timing>
 </p:sld>
 </file>
 
-<file path=ppt/slides/slide26.xml><?xml version="1.0" encoding="utf-8"?>
+<file path=ppt/slides/slide28.xml><?xml version="1.0" encoding="utf-8"?>
 <p:sld xmlns:a="http://schemas.openxmlformats.org/drawingml/2006/main" xmlns:r="http://schemas.openxmlformats.org/officeDocument/2006/relationships" xmlns:p="http://schemas.openxmlformats.org/presentationml/2006/main">
   <p:cSld>
-    <p:bg>
-      <p:bgRef idx="1001">
-        <a:schemeClr val="bg1"/>
-      </p:bgRef>
-    </p:bg>
     <p:spTree>
       <p:nvGrpSpPr>
         <p:cNvPr id="1" name=""/>
@@ -6725,12 +9024,19 @@
     </p:extLst>
   </p:cSld>
   <p:clrMapOvr>
-    <a:overrideClrMapping bg1="lt1" tx1="dk1" bg2="lt2" tx2="dk2" accent1="accent1" accent2="accent2" accent3="accent3" accent4="accent4" accent5="accent5" accent6="accent6" hlink="hlink" folHlink="folHlink"/>
+    <a:masterClrMapping/>
   </p:clrMapOvr>
+  <p:timing>
+    <p:tnLst>
+      <p:par>
+        <p:cTn id="1" dur="indefinite" restart="never" nodeType="tmRoot"/>
+      </p:par>
+    </p:tnLst>
+  </p:timing>
 </p:sld>
 </file>
 
-<file path=ppt/slides/slide27.xml><?xml version="1.0" encoding="utf-8"?>
+<file path=ppt/slides/slide29.xml><?xml version="1.0" encoding="utf-8"?>
 <p:sld xmlns:a="http://schemas.openxmlformats.org/drawingml/2006/main" xmlns:r="http://schemas.openxmlformats.org/officeDocument/2006/relationships" xmlns:p="http://schemas.openxmlformats.org/presentationml/2006/main">
   <p:cSld>
     <p:spTree>
@@ -6950,7 +9256,7 @@
           <a:p>
             <a:r>
               <a:rPr lang="es-ES" dirty="0" smtClean="0"/>
-              <a:t>Probado de 3 maneras distintas</a:t>
+              <a:t>Probado en varios entornos</a:t>
             </a:r>
           </a:p>
           <a:p>
@@ -7003,10 +9309,164 @@
   <p:clrMapOvr>
     <a:masterClrMapping/>
   </p:clrMapOvr>
+  <p:timing>
+    <p:tnLst>
+      <p:par>
+        <p:cTn id="1" dur="indefinite" restart="never" nodeType="tmRoot"/>
+      </p:par>
+    </p:tnLst>
+  </p:timing>
 </p:sld>
 </file>
 
-<file path=ppt/slides/slide28.xml><?xml version="1.0" encoding="utf-8"?>
+<file path=ppt/slides/slide3.xml><?xml version="1.0" encoding="utf-8"?>
+<p:sld xmlns:a="http://schemas.openxmlformats.org/drawingml/2006/main" xmlns:r="http://schemas.openxmlformats.org/officeDocument/2006/relationships" xmlns:p="http://schemas.openxmlformats.org/presentationml/2006/main">
+  <p:cSld>
+    <p:spTree>
+      <p:nvGrpSpPr>
+        <p:cNvPr id="1" name=""/>
+        <p:cNvGrpSpPr/>
+        <p:nvPr/>
+      </p:nvGrpSpPr>
+      <p:grpSpPr>
+        <a:xfrm>
+          <a:off x="0" y="0"/>
+          <a:ext cx="0" cy="0"/>
+          <a:chOff x="0" y="0"/>
+          <a:chExt cx="0" cy="0"/>
+        </a:xfrm>
+      </p:grpSpPr>
+      <p:sp>
+        <p:nvSpPr>
+          <p:cNvPr id="2" name="1 Título"/>
+          <p:cNvSpPr>
+            <a:spLocks noGrp="1"/>
+          </p:cNvSpPr>
+          <p:nvPr>
+            <p:ph type="title"/>
+          </p:nvPr>
+        </p:nvSpPr>
+        <p:spPr/>
+        <p:txBody>
+          <a:bodyPr/>
+          <a:lstStyle/>
+          <a:p>
+            <a:pPr algn="l"/>
+            <a:r>
+              <a:rPr lang="es-ES" dirty="0" smtClean="0"/>
+              <a:t>Índice</a:t>
+            </a:r>
+            <a:endParaRPr lang="es-ES" dirty="0"/>
+          </a:p>
+        </p:txBody>
+      </p:sp>
+      <p:sp>
+        <p:nvSpPr>
+          <p:cNvPr id="3" name="2 Marcador de contenido"/>
+          <p:cNvSpPr>
+            <a:spLocks noGrp="1"/>
+          </p:cNvSpPr>
+          <p:nvPr>
+            <p:ph idx="1"/>
+          </p:nvPr>
+        </p:nvSpPr>
+        <p:spPr/>
+        <p:txBody>
+          <a:bodyPr>
+            <a:normAutofit/>
+          </a:bodyPr>
+          <a:lstStyle/>
+          <a:p>
+            <a:r>
+              <a:rPr lang="es-ES" dirty="0" smtClean="0"/>
+              <a:t>Introducción</a:t>
+            </a:r>
+          </a:p>
+          <a:p>
+            <a:pPr lvl="1"/>
+            <a:r>
+              <a:rPr lang="es-ES" dirty="0" smtClean="0"/>
+              <a:t>Motivación</a:t>
+            </a:r>
+          </a:p>
+          <a:p>
+            <a:pPr lvl="1"/>
+            <a:r>
+              <a:rPr lang="es-ES" dirty="0" smtClean="0"/>
+              <a:t>Objetivos</a:t>
+            </a:r>
+          </a:p>
+          <a:p>
+            <a:r>
+              <a:rPr lang="es-ES" dirty="0" smtClean="0">
+                <a:solidFill>
+                  <a:schemeClr val="tx1">
+                    <a:lumMod val="50000"/>
+                  </a:schemeClr>
+                </a:solidFill>
+              </a:rPr>
+              <a:t>Estado del arte</a:t>
+            </a:r>
+          </a:p>
+          <a:p>
+            <a:r>
+              <a:rPr lang="es-ES" dirty="0" smtClean="0">
+                <a:solidFill>
+                  <a:schemeClr val="tx1">
+                    <a:lumMod val="50000"/>
+                  </a:schemeClr>
+                </a:solidFill>
+              </a:rPr>
+              <a:t>Análisis, diseño, desarrollo</a:t>
+            </a:r>
+          </a:p>
+          <a:p>
+            <a:r>
+              <a:rPr lang="es-ES" dirty="0" smtClean="0">
+                <a:solidFill>
+                  <a:schemeClr val="tx1">
+                    <a:lumMod val="50000"/>
+                  </a:schemeClr>
+                </a:solidFill>
+              </a:rPr>
+              <a:t>Pruebas</a:t>
+            </a:r>
+          </a:p>
+          <a:p>
+            <a:r>
+              <a:rPr lang="es-ES" dirty="0" smtClean="0">
+                <a:solidFill>
+                  <a:schemeClr val="tx1">
+                    <a:lumMod val="50000"/>
+                  </a:schemeClr>
+                </a:solidFill>
+              </a:rPr>
+              <a:t>Conclusiones y trabajo futuro</a:t>
+            </a:r>
+          </a:p>
+        </p:txBody>
+      </p:sp>
+    </p:spTree>
+    <p:extLst>
+      <p:ext uri="{BB962C8B-B14F-4D97-AF65-F5344CB8AC3E}">
+        <p14:creationId xmlns:p14="http://schemas.microsoft.com/office/powerpoint/2010/main" val="1960911746"/>
+      </p:ext>
+    </p:extLst>
+  </p:cSld>
+  <p:clrMapOvr>
+    <a:masterClrMapping/>
+  </p:clrMapOvr>
+  <p:timing>
+    <p:tnLst>
+      <p:par>
+        <p:cTn id="1" dur="indefinite" restart="never" nodeType="tmRoot"/>
+      </p:par>
+    </p:tnLst>
+  </p:timing>
+</p:sld>
+</file>
+
+<file path=ppt/slides/slide30.xml><?xml version="1.0" encoding="utf-8"?>
 <p:sld xmlns:a="http://schemas.openxmlformats.org/drawingml/2006/main" xmlns:r="http://schemas.openxmlformats.org/officeDocument/2006/relationships" xmlns:p="http://schemas.openxmlformats.org/presentationml/2006/main">
   <p:cSld>
     <p:spTree>
@@ -7771,10 +10231,17 @@
   <p:clrMapOvr>
     <a:masterClrMapping/>
   </p:clrMapOvr>
+  <p:timing>
+    <p:tnLst>
+      <p:par>
+        <p:cTn id="1" dur="indefinite" restart="never" nodeType="tmRoot"/>
+      </p:par>
+    </p:tnLst>
+  </p:timing>
 </p:sld>
 </file>
 
-<file path=ppt/slides/slide29.xml><?xml version="1.0" encoding="utf-8"?>
+<file path=ppt/slides/slide31.xml><?xml version="1.0" encoding="utf-8"?>
 <p:sld xmlns:a="http://schemas.openxmlformats.org/drawingml/2006/main" xmlns:r="http://schemas.openxmlformats.org/officeDocument/2006/relationships" xmlns:p="http://schemas.openxmlformats.org/presentationml/2006/main">
   <p:cSld>
     <p:spTree>
@@ -9292,381 +11759,13 @@
   <p:clrMapOvr>
     <a:masterClrMapping/>
   </p:clrMapOvr>
-</p:sld>
-</file>
-
-<file path=ppt/slides/slide3.xml><?xml version="1.0" encoding="utf-8"?>
-<p:sld xmlns:a="http://schemas.openxmlformats.org/drawingml/2006/main" xmlns:r="http://schemas.openxmlformats.org/officeDocument/2006/relationships" xmlns:p="http://schemas.openxmlformats.org/presentationml/2006/main">
-  <p:cSld>
-    <p:spTree>
-      <p:nvGrpSpPr>
-        <p:cNvPr id="1" name=""/>
-        <p:cNvGrpSpPr/>
-        <p:nvPr/>
-      </p:nvGrpSpPr>
-      <p:grpSpPr>
-        <a:xfrm>
-          <a:off x="0" y="0"/>
-          <a:ext cx="0" cy="0"/>
-          <a:chOff x="0" y="0"/>
-          <a:chExt cx="0" cy="0"/>
-        </a:xfrm>
-      </p:grpSpPr>
-      <p:sp>
-        <p:nvSpPr>
-          <p:cNvPr id="2" name="1 Título"/>
-          <p:cNvSpPr>
-            <a:spLocks noGrp="1"/>
-          </p:cNvSpPr>
-          <p:nvPr>
-            <p:ph type="title"/>
-          </p:nvPr>
-        </p:nvSpPr>
-        <p:spPr/>
-        <p:txBody>
-          <a:bodyPr/>
-          <a:lstStyle/>
-          <a:p>
-            <a:pPr algn="l"/>
-            <a:r>
-              <a:rPr lang="es-ES" dirty="0" smtClean="0"/>
-              <a:t>Índice</a:t>
-            </a:r>
-            <a:endParaRPr lang="es-ES" dirty="0"/>
-          </a:p>
-        </p:txBody>
-      </p:sp>
-      <p:sp>
-        <p:nvSpPr>
-          <p:cNvPr id="3" name="2 Marcador de contenido"/>
-          <p:cNvSpPr>
-            <a:spLocks noGrp="1"/>
-          </p:cNvSpPr>
-          <p:nvPr>
-            <p:ph idx="1"/>
-          </p:nvPr>
-        </p:nvSpPr>
-        <p:spPr/>
-        <p:txBody>
-          <a:bodyPr>
-            <a:normAutofit/>
-          </a:bodyPr>
-          <a:lstStyle/>
-          <a:p>
-            <a:r>
-              <a:rPr lang="es-ES" dirty="0" smtClean="0"/>
-              <a:t>Introducción</a:t>
-            </a:r>
-          </a:p>
-          <a:p>
-            <a:pPr lvl="1"/>
-            <a:r>
-              <a:rPr lang="es-ES" dirty="0" smtClean="0"/>
-              <a:t>Motivación</a:t>
-            </a:r>
-          </a:p>
-          <a:p>
-            <a:pPr lvl="1"/>
-            <a:r>
-              <a:rPr lang="es-ES" dirty="0" smtClean="0"/>
-              <a:t>Objetivos</a:t>
-            </a:r>
-          </a:p>
-          <a:p>
-            <a:r>
-              <a:rPr lang="es-ES" dirty="0" smtClean="0">
-                <a:solidFill>
-                  <a:schemeClr val="tx1">
-                    <a:lumMod val="50000"/>
-                    <a:lumOff val="50000"/>
-                  </a:schemeClr>
-                </a:solidFill>
-              </a:rPr>
-              <a:t>Estado del arte</a:t>
-            </a:r>
-          </a:p>
-          <a:p>
-            <a:r>
-              <a:rPr lang="es-ES" dirty="0" smtClean="0">
-                <a:solidFill>
-                  <a:schemeClr val="tx1">
-                    <a:lumMod val="50000"/>
-                    <a:lumOff val="50000"/>
-                  </a:schemeClr>
-                </a:solidFill>
-              </a:rPr>
-              <a:t>Análisis, diseño, desarrollo</a:t>
-            </a:r>
-          </a:p>
-          <a:p>
-            <a:r>
-              <a:rPr lang="es-ES" dirty="0" smtClean="0">
-                <a:solidFill>
-                  <a:schemeClr val="tx1">
-                    <a:lumMod val="50000"/>
-                    <a:lumOff val="50000"/>
-                  </a:schemeClr>
-                </a:solidFill>
-              </a:rPr>
-              <a:t>Pruebas</a:t>
-            </a:r>
-          </a:p>
-          <a:p>
-            <a:r>
-              <a:rPr lang="es-ES" dirty="0" smtClean="0">
-                <a:solidFill>
-                  <a:schemeClr val="tx1">
-                    <a:lumMod val="50000"/>
-                    <a:lumOff val="50000"/>
-                  </a:schemeClr>
-                </a:solidFill>
-              </a:rPr>
-              <a:t>Conclusiones y trabajo futuro</a:t>
-            </a:r>
-          </a:p>
-        </p:txBody>
-      </p:sp>
-    </p:spTree>
-    <p:extLst>
-      <p:ext uri="{BB962C8B-B14F-4D97-AF65-F5344CB8AC3E}">
-        <p14:creationId xmlns:p14="http://schemas.microsoft.com/office/powerpoint/2010/main" val="1960911746"/>
-      </p:ext>
-    </p:extLst>
-  </p:cSld>
-  <p:clrMapOvr>
-    <a:masterClrMapping/>
-  </p:clrMapOvr>
-</p:sld>
-</file>
-
-<file path=ppt/slides/slide30.xml><?xml version="1.0" encoding="utf-8"?>
-<p:sld xmlns:a="http://schemas.openxmlformats.org/drawingml/2006/main" xmlns:r="http://schemas.openxmlformats.org/officeDocument/2006/relationships" xmlns:p="http://schemas.openxmlformats.org/presentationml/2006/main">
-  <p:cSld>
-    <p:spTree>
-      <p:nvGrpSpPr>
-        <p:cNvPr id="1" name=""/>
-        <p:cNvGrpSpPr/>
-        <p:nvPr/>
-      </p:nvGrpSpPr>
-      <p:grpSpPr>
-        <a:xfrm>
-          <a:off x="0" y="0"/>
-          <a:ext cx="0" cy="0"/>
-          <a:chOff x="0" y="0"/>
-          <a:chExt cx="0" cy="0"/>
-        </a:xfrm>
-      </p:grpSpPr>
-      <p:sp>
-        <p:nvSpPr>
-          <p:cNvPr id="2" name="1 Título"/>
-          <p:cNvSpPr>
-            <a:spLocks noGrp="1"/>
-          </p:cNvSpPr>
-          <p:nvPr>
-            <p:ph type="title"/>
-          </p:nvPr>
-        </p:nvSpPr>
-        <p:spPr/>
-        <p:txBody>
-          <a:bodyPr/>
-          <a:lstStyle/>
-          <a:p>
-            <a:pPr algn="l"/>
-            <a:r>
-              <a:rPr lang="es-ES" dirty="0" smtClean="0"/>
-              <a:t>Índice</a:t>
-            </a:r>
-            <a:endParaRPr lang="es-ES" dirty="0"/>
-          </a:p>
-        </p:txBody>
-      </p:sp>
-      <p:sp>
-        <p:nvSpPr>
-          <p:cNvPr id="3" name="2 Marcador de contenido"/>
-          <p:cNvSpPr>
-            <a:spLocks noGrp="1"/>
-          </p:cNvSpPr>
-          <p:nvPr>
-            <p:ph idx="1"/>
-          </p:nvPr>
-        </p:nvSpPr>
-        <p:spPr/>
-        <p:txBody>
-          <a:bodyPr/>
-          <a:lstStyle/>
-          <a:p>
-            <a:r>
-              <a:rPr lang="es-ES" dirty="0" smtClean="0">
-                <a:solidFill>
-                  <a:schemeClr val="tx1">
-                    <a:lumMod val="50000"/>
-                    <a:lumOff val="50000"/>
-                  </a:schemeClr>
-                </a:solidFill>
-              </a:rPr>
-              <a:t>Introducción</a:t>
-            </a:r>
-          </a:p>
-          <a:p>
-            <a:r>
-              <a:rPr lang="es-ES" dirty="0" smtClean="0">
-                <a:solidFill>
-                  <a:schemeClr val="tx1">
-                    <a:lumMod val="50000"/>
-                    <a:lumOff val="50000"/>
-                  </a:schemeClr>
-                </a:solidFill>
-              </a:rPr>
-              <a:t>Estado del arte</a:t>
-            </a:r>
-          </a:p>
-          <a:p>
-            <a:r>
-              <a:rPr lang="es-ES" dirty="0" smtClean="0">
-                <a:solidFill>
-                  <a:schemeClr val="tx1">
-                    <a:lumMod val="50000"/>
-                    <a:lumOff val="50000"/>
-                  </a:schemeClr>
-                </a:solidFill>
-              </a:rPr>
-              <a:t>Análisis, diseño, desarrollo</a:t>
-            </a:r>
-          </a:p>
-          <a:p>
-            <a:r>
-              <a:rPr lang="es-ES" dirty="0" smtClean="0">
-                <a:solidFill>
-                  <a:schemeClr val="tx1">
-                    <a:lumMod val="50000"/>
-                    <a:lumOff val="50000"/>
-                  </a:schemeClr>
-                </a:solidFill>
-              </a:rPr>
-              <a:t>Pruebas</a:t>
-            </a:r>
-          </a:p>
-          <a:p>
-            <a:r>
-              <a:rPr lang="es-ES" dirty="0" smtClean="0"/>
-              <a:t>Conclusiones y trabajo futuro</a:t>
-            </a:r>
-          </a:p>
-        </p:txBody>
-      </p:sp>
-    </p:spTree>
-    <p:extLst>
-      <p:ext uri="{BB962C8B-B14F-4D97-AF65-F5344CB8AC3E}">
-        <p14:creationId xmlns:p14="http://schemas.microsoft.com/office/powerpoint/2010/main" val="4045646826"/>
-      </p:ext>
-    </p:extLst>
-  </p:cSld>
-  <p:clrMapOvr>
-    <a:masterClrMapping/>
-  </p:clrMapOvr>
-</p:sld>
-</file>
-
-<file path=ppt/slides/slide31.xml><?xml version="1.0" encoding="utf-8"?>
-<p:sld xmlns:a="http://schemas.openxmlformats.org/drawingml/2006/main" xmlns:r="http://schemas.openxmlformats.org/officeDocument/2006/relationships" xmlns:p="http://schemas.openxmlformats.org/presentationml/2006/main">
-  <p:cSld>
-    <p:spTree>
-      <p:nvGrpSpPr>
-        <p:cNvPr id="1" name=""/>
-        <p:cNvGrpSpPr/>
-        <p:nvPr/>
-      </p:nvGrpSpPr>
-      <p:grpSpPr>
-        <a:xfrm>
-          <a:off x="0" y="0"/>
-          <a:ext cx="0" cy="0"/>
-          <a:chOff x="0" y="0"/>
-          <a:chExt cx="0" cy="0"/>
-        </a:xfrm>
-      </p:grpSpPr>
-      <p:sp>
-        <p:nvSpPr>
-          <p:cNvPr id="2" name="1 Título"/>
-          <p:cNvSpPr>
-            <a:spLocks noGrp="1"/>
-          </p:cNvSpPr>
-          <p:nvPr>
-            <p:ph type="title"/>
-          </p:nvPr>
-        </p:nvSpPr>
-        <p:spPr/>
-        <p:txBody>
-          <a:bodyPr/>
-          <a:lstStyle/>
-          <a:p>
-            <a:pPr algn="l"/>
-            <a:r>
-              <a:rPr lang="es-ES" dirty="0" smtClean="0"/>
-              <a:t>Conclusiones</a:t>
-            </a:r>
-            <a:endParaRPr lang="es-ES" dirty="0"/>
-          </a:p>
-        </p:txBody>
-      </p:sp>
-      <p:sp>
-        <p:nvSpPr>
-          <p:cNvPr id="3" name="2 Marcador de contenido"/>
-          <p:cNvSpPr>
-            <a:spLocks noGrp="1"/>
-          </p:cNvSpPr>
-          <p:nvPr>
-            <p:ph idx="1"/>
-          </p:nvPr>
-        </p:nvSpPr>
-        <p:spPr/>
-        <p:txBody>
-          <a:bodyPr>
-            <a:normAutofit fontScale="92500" lnSpcReduction="20000"/>
-          </a:bodyPr>
-          <a:lstStyle/>
-          <a:p>
-            <a:r>
-              <a:rPr lang="es-ES" dirty="0" smtClean="0"/>
-              <a:t>Todos los objetivos se han cumplido</a:t>
-            </a:r>
-          </a:p>
-          <a:p>
-            <a:r>
-              <a:rPr lang="es-ES" dirty="0" smtClean="0"/>
-              <a:t>Se ha creado un sistema adaptativo de cuestionarios con ficheros multimedia, retroalimentación instantánea y análisis automático de resultados</a:t>
-            </a:r>
-          </a:p>
-          <a:p>
-            <a:r>
-              <a:rPr lang="es-ES" dirty="0" smtClean="0"/>
-              <a:t>Dos prototipos funcionales e incrementales </a:t>
-            </a:r>
-          </a:p>
-          <a:p>
-            <a:r>
-              <a:rPr lang="es-ES" dirty="0" smtClean="0"/>
-              <a:t>Probado en dos asignaturas reales, con más de 100 alumnos de varias disciplinas distintas</a:t>
-            </a:r>
-          </a:p>
-          <a:p>
-            <a:r>
-              <a:rPr lang="es-ES" dirty="0" smtClean="0"/>
-              <a:t>Resultados parciales validados y publicados en congresos y revistas</a:t>
-            </a:r>
-            <a:endParaRPr lang="es-ES" dirty="0"/>
-          </a:p>
-        </p:txBody>
-      </p:sp>
-    </p:spTree>
-    <p:extLst>
-      <p:ext uri="{BB962C8B-B14F-4D97-AF65-F5344CB8AC3E}">
-        <p14:creationId xmlns:p14="http://schemas.microsoft.com/office/powerpoint/2010/main" val="130507571"/>
-      </p:ext>
-    </p:extLst>
-  </p:cSld>
-  <p:clrMapOvr>
-    <a:masterClrMapping/>
-  </p:clrMapOvr>
+  <p:timing>
+    <p:tnLst>
+      <p:par>
+        <p:cTn id="1" dur="indefinite" restart="never" nodeType="tmRoot"/>
+      </p:par>
+    </p:tnLst>
+  </p:timing>
 </p:sld>
 </file>
 
@@ -9705,7 +11804,7 @@
             <a:pPr algn="l"/>
             <a:r>
               <a:rPr lang="es-ES" dirty="0" smtClean="0"/>
-              <a:t>Trabajo futuro</a:t>
+              <a:t>Índice</a:t>
             </a:r>
             <a:endParaRPr lang="es-ES" dirty="0"/>
           </a:p>
@@ -9727,6 +11826,255 @@
           <a:lstStyle/>
           <a:p>
             <a:r>
+              <a:rPr lang="es-ES" dirty="0" smtClean="0">
+                <a:solidFill>
+                  <a:schemeClr val="tx1">
+                    <a:lumMod val="50000"/>
+                  </a:schemeClr>
+                </a:solidFill>
+              </a:rPr>
+              <a:t>Introducción</a:t>
+            </a:r>
+          </a:p>
+          <a:p>
+            <a:r>
+              <a:rPr lang="es-ES" dirty="0" smtClean="0">
+                <a:solidFill>
+                  <a:schemeClr val="tx1">
+                    <a:lumMod val="50000"/>
+                  </a:schemeClr>
+                </a:solidFill>
+              </a:rPr>
+              <a:t>Estado del arte</a:t>
+            </a:r>
+          </a:p>
+          <a:p>
+            <a:r>
+              <a:rPr lang="es-ES" dirty="0" smtClean="0">
+                <a:solidFill>
+                  <a:schemeClr val="tx1">
+                    <a:lumMod val="50000"/>
+                  </a:schemeClr>
+                </a:solidFill>
+              </a:rPr>
+              <a:t>Análisis, diseño, desarrollo</a:t>
+            </a:r>
+          </a:p>
+          <a:p>
+            <a:r>
+              <a:rPr lang="es-ES" dirty="0" smtClean="0">
+                <a:solidFill>
+                  <a:schemeClr val="tx1">
+                    <a:lumMod val="50000"/>
+                  </a:schemeClr>
+                </a:solidFill>
+              </a:rPr>
+              <a:t>Pruebas</a:t>
+            </a:r>
+          </a:p>
+          <a:p>
+            <a:r>
+              <a:rPr lang="es-ES" dirty="0" smtClean="0"/>
+              <a:t>Conclusiones y trabajo futuro</a:t>
+            </a:r>
+          </a:p>
+        </p:txBody>
+      </p:sp>
+    </p:spTree>
+    <p:extLst>
+      <p:ext uri="{BB962C8B-B14F-4D97-AF65-F5344CB8AC3E}">
+        <p14:creationId xmlns:p14="http://schemas.microsoft.com/office/powerpoint/2010/main" val="4045646826"/>
+      </p:ext>
+    </p:extLst>
+  </p:cSld>
+  <p:clrMapOvr>
+    <a:masterClrMapping/>
+  </p:clrMapOvr>
+  <p:timing>
+    <p:tnLst>
+      <p:par>
+        <p:cTn id="1" dur="indefinite" restart="never" nodeType="tmRoot"/>
+      </p:par>
+    </p:tnLst>
+  </p:timing>
+</p:sld>
+</file>
+
+<file path=ppt/slides/slide33.xml><?xml version="1.0" encoding="utf-8"?>
+<p:sld xmlns:a="http://schemas.openxmlformats.org/drawingml/2006/main" xmlns:r="http://schemas.openxmlformats.org/officeDocument/2006/relationships" xmlns:p="http://schemas.openxmlformats.org/presentationml/2006/main">
+  <p:cSld>
+    <p:spTree>
+      <p:nvGrpSpPr>
+        <p:cNvPr id="1" name=""/>
+        <p:cNvGrpSpPr/>
+        <p:nvPr/>
+      </p:nvGrpSpPr>
+      <p:grpSpPr>
+        <a:xfrm>
+          <a:off x="0" y="0"/>
+          <a:ext cx="0" cy="0"/>
+          <a:chOff x="0" y="0"/>
+          <a:chExt cx="0" cy="0"/>
+        </a:xfrm>
+      </p:grpSpPr>
+      <p:sp>
+        <p:nvSpPr>
+          <p:cNvPr id="2" name="1 Título"/>
+          <p:cNvSpPr>
+            <a:spLocks noGrp="1"/>
+          </p:cNvSpPr>
+          <p:nvPr>
+            <p:ph type="title"/>
+          </p:nvPr>
+        </p:nvSpPr>
+        <p:spPr/>
+        <p:txBody>
+          <a:bodyPr/>
+          <a:lstStyle/>
+          <a:p>
+            <a:pPr algn="l"/>
+            <a:r>
+              <a:rPr lang="es-ES" dirty="0" smtClean="0"/>
+              <a:t>Conclusiones</a:t>
+            </a:r>
+            <a:endParaRPr lang="es-ES" dirty="0"/>
+          </a:p>
+        </p:txBody>
+      </p:sp>
+      <p:sp>
+        <p:nvSpPr>
+          <p:cNvPr id="3" name="2 Marcador de contenido"/>
+          <p:cNvSpPr>
+            <a:spLocks noGrp="1"/>
+          </p:cNvSpPr>
+          <p:nvPr>
+            <p:ph idx="1"/>
+          </p:nvPr>
+        </p:nvSpPr>
+        <p:spPr/>
+        <p:txBody>
+          <a:bodyPr>
+            <a:normAutofit fontScale="92500" lnSpcReduction="20000"/>
+          </a:bodyPr>
+          <a:lstStyle/>
+          <a:p>
+            <a:r>
+              <a:rPr lang="es-ES" dirty="0" smtClean="0"/>
+              <a:t>Todos los objetivos se han cumplido</a:t>
+            </a:r>
+          </a:p>
+          <a:p>
+            <a:r>
+              <a:rPr lang="es-ES" dirty="0" smtClean="0"/>
+              <a:t>Se ha creado un sistema adaptativo de cuestionarios con ficheros multimedia, retroalimentación instantánea y análisis automático de resultados</a:t>
+            </a:r>
+          </a:p>
+          <a:p>
+            <a:r>
+              <a:rPr lang="es-ES" dirty="0" smtClean="0"/>
+              <a:t>Dos prototipos </a:t>
+            </a:r>
+            <a:r>
+              <a:rPr lang="es-ES" dirty="0" smtClean="0"/>
+              <a:t>incrementales</a:t>
+            </a:r>
+            <a:r>
+              <a:rPr lang="es-ES" dirty="0" smtClean="0"/>
+              <a:t> funcionales</a:t>
+            </a:r>
+          </a:p>
+          <a:p>
+            <a:r>
+              <a:rPr lang="es-ES" dirty="0" smtClean="0"/>
+              <a:t>Probado en dos asignaturas reales, con más de 100 alumnos de varias disciplinas distintas</a:t>
+            </a:r>
+          </a:p>
+          <a:p>
+            <a:r>
+              <a:rPr lang="es-ES" dirty="0" smtClean="0"/>
+              <a:t>Resultados parciales validados y publicados en congresos y revistas</a:t>
+            </a:r>
+            <a:endParaRPr lang="es-ES" dirty="0"/>
+          </a:p>
+        </p:txBody>
+      </p:sp>
+    </p:spTree>
+    <p:extLst>
+      <p:ext uri="{BB962C8B-B14F-4D97-AF65-F5344CB8AC3E}">
+        <p14:creationId xmlns:p14="http://schemas.microsoft.com/office/powerpoint/2010/main" val="130507571"/>
+      </p:ext>
+    </p:extLst>
+  </p:cSld>
+  <p:clrMapOvr>
+    <a:masterClrMapping/>
+  </p:clrMapOvr>
+  <p:timing>
+    <p:tnLst>
+      <p:par>
+        <p:cTn id="1" dur="indefinite" restart="never" nodeType="tmRoot"/>
+      </p:par>
+    </p:tnLst>
+  </p:timing>
+</p:sld>
+</file>
+
+<file path=ppt/slides/slide34.xml><?xml version="1.0" encoding="utf-8"?>
+<p:sld xmlns:a="http://schemas.openxmlformats.org/drawingml/2006/main" xmlns:r="http://schemas.openxmlformats.org/officeDocument/2006/relationships" xmlns:p="http://schemas.openxmlformats.org/presentationml/2006/main">
+  <p:cSld>
+    <p:spTree>
+      <p:nvGrpSpPr>
+        <p:cNvPr id="1" name=""/>
+        <p:cNvGrpSpPr/>
+        <p:nvPr/>
+      </p:nvGrpSpPr>
+      <p:grpSpPr>
+        <a:xfrm>
+          <a:off x="0" y="0"/>
+          <a:ext cx="0" cy="0"/>
+          <a:chOff x="0" y="0"/>
+          <a:chExt cx="0" cy="0"/>
+        </a:xfrm>
+      </p:grpSpPr>
+      <p:sp>
+        <p:nvSpPr>
+          <p:cNvPr id="2" name="1 Título"/>
+          <p:cNvSpPr>
+            <a:spLocks noGrp="1"/>
+          </p:cNvSpPr>
+          <p:nvPr>
+            <p:ph type="title"/>
+          </p:nvPr>
+        </p:nvSpPr>
+        <p:spPr/>
+        <p:txBody>
+          <a:bodyPr/>
+          <a:lstStyle/>
+          <a:p>
+            <a:pPr algn="l"/>
+            <a:r>
+              <a:rPr lang="es-ES" dirty="0" smtClean="0"/>
+              <a:t>Trabajo futuro</a:t>
+            </a:r>
+            <a:endParaRPr lang="es-ES" dirty="0"/>
+          </a:p>
+        </p:txBody>
+      </p:sp>
+      <p:sp>
+        <p:nvSpPr>
+          <p:cNvPr id="3" name="2 Marcador de contenido"/>
+          <p:cNvSpPr>
+            <a:spLocks noGrp="1"/>
+          </p:cNvSpPr>
+          <p:nvPr>
+            <p:ph idx="1"/>
+          </p:nvPr>
+        </p:nvSpPr>
+        <p:spPr/>
+        <p:txBody>
+          <a:bodyPr/>
+          <a:lstStyle/>
+          <a:p>
+            <a:r>
               <a:rPr lang="es-ES" dirty="0" smtClean="0"/>
               <a:t>Ampliar las opciones del análisis de resultados. Añadir visualización de resultados</a:t>
             </a:r>
@@ -9774,10 +12122,17 @@
   <p:clrMapOvr>
     <a:masterClrMapping/>
   </p:clrMapOvr>
+  <p:timing>
+    <p:tnLst>
+      <p:par>
+        <p:cTn id="1" dur="indefinite" restart="never" nodeType="tmRoot"/>
+      </p:par>
+    </p:tnLst>
+  </p:timing>
 </p:sld>
 </file>
 
-<file path=ppt/slides/slide33.xml><?xml version="1.0" encoding="utf-8"?>
+<file path=ppt/slides/slide35.xml><?xml version="1.0" encoding="utf-8"?>
 <p:sld xmlns:a="http://schemas.openxmlformats.org/drawingml/2006/main" xmlns:r="http://schemas.openxmlformats.org/officeDocument/2006/relationships" xmlns:p="http://schemas.openxmlformats.org/presentationml/2006/main">
   <p:cSld>
     <p:spTree>
@@ -9934,6 +12289,13 @@
   <p:clrMapOvr>
     <a:masterClrMapping/>
   </p:clrMapOvr>
+  <p:timing>
+    <p:tnLst>
+      <p:par>
+        <p:cTn id="1" dur="indefinite" restart="never" nodeType="tmRoot"/>
+      </p:par>
+    </p:tnLst>
+  </p:timing>
 </p:sld>
 </file>
 
@@ -10052,6 +12414,13 @@
   <p:clrMapOvr>
     <a:masterClrMapping/>
   </p:clrMapOvr>
+  <p:timing>
+    <p:tnLst>
+      <p:par>
+        <p:cTn id="1" dur="indefinite" restart="never" nodeType="tmRoot"/>
+      </p:par>
+    </p:tnLst>
+  </p:timing>
 </p:sld>
 </file>
 
@@ -10209,6 +12578,13 @@
   <p:clrMapOvr>
     <a:masterClrMapping/>
   </p:clrMapOvr>
+  <p:timing>
+    <p:tnLst>
+      <p:par>
+        <p:cTn id="1" dur="indefinite" restart="never" nodeType="tmRoot"/>
+      </p:par>
+    </p:tnLst>
+  </p:timing>
 </p:sld>
 </file>
 
@@ -10275,7 +12651,6 @@
                 <a:solidFill>
                   <a:schemeClr val="tx1">
                     <a:lumMod val="50000"/>
-                    <a:lumOff val="50000"/>
                   </a:schemeClr>
                 </a:solidFill>
               </a:rPr>
@@ -10342,7 +12717,6 @@
                 <a:solidFill>
                   <a:schemeClr val="tx1">
                     <a:lumMod val="50000"/>
-                    <a:lumOff val="50000"/>
                   </a:schemeClr>
                 </a:solidFill>
               </a:rPr>
@@ -10355,7 +12729,6 @@
                 <a:solidFill>
                   <a:schemeClr val="tx1">
                     <a:lumMod val="50000"/>
-                    <a:lumOff val="50000"/>
                   </a:schemeClr>
                 </a:solidFill>
               </a:rPr>
@@ -10368,7 +12741,6 @@
                 <a:solidFill>
                   <a:schemeClr val="tx1">
                     <a:lumMod val="50000"/>
-                    <a:lumOff val="50000"/>
                   </a:schemeClr>
                 </a:solidFill>
               </a:rPr>
@@ -10387,6 +12759,13 @@
   <p:clrMapOvr>
     <a:masterClrMapping/>
   </p:clrMapOvr>
+  <p:timing>
+    <p:tnLst>
+      <p:par>
+        <p:cTn id="1" dur="indefinite" restart="never" nodeType="tmRoot"/>
+      </p:par>
+    </p:tnLst>
+  </p:timing>
 </p:sld>
 </file>
 
@@ -10486,8 +12865,8 @@
         </p:blipFill>
         <p:spPr>
           <a:xfrm>
-            <a:off x="2195736" y="1418497"/>
-            <a:ext cx="4781499" cy="5411984"/>
+            <a:off x="2641276" y="1678907"/>
+            <a:ext cx="3861448" cy="4368549"/>
           </a:xfrm>
         </p:spPr>
       </p:pic>
@@ -10501,6 +12880,13 @@
   <p:clrMapOvr>
     <a:masterClrMapping/>
   </p:clrMapOvr>
+  <p:timing>
+    <p:tnLst>
+      <p:par>
+        <p:cTn id="1" dur="indefinite" restart="never" nodeType="tmRoot"/>
+      </p:par>
+    </p:tnLst>
+  </p:timing>
 </p:sld>
 </file>
 
@@ -10567,35 +12953,1885 @@
           </a:p>
         </p:txBody>
       </p:sp>
-      <p:pic>
-        <p:nvPicPr>
-          <p:cNvPr id="4" name="3 Marcador de contenido"/>
-          <p:cNvPicPr>
-            <a:picLocks noGrp="1" noChangeAspect="1"/>
-          </p:cNvPicPr>
-          <p:nvPr>
-            <p:ph idx="1"/>
-          </p:nvPr>
-        </p:nvPicPr>
-        <p:blipFill>
-          <a:blip r:embed="rId2">
+      <p:grpSp>
+        <p:nvGrpSpPr>
+          <p:cNvPr id="36" name="35 Grupo"/>
+          <p:cNvGrpSpPr/>
+          <p:nvPr/>
+        </p:nvGrpSpPr>
+        <p:grpSpPr>
+          <a:xfrm>
+            <a:off x="1399381" y="1916832"/>
+            <a:ext cx="6345238" cy="4214812"/>
+            <a:chOff x="1282700" y="957263"/>
+            <a:chExt cx="6345238" cy="4214812"/>
+          </a:xfrm>
+        </p:grpSpPr>
+        <p:sp>
+          <p:nvSpPr>
+            <p:cNvPr id="21" name="20 Rectángulo"/>
+            <p:cNvSpPr/>
+            <p:nvPr/>
+          </p:nvSpPr>
+          <p:spPr bwMode="auto">
+            <a:xfrm>
+              <a:off x="5027613" y="4233863"/>
+              <a:ext cx="2600325" cy="938212"/>
+            </a:xfrm>
+            <a:prstGeom prst="rect">
+              <a:avLst/>
+            </a:prstGeom>
+            <a:gradFill rotWithShape="1">
+              <a:gsLst>
+                <a:gs pos="0">
+                  <a:srgbClr val="2D2D8A">
+                    <a:tint val="50000"/>
+                    <a:satMod val="300000"/>
+                  </a:srgbClr>
+                </a:gs>
+                <a:gs pos="35000">
+                  <a:srgbClr val="2D2D8A">
+                    <a:tint val="37000"/>
+                    <a:satMod val="300000"/>
+                  </a:srgbClr>
+                </a:gs>
+                <a:gs pos="100000">
+                  <a:srgbClr val="2D2D8A">
+                    <a:tint val="15000"/>
+                    <a:satMod val="350000"/>
+                  </a:srgbClr>
+                </a:gs>
+              </a:gsLst>
+              <a:lin ang="16200000" scaled="1"/>
+            </a:gradFill>
+            <a:ln w="9525" cap="flat" cmpd="sng" algn="ctr">
+              <a:solidFill>
+                <a:srgbClr val="2D2D8A">
+                  <a:shade val="95000"/>
+                  <a:satMod val="105000"/>
+                </a:srgbClr>
+              </a:solidFill>
+              <a:prstDash val="solid"/>
+              <a:headEnd type="none" w="med" len="med"/>
+              <a:tailEnd type="none" w="med" len="med"/>
+            </a:ln>
+            <a:effectLst>
+              <a:outerShdw blurRad="40000" dist="20000" dir="5400000" rotWithShape="0">
+                <a:srgbClr val="000000">
+                  <a:alpha val="38000"/>
+                </a:srgbClr>
+              </a:outerShdw>
+            </a:effectLst>
+          </p:spPr>
+          <p:txBody>
+            <a:bodyPr/>
+            <a:lstStyle>
+              <a:lvl1pPr eaLnBrk="0" hangingPunct="0">
+                <a:lnSpc>
+                  <a:spcPct val="98000"/>
+                </a:lnSpc>
+                <a:buClr>
+                  <a:srgbClr val="000000"/>
+                </a:buClr>
+                <a:buSzPct val="45000"/>
+                <a:buFont typeface="Wingdings" pitchFamily="2" charset="2"/>
+                <a:defRPr>
+                  <a:solidFill>
+                    <a:schemeClr val="tx1"/>
+                  </a:solidFill>
+                  <a:latin typeface="DejaVu Sans" pitchFamily="34" charset="0"/>
+                </a:defRPr>
+              </a:lvl1pPr>
+              <a:lvl2pPr marL="742950" indent="-285750" eaLnBrk="0" hangingPunct="0">
+                <a:lnSpc>
+                  <a:spcPct val="98000"/>
+                </a:lnSpc>
+                <a:buClr>
+                  <a:srgbClr val="000000"/>
+                </a:buClr>
+                <a:buSzPct val="45000"/>
+                <a:buFont typeface="Wingdings" pitchFamily="2" charset="2"/>
+                <a:defRPr>
+                  <a:solidFill>
+                    <a:schemeClr val="tx1"/>
+                  </a:solidFill>
+                  <a:latin typeface="DejaVu Sans" pitchFamily="34" charset="0"/>
+                </a:defRPr>
+              </a:lvl2pPr>
+              <a:lvl3pPr marL="1143000" indent="-228600" eaLnBrk="0" hangingPunct="0">
+                <a:lnSpc>
+                  <a:spcPct val="98000"/>
+                </a:lnSpc>
+                <a:buClr>
+                  <a:srgbClr val="000000"/>
+                </a:buClr>
+                <a:buSzPct val="45000"/>
+                <a:buFont typeface="Wingdings" pitchFamily="2" charset="2"/>
+                <a:defRPr>
+                  <a:solidFill>
+                    <a:schemeClr val="tx1"/>
+                  </a:solidFill>
+                  <a:latin typeface="DejaVu Sans" pitchFamily="34" charset="0"/>
+                </a:defRPr>
+              </a:lvl3pPr>
+              <a:lvl4pPr marL="1600200" indent="-228600" eaLnBrk="0" hangingPunct="0">
+                <a:lnSpc>
+                  <a:spcPct val="98000"/>
+                </a:lnSpc>
+                <a:buClr>
+                  <a:srgbClr val="000000"/>
+                </a:buClr>
+                <a:buSzPct val="45000"/>
+                <a:buFont typeface="Wingdings" pitchFamily="2" charset="2"/>
+                <a:defRPr>
+                  <a:solidFill>
+                    <a:schemeClr val="tx1"/>
+                  </a:solidFill>
+                  <a:latin typeface="DejaVu Sans" pitchFamily="34" charset="0"/>
+                </a:defRPr>
+              </a:lvl4pPr>
+              <a:lvl5pPr marL="2057400" indent="-228600" eaLnBrk="0" hangingPunct="0">
+                <a:lnSpc>
+                  <a:spcPct val="98000"/>
+                </a:lnSpc>
+                <a:buClr>
+                  <a:srgbClr val="000000"/>
+                </a:buClr>
+                <a:buSzPct val="45000"/>
+                <a:buFont typeface="Wingdings" pitchFamily="2" charset="2"/>
+                <a:defRPr>
+                  <a:solidFill>
+                    <a:schemeClr val="tx1"/>
+                  </a:solidFill>
+                  <a:latin typeface="DejaVu Sans" pitchFamily="34" charset="0"/>
+                </a:defRPr>
+              </a:lvl5pPr>
+              <a:lvl6pPr marL="2514600" indent="-228600" eaLnBrk="0" fontAlgn="base" hangingPunct="0">
+                <a:lnSpc>
+                  <a:spcPct val="98000"/>
+                </a:lnSpc>
+                <a:spcBef>
+                  <a:spcPct val="0"/>
+                </a:spcBef>
+                <a:spcAft>
+                  <a:spcPct val="0"/>
+                </a:spcAft>
+                <a:buClr>
+                  <a:srgbClr val="000000"/>
+                </a:buClr>
+                <a:buSzPct val="45000"/>
+                <a:buFont typeface="Wingdings" pitchFamily="2" charset="2"/>
+                <a:defRPr>
+                  <a:solidFill>
+                    <a:schemeClr val="tx1"/>
+                  </a:solidFill>
+                  <a:latin typeface="DejaVu Sans" pitchFamily="34" charset="0"/>
+                </a:defRPr>
+              </a:lvl6pPr>
+              <a:lvl7pPr marL="2971800" indent="-228600" eaLnBrk="0" fontAlgn="base" hangingPunct="0">
+                <a:lnSpc>
+                  <a:spcPct val="98000"/>
+                </a:lnSpc>
+                <a:spcBef>
+                  <a:spcPct val="0"/>
+                </a:spcBef>
+                <a:spcAft>
+                  <a:spcPct val="0"/>
+                </a:spcAft>
+                <a:buClr>
+                  <a:srgbClr val="000000"/>
+                </a:buClr>
+                <a:buSzPct val="45000"/>
+                <a:buFont typeface="Wingdings" pitchFamily="2" charset="2"/>
+                <a:defRPr>
+                  <a:solidFill>
+                    <a:schemeClr val="tx1"/>
+                  </a:solidFill>
+                  <a:latin typeface="DejaVu Sans" pitchFamily="34" charset="0"/>
+                </a:defRPr>
+              </a:lvl7pPr>
+              <a:lvl8pPr marL="3429000" indent="-228600" eaLnBrk="0" fontAlgn="base" hangingPunct="0">
+                <a:lnSpc>
+                  <a:spcPct val="98000"/>
+                </a:lnSpc>
+                <a:spcBef>
+                  <a:spcPct val="0"/>
+                </a:spcBef>
+                <a:spcAft>
+                  <a:spcPct val="0"/>
+                </a:spcAft>
+                <a:buClr>
+                  <a:srgbClr val="000000"/>
+                </a:buClr>
+                <a:buSzPct val="45000"/>
+                <a:buFont typeface="Wingdings" pitchFamily="2" charset="2"/>
+                <a:defRPr>
+                  <a:solidFill>
+                    <a:schemeClr val="tx1"/>
+                  </a:solidFill>
+                  <a:latin typeface="DejaVu Sans" pitchFamily="34" charset="0"/>
+                </a:defRPr>
+              </a:lvl8pPr>
+              <a:lvl9pPr marL="3886200" indent="-228600" eaLnBrk="0" fontAlgn="base" hangingPunct="0">
+                <a:lnSpc>
+                  <a:spcPct val="98000"/>
+                </a:lnSpc>
+                <a:spcBef>
+                  <a:spcPct val="0"/>
+                </a:spcBef>
+                <a:spcAft>
+                  <a:spcPct val="0"/>
+                </a:spcAft>
+                <a:buClr>
+                  <a:srgbClr val="000000"/>
+                </a:buClr>
+                <a:buSzPct val="45000"/>
+                <a:buFont typeface="Wingdings" pitchFamily="2" charset="2"/>
+                <a:defRPr>
+                  <a:solidFill>
+                    <a:schemeClr val="tx1"/>
+                  </a:solidFill>
+                  <a:latin typeface="DejaVu Sans" pitchFamily="34" charset="0"/>
+                </a:defRPr>
+              </a:lvl9pPr>
+            </a:lstStyle>
+            <a:p>
+              <a:pPr marL="0" marR="0" lvl="0" indent="0" algn="ctr" defTabSz="914400" eaLnBrk="1" fontAlgn="base" latinLnBrk="0" hangingPunct="1">
+                <a:lnSpc>
+                  <a:spcPct val="100000"/>
+                </a:lnSpc>
+                <a:spcBef>
+                  <a:spcPct val="0"/>
+                </a:spcBef>
+                <a:spcAft>
+                  <a:spcPct val="0"/>
+                </a:spcAft>
+                <a:buClrTx/>
+                <a:buSzTx/>
+                <a:buFontTx/>
+                <a:buNone/>
+                <a:tabLst/>
+                <a:defRPr/>
+              </a:pPr>
+              <a:r>
+                <a:rPr kumimoji="0" lang="es-ES" altLang="es-ES" sz="2000" b="1" i="0" u="none" strike="noStrike" kern="0" cap="none" spc="0" normalizeH="0" baseline="0" noProof="0" dirty="0" smtClean="0">
+                  <a:ln>
+                    <a:noFill/>
+                  </a:ln>
+                  <a:solidFill>
+                    <a:srgbClr val="000000"/>
+                  </a:solidFill>
+                  <a:effectLst/>
+                  <a:uLnTx/>
+                  <a:uFillTx/>
+                  <a:latin typeface="Arial" pitchFamily="34" charset="0"/>
+                  <a:ea typeface="+mn-ea"/>
+                  <a:cs typeface="+mn-cs"/>
+                </a:rPr>
+                <a:t>Modelo</a:t>
+              </a:r>
+              <a:r>
+                <a:rPr kumimoji="0" lang="en-US" altLang="es-ES" sz="2000" b="1" i="0" u="none" strike="noStrike" kern="0" cap="none" spc="0" normalizeH="0" baseline="0" noProof="0" dirty="0" smtClean="0">
+                  <a:ln>
+                    <a:noFill/>
+                  </a:ln>
+                  <a:solidFill>
+                    <a:srgbClr val="000000"/>
+                  </a:solidFill>
+                  <a:effectLst/>
+                  <a:uLnTx/>
+                  <a:uFillTx/>
+                  <a:latin typeface="Arial" pitchFamily="34" charset="0"/>
+                  <a:ea typeface="+mn-ea"/>
+                  <a:cs typeface="+mn-cs"/>
+                </a:rPr>
+                <a:t> de los </a:t>
+              </a:r>
+              <a:r>
+                <a:rPr kumimoji="0" lang="es-ES" altLang="es-ES" sz="2000" b="1" i="0" u="none" strike="noStrike" kern="0" cap="none" spc="0" normalizeH="0" baseline="0" noProof="0" dirty="0" smtClean="0">
+                  <a:ln>
+                    <a:noFill/>
+                  </a:ln>
+                  <a:solidFill>
+                    <a:srgbClr val="000000"/>
+                  </a:solidFill>
+                  <a:effectLst/>
+                  <a:uLnTx/>
+                  <a:uFillTx/>
+                  <a:latin typeface="Arial" pitchFamily="34" charset="0"/>
+                  <a:ea typeface="+mn-ea"/>
+                  <a:cs typeface="+mn-cs"/>
+                </a:rPr>
+                <a:t>usuarios</a:t>
+              </a:r>
+            </a:p>
+          </p:txBody>
+        </p:sp>
+        <p:sp>
+          <p:nvSpPr>
+            <p:cNvPr id="22" name="21 Rectángulo"/>
+            <p:cNvSpPr/>
+            <p:nvPr/>
+          </p:nvSpPr>
+          <p:spPr bwMode="auto">
+            <a:xfrm>
+              <a:off x="5019675" y="2590800"/>
+              <a:ext cx="2600325" cy="938213"/>
+            </a:xfrm>
+            <a:prstGeom prst="rect">
+              <a:avLst/>
+            </a:prstGeom>
+            <a:gradFill rotWithShape="1">
+              <a:gsLst>
+                <a:gs pos="0">
+                  <a:srgbClr val="2D2D8A">
+                    <a:tint val="50000"/>
+                    <a:satMod val="300000"/>
+                  </a:srgbClr>
+                </a:gs>
+                <a:gs pos="35000">
+                  <a:srgbClr val="2D2D8A">
+                    <a:tint val="37000"/>
+                    <a:satMod val="300000"/>
+                  </a:srgbClr>
+                </a:gs>
+                <a:gs pos="100000">
+                  <a:srgbClr val="2D2D8A">
+                    <a:tint val="15000"/>
+                    <a:satMod val="350000"/>
+                  </a:srgbClr>
+                </a:gs>
+              </a:gsLst>
+              <a:lin ang="16200000" scaled="1"/>
+            </a:gradFill>
+            <a:ln w="9525" cap="flat" cmpd="sng" algn="ctr">
+              <a:solidFill>
+                <a:srgbClr val="2D2D8A">
+                  <a:shade val="95000"/>
+                  <a:satMod val="105000"/>
+                </a:srgbClr>
+              </a:solidFill>
+              <a:prstDash val="solid"/>
+              <a:headEnd type="none" w="med" len="med"/>
+              <a:tailEnd type="none" w="med" len="med"/>
+            </a:ln>
+            <a:effectLst>
+              <a:outerShdw blurRad="40000" dist="20000" dir="5400000" rotWithShape="0">
+                <a:srgbClr val="000000">
+                  <a:alpha val="38000"/>
+                </a:srgbClr>
+              </a:outerShdw>
+            </a:effectLst>
+          </p:spPr>
+          <p:txBody>
+            <a:bodyPr/>
+            <a:lstStyle>
+              <a:lvl1pPr eaLnBrk="0" hangingPunct="0">
+                <a:lnSpc>
+                  <a:spcPct val="98000"/>
+                </a:lnSpc>
+                <a:buClr>
+                  <a:srgbClr val="000000"/>
+                </a:buClr>
+                <a:buSzPct val="45000"/>
+                <a:buFont typeface="Wingdings" pitchFamily="2" charset="2"/>
+                <a:defRPr>
+                  <a:solidFill>
+                    <a:schemeClr val="tx1"/>
+                  </a:solidFill>
+                  <a:latin typeface="DejaVu Sans" pitchFamily="34" charset="0"/>
+                </a:defRPr>
+              </a:lvl1pPr>
+              <a:lvl2pPr marL="742950" indent="-285750" eaLnBrk="0" hangingPunct="0">
+                <a:lnSpc>
+                  <a:spcPct val="98000"/>
+                </a:lnSpc>
+                <a:buClr>
+                  <a:srgbClr val="000000"/>
+                </a:buClr>
+                <a:buSzPct val="45000"/>
+                <a:buFont typeface="Wingdings" pitchFamily="2" charset="2"/>
+                <a:defRPr>
+                  <a:solidFill>
+                    <a:schemeClr val="tx1"/>
+                  </a:solidFill>
+                  <a:latin typeface="DejaVu Sans" pitchFamily="34" charset="0"/>
+                </a:defRPr>
+              </a:lvl2pPr>
+              <a:lvl3pPr marL="1143000" indent="-228600" eaLnBrk="0" hangingPunct="0">
+                <a:lnSpc>
+                  <a:spcPct val="98000"/>
+                </a:lnSpc>
+                <a:buClr>
+                  <a:srgbClr val="000000"/>
+                </a:buClr>
+                <a:buSzPct val="45000"/>
+                <a:buFont typeface="Wingdings" pitchFamily="2" charset="2"/>
+                <a:defRPr>
+                  <a:solidFill>
+                    <a:schemeClr val="tx1"/>
+                  </a:solidFill>
+                  <a:latin typeface="DejaVu Sans" pitchFamily="34" charset="0"/>
+                </a:defRPr>
+              </a:lvl3pPr>
+              <a:lvl4pPr marL="1600200" indent="-228600" eaLnBrk="0" hangingPunct="0">
+                <a:lnSpc>
+                  <a:spcPct val="98000"/>
+                </a:lnSpc>
+                <a:buClr>
+                  <a:srgbClr val="000000"/>
+                </a:buClr>
+                <a:buSzPct val="45000"/>
+                <a:buFont typeface="Wingdings" pitchFamily="2" charset="2"/>
+                <a:defRPr>
+                  <a:solidFill>
+                    <a:schemeClr val="tx1"/>
+                  </a:solidFill>
+                  <a:latin typeface="DejaVu Sans" pitchFamily="34" charset="0"/>
+                </a:defRPr>
+              </a:lvl4pPr>
+              <a:lvl5pPr marL="2057400" indent="-228600" eaLnBrk="0" hangingPunct="0">
+                <a:lnSpc>
+                  <a:spcPct val="98000"/>
+                </a:lnSpc>
+                <a:buClr>
+                  <a:srgbClr val="000000"/>
+                </a:buClr>
+                <a:buSzPct val="45000"/>
+                <a:buFont typeface="Wingdings" pitchFamily="2" charset="2"/>
+                <a:defRPr>
+                  <a:solidFill>
+                    <a:schemeClr val="tx1"/>
+                  </a:solidFill>
+                  <a:latin typeface="DejaVu Sans" pitchFamily="34" charset="0"/>
+                </a:defRPr>
+              </a:lvl5pPr>
+              <a:lvl6pPr marL="2514600" indent="-228600" eaLnBrk="0" fontAlgn="base" hangingPunct="0">
+                <a:lnSpc>
+                  <a:spcPct val="98000"/>
+                </a:lnSpc>
+                <a:spcBef>
+                  <a:spcPct val="0"/>
+                </a:spcBef>
+                <a:spcAft>
+                  <a:spcPct val="0"/>
+                </a:spcAft>
+                <a:buClr>
+                  <a:srgbClr val="000000"/>
+                </a:buClr>
+                <a:buSzPct val="45000"/>
+                <a:buFont typeface="Wingdings" pitchFamily="2" charset="2"/>
+                <a:defRPr>
+                  <a:solidFill>
+                    <a:schemeClr val="tx1"/>
+                  </a:solidFill>
+                  <a:latin typeface="DejaVu Sans" pitchFamily="34" charset="0"/>
+                </a:defRPr>
+              </a:lvl6pPr>
+              <a:lvl7pPr marL="2971800" indent="-228600" eaLnBrk="0" fontAlgn="base" hangingPunct="0">
+                <a:lnSpc>
+                  <a:spcPct val="98000"/>
+                </a:lnSpc>
+                <a:spcBef>
+                  <a:spcPct val="0"/>
+                </a:spcBef>
+                <a:spcAft>
+                  <a:spcPct val="0"/>
+                </a:spcAft>
+                <a:buClr>
+                  <a:srgbClr val="000000"/>
+                </a:buClr>
+                <a:buSzPct val="45000"/>
+                <a:buFont typeface="Wingdings" pitchFamily="2" charset="2"/>
+                <a:defRPr>
+                  <a:solidFill>
+                    <a:schemeClr val="tx1"/>
+                  </a:solidFill>
+                  <a:latin typeface="DejaVu Sans" pitchFamily="34" charset="0"/>
+                </a:defRPr>
+              </a:lvl7pPr>
+              <a:lvl8pPr marL="3429000" indent="-228600" eaLnBrk="0" fontAlgn="base" hangingPunct="0">
+                <a:lnSpc>
+                  <a:spcPct val="98000"/>
+                </a:lnSpc>
+                <a:spcBef>
+                  <a:spcPct val="0"/>
+                </a:spcBef>
+                <a:spcAft>
+                  <a:spcPct val="0"/>
+                </a:spcAft>
+                <a:buClr>
+                  <a:srgbClr val="000000"/>
+                </a:buClr>
+                <a:buSzPct val="45000"/>
+                <a:buFont typeface="Wingdings" pitchFamily="2" charset="2"/>
+                <a:defRPr>
+                  <a:solidFill>
+                    <a:schemeClr val="tx1"/>
+                  </a:solidFill>
+                  <a:latin typeface="DejaVu Sans" pitchFamily="34" charset="0"/>
+                </a:defRPr>
+              </a:lvl8pPr>
+              <a:lvl9pPr marL="3886200" indent="-228600" eaLnBrk="0" fontAlgn="base" hangingPunct="0">
+                <a:lnSpc>
+                  <a:spcPct val="98000"/>
+                </a:lnSpc>
+                <a:spcBef>
+                  <a:spcPct val="0"/>
+                </a:spcBef>
+                <a:spcAft>
+                  <a:spcPct val="0"/>
+                </a:spcAft>
+                <a:buClr>
+                  <a:srgbClr val="000000"/>
+                </a:buClr>
+                <a:buSzPct val="45000"/>
+                <a:buFont typeface="Wingdings" pitchFamily="2" charset="2"/>
+                <a:defRPr>
+                  <a:solidFill>
+                    <a:schemeClr val="tx1"/>
+                  </a:solidFill>
+                  <a:latin typeface="DejaVu Sans" pitchFamily="34" charset="0"/>
+                </a:defRPr>
+              </a:lvl9pPr>
+            </a:lstStyle>
+            <a:p>
+              <a:pPr marL="0" marR="0" lvl="0" indent="0" algn="ctr" defTabSz="914400" eaLnBrk="1" fontAlgn="base" latinLnBrk="0" hangingPunct="1">
+                <a:lnSpc>
+                  <a:spcPct val="100000"/>
+                </a:lnSpc>
+                <a:spcBef>
+                  <a:spcPct val="0"/>
+                </a:spcBef>
+                <a:spcAft>
+                  <a:spcPct val="0"/>
+                </a:spcAft>
+                <a:buClrTx/>
+                <a:buSzTx/>
+                <a:buFontTx/>
+                <a:buNone/>
+                <a:tabLst/>
+                <a:defRPr/>
+              </a:pPr>
+              <a:r>
+                <a:rPr kumimoji="0" lang="en-US" altLang="es-ES" sz="2000" b="1" i="0" u="none" strike="noStrike" kern="0" cap="none" spc="0" normalizeH="0" baseline="0" noProof="0" dirty="0" smtClean="0">
+                  <a:ln>
+                    <a:noFill/>
+                  </a:ln>
+                  <a:solidFill>
+                    <a:srgbClr val="000000"/>
+                  </a:solidFill>
+                  <a:effectLst/>
+                  <a:uLnTx/>
+                  <a:uFillTx/>
+                  <a:latin typeface="Arial" pitchFamily="34" charset="0"/>
+                  <a:ea typeface="+mn-ea"/>
+                  <a:cs typeface="+mn-cs"/>
+                </a:rPr>
+                <a:t>Motor de </a:t>
+              </a:r>
+              <a:r>
+                <a:rPr kumimoji="0" lang="es-ES" altLang="es-ES" sz="2000" b="1" i="0" u="none" strike="noStrike" kern="0" cap="none" spc="0" normalizeH="0" baseline="0" noProof="0" dirty="0" smtClean="0">
+                  <a:ln>
+                    <a:noFill/>
+                  </a:ln>
+                  <a:solidFill>
+                    <a:srgbClr val="000000"/>
+                  </a:solidFill>
+                  <a:effectLst/>
+                  <a:uLnTx/>
+                  <a:uFillTx/>
+                  <a:latin typeface="Arial" pitchFamily="34" charset="0"/>
+                  <a:ea typeface="+mn-ea"/>
+                  <a:cs typeface="+mn-cs"/>
+                </a:rPr>
+                <a:t>adaptación</a:t>
+              </a:r>
+            </a:p>
+          </p:txBody>
+        </p:sp>
+        <p:sp>
+          <p:nvSpPr>
+            <p:cNvPr id="23" name="22 Rectángulo"/>
+            <p:cNvSpPr/>
+            <p:nvPr/>
+          </p:nvSpPr>
+          <p:spPr bwMode="auto">
+            <a:xfrm>
+              <a:off x="5019675" y="1065213"/>
+              <a:ext cx="2600325" cy="938212"/>
+            </a:xfrm>
+            <a:prstGeom prst="rect">
+              <a:avLst/>
+            </a:prstGeom>
+            <a:gradFill rotWithShape="1">
+              <a:gsLst>
+                <a:gs pos="0">
+                  <a:srgbClr val="2D2D8A">
+                    <a:tint val="50000"/>
+                    <a:satMod val="300000"/>
+                  </a:srgbClr>
+                </a:gs>
+                <a:gs pos="35000">
+                  <a:srgbClr val="2D2D8A">
+                    <a:tint val="37000"/>
+                    <a:satMod val="300000"/>
+                  </a:srgbClr>
+                </a:gs>
+                <a:gs pos="100000">
+                  <a:srgbClr val="2D2D8A">
+                    <a:tint val="15000"/>
+                    <a:satMod val="350000"/>
+                  </a:srgbClr>
+                </a:gs>
+              </a:gsLst>
+              <a:lin ang="16200000" scaled="1"/>
+            </a:gradFill>
+            <a:ln w="9525" cap="flat" cmpd="sng" algn="ctr">
+              <a:solidFill>
+                <a:srgbClr val="2D2D8A">
+                  <a:shade val="95000"/>
+                  <a:satMod val="105000"/>
+                </a:srgbClr>
+              </a:solidFill>
+              <a:prstDash val="solid"/>
+              <a:headEnd type="none" w="med" len="med"/>
+              <a:tailEnd type="none" w="med" len="med"/>
+            </a:ln>
+            <a:effectLst>
+              <a:outerShdw blurRad="40000" dist="20000" dir="5400000" rotWithShape="0">
+                <a:srgbClr val="000000">
+                  <a:alpha val="38000"/>
+                </a:srgbClr>
+              </a:outerShdw>
+            </a:effectLst>
+          </p:spPr>
+          <p:txBody>
+            <a:bodyPr/>
+            <a:lstStyle>
+              <a:lvl1pPr eaLnBrk="0" hangingPunct="0">
+                <a:lnSpc>
+                  <a:spcPct val="98000"/>
+                </a:lnSpc>
+                <a:buClr>
+                  <a:srgbClr val="000000"/>
+                </a:buClr>
+                <a:buSzPct val="45000"/>
+                <a:buFont typeface="Wingdings" pitchFamily="2" charset="2"/>
+                <a:defRPr>
+                  <a:solidFill>
+                    <a:schemeClr val="tx1"/>
+                  </a:solidFill>
+                  <a:latin typeface="DejaVu Sans" pitchFamily="34" charset="0"/>
+                </a:defRPr>
+              </a:lvl1pPr>
+              <a:lvl2pPr marL="742950" indent="-285750" eaLnBrk="0" hangingPunct="0">
+                <a:lnSpc>
+                  <a:spcPct val="98000"/>
+                </a:lnSpc>
+                <a:buClr>
+                  <a:srgbClr val="000000"/>
+                </a:buClr>
+                <a:buSzPct val="45000"/>
+                <a:buFont typeface="Wingdings" pitchFamily="2" charset="2"/>
+                <a:defRPr>
+                  <a:solidFill>
+                    <a:schemeClr val="tx1"/>
+                  </a:solidFill>
+                  <a:latin typeface="DejaVu Sans" pitchFamily="34" charset="0"/>
+                </a:defRPr>
+              </a:lvl2pPr>
+              <a:lvl3pPr marL="1143000" indent="-228600" eaLnBrk="0" hangingPunct="0">
+                <a:lnSpc>
+                  <a:spcPct val="98000"/>
+                </a:lnSpc>
+                <a:buClr>
+                  <a:srgbClr val="000000"/>
+                </a:buClr>
+                <a:buSzPct val="45000"/>
+                <a:buFont typeface="Wingdings" pitchFamily="2" charset="2"/>
+                <a:defRPr>
+                  <a:solidFill>
+                    <a:schemeClr val="tx1"/>
+                  </a:solidFill>
+                  <a:latin typeface="DejaVu Sans" pitchFamily="34" charset="0"/>
+                </a:defRPr>
+              </a:lvl3pPr>
+              <a:lvl4pPr marL="1600200" indent="-228600" eaLnBrk="0" hangingPunct="0">
+                <a:lnSpc>
+                  <a:spcPct val="98000"/>
+                </a:lnSpc>
+                <a:buClr>
+                  <a:srgbClr val="000000"/>
+                </a:buClr>
+                <a:buSzPct val="45000"/>
+                <a:buFont typeface="Wingdings" pitchFamily="2" charset="2"/>
+                <a:defRPr>
+                  <a:solidFill>
+                    <a:schemeClr val="tx1"/>
+                  </a:solidFill>
+                  <a:latin typeface="DejaVu Sans" pitchFamily="34" charset="0"/>
+                </a:defRPr>
+              </a:lvl4pPr>
+              <a:lvl5pPr marL="2057400" indent="-228600" eaLnBrk="0" hangingPunct="0">
+                <a:lnSpc>
+                  <a:spcPct val="98000"/>
+                </a:lnSpc>
+                <a:buClr>
+                  <a:srgbClr val="000000"/>
+                </a:buClr>
+                <a:buSzPct val="45000"/>
+                <a:buFont typeface="Wingdings" pitchFamily="2" charset="2"/>
+                <a:defRPr>
+                  <a:solidFill>
+                    <a:schemeClr val="tx1"/>
+                  </a:solidFill>
+                  <a:latin typeface="DejaVu Sans" pitchFamily="34" charset="0"/>
+                </a:defRPr>
+              </a:lvl5pPr>
+              <a:lvl6pPr marL="2514600" indent="-228600" eaLnBrk="0" fontAlgn="base" hangingPunct="0">
+                <a:lnSpc>
+                  <a:spcPct val="98000"/>
+                </a:lnSpc>
+                <a:spcBef>
+                  <a:spcPct val="0"/>
+                </a:spcBef>
+                <a:spcAft>
+                  <a:spcPct val="0"/>
+                </a:spcAft>
+                <a:buClr>
+                  <a:srgbClr val="000000"/>
+                </a:buClr>
+                <a:buSzPct val="45000"/>
+                <a:buFont typeface="Wingdings" pitchFamily="2" charset="2"/>
+                <a:defRPr>
+                  <a:solidFill>
+                    <a:schemeClr val="tx1"/>
+                  </a:solidFill>
+                  <a:latin typeface="DejaVu Sans" pitchFamily="34" charset="0"/>
+                </a:defRPr>
+              </a:lvl6pPr>
+              <a:lvl7pPr marL="2971800" indent="-228600" eaLnBrk="0" fontAlgn="base" hangingPunct="0">
+                <a:lnSpc>
+                  <a:spcPct val="98000"/>
+                </a:lnSpc>
+                <a:spcBef>
+                  <a:spcPct val="0"/>
+                </a:spcBef>
+                <a:spcAft>
+                  <a:spcPct val="0"/>
+                </a:spcAft>
+                <a:buClr>
+                  <a:srgbClr val="000000"/>
+                </a:buClr>
+                <a:buSzPct val="45000"/>
+                <a:buFont typeface="Wingdings" pitchFamily="2" charset="2"/>
+                <a:defRPr>
+                  <a:solidFill>
+                    <a:schemeClr val="tx1"/>
+                  </a:solidFill>
+                  <a:latin typeface="DejaVu Sans" pitchFamily="34" charset="0"/>
+                </a:defRPr>
+              </a:lvl7pPr>
+              <a:lvl8pPr marL="3429000" indent="-228600" eaLnBrk="0" fontAlgn="base" hangingPunct="0">
+                <a:lnSpc>
+                  <a:spcPct val="98000"/>
+                </a:lnSpc>
+                <a:spcBef>
+                  <a:spcPct val="0"/>
+                </a:spcBef>
+                <a:spcAft>
+                  <a:spcPct val="0"/>
+                </a:spcAft>
+                <a:buClr>
+                  <a:srgbClr val="000000"/>
+                </a:buClr>
+                <a:buSzPct val="45000"/>
+                <a:buFont typeface="Wingdings" pitchFamily="2" charset="2"/>
+                <a:defRPr>
+                  <a:solidFill>
+                    <a:schemeClr val="tx1"/>
+                  </a:solidFill>
+                  <a:latin typeface="DejaVu Sans" pitchFamily="34" charset="0"/>
+                </a:defRPr>
+              </a:lvl8pPr>
+              <a:lvl9pPr marL="3886200" indent="-228600" eaLnBrk="0" fontAlgn="base" hangingPunct="0">
+                <a:lnSpc>
+                  <a:spcPct val="98000"/>
+                </a:lnSpc>
+                <a:spcBef>
+                  <a:spcPct val="0"/>
+                </a:spcBef>
+                <a:spcAft>
+                  <a:spcPct val="0"/>
+                </a:spcAft>
+                <a:buClr>
+                  <a:srgbClr val="000000"/>
+                </a:buClr>
+                <a:buSzPct val="45000"/>
+                <a:buFont typeface="Wingdings" pitchFamily="2" charset="2"/>
+                <a:defRPr>
+                  <a:solidFill>
+                    <a:schemeClr val="tx1"/>
+                  </a:solidFill>
+                  <a:latin typeface="DejaVu Sans" pitchFamily="34" charset="0"/>
+                </a:defRPr>
+              </a:lvl9pPr>
+            </a:lstStyle>
+            <a:p>
+              <a:pPr marL="0" marR="0" lvl="0" indent="0" algn="ctr" defTabSz="914400" eaLnBrk="1" fontAlgn="base" latinLnBrk="0" hangingPunct="1">
+                <a:lnSpc>
+                  <a:spcPct val="100000"/>
+                </a:lnSpc>
+                <a:spcBef>
+                  <a:spcPct val="0"/>
+                </a:spcBef>
+                <a:spcAft>
+                  <a:spcPct val="0"/>
+                </a:spcAft>
+                <a:buClrTx/>
+                <a:buSzTx/>
+                <a:buFontTx/>
+                <a:buNone/>
+                <a:tabLst/>
+                <a:defRPr/>
+              </a:pPr>
+              <a:r>
+                <a:rPr kumimoji="0" lang="es-ES" altLang="es-ES" sz="2000" b="1" i="0" u="none" strike="noStrike" kern="0" cap="none" spc="0" normalizeH="0" baseline="0" noProof="0" dirty="0" smtClean="0">
+                  <a:ln>
+                    <a:noFill/>
+                  </a:ln>
+                  <a:solidFill>
+                    <a:srgbClr val="000000"/>
+                  </a:solidFill>
+                  <a:effectLst/>
+                  <a:uLnTx/>
+                  <a:uFillTx/>
+                  <a:latin typeface="Arial" pitchFamily="34" charset="0"/>
+                  <a:ea typeface="+mn-ea"/>
+                  <a:cs typeface="+mn-cs"/>
+                </a:rPr>
+                <a:t>Interfaz</a:t>
+              </a:r>
+              <a:r>
+                <a:rPr kumimoji="0" lang="en-US" altLang="es-ES" sz="2000" b="1" i="0" u="none" strike="noStrike" kern="0" cap="none" spc="0" normalizeH="0" baseline="0" noProof="0" dirty="0" smtClean="0">
+                  <a:ln>
+                    <a:noFill/>
+                  </a:ln>
+                  <a:solidFill>
+                    <a:srgbClr val="000000"/>
+                  </a:solidFill>
+                  <a:effectLst/>
+                  <a:uLnTx/>
+                  <a:uFillTx/>
+                  <a:latin typeface="Arial" pitchFamily="34" charset="0"/>
+                  <a:ea typeface="+mn-ea"/>
+                  <a:cs typeface="+mn-cs"/>
+                </a:rPr>
+                <a:t> de </a:t>
+              </a:r>
+              <a:r>
+                <a:rPr kumimoji="0" lang="es-ES" altLang="es-ES" sz="2000" b="1" i="0" u="none" strike="noStrike" kern="0" cap="none" spc="0" normalizeH="0" baseline="0" noProof="0" dirty="0" smtClean="0">
+                  <a:ln>
+                    <a:noFill/>
+                  </a:ln>
+                  <a:solidFill>
+                    <a:srgbClr val="000000"/>
+                  </a:solidFill>
+                  <a:effectLst/>
+                  <a:uLnTx/>
+                  <a:uFillTx/>
+                  <a:latin typeface="Arial" pitchFamily="34" charset="0"/>
+                  <a:ea typeface="+mn-ea"/>
+                  <a:cs typeface="+mn-cs"/>
+                </a:rPr>
+                <a:t>navegación</a:t>
+              </a:r>
+            </a:p>
+          </p:txBody>
+        </p:sp>
+        <p:sp>
+          <p:nvSpPr>
+            <p:cNvPr id="24" name="23 Rectángulo"/>
+            <p:cNvSpPr/>
+            <p:nvPr/>
+          </p:nvSpPr>
+          <p:spPr bwMode="auto">
+            <a:xfrm>
+              <a:off x="1282700" y="2590800"/>
+              <a:ext cx="2600325" cy="938213"/>
+            </a:xfrm>
+            <a:prstGeom prst="rect">
+              <a:avLst/>
+            </a:prstGeom>
+            <a:gradFill rotWithShape="1">
+              <a:gsLst>
+                <a:gs pos="0">
+                  <a:srgbClr val="2D2D8A">
+                    <a:tint val="50000"/>
+                    <a:satMod val="300000"/>
+                  </a:srgbClr>
+                </a:gs>
+                <a:gs pos="35000">
+                  <a:srgbClr val="2D2D8A">
+                    <a:tint val="37000"/>
+                    <a:satMod val="300000"/>
+                  </a:srgbClr>
+                </a:gs>
+                <a:gs pos="100000">
+                  <a:srgbClr val="2D2D8A">
+                    <a:tint val="15000"/>
+                    <a:satMod val="350000"/>
+                  </a:srgbClr>
+                </a:gs>
+              </a:gsLst>
+              <a:lin ang="16200000" scaled="1"/>
+            </a:gradFill>
+            <a:ln w="9525" cap="flat" cmpd="sng" algn="ctr">
+              <a:solidFill>
+                <a:srgbClr val="2D2D8A">
+                  <a:shade val="95000"/>
+                  <a:satMod val="105000"/>
+                </a:srgbClr>
+              </a:solidFill>
+              <a:prstDash val="solid"/>
+              <a:headEnd type="none" w="med" len="med"/>
+              <a:tailEnd type="none" w="med" len="med"/>
+            </a:ln>
+            <a:effectLst>
+              <a:outerShdw blurRad="40000" dist="20000" dir="5400000" rotWithShape="0">
+                <a:srgbClr val="000000">
+                  <a:alpha val="38000"/>
+                </a:srgbClr>
+              </a:outerShdw>
+            </a:effectLst>
+          </p:spPr>
+          <p:txBody>
+            <a:bodyPr/>
+            <a:lstStyle>
+              <a:lvl1pPr eaLnBrk="0" hangingPunct="0">
+                <a:lnSpc>
+                  <a:spcPct val="98000"/>
+                </a:lnSpc>
+                <a:buClr>
+                  <a:srgbClr val="000000"/>
+                </a:buClr>
+                <a:buSzPct val="45000"/>
+                <a:buFont typeface="Wingdings" pitchFamily="2" charset="2"/>
+                <a:defRPr>
+                  <a:solidFill>
+                    <a:schemeClr val="tx1"/>
+                  </a:solidFill>
+                  <a:latin typeface="DejaVu Sans" pitchFamily="34" charset="0"/>
+                </a:defRPr>
+              </a:lvl1pPr>
+              <a:lvl2pPr marL="742950" indent="-285750" eaLnBrk="0" hangingPunct="0">
+                <a:lnSpc>
+                  <a:spcPct val="98000"/>
+                </a:lnSpc>
+                <a:buClr>
+                  <a:srgbClr val="000000"/>
+                </a:buClr>
+                <a:buSzPct val="45000"/>
+                <a:buFont typeface="Wingdings" pitchFamily="2" charset="2"/>
+                <a:defRPr>
+                  <a:solidFill>
+                    <a:schemeClr val="tx1"/>
+                  </a:solidFill>
+                  <a:latin typeface="DejaVu Sans" pitchFamily="34" charset="0"/>
+                </a:defRPr>
+              </a:lvl2pPr>
+              <a:lvl3pPr marL="1143000" indent="-228600" eaLnBrk="0" hangingPunct="0">
+                <a:lnSpc>
+                  <a:spcPct val="98000"/>
+                </a:lnSpc>
+                <a:buClr>
+                  <a:srgbClr val="000000"/>
+                </a:buClr>
+                <a:buSzPct val="45000"/>
+                <a:buFont typeface="Wingdings" pitchFamily="2" charset="2"/>
+                <a:defRPr>
+                  <a:solidFill>
+                    <a:schemeClr val="tx1"/>
+                  </a:solidFill>
+                  <a:latin typeface="DejaVu Sans" pitchFamily="34" charset="0"/>
+                </a:defRPr>
+              </a:lvl3pPr>
+              <a:lvl4pPr marL="1600200" indent="-228600" eaLnBrk="0" hangingPunct="0">
+                <a:lnSpc>
+                  <a:spcPct val="98000"/>
+                </a:lnSpc>
+                <a:buClr>
+                  <a:srgbClr val="000000"/>
+                </a:buClr>
+                <a:buSzPct val="45000"/>
+                <a:buFont typeface="Wingdings" pitchFamily="2" charset="2"/>
+                <a:defRPr>
+                  <a:solidFill>
+                    <a:schemeClr val="tx1"/>
+                  </a:solidFill>
+                  <a:latin typeface="DejaVu Sans" pitchFamily="34" charset="0"/>
+                </a:defRPr>
+              </a:lvl4pPr>
+              <a:lvl5pPr marL="2057400" indent="-228600" eaLnBrk="0" hangingPunct="0">
+                <a:lnSpc>
+                  <a:spcPct val="98000"/>
+                </a:lnSpc>
+                <a:buClr>
+                  <a:srgbClr val="000000"/>
+                </a:buClr>
+                <a:buSzPct val="45000"/>
+                <a:buFont typeface="Wingdings" pitchFamily="2" charset="2"/>
+                <a:defRPr>
+                  <a:solidFill>
+                    <a:schemeClr val="tx1"/>
+                  </a:solidFill>
+                  <a:latin typeface="DejaVu Sans" pitchFamily="34" charset="0"/>
+                </a:defRPr>
+              </a:lvl5pPr>
+              <a:lvl6pPr marL="2514600" indent="-228600" eaLnBrk="0" fontAlgn="base" hangingPunct="0">
+                <a:lnSpc>
+                  <a:spcPct val="98000"/>
+                </a:lnSpc>
+                <a:spcBef>
+                  <a:spcPct val="0"/>
+                </a:spcBef>
+                <a:spcAft>
+                  <a:spcPct val="0"/>
+                </a:spcAft>
+                <a:buClr>
+                  <a:srgbClr val="000000"/>
+                </a:buClr>
+                <a:buSzPct val="45000"/>
+                <a:buFont typeface="Wingdings" pitchFamily="2" charset="2"/>
+                <a:defRPr>
+                  <a:solidFill>
+                    <a:schemeClr val="tx1"/>
+                  </a:solidFill>
+                  <a:latin typeface="DejaVu Sans" pitchFamily="34" charset="0"/>
+                </a:defRPr>
+              </a:lvl6pPr>
+              <a:lvl7pPr marL="2971800" indent="-228600" eaLnBrk="0" fontAlgn="base" hangingPunct="0">
+                <a:lnSpc>
+                  <a:spcPct val="98000"/>
+                </a:lnSpc>
+                <a:spcBef>
+                  <a:spcPct val="0"/>
+                </a:spcBef>
+                <a:spcAft>
+                  <a:spcPct val="0"/>
+                </a:spcAft>
+                <a:buClr>
+                  <a:srgbClr val="000000"/>
+                </a:buClr>
+                <a:buSzPct val="45000"/>
+                <a:buFont typeface="Wingdings" pitchFamily="2" charset="2"/>
+                <a:defRPr>
+                  <a:solidFill>
+                    <a:schemeClr val="tx1"/>
+                  </a:solidFill>
+                  <a:latin typeface="DejaVu Sans" pitchFamily="34" charset="0"/>
+                </a:defRPr>
+              </a:lvl7pPr>
+              <a:lvl8pPr marL="3429000" indent="-228600" eaLnBrk="0" fontAlgn="base" hangingPunct="0">
+                <a:lnSpc>
+                  <a:spcPct val="98000"/>
+                </a:lnSpc>
+                <a:spcBef>
+                  <a:spcPct val="0"/>
+                </a:spcBef>
+                <a:spcAft>
+                  <a:spcPct val="0"/>
+                </a:spcAft>
+                <a:buClr>
+                  <a:srgbClr val="000000"/>
+                </a:buClr>
+                <a:buSzPct val="45000"/>
+                <a:buFont typeface="Wingdings" pitchFamily="2" charset="2"/>
+                <a:defRPr>
+                  <a:solidFill>
+                    <a:schemeClr val="tx1"/>
+                  </a:solidFill>
+                  <a:latin typeface="DejaVu Sans" pitchFamily="34" charset="0"/>
+                </a:defRPr>
+              </a:lvl8pPr>
+              <a:lvl9pPr marL="3886200" indent="-228600" eaLnBrk="0" fontAlgn="base" hangingPunct="0">
+                <a:lnSpc>
+                  <a:spcPct val="98000"/>
+                </a:lnSpc>
+                <a:spcBef>
+                  <a:spcPct val="0"/>
+                </a:spcBef>
+                <a:spcAft>
+                  <a:spcPct val="0"/>
+                </a:spcAft>
+                <a:buClr>
+                  <a:srgbClr val="000000"/>
+                </a:buClr>
+                <a:buSzPct val="45000"/>
+                <a:buFont typeface="Wingdings" pitchFamily="2" charset="2"/>
+                <a:defRPr>
+                  <a:solidFill>
+                    <a:schemeClr val="tx1"/>
+                  </a:solidFill>
+                  <a:latin typeface="DejaVu Sans" pitchFamily="34" charset="0"/>
+                </a:defRPr>
+              </a:lvl9pPr>
+            </a:lstStyle>
+            <a:p>
+              <a:pPr marL="0" marR="0" lvl="0" indent="0" algn="ctr" defTabSz="914400" eaLnBrk="1" fontAlgn="base" latinLnBrk="0" hangingPunct="1">
+                <a:lnSpc>
+                  <a:spcPct val="100000"/>
+                </a:lnSpc>
+                <a:spcBef>
+                  <a:spcPct val="0"/>
+                </a:spcBef>
+                <a:spcAft>
+                  <a:spcPct val="0"/>
+                </a:spcAft>
+                <a:buClrTx/>
+                <a:buSzTx/>
+                <a:buFontTx/>
+                <a:buNone/>
+                <a:tabLst/>
+                <a:defRPr/>
+              </a:pPr>
+              <a:r>
+                <a:rPr kumimoji="0" lang="es-ES" altLang="es-ES" sz="2000" b="1" i="0" u="none" strike="noStrike" kern="0" cap="none" spc="0" normalizeH="0" baseline="0" noProof="0" dirty="0" smtClean="0">
+                  <a:ln>
+                    <a:noFill/>
+                  </a:ln>
+                  <a:solidFill>
+                    <a:srgbClr val="000000"/>
+                  </a:solidFill>
+                  <a:effectLst/>
+                  <a:uLnTx/>
+                  <a:uFillTx/>
+                  <a:latin typeface="Arial" pitchFamily="34" charset="0"/>
+                  <a:ea typeface="+mn-ea"/>
+                  <a:cs typeface="+mn-cs"/>
+                </a:rPr>
+                <a:t>Modelo</a:t>
+              </a:r>
+              <a:r>
+                <a:rPr kumimoji="0" lang="en-US" altLang="es-ES" sz="2000" b="1" i="0" u="none" strike="noStrike" kern="0" cap="none" spc="0" normalizeH="0" baseline="0" noProof="0" dirty="0" smtClean="0">
+                  <a:ln>
+                    <a:noFill/>
+                  </a:ln>
+                  <a:solidFill>
+                    <a:srgbClr val="000000"/>
+                  </a:solidFill>
+                  <a:effectLst/>
+                  <a:uLnTx/>
+                  <a:uFillTx/>
+                  <a:latin typeface="Arial" pitchFamily="34" charset="0"/>
+                  <a:ea typeface="+mn-ea"/>
+                  <a:cs typeface="+mn-cs"/>
+                </a:rPr>
+                <a:t> del </a:t>
+              </a:r>
+              <a:r>
+                <a:rPr kumimoji="0" lang="es-ES" altLang="es-ES" sz="2000" b="1" i="0" u="none" strike="noStrike" kern="0" cap="none" spc="0" normalizeH="0" baseline="0" noProof="0" dirty="0" smtClean="0">
+                  <a:ln>
+                    <a:noFill/>
+                  </a:ln>
+                  <a:solidFill>
+                    <a:srgbClr val="000000"/>
+                  </a:solidFill>
+                  <a:effectLst/>
+                  <a:uLnTx/>
+                  <a:uFillTx/>
+                  <a:latin typeface="Arial" pitchFamily="34" charset="0"/>
+                  <a:ea typeface="+mn-ea"/>
+                  <a:cs typeface="+mn-cs"/>
+                </a:rPr>
+                <a:t>dominio</a:t>
+              </a:r>
+            </a:p>
+          </p:txBody>
+        </p:sp>
+        <p:cxnSp>
+          <p:nvCxnSpPr>
+            <p:cNvPr id="25" name="13 Conector angular"/>
+            <p:cNvCxnSpPr>
+              <a:cxnSpLocks noChangeShapeType="1"/>
+            </p:cNvCxnSpPr>
+            <p:nvPr/>
+          </p:nvCxnSpPr>
+          <p:spPr bwMode="auto">
+            <a:xfrm>
+              <a:off x="6588125" y="3525838"/>
+              <a:ext cx="7938" cy="704850"/>
+            </a:xfrm>
+            <a:prstGeom prst="straightConnector1">
+              <a:avLst/>
+            </a:prstGeom>
+            <a:noFill/>
+            <a:ln w="38100" algn="ctr">
+              <a:solidFill>
+                <a:srgbClr val="333399"/>
+              </a:solidFill>
+              <a:miter lim="800000"/>
+              <a:headEnd/>
+              <a:tailEnd type="arrow" w="med" len="med"/>
+            </a:ln>
+            <a:effectLst>
+              <a:outerShdw dist="23000" dir="5400000" rotWithShape="0">
+                <a:srgbClr val="000000">
+                  <a:alpha val="34998"/>
+                </a:srgbClr>
+              </a:outerShdw>
+            </a:effectLst>
             <a:extLst>
-              <a:ext uri="{28A0092B-C50C-407E-A947-70E740481C1C}">
-                <a14:useLocalDpi xmlns:a14="http://schemas.microsoft.com/office/drawing/2010/main" val="0"/>
+              <a:ext uri="{909E8E84-426E-40DD-AFC4-6F175D3DCCD1}">
+                <a14:hiddenFill xmlns:a14="http://schemas.microsoft.com/office/drawing/2010/main">
+                  <a:noFill/>
+                </a14:hiddenFill>
               </a:ext>
             </a:extLst>
-          </a:blip>
-          <a:stretch>
-            <a:fillRect/>
-          </a:stretch>
-        </p:blipFill>
-        <p:spPr>
-          <a:xfrm>
-            <a:off x="1216197" y="1600200"/>
-            <a:ext cx="6711606" cy="4525963"/>
-          </a:xfrm>
-        </p:spPr>
-      </p:pic>
+          </p:spPr>
+        </p:cxnSp>
+        <p:cxnSp>
+          <p:nvCxnSpPr>
+            <p:cNvPr id="26" name="13 Conector angular"/>
+            <p:cNvCxnSpPr/>
+            <p:nvPr/>
+          </p:nvCxnSpPr>
+          <p:spPr bwMode="auto">
+            <a:xfrm>
+              <a:off x="3730625" y="1330325"/>
+              <a:ext cx="1325563" cy="0"/>
+            </a:xfrm>
+            <a:prstGeom prst="straightConnector1">
+              <a:avLst/>
+            </a:prstGeom>
+            <a:noFill/>
+            <a:ln w="38100" cap="flat" cmpd="sng" algn="ctr">
+              <a:solidFill>
+                <a:srgbClr val="333399"/>
+              </a:solidFill>
+              <a:prstDash val="solid"/>
+              <a:headEnd type="none" w="med" len="med"/>
+              <a:tailEnd type="arrow"/>
+            </a:ln>
+            <a:effectLst>
+              <a:outerShdw blurRad="40000" dist="23000" dir="5400000" rotWithShape="0">
+                <a:srgbClr val="000000">
+                  <a:alpha val="35000"/>
+                </a:srgbClr>
+              </a:outerShdw>
+            </a:effectLst>
+          </p:spPr>
+        </p:cxnSp>
+        <p:cxnSp>
+          <p:nvCxnSpPr>
+            <p:cNvPr id="27" name="13 Conector angular"/>
+            <p:cNvCxnSpPr/>
+            <p:nvPr/>
+          </p:nvCxnSpPr>
+          <p:spPr bwMode="auto">
+            <a:xfrm flipH="1" flipV="1">
+              <a:off x="6107113" y="3527425"/>
+              <a:ext cx="3175" cy="703263"/>
+            </a:xfrm>
+            <a:prstGeom prst="straightConnector1">
+              <a:avLst/>
+            </a:prstGeom>
+            <a:noFill/>
+            <a:ln w="38100" cap="flat" cmpd="sng" algn="ctr">
+              <a:solidFill>
+                <a:srgbClr val="C00000"/>
+              </a:solidFill>
+              <a:prstDash val="solid"/>
+              <a:headEnd type="none" w="med" len="med"/>
+              <a:tailEnd type="arrow"/>
+            </a:ln>
+            <a:effectLst>
+              <a:outerShdw blurRad="40000" dist="23000" dir="5400000" rotWithShape="0">
+                <a:srgbClr val="000000">
+                  <a:alpha val="35000"/>
+                </a:srgbClr>
+              </a:outerShdw>
+            </a:effectLst>
+          </p:spPr>
+        </p:cxnSp>
+        <p:cxnSp>
+          <p:nvCxnSpPr>
+            <p:cNvPr id="28" name="13 Conector angular"/>
+            <p:cNvCxnSpPr>
+              <a:stCxn id="24" idx="3"/>
+              <a:endCxn id="22" idx="1"/>
+            </p:cNvCxnSpPr>
+            <p:nvPr/>
+          </p:nvCxnSpPr>
+          <p:spPr bwMode="auto">
+            <a:xfrm>
+              <a:off x="3883025" y="3059113"/>
+              <a:ext cx="1136650" cy="0"/>
+            </a:xfrm>
+            <a:prstGeom prst="straightConnector1">
+              <a:avLst/>
+            </a:prstGeom>
+            <a:noFill/>
+            <a:ln w="38100" cap="flat" cmpd="sng" algn="ctr">
+              <a:solidFill>
+                <a:srgbClr val="C00000"/>
+              </a:solidFill>
+              <a:prstDash val="solid"/>
+              <a:headEnd type="none" w="med" len="med"/>
+              <a:tailEnd type="arrow"/>
+            </a:ln>
+            <a:effectLst>
+              <a:outerShdw blurRad="40000" dist="23000" dir="5400000" rotWithShape="0">
+                <a:srgbClr val="000000">
+                  <a:alpha val="35000"/>
+                </a:srgbClr>
+              </a:outerShdw>
+            </a:effectLst>
+          </p:spPr>
+        </p:cxnSp>
+        <p:cxnSp>
+          <p:nvCxnSpPr>
+            <p:cNvPr id="29" name="13 Conector angular"/>
+            <p:cNvCxnSpPr/>
+            <p:nvPr/>
+          </p:nvCxnSpPr>
+          <p:spPr bwMode="auto">
+            <a:xfrm flipH="1" flipV="1">
+              <a:off x="6143625" y="2003425"/>
+              <a:ext cx="3175" cy="587375"/>
+            </a:xfrm>
+            <a:prstGeom prst="straightConnector1">
+              <a:avLst/>
+            </a:prstGeom>
+            <a:noFill/>
+            <a:ln w="38100" cap="flat" cmpd="sng" algn="ctr">
+              <a:solidFill>
+                <a:srgbClr val="C00000"/>
+              </a:solidFill>
+              <a:prstDash val="solid"/>
+              <a:headEnd type="none" w="med" len="med"/>
+              <a:tailEnd type="arrow"/>
+            </a:ln>
+            <a:effectLst>
+              <a:outerShdw blurRad="40000" dist="23000" dir="5400000" rotWithShape="0">
+                <a:srgbClr val="000000">
+                  <a:alpha val="35000"/>
+                </a:srgbClr>
+              </a:outerShdw>
+            </a:effectLst>
+          </p:spPr>
+        </p:cxnSp>
+        <p:cxnSp>
+          <p:nvCxnSpPr>
+            <p:cNvPr id="30" name="13 Conector angular"/>
+            <p:cNvCxnSpPr/>
+            <p:nvPr/>
+          </p:nvCxnSpPr>
+          <p:spPr bwMode="auto">
+            <a:xfrm flipH="1" flipV="1">
+              <a:off x="3730625" y="1654175"/>
+              <a:ext cx="1289050" cy="0"/>
+            </a:xfrm>
+            <a:prstGeom prst="straightConnector1">
+              <a:avLst/>
+            </a:prstGeom>
+            <a:noFill/>
+            <a:ln w="38100" cap="flat" cmpd="sng" algn="ctr">
+              <a:solidFill>
+                <a:srgbClr val="C00000"/>
+              </a:solidFill>
+              <a:prstDash val="solid"/>
+              <a:headEnd type="none" w="med" len="med"/>
+              <a:tailEnd type="arrow"/>
+            </a:ln>
+            <a:effectLst>
+              <a:outerShdw blurRad="40000" dist="23000" dir="5400000" rotWithShape="0">
+                <a:srgbClr val="000000">
+                  <a:alpha val="35000"/>
+                </a:srgbClr>
+              </a:outerShdw>
+            </a:effectLst>
+          </p:spPr>
+        </p:cxnSp>
+        <p:cxnSp>
+          <p:nvCxnSpPr>
+            <p:cNvPr id="31" name="13 Conector angular"/>
+            <p:cNvCxnSpPr/>
+            <p:nvPr/>
+          </p:nvCxnSpPr>
+          <p:spPr bwMode="auto">
+            <a:xfrm>
+              <a:off x="6618288" y="2003425"/>
+              <a:ext cx="0" cy="587375"/>
+            </a:xfrm>
+            <a:prstGeom prst="straightConnector1">
+              <a:avLst/>
+            </a:prstGeom>
+            <a:noFill/>
+            <a:ln w="38100" cap="flat" cmpd="sng" algn="ctr">
+              <a:solidFill>
+                <a:srgbClr val="333399"/>
+              </a:solidFill>
+              <a:prstDash val="solid"/>
+              <a:headEnd type="none" w="med" len="med"/>
+              <a:tailEnd type="arrow"/>
+            </a:ln>
+            <a:effectLst>
+              <a:outerShdw blurRad="40000" dist="23000" dir="5400000" rotWithShape="0">
+                <a:srgbClr val="000000">
+                  <a:alpha val="35000"/>
+                </a:srgbClr>
+              </a:outerShdw>
+            </a:effectLst>
+          </p:spPr>
+        </p:cxnSp>
+        <p:sp>
+          <p:nvSpPr>
+            <p:cNvPr id="32" name="31 Rectángulo"/>
+            <p:cNvSpPr/>
+            <p:nvPr/>
+          </p:nvSpPr>
+          <p:spPr bwMode="auto">
+            <a:xfrm>
+              <a:off x="1282700" y="4230688"/>
+              <a:ext cx="2600325" cy="938212"/>
+            </a:xfrm>
+            <a:prstGeom prst="rect">
+              <a:avLst/>
+            </a:prstGeom>
+            <a:gradFill rotWithShape="1">
+              <a:gsLst>
+                <a:gs pos="0">
+                  <a:srgbClr val="2D2D8A">
+                    <a:tint val="50000"/>
+                    <a:satMod val="300000"/>
+                  </a:srgbClr>
+                </a:gs>
+                <a:gs pos="35000">
+                  <a:srgbClr val="2D2D8A">
+                    <a:tint val="37000"/>
+                    <a:satMod val="300000"/>
+                  </a:srgbClr>
+                </a:gs>
+                <a:gs pos="100000">
+                  <a:srgbClr val="2D2D8A">
+                    <a:tint val="15000"/>
+                    <a:satMod val="350000"/>
+                  </a:srgbClr>
+                </a:gs>
+              </a:gsLst>
+              <a:lin ang="16200000" scaled="1"/>
+            </a:gradFill>
+            <a:ln w="9525" cap="flat" cmpd="sng" algn="ctr">
+              <a:solidFill>
+                <a:srgbClr val="2D2D8A">
+                  <a:shade val="95000"/>
+                  <a:satMod val="105000"/>
+                </a:srgbClr>
+              </a:solidFill>
+              <a:prstDash val="solid"/>
+              <a:headEnd type="none" w="med" len="med"/>
+              <a:tailEnd type="none" w="med" len="med"/>
+            </a:ln>
+            <a:effectLst>
+              <a:outerShdw blurRad="40000" dist="20000" dir="5400000" rotWithShape="0">
+                <a:srgbClr val="000000">
+                  <a:alpha val="38000"/>
+                </a:srgbClr>
+              </a:outerShdw>
+            </a:effectLst>
+          </p:spPr>
+          <p:txBody>
+            <a:bodyPr/>
+            <a:lstStyle>
+              <a:lvl1pPr eaLnBrk="0" hangingPunct="0">
+                <a:lnSpc>
+                  <a:spcPct val="98000"/>
+                </a:lnSpc>
+                <a:buClr>
+                  <a:srgbClr val="000000"/>
+                </a:buClr>
+                <a:buSzPct val="45000"/>
+                <a:buFont typeface="Wingdings" pitchFamily="2" charset="2"/>
+                <a:defRPr>
+                  <a:solidFill>
+                    <a:schemeClr val="tx1"/>
+                  </a:solidFill>
+                  <a:latin typeface="DejaVu Sans" pitchFamily="34" charset="0"/>
+                </a:defRPr>
+              </a:lvl1pPr>
+              <a:lvl2pPr marL="742950" indent="-285750" eaLnBrk="0" hangingPunct="0">
+                <a:lnSpc>
+                  <a:spcPct val="98000"/>
+                </a:lnSpc>
+                <a:buClr>
+                  <a:srgbClr val="000000"/>
+                </a:buClr>
+                <a:buSzPct val="45000"/>
+                <a:buFont typeface="Wingdings" pitchFamily="2" charset="2"/>
+                <a:defRPr>
+                  <a:solidFill>
+                    <a:schemeClr val="tx1"/>
+                  </a:solidFill>
+                  <a:latin typeface="DejaVu Sans" pitchFamily="34" charset="0"/>
+                </a:defRPr>
+              </a:lvl2pPr>
+              <a:lvl3pPr marL="1143000" indent="-228600" eaLnBrk="0" hangingPunct="0">
+                <a:lnSpc>
+                  <a:spcPct val="98000"/>
+                </a:lnSpc>
+                <a:buClr>
+                  <a:srgbClr val="000000"/>
+                </a:buClr>
+                <a:buSzPct val="45000"/>
+                <a:buFont typeface="Wingdings" pitchFamily="2" charset="2"/>
+                <a:defRPr>
+                  <a:solidFill>
+                    <a:schemeClr val="tx1"/>
+                  </a:solidFill>
+                  <a:latin typeface="DejaVu Sans" pitchFamily="34" charset="0"/>
+                </a:defRPr>
+              </a:lvl3pPr>
+              <a:lvl4pPr marL="1600200" indent="-228600" eaLnBrk="0" hangingPunct="0">
+                <a:lnSpc>
+                  <a:spcPct val="98000"/>
+                </a:lnSpc>
+                <a:buClr>
+                  <a:srgbClr val="000000"/>
+                </a:buClr>
+                <a:buSzPct val="45000"/>
+                <a:buFont typeface="Wingdings" pitchFamily="2" charset="2"/>
+                <a:defRPr>
+                  <a:solidFill>
+                    <a:schemeClr val="tx1"/>
+                  </a:solidFill>
+                  <a:latin typeface="DejaVu Sans" pitchFamily="34" charset="0"/>
+                </a:defRPr>
+              </a:lvl4pPr>
+              <a:lvl5pPr marL="2057400" indent="-228600" eaLnBrk="0" hangingPunct="0">
+                <a:lnSpc>
+                  <a:spcPct val="98000"/>
+                </a:lnSpc>
+                <a:buClr>
+                  <a:srgbClr val="000000"/>
+                </a:buClr>
+                <a:buSzPct val="45000"/>
+                <a:buFont typeface="Wingdings" pitchFamily="2" charset="2"/>
+                <a:defRPr>
+                  <a:solidFill>
+                    <a:schemeClr val="tx1"/>
+                  </a:solidFill>
+                  <a:latin typeface="DejaVu Sans" pitchFamily="34" charset="0"/>
+                </a:defRPr>
+              </a:lvl5pPr>
+              <a:lvl6pPr marL="2514600" indent="-228600" eaLnBrk="0" fontAlgn="base" hangingPunct="0">
+                <a:lnSpc>
+                  <a:spcPct val="98000"/>
+                </a:lnSpc>
+                <a:spcBef>
+                  <a:spcPct val="0"/>
+                </a:spcBef>
+                <a:spcAft>
+                  <a:spcPct val="0"/>
+                </a:spcAft>
+                <a:buClr>
+                  <a:srgbClr val="000000"/>
+                </a:buClr>
+                <a:buSzPct val="45000"/>
+                <a:buFont typeface="Wingdings" pitchFamily="2" charset="2"/>
+                <a:defRPr>
+                  <a:solidFill>
+                    <a:schemeClr val="tx1"/>
+                  </a:solidFill>
+                  <a:latin typeface="DejaVu Sans" pitchFamily="34" charset="0"/>
+                </a:defRPr>
+              </a:lvl6pPr>
+              <a:lvl7pPr marL="2971800" indent="-228600" eaLnBrk="0" fontAlgn="base" hangingPunct="0">
+                <a:lnSpc>
+                  <a:spcPct val="98000"/>
+                </a:lnSpc>
+                <a:spcBef>
+                  <a:spcPct val="0"/>
+                </a:spcBef>
+                <a:spcAft>
+                  <a:spcPct val="0"/>
+                </a:spcAft>
+                <a:buClr>
+                  <a:srgbClr val="000000"/>
+                </a:buClr>
+                <a:buSzPct val="45000"/>
+                <a:buFont typeface="Wingdings" pitchFamily="2" charset="2"/>
+                <a:defRPr>
+                  <a:solidFill>
+                    <a:schemeClr val="tx1"/>
+                  </a:solidFill>
+                  <a:latin typeface="DejaVu Sans" pitchFamily="34" charset="0"/>
+                </a:defRPr>
+              </a:lvl7pPr>
+              <a:lvl8pPr marL="3429000" indent="-228600" eaLnBrk="0" fontAlgn="base" hangingPunct="0">
+                <a:lnSpc>
+                  <a:spcPct val="98000"/>
+                </a:lnSpc>
+                <a:spcBef>
+                  <a:spcPct val="0"/>
+                </a:spcBef>
+                <a:spcAft>
+                  <a:spcPct val="0"/>
+                </a:spcAft>
+                <a:buClr>
+                  <a:srgbClr val="000000"/>
+                </a:buClr>
+                <a:buSzPct val="45000"/>
+                <a:buFont typeface="Wingdings" pitchFamily="2" charset="2"/>
+                <a:defRPr>
+                  <a:solidFill>
+                    <a:schemeClr val="tx1"/>
+                  </a:solidFill>
+                  <a:latin typeface="DejaVu Sans" pitchFamily="34" charset="0"/>
+                </a:defRPr>
+              </a:lvl8pPr>
+              <a:lvl9pPr marL="3886200" indent="-228600" eaLnBrk="0" fontAlgn="base" hangingPunct="0">
+                <a:lnSpc>
+                  <a:spcPct val="98000"/>
+                </a:lnSpc>
+                <a:spcBef>
+                  <a:spcPct val="0"/>
+                </a:spcBef>
+                <a:spcAft>
+                  <a:spcPct val="0"/>
+                </a:spcAft>
+                <a:buClr>
+                  <a:srgbClr val="000000"/>
+                </a:buClr>
+                <a:buSzPct val="45000"/>
+                <a:buFont typeface="Wingdings" pitchFamily="2" charset="2"/>
+                <a:defRPr>
+                  <a:solidFill>
+                    <a:schemeClr val="tx1"/>
+                  </a:solidFill>
+                  <a:latin typeface="DejaVu Sans" pitchFamily="34" charset="0"/>
+                </a:defRPr>
+              </a:lvl9pPr>
+            </a:lstStyle>
+            <a:p>
+              <a:pPr marL="0" marR="0" lvl="0" indent="0" algn="ctr" defTabSz="914400" eaLnBrk="1" fontAlgn="base" latinLnBrk="0" hangingPunct="1">
+                <a:lnSpc>
+                  <a:spcPct val="100000"/>
+                </a:lnSpc>
+                <a:spcBef>
+                  <a:spcPct val="0"/>
+                </a:spcBef>
+                <a:spcAft>
+                  <a:spcPct val="0"/>
+                </a:spcAft>
+                <a:buClrTx/>
+                <a:buSzTx/>
+                <a:buFontTx/>
+                <a:buNone/>
+                <a:tabLst/>
+                <a:defRPr/>
+              </a:pPr>
+              <a:r>
+                <a:rPr kumimoji="0" lang="es-ES" altLang="es-ES" sz="2000" b="1" i="0" u="none" strike="noStrike" kern="0" cap="none" spc="0" normalizeH="0" baseline="0" noProof="0" dirty="0" smtClean="0">
+                  <a:ln>
+                    <a:noFill/>
+                  </a:ln>
+                  <a:solidFill>
+                    <a:srgbClr val="000000"/>
+                  </a:solidFill>
+                  <a:effectLst/>
+                  <a:uLnTx/>
+                  <a:uFillTx/>
+                  <a:latin typeface="Arial" pitchFamily="34" charset="0"/>
+                  <a:ea typeface="+mn-ea"/>
+                  <a:cs typeface="+mn-cs"/>
+                </a:rPr>
+                <a:t>Modelo</a:t>
+              </a:r>
+              <a:r>
+                <a:rPr kumimoji="0" lang="en-US" altLang="es-ES" sz="2000" b="1" i="0" u="none" strike="noStrike" kern="0" cap="none" spc="0" normalizeH="0" baseline="0" noProof="0" dirty="0" smtClean="0">
+                  <a:ln>
+                    <a:noFill/>
+                  </a:ln>
+                  <a:solidFill>
+                    <a:srgbClr val="000000"/>
+                  </a:solidFill>
+                  <a:effectLst/>
+                  <a:uLnTx/>
+                  <a:uFillTx/>
+                  <a:latin typeface="Arial" pitchFamily="34" charset="0"/>
+                  <a:ea typeface="+mn-ea"/>
+                  <a:cs typeface="+mn-cs"/>
+                </a:rPr>
+                <a:t> de </a:t>
+              </a:r>
+              <a:r>
+                <a:rPr kumimoji="0" lang="es-ES" altLang="es-ES" sz="2000" b="1" i="0" u="none" strike="noStrike" kern="0" cap="none" spc="0" normalizeH="0" baseline="0" noProof="0" dirty="0" smtClean="0">
+                  <a:ln>
+                    <a:noFill/>
+                  </a:ln>
+                  <a:solidFill>
+                    <a:srgbClr val="000000"/>
+                  </a:solidFill>
+                  <a:effectLst/>
+                  <a:uLnTx/>
+                  <a:uFillTx/>
+                  <a:latin typeface="Arial" pitchFamily="34" charset="0"/>
+                  <a:ea typeface="+mn-ea"/>
+                  <a:cs typeface="+mn-cs"/>
+                </a:rPr>
+                <a:t>adaptación</a:t>
+              </a:r>
+            </a:p>
+          </p:txBody>
+        </p:sp>
+        <p:cxnSp>
+          <p:nvCxnSpPr>
+            <p:cNvPr id="33" name="13 Conector angular"/>
+            <p:cNvCxnSpPr/>
+            <p:nvPr/>
+          </p:nvCxnSpPr>
+          <p:spPr bwMode="auto">
+            <a:xfrm flipV="1">
+              <a:off x="3883025" y="3529013"/>
+              <a:ext cx="1136650" cy="703262"/>
+            </a:xfrm>
+            <a:prstGeom prst="straightConnector1">
+              <a:avLst/>
+            </a:prstGeom>
+            <a:noFill/>
+            <a:ln w="38100" cap="flat" cmpd="sng" algn="ctr">
+              <a:solidFill>
+                <a:srgbClr val="C00000"/>
+              </a:solidFill>
+              <a:prstDash val="solid"/>
+              <a:headEnd type="none" w="med" len="med"/>
+              <a:tailEnd type="arrow"/>
+            </a:ln>
+            <a:effectLst>
+              <a:outerShdw blurRad="40000" dist="23000" dir="5400000" rotWithShape="0">
+                <a:srgbClr val="000000">
+                  <a:alpha val="35000"/>
+                </a:srgbClr>
+              </a:outerShdw>
+            </a:effectLst>
+          </p:spPr>
+        </p:cxnSp>
+        <p:cxnSp>
+          <p:nvCxnSpPr>
+            <p:cNvPr id="34" name="13 Conector angular"/>
+            <p:cNvCxnSpPr>
+              <a:endCxn id="32" idx="3"/>
+            </p:cNvCxnSpPr>
+            <p:nvPr/>
+          </p:nvCxnSpPr>
+          <p:spPr bwMode="auto">
+            <a:xfrm rot="10800000" flipV="1">
+              <a:off x="3883025" y="3529013"/>
+              <a:ext cx="1787525" cy="1171575"/>
+            </a:xfrm>
+            <a:prstGeom prst="straightConnector1">
+              <a:avLst/>
+            </a:prstGeom>
+            <a:noFill/>
+            <a:ln w="38100" cap="flat" cmpd="sng" algn="ctr">
+              <a:solidFill>
+                <a:srgbClr val="333399"/>
+              </a:solidFill>
+              <a:prstDash val="solid"/>
+              <a:headEnd type="none" w="med" len="med"/>
+              <a:tailEnd type="arrow"/>
+            </a:ln>
+            <a:effectLst>
+              <a:outerShdw blurRad="40000" dist="23000" dir="5400000" rotWithShape="0">
+                <a:srgbClr val="000000">
+                  <a:alpha val="35000"/>
+                </a:srgbClr>
+              </a:outerShdw>
+            </a:effectLst>
+          </p:spPr>
+        </p:cxnSp>
+        <p:sp>
+          <p:nvSpPr>
+            <p:cNvPr id="35" name="AutoShape 22"/>
+            <p:cNvSpPr>
+              <a:spLocks noChangeArrowheads="1"/>
+            </p:cNvSpPr>
+            <p:nvPr/>
+          </p:nvSpPr>
+          <p:spPr bwMode="auto">
+            <a:xfrm>
+              <a:off x="2484438" y="957263"/>
+              <a:ext cx="1223962" cy="1152525"/>
+            </a:xfrm>
+            <a:prstGeom prst="smileyFace">
+              <a:avLst>
+                <a:gd name="adj" fmla="val 4653"/>
+              </a:avLst>
+            </a:prstGeom>
+            <a:solidFill>
+              <a:srgbClr val="BBE0E3"/>
+            </a:solidFill>
+            <a:ln w="9525">
+              <a:solidFill>
+                <a:srgbClr val="000000"/>
+              </a:solidFill>
+              <a:round/>
+              <a:headEnd/>
+              <a:tailEnd/>
+            </a:ln>
+            <a:effectLst/>
+            <a:extLst>
+              <a:ext uri="{AF507438-7753-43E0-B8FC-AC1667EBCBE1}">
+                <a14:hiddenEffects xmlns:a14="http://schemas.microsoft.com/office/drawing/2010/main">
+                  <a:effectLst>
+                    <a:outerShdw dist="35921" dir="2700000" algn="ctr" rotWithShape="0">
+                      <a:schemeClr val="bg2"/>
+                    </a:outerShdw>
+                  </a:effectLst>
+                </a14:hiddenEffects>
+              </a:ext>
+            </a:extLst>
+          </p:spPr>
+          <p:txBody>
+            <a:bodyPr wrap="none" anchor="ctr"/>
+            <a:lstStyle/>
+            <a:p>
+              <a:pPr marL="0" marR="0" lvl="0" indent="0" defTabSz="414338" eaLnBrk="1" fontAlgn="base" latinLnBrk="0" hangingPunct="1">
+                <a:lnSpc>
+                  <a:spcPct val="100000"/>
+                </a:lnSpc>
+                <a:spcBef>
+                  <a:spcPct val="0"/>
+                </a:spcBef>
+                <a:spcAft>
+                  <a:spcPct val="0"/>
+                </a:spcAft>
+                <a:buClrTx/>
+                <a:buSzTx/>
+                <a:buFontTx/>
+                <a:buNone/>
+                <a:tabLst/>
+                <a:defRPr/>
+              </a:pPr>
+              <a:endParaRPr kumimoji="0" lang="es-ES" altLang="es-ES" sz="1800" b="0" i="0" u="none" strike="noStrike" kern="0" cap="none" spc="0" normalizeH="0" baseline="0" noProof="0" smtClean="0">
+                <a:ln>
+                  <a:noFill/>
+                </a:ln>
+                <a:solidFill>
+                  <a:srgbClr val="000000"/>
+                </a:solidFill>
+                <a:effectLst/>
+                <a:uLnTx/>
+                <a:uFillTx/>
+                <a:latin typeface="DejaVu Sans" pitchFamily="34" charset="0"/>
+                <a:cs typeface="Arial" charset="0"/>
+              </a:endParaRPr>
+            </a:p>
+          </p:txBody>
+        </p:sp>
+      </p:grpSp>
     </p:spTree>
     <p:extLst>
       <p:ext uri="{BB962C8B-B14F-4D97-AF65-F5344CB8AC3E}">
@@ -10606,6 +14842,13 @@
   <p:clrMapOvr>
     <a:masterClrMapping/>
   </p:clrMapOvr>
+  <p:timing>
+    <p:tnLst>
+      <p:par>
+        <p:cTn id="1" dur="indefinite" restart="never" nodeType="tmRoot"/>
+      </p:par>
+    </p:tnLst>
+  </p:timing>
 </p:sld>
 </file>
 
@@ -10672,7 +14915,6 @@
                 <a:solidFill>
                   <a:schemeClr val="tx1">
                     <a:lumMod val="50000"/>
-                    <a:lumOff val="50000"/>
                   </a:schemeClr>
                 </a:solidFill>
               </a:rPr>
@@ -10685,7 +14927,6 @@
                 <a:solidFill>
                   <a:schemeClr val="tx1">
                     <a:lumMod val="50000"/>
-                    <a:lumOff val="50000"/>
                   </a:schemeClr>
                 </a:solidFill>
               </a:rPr>
@@ -10754,7 +14995,6 @@
                 <a:solidFill>
                   <a:schemeClr val="tx1">
                     <a:lumMod val="50000"/>
-                    <a:lumOff val="50000"/>
                   </a:schemeClr>
                 </a:solidFill>
               </a:rPr>
@@ -10767,7 +15007,6 @@
                 <a:solidFill>
                   <a:schemeClr val="tx1">
                     <a:lumMod val="50000"/>
-                    <a:lumOff val="50000"/>
                   </a:schemeClr>
                 </a:solidFill>
               </a:rPr>
@@ -10786,6 +15025,13 @@
   <p:clrMapOvr>
     <a:masterClrMapping/>
   </p:clrMapOvr>
+  <p:timing>
+    <p:tnLst>
+      <p:par>
+        <p:cTn id="1" dur="indefinite" restart="never" nodeType="tmRoot"/>
+      </p:par>
+    </p:tnLst>
+  </p:timing>
 </p:sld>
 </file>
 
@@ -11072,47 +15318,4 @@
   <a:objectDefaults/>
   <a:extraClrSchemeLst/>
 </a:theme>
-</file>
-
-<file path=ppt/theme/themeOverride1.xml><?xml version="1.0" encoding="utf-8"?>
-<a:themeOverride xmlns:a="http://schemas.openxmlformats.org/drawingml/2006/main">
-  <a:clrScheme name="Office">
-    <a:dk1>
-      <a:sysClr val="windowText" lastClr="000000"/>
-    </a:dk1>
-    <a:lt1>
-      <a:sysClr val="window" lastClr="FFFFFF"/>
-    </a:lt1>
-    <a:dk2>
-      <a:srgbClr val="1F497D"/>
-    </a:dk2>
-    <a:lt2>
-      <a:srgbClr val="EEECE1"/>
-    </a:lt2>
-    <a:accent1>
-      <a:srgbClr val="4F81BD"/>
-    </a:accent1>
-    <a:accent2>
-      <a:srgbClr val="C0504D"/>
-    </a:accent2>
-    <a:accent3>
-      <a:srgbClr val="9BBB59"/>
-    </a:accent3>
-    <a:accent4>
-      <a:srgbClr val="8064A2"/>
-    </a:accent4>
-    <a:accent5>
-      <a:srgbClr val="4BACC6"/>
-    </a:accent5>
-    <a:accent6>
-      <a:srgbClr val="F79646"/>
-    </a:accent6>
-    <a:hlink>
-      <a:srgbClr val="0000FF"/>
-    </a:hlink>
-    <a:folHlink>
-      <a:srgbClr val="800080"/>
-    </a:folHlink>
-  </a:clrScheme>
-</a:themeOverride>
 </file>
--- a/presentacion/TFG.pptx
+++ b/presentacion/TFG.pptx
@@ -40,6 +40,8 @@
     <p:sldId id="274" r:id="rId34"/>
     <p:sldId id="275" r:id="rId35"/>
     <p:sldId id="293" r:id="rId36"/>
+    <p:sldId id="298" r:id="rId37"/>
+    <p:sldId id="297" r:id="rId38"/>
   </p:sldIdLst>
   <p:sldSz cx="9144000" cy="6858000" type="screen4x3"/>
   <p:notesSz cx="6797675" cy="9874250"/>
@@ -138,6 +140,57 @@
       </a:defRPr>
     </a:lvl9pPr>
   </p:defaultTextStyle>
+  <p:extLst>
+    <p:ext uri="{521415D9-36F7-43E2-AB2F-B90AF26B5E84}">
+      <p14:sectionLst xmlns:p14="http://schemas.microsoft.com/office/powerpoint/2010/main">
+        <p14:section name="Sección predeterminada" id="{4FF82B25-1D09-4DFE-A536-97E95835034D}">
+          <p14:sldIdLst>
+            <p14:sldId id="256"/>
+            <p14:sldId id="273"/>
+            <p14:sldId id="276"/>
+            <p14:sldId id="270"/>
+            <p14:sldId id="269"/>
+            <p14:sldId id="277"/>
+            <p14:sldId id="258"/>
+            <p14:sldId id="259"/>
+            <p14:sldId id="278"/>
+            <p14:sldId id="287"/>
+            <p14:sldId id="294"/>
+            <p14:sldId id="263"/>
+            <p14:sldId id="288"/>
+            <p14:sldId id="289"/>
+            <p14:sldId id="296"/>
+            <p14:sldId id="282"/>
+            <p14:sldId id="283"/>
+            <p14:sldId id="268"/>
+            <p14:sldId id="271"/>
+            <p14:sldId id="281"/>
+          </p14:sldIdLst>
+        </p14:section>
+        <p14:section name="Sección sin título" id="{CFCE1F62-2796-4748-9EDB-7ABFE483802F}">
+          <p14:sldIdLst>
+            <p14:sldId id="264"/>
+            <p14:sldId id="272"/>
+            <p14:sldId id="261"/>
+            <p14:sldId id="286"/>
+            <p14:sldId id="284"/>
+            <p14:sldId id="260"/>
+            <p14:sldId id="279"/>
+            <p14:sldId id="290"/>
+            <p14:sldId id="262"/>
+            <p14:sldId id="291"/>
+            <p14:sldId id="292"/>
+            <p14:sldId id="280"/>
+            <p14:sldId id="274"/>
+            <p14:sldId id="275"/>
+            <p14:sldId id="293"/>
+            <p14:sldId id="298"/>
+            <p14:sldId id="297"/>
+          </p14:sldIdLst>
+        </p14:section>
+      </p14:sectionLst>
+    </p:ext>
+  </p:extLst>
 </p:presentation>
 </file>
 
@@ -322,7 +375,7 @@
           <a:p>
             <a:fld id="{F09746C3-07EE-40ED-81C7-0E12448004A7}" type="datetimeFigureOut">
               <a:rPr lang="es-ES" smtClean="0"/>
-              <a:t>09/06/2015</a:t>
+              <a:t>10/06/2015</a:t>
             </a:fld>
             <a:endParaRPr lang="es-ES"/>
           </a:p>
@@ -492,7 +545,7 @@
           <a:p>
             <a:fld id="{F09746C3-07EE-40ED-81C7-0E12448004A7}" type="datetimeFigureOut">
               <a:rPr lang="es-ES" smtClean="0"/>
-              <a:t>09/06/2015</a:t>
+              <a:t>10/06/2015</a:t>
             </a:fld>
             <a:endParaRPr lang="es-ES"/>
           </a:p>
@@ -672,7 +725,7 @@
           <a:p>
             <a:fld id="{F09746C3-07EE-40ED-81C7-0E12448004A7}" type="datetimeFigureOut">
               <a:rPr lang="es-ES" smtClean="0"/>
-              <a:t>09/06/2015</a:t>
+              <a:t>10/06/2015</a:t>
             </a:fld>
             <a:endParaRPr lang="es-ES"/>
           </a:p>
@@ -842,7 +895,7 @@
           <a:p>
             <a:fld id="{F09746C3-07EE-40ED-81C7-0E12448004A7}" type="datetimeFigureOut">
               <a:rPr lang="es-ES" smtClean="0"/>
-              <a:t>09/06/2015</a:t>
+              <a:t>10/06/2015</a:t>
             </a:fld>
             <a:endParaRPr lang="es-ES"/>
           </a:p>
@@ -1088,7 +1141,7 @@
           <a:p>
             <a:fld id="{F09746C3-07EE-40ED-81C7-0E12448004A7}" type="datetimeFigureOut">
               <a:rPr lang="es-ES" smtClean="0"/>
-              <a:t>09/06/2015</a:t>
+              <a:t>10/06/2015</a:t>
             </a:fld>
             <a:endParaRPr lang="es-ES"/>
           </a:p>
@@ -1376,7 +1429,7 @@
           <a:p>
             <a:fld id="{F09746C3-07EE-40ED-81C7-0E12448004A7}" type="datetimeFigureOut">
               <a:rPr lang="es-ES" smtClean="0"/>
-              <a:t>09/06/2015</a:t>
+              <a:t>10/06/2015</a:t>
             </a:fld>
             <a:endParaRPr lang="es-ES"/>
           </a:p>
@@ -1798,7 +1851,7 @@
           <a:p>
             <a:fld id="{F09746C3-07EE-40ED-81C7-0E12448004A7}" type="datetimeFigureOut">
               <a:rPr lang="es-ES" smtClean="0"/>
-              <a:t>09/06/2015</a:t>
+              <a:t>10/06/2015</a:t>
             </a:fld>
             <a:endParaRPr lang="es-ES"/>
           </a:p>
@@ -1916,7 +1969,7 @@
           <a:p>
             <a:fld id="{F09746C3-07EE-40ED-81C7-0E12448004A7}" type="datetimeFigureOut">
               <a:rPr lang="es-ES" smtClean="0"/>
-              <a:t>09/06/2015</a:t>
+              <a:t>10/06/2015</a:t>
             </a:fld>
             <a:endParaRPr lang="es-ES"/>
           </a:p>
@@ -2011,7 +2064,7 @@
           <a:p>
             <a:fld id="{F09746C3-07EE-40ED-81C7-0E12448004A7}" type="datetimeFigureOut">
               <a:rPr lang="es-ES" smtClean="0"/>
-              <a:t>09/06/2015</a:t>
+              <a:t>10/06/2015</a:t>
             </a:fld>
             <a:endParaRPr lang="es-ES"/>
           </a:p>
@@ -2288,7 +2341,7 @@
           <a:p>
             <a:fld id="{F09746C3-07EE-40ED-81C7-0E12448004A7}" type="datetimeFigureOut">
               <a:rPr lang="es-ES" smtClean="0"/>
-              <a:t>09/06/2015</a:t>
+              <a:t>10/06/2015</a:t>
             </a:fld>
             <a:endParaRPr lang="es-ES"/>
           </a:p>
@@ -2541,7 +2594,7 @@
           <a:p>
             <a:fld id="{F09746C3-07EE-40ED-81C7-0E12448004A7}" type="datetimeFigureOut">
               <a:rPr lang="es-ES" smtClean="0"/>
-              <a:t>09/06/2015</a:t>
+              <a:t>10/06/2015</a:t>
             </a:fld>
             <a:endParaRPr lang="es-ES"/>
           </a:p>
@@ -2754,7 +2807,7 @@
           <a:p>
             <a:fld id="{F09746C3-07EE-40ED-81C7-0E12448004A7}" type="datetimeFigureOut">
               <a:rPr lang="es-ES" smtClean="0"/>
-              <a:t>09/06/2015</a:t>
+              <a:t>10/06/2015</a:t>
             </a:fld>
             <a:endParaRPr lang="es-ES"/>
           </a:p>
@@ -3152,10 +3205,18 @@
           <a:lstStyle/>
           <a:p>
             <a:r>
-              <a:rPr lang="es-ES" sz="4000" dirty="0" smtClean="0"/>
+              <a:rPr lang="es-ES" sz="4000" dirty="0" smtClean="0">
+                <a:solidFill>
+                  <a:schemeClr val="accent6"/>
+                </a:solidFill>
+              </a:rPr>
               <a:t>Desarrollo de un sistema de cuestionarios adaptativos para el apoyo al aprendizaje</a:t>
             </a:r>
-            <a:endParaRPr lang="es-ES" sz="4000" dirty="0"/>
+            <a:endParaRPr lang="es-ES" sz="4000" dirty="0">
+              <a:solidFill>
+                <a:schemeClr val="accent6"/>
+              </a:solidFill>
+            </a:endParaRPr>
           </a:p>
         </p:txBody>
       </p:sp>
@@ -3189,13 +3250,6 @@
               <a:rPr lang="es-ES" dirty="0" smtClean="0"/>
               <a:t>Pablo Molins Ruano</a:t>
             </a:r>
-          </a:p>
-          <a:p>
-            <a:r>
-              <a:rPr lang="es-ES" dirty="0" smtClean="0"/>
-              <a:t>1415_182_ISTI </a:t>
-            </a:r>
-            <a:endParaRPr lang="es-ES" dirty="0"/>
           </a:p>
         </p:txBody>
       </p:sp>
@@ -3313,10 +3367,18 @@
           <a:p>
             <a:pPr algn="l"/>
             <a:r>
-              <a:rPr lang="es-ES" dirty="0" smtClean="0"/>
+              <a:rPr lang="es-ES" dirty="0" smtClean="0">
+                <a:solidFill>
+                  <a:schemeClr val="accent6"/>
+                </a:solidFill>
+              </a:rPr>
               <a:t>Análisis</a:t>
             </a:r>
-            <a:endParaRPr lang="es-ES" dirty="0"/>
+            <a:endParaRPr lang="es-ES" dirty="0">
+              <a:solidFill>
+                <a:schemeClr val="accent6"/>
+              </a:solidFill>
+            </a:endParaRPr>
           </a:p>
         </p:txBody>
       </p:sp>
@@ -3485,10 +3547,18 @@
           <a:p>
             <a:pPr algn="l"/>
             <a:r>
-              <a:rPr lang="es-ES" dirty="0" smtClean="0"/>
+              <a:rPr lang="es-ES" dirty="0" smtClean="0">
+                <a:solidFill>
+                  <a:schemeClr val="accent6"/>
+                </a:solidFill>
+              </a:rPr>
               <a:t>Análisis</a:t>
             </a:r>
-            <a:endParaRPr lang="es-ES" dirty="0"/>
+            <a:endParaRPr lang="es-ES" dirty="0">
+              <a:solidFill>
+                <a:schemeClr val="accent6"/>
+              </a:solidFill>
+            </a:endParaRPr>
           </a:p>
         </p:txBody>
       </p:sp>
@@ -3510,198 +3580,100 @@
           <a:lstStyle/>
           <a:p>
             <a:r>
-              <a:rPr lang="es-ES" dirty="0" smtClean="0"/>
+              <a:rPr lang="es-ES" dirty="0" smtClean="0">
+                <a:solidFill>
+                  <a:schemeClr val="accent6"/>
+                </a:solidFill>
+              </a:rPr>
               <a:t>RF 1. Gestión de usuarios</a:t>
             </a:r>
           </a:p>
           <a:p>
             <a:r>
-              <a:rPr lang="es-ES" dirty="0" smtClean="0">
-                <a:solidFill>
-                  <a:schemeClr val="tx1">
-                    <a:lumMod val="50000"/>
-                  </a:schemeClr>
-                </a:solidFill>
-              </a:rPr>
+              <a:rPr lang="es-ES" dirty="0" smtClean="0"/>
               <a:t>RF 2. Creación y gestión de materias. </a:t>
             </a:r>
             <a:r>
-              <a:rPr lang="es-ES" i="1" dirty="0" smtClean="0">
-                <a:solidFill>
-                  <a:schemeClr val="tx1">
-                    <a:lumMod val="50000"/>
-                  </a:schemeClr>
-                </a:solidFill>
-              </a:rPr>
+              <a:rPr lang="es-ES" i="1" dirty="0" smtClean="0"/>
               <a:t>Rol docente</a:t>
             </a:r>
           </a:p>
           <a:p>
             <a:r>
-              <a:rPr lang="es-ES" dirty="0" smtClean="0">
-                <a:solidFill>
-                  <a:schemeClr val="tx1">
-                    <a:lumMod val="50000"/>
-                  </a:schemeClr>
-                </a:solidFill>
-              </a:rPr>
+              <a:rPr lang="es-ES" dirty="0" smtClean="0"/>
               <a:t>RF 3. Creación y gestión de preguntas y respuestas. </a:t>
             </a:r>
             <a:r>
-              <a:rPr lang="es-ES" i="1" dirty="0" smtClean="0">
-                <a:solidFill>
-                  <a:schemeClr val="tx1">
-                    <a:lumMod val="50000"/>
-                  </a:schemeClr>
-                </a:solidFill>
-              </a:rPr>
+              <a:rPr lang="es-ES" i="1" dirty="0" smtClean="0"/>
               <a:t>Rol docente</a:t>
             </a:r>
           </a:p>
           <a:p>
             <a:r>
-              <a:rPr lang="es-ES" dirty="0" smtClean="0">
-                <a:solidFill>
-                  <a:schemeClr val="tx1">
-                    <a:lumMod val="50000"/>
-                  </a:schemeClr>
-                </a:solidFill>
-              </a:rPr>
+              <a:rPr lang="es-ES" dirty="0" smtClean="0"/>
               <a:t>RF 4. Subida y gestión de fichero multimedia. </a:t>
             </a:r>
             <a:r>
-              <a:rPr lang="es-ES" i="1" dirty="0" smtClean="0">
-                <a:solidFill>
-                  <a:schemeClr val="tx1">
-                    <a:lumMod val="50000"/>
-                  </a:schemeClr>
-                </a:solidFill>
-              </a:rPr>
+              <a:rPr lang="es-ES" i="1" dirty="0" smtClean="0"/>
               <a:t>Rol docente</a:t>
             </a:r>
           </a:p>
           <a:p>
             <a:r>
-              <a:rPr lang="es-ES" dirty="0" smtClean="0">
-                <a:solidFill>
-                  <a:schemeClr val="tx1">
-                    <a:lumMod val="50000"/>
-                  </a:schemeClr>
-                </a:solidFill>
-              </a:rPr>
+              <a:rPr lang="es-ES" dirty="0" smtClean="0"/>
               <a:t>RF 5. Creación y gestión de cuestionarios. </a:t>
             </a:r>
             <a:r>
-              <a:rPr lang="es-ES" i="1" dirty="0" smtClean="0">
-                <a:solidFill>
-                  <a:schemeClr val="tx1">
-                    <a:lumMod val="50000"/>
-                  </a:schemeClr>
-                </a:solidFill>
-              </a:rPr>
+              <a:rPr lang="es-ES" i="1" dirty="0" smtClean="0"/>
               <a:t>Rol docente</a:t>
             </a:r>
           </a:p>
           <a:p>
             <a:r>
-              <a:rPr lang="es-ES" dirty="0" smtClean="0">
-                <a:solidFill>
-                  <a:schemeClr val="tx1">
-                    <a:lumMod val="50000"/>
-                  </a:schemeClr>
-                </a:solidFill>
-              </a:rPr>
+              <a:rPr lang="es-ES" dirty="0" smtClean="0"/>
               <a:t>RF 6. Realización de cuestionarios. </a:t>
             </a:r>
             <a:r>
-              <a:rPr lang="es-ES" i="1" dirty="0" smtClean="0">
-                <a:solidFill>
-                  <a:schemeClr val="tx1">
-                    <a:lumMod val="50000"/>
-                  </a:schemeClr>
-                </a:solidFill>
-              </a:rPr>
+              <a:rPr lang="es-ES" i="1" dirty="0" smtClean="0"/>
               <a:t>Rol estudiante</a:t>
             </a:r>
           </a:p>
           <a:p>
             <a:r>
-              <a:rPr lang="es-ES" dirty="0" smtClean="0">
-                <a:solidFill>
-                  <a:schemeClr val="tx1">
-                    <a:lumMod val="50000"/>
-                  </a:schemeClr>
-                </a:solidFill>
-              </a:rPr>
+              <a:rPr lang="es-ES" dirty="0" smtClean="0"/>
               <a:t>RF 7. Visualización de resultados</a:t>
             </a:r>
           </a:p>
           <a:p>
             <a:r>
-              <a:rPr lang="es-ES" dirty="0" smtClean="0">
-                <a:solidFill>
-                  <a:schemeClr val="tx1">
-                    <a:lumMod val="50000"/>
-                  </a:schemeClr>
-                </a:solidFill>
-              </a:rPr>
+              <a:rPr lang="es-ES" dirty="0" smtClean="0"/>
               <a:t>RF 8. Análisis de resultados</a:t>
             </a:r>
           </a:p>
           <a:p>
             <a:r>
-              <a:rPr lang="es-ES" dirty="0" smtClean="0">
-                <a:solidFill>
-                  <a:schemeClr val="tx1">
-                    <a:lumMod val="50000"/>
-                  </a:schemeClr>
-                </a:solidFill>
-              </a:rPr>
+              <a:rPr lang="es-ES" dirty="0" smtClean="0"/>
               <a:t>RNF 1. Interfaz</a:t>
             </a:r>
           </a:p>
           <a:p>
             <a:r>
-              <a:rPr lang="es-ES" dirty="0" smtClean="0">
-                <a:solidFill>
-                  <a:schemeClr val="tx1">
-                    <a:lumMod val="50000"/>
-                  </a:schemeClr>
-                </a:solidFill>
-              </a:rPr>
+              <a:rPr lang="es-ES" dirty="0" smtClean="0"/>
               <a:t>RNF 2. Seguridad</a:t>
             </a:r>
           </a:p>
           <a:p>
             <a:r>
-              <a:rPr lang="es-ES" dirty="0" smtClean="0">
-                <a:solidFill>
-                  <a:schemeClr val="tx1">
-                    <a:lumMod val="50000"/>
-                  </a:schemeClr>
-                </a:solidFill>
-              </a:rPr>
+              <a:rPr lang="es-ES" dirty="0" smtClean="0"/>
               <a:t>RNF 3. Modularidad</a:t>
             </a:r>
           </a:p>
           <a:p>
             <a:r>
-              <a:rPr lang="es-ES" dirty="0" smtClean="0">
-                <a:solidFill>
-                  <a:schemeClr val="tx1">
-                    <a:lumMod val="50000"/>
-                  </a:schemeClr>
-                </a:solidFill>
-              </a:rPr>
+              <a:rPr lang="es-ES" dirty="0" smtClean="0"/>
               <a:t>RNF 4. Rendimiento</a:t>
             </a:r>
-            <a:endParaRPr lang="es-ES" dirty="0">
-              <a:solidFill>
-                <a:schemeClr val="tx1">
-                  <a:lumMod val="50000"/>
-                </a:schemeClr>
-              </a:solidFill>
-            </a:endParaRPr>
+            <a:endParaRPr lang="es-ES" dirty="0"/>
           </a:p>
         </p:txBody>
       </p:sp>
@@ -3759,10 +3731,18 @@
           <a:p>
             <a:pPr algn="l"/>
             <a:r>
-              <a:rPr lang="es-ES" dirty="0" smtClean="0"/>
+              <a:rPr lang="es-ES" dirty="0" smtClean="0">
+                <a:solidFill>
+                  <a:schemeClr val="accent6"/>
+                </a:solidFill>
+              </a:rPr>
               <a:t>Análisis</a:t>
             </a:r>
-            <a:endParaRPr lang="es-ES" dirty="0"/>
+            <a:endParaRPr lang="es-ES" dirty="0">
+              <a:solidFill>
+                <a:schemeClr val="accent6"/>
+              </a:solidFill>
+            </a:endParaRPr>
           </a:p>
         </p:txBody>
       </p:sp>
@@ -3784,20 +3764,50 @@
           <a:lstStyle/>
           <a:p>
             <a:r>
+              <a:rPr lang="es-ES" dirty="0" smtClean="0"/>
+              <a:t>RF 1. Gestión de usuarios</a:t>
+            </a:r>
+          </a:p>
+          <a:p>
+            <a:r>
               <a:rPr lang="es-ES" dirty="0" smtClean="0">
                 <a:solidFill>
-                  <a:schemeClr val="tx1">
-                    <a:lumMod val="50000"/>
-                  </a:schemeClr>
+                  <a:schemeClr val="accent6"/>
                 </a:solidFill>
               </a:rPr>
-              <a:t>RF 1. Gestión de usuarios</a:t>
-            </a:r>
-          </a:p>
-          <a:p>
-            <a:r>
-              <a:rPr lang="es-ES" dirty="0" smtClean="0"/>
               <a:t>RF 2. Creación y gestión de materias. </a:t>
+            </a:r>
+            <a:r>
+              <a:rPr lang="es-ES" i="1" dirty="0" smtClean="0">
+                <a:solidFill>
+                  <a:schemeClr val="accent6"/>
+                </a:solidFill>
+              </a:rPr>
+              <a:t>Rol docente</a:t>
+            </a:r>
+          </a:p>
+          <a:p>
+            <a:r>
+              <a:rPr lang="es-ES" dirty="0" smtClean="0">
+                <a:solidFill>
+                  <a:schemeClr val="accent6"/>
+                </a:solidFill>
+              </a:rPr>
+              <a:t>RF 3. Creación y gestión de preguntas y respuestas. </a:t>
+            </a:r>
+            <a:r>
+              <a:rPr lang="es-ES" i="1" dirty="0" smtClean="0">
+                <a:solidFill>
+                  <a:schemeClr val="accent6"/>
+                </a:solidFill>
+              </a:rPr>
+              <a:t>Rol docente</a:t>
+            </a:r>
+          </a:p>
+          <a:p>
+            <a:r>
+              <a:rPr lang="es-ES" dirty="0" smtClean="0"/>
+              <a:t>RF 4. Subida y gestión de fichero multimedia. </a:t>
             </a:r>
             <a:r>
               <a:rPr lang="es-ES" i="1" dirty="0" smtClean="0"/>
@@ -3806,31 +3816,17 @@
           </a:p>
           <a:p>
             <a:r>
-              <a:rPr lang="es-ES" dirty="0" smtClean="0"/>
-              <a:t>RF 3. Creación y gestión de preguntas y respuestas. </a:t>
-            </a:r>
-            <a:r>
-              <a:rPr lang="es-ES" i="1" dirty="0" smtClean="0"/>
-              <a:t>Rol docente</a:t>
-            </a:r>
-          </a:p>
-          <a:p>
-            <a:r>
               <a:rPr lang="es-ES" dirty="0" smtClean="0">
                 <a:solidFill>
-                  <a:schemeClr val="tx1">
-                    <a:lumMod val="50000"/>
-                  </a:schemeClr>
+                  <a:schemeClr val="accent6"/>
                 </a:solidFill>
               </a:rPr>
-              <a:t>RF 4. Subida y gestión de fichero multimedia. </a:t>
+              <a:t>RF 5. Creación y gestión de cuestionarios. </a:t>
             </a:r>
             <a:r>
               <a:rPr lang="es-ES" i="1" dirty="0" smtClean="0">
                 <a:solidFill>
-                  <a:schemeClr val="tx1">
-                    <a:lumMod val="50000"/>
-                  </a:schemeClr>
+                  <a:schemeClr val="accent6"/>
                 </a:solidFill>
               </a:rPr>
               <a:t>Rol docente</a:t>
@@ -3838,102 +3834,58 @@
           </a:p>
           <a:p>
             <a:r>
-              <a:rPr lang="es-ES" dirty="0" smtClean="0"/>
-              <a:t>RF 5. Creación y gestión de cuestionarios. </a:t>
-            </a:r>
-            <a:r>
-              <a:rPr lang="es-ES" i="1" dirty="0" smtClean="0"/>
-              <a:t>Rol docente</a:t>
-            </a:r>
-          </a:p>
-          <a:p>
-            <a:r>
-              <a:rPr lang="es-ES" dirty="0" smtClean="0"/>
+              <a:rPr lang="es-ES" dirty="0" smtClean="0">
+                <a:solidFill>
+                  <a:schemeClr val="accent6"/>
+                </a:solidFill>
+              </a:rPr>
               <a:t>RF 6. Realización de cuestionarios. </a:t>
             </a:r>
             <a:r>
-              <a:rPr lang="es-ES" i="1" dirty="0" smtClean="0"/>
+              <a:rPr lang="es-ES" i="1" dirty="0" smtClean="0">
+                <a:solidFill>
+                  <a:schemeClr val="accent6"/>
+                </a:solidFill>
+              </a:rPr>
               <a:t>Rol estudiante</a:t>
             </a:r>
           </a:p>
           <a:p>
             <a:r>
-              <a:rPr lang="es-ES" dirty="0" smtClean="0">
-                <a:solidFill>
-                  <a:schemeClr val="tx1">
-                    <a:lumMod val="50000"/>
-                  </a:schemeClr>
-                </a:solidFill>
-              </a:rPr>
+              <a:rPr lang="es-ES" dirty="0" smtClean="0"/>
               <a:t>RF 7. Visualización de resultados</a:t>
             </a:r>
           </a:p>
           <a:p>
             <a:r>
-              <a:rPr lang="es-ES" dirty="0" smtClean="0">
-                <a:solidFill>
-                  <a:schemeClr val="tx1">
-                    <a:lumMod val="50000"/>
-                  </a:schemeClr>
-                </a:solidFill>
-              </a:rPr>
+              <a:rPr lang="es-ES" dirty="0" smtClean="0"/>
               <a:t>RF 8. Análisis de resultados</a:t>
             </a:r>
           </a:p>
           <a:p>
             <a:r>
-              <a:rPr lang="es-ES" dirty="0" smtClean="0">
-                <a:solidFill>
-                  <a:schemeClr val="tx1">
-                    <a:lumMod val="50000"/>
-                  </a:schemeClr>
-                </a:solidFill>
-              </a:rPr>
+              <a:rPr lang="es-ES" dirty="0" smtClean="0"/>
               <a:t>RNF 1. Interfaz</a:t>
             </a:r>
           </a:p>
           <a:p>
             <a:r>
-              <a:rPr lang="es-ES" dirty="0" smtClean="0">
-                <a:solidFill>
-                  <a:schemeClr val="tx1">
-                    <a:lumMod val="50000"/>
-                  </a:schemeClr>
-                </a:solidFill>
-              </a:rPr>
+              <a:rPr lang="es-ES" dirty="0" smtClean="0"/>
               <a:t>RNF 2. Seguridad</a:t>
             </a:r>
           </a:p>
           <a:p>
             <a:r>
-              <a:rPr lang="es-ES" dirty="0" smtClean="0">
-                <a:solidFill>
-                  <a:schemeClr val="tx1">
-                    <a:lumMod val="50000"/>
-                  </a:schemeClr>
-                </a:solidFill>
-              </a:rPr>
+              <a:rPr lang="es-ES" dirty="0" smtClean="0"/>
               <a:t>RNF 3. Modularidad</a:t>
             </a:r>
           </a:p>
           <a:p>
             <a:r>
-              <a:rPr lang="es-ES" dirty="0" smtClean="0">
-                <a:solidFill>
-                  <a:schemeClr val="tx1">
-                    <a:lumMod val="50000"/>
-                  </a:schemeClr>
-                </a:solidFill>
-              </a:rPr>
+              <a:rPr lang="es-ES" dirty="0" smtClean="0"/>
               <a:t>RNF 4. Rendimiento</a:t>
             </a:r>
-            <a:endParaRPr lang="es-ES" dirty="0">
-              <a:solidFill>
-                <a:schemeClr val="tx1">
-                  <a:lumMod val="50000"/>
-                </a:schemeClr>
-              </a:solidFill>
-            </a:endParaRPr>
+            <a:endParaRPr lang="es-ES" dirty="0"/>
           </a:p>
         </p:txBody>
       </p:sp>
@@ -3946,7 +3898,7 @@
         <p:spPr>
           <a:xfrm>
             <a:off x="3995936" y="5301208"/>
-            <a:ext cx="4248472" cy="923330"/>
+            <a:ext cx="5148064" cy="923330"/>
           </a:xfrm>
           <a:prstGeom prst="rect">
             <a:avLst/>
@@ -3960,8 +3912,20 @@
           <a:lstStyle/>
           <a:p>
             <a:r>
-              <a:rPr lang="es-ES" b="1" dirty="0" smtClean="0"/>
-              <a:t>1. Sistema para crear cuestionario online de (auto)evaluación</a:t>
+              <a:rPr lang="es-ES" b="1" dirty="0" err="1" smtClean="0">
+                <a:solidFill>
+                  <a:schemeClr val="accent6"/>
+                </a:solidFill>
+              </a:rPr>
+              <a:t>Obj</a:t>
+            </a:r>
+            <a:r>
+              <a:rPr lang="es-ES" b="1" dirty="0" smtClean="0">
+                <a:solidFill>
+                  <a:schemeClr val="accent6"/>
+                </a:solidFill>
+              </a:rPr>
+              <a:t>. 1. Sistema para crear cuestionario online de (auto)evaluación</a:t>
             </a:r>
           </a:p>
           <a:p>
@@ -4023,10 +3987,18 @@
           <a:p>
             <a:pPr algn="l"/>
             <a:r>
-              <a:rPr lang="es-ES" dirty="0" smtClean="0"/>
+              <a:rPr lang="es-ES" dirty="0" smtClean="0">
+                <a:solidFill>
+                  <a:schemeClr val="accent6"/>
+                </a:solidFill>
+              </a:rPr>
               <a:t>Análisis</a:t>
             </a:r>
-            <a:endParaRPr lang="es-ES" dirty="0"/>
+            <a:endParaRPr lang="es-ES" dirty="0">
+              <a:solidFill>
+                <a:schemeClr val="accent6"/>
+              </a:solidFill>
+            </a:endParaRPr>
           </a:p>
         </p:txBody>
       </p:sp>
@@ -4048,33 +4020,43 @@
           <a:lstStyle/>
           <a:p>
             <a:r>
+              <a:rPr lang="es-ES" dirty="0" smtClean="0"/>
+              <a:t>RF 1. Gestión de usuarios</a:t>
+            </a:r>
+          </a:p>
+          <a:p>
+            <a:r>
+              <a:rPr lang="es-ES" dirty="0" smtClean="0"/>
+              <a:t>RF 2. Creación y gestión de materias. </a:t>
+            </a:r>
+            <a:r>
+              <a:rPr lang="es-ES" i="1" dirty="0" smtClean="0"/>
+              <a:t>Rol docente</a:t>
+            </a:r>
+          </a:p>
+          <a:p>
+            <a:r>
+              <a:rPr lang="es-ES" dirty="0" smtClean="0"/>
+              <a:t>RF 3. Creación y gestión de preguntas y respuestas. </a:t>
+            </a:r>
+            <a:r>
+              <a:rPr lang="es-ES" i="1" dirty="0" smtClean="0"/>
+              <a:t>Rol docente</a:t>
+            </a:r>
+          </a:p>
+          <a:p>
+            <a:r>
               <a:rPr lang="es-ES" dirty="0" smtClean="0">
                 <a:solidFill>
-                  <a:schemeClr val="tx1">
-                    <a:lumMod val="50000"/>
-                  </a:schemeClr>
+                  <a:schemeClr val="accent6"/>
                 </a:solidFill>
               </a:rPr>
-              <a:t>RF 1. Gestión de usuarios</a:t>
-            </a:r>
-          </a:p>
-          <a:p>
-            <a:r>
-              <a:rPr lang="es-ES" dirty="0" smtClean="0">
-                <a:solidFill>
-                  <a:schemeClr val="tx1">
-                    <a:lumMod val="50000"/>
-                  </a:schemeClr>
-                </a:solidFill>
-              </a:rPr>
-              <a:t>RF 2. Creación y gestión de materias. </a:t>
+              <a:t>RF 4. Subida y gestión de fichero multimedia. </a:t>
             </a:r>
             <a:r>
               <a:rPr lang="es-ES" i="1" dirty="0" smtClean="0">
                 <a:solidFill>
-                  <a:schemeClr val="tx1">
-                    <a:lumMod val="50000"/>
-                  </a:schemeClr>
+                  <a:schemeClr val="accent6"/>
                 </a:solidFill>
               </a:rPr>
               <a:t>Rol docente</a:t>
@@ -4082,30 +4064,8 @@
           </a:p>
           <a:p>
             <a:r>
-              <a:rPr lang="es-ES" dirty="0" smtClean="0">
-                <a:solidFill>
-                  <a:schemeClr val="tx1">
-                    <a:lumMod val="50000"/>
-                  </a:schemeClr>
-                </a:solidFill>
-              </a:rPr>
-              <a:t>RF 3. Creación y gestión de preguntas y respuestas. </a:t>
-            </a:r>
-            <a:r>
-              <a:rPr lang="es-ES" i="1" dirty="0" smtClean="0">
-                <a:solidFill>
-                  <a:schemeClr val="tx1">
-                    <a:lumMod val="50000"/>
-                  </a:schemeClr>
-                </a:solidFill>
-              </a:rPr>
-              <a:t>Rol docente</a:t>
-            </a:r>
-          </a:p>
-          <a:p>
-            <a:r>
-              <a:rPr lang="es-ES" dirty="0" smtClean="0"/>
-              <a:t>RF 4. Subida y gestión de fichero multimedia. </a:t>
+              <a:rPr lang="es-ES" dirty="0" smtClean="0"/>
+              <a:t>RF 5. Creación y gestión de cuestionarios. </a:t>
             </a:r>
             <a:r>
               <a:rPr lang="es-ES" i="1" dirty="0" smtClean="0"/>
@@ -4114,114 +4074,58 @@
           </a:p>
           <a:p>
             <a:r>
+              <a:rPr lang="es-ES" dirty="0" smtClean="0"/>
+              <a:t>RF 6. Realización de cuestionarios. </a:t>
+            </a:r>
+            <a:r>
+              <a:rPr lang="es-ES" i="1" dirty="0" smtClean="0"/>
+              <a:t>Rol estudiante</a:t>
+            </a:r>
+          </a:p>
+          <a:p>
+            <a:r>
+              <a:rPr lang="es-ES" dirty="0" smtClean="0"/>
+              <a:t>RF 7. Visualización de resultados</a:t>
+            </a:r>
+          </a:p>
+          <a:p>
+            <a:r>
               <a:rPr lang="es-ES" dirty="0" smtClean="0">
                 <a:solidFill>
-                  <a:schemeClr val="tx1">
-                    <a:lumMod val="50000"/>
-                  </a:schemeClr>
+                  <a:schemeClr val="accent6"/>
                 </a:solidFill>
               </a:rPr>
-              <a:t>RF 5. Creación y gestión de cuestionarios. </a:t>
-            </a:r>
-            <a:r>
-              <a:rPr lang="es-ES" i="1" dirty="0" smtClean="0">
-                <a:solidFill>
-                  <a:schemeClr val="tx1">
-                    <a:lumMod val="50000"/>
-                  </a:schemeClr>
+              <a:t>RF 8. Análisis de resultados</a:t>
+            </a:r>
+          </a:p>
+          <a:p>
+            <a:r>
+              <a:rPr lang="es-ES" dirty="0" smtClean="0">
+                <a:solidFill>
+                  <a:schemeClr val="accent6"/>
                 </a:solidFill>
               </a:rPr>
-              <a:t>Rol docente</a:t>
-            </a:r>
-          </a:p>
-          <a:p>
-            <a:r>
-              <a:rPr lang="es-ES" dirty="0" smtClean="0">
-                <a:solidFill>
-                  <a:schemeClr val="tx1">
-                    <a:lumMod val="50000"/>
-                  </a:schemeClr>
-                </a:solidFill>
-              </a:rPr>
-              <a:t>RF 6. Realización de cuestionarios. </a:t>
-            </a:r>
-            <a:r>
-              <a:rPr lang="es-ES" i="1" dirty="0" smtClean="0">
-                <a:solidFill>
-                  <a:schemeClr val="tx1">
-                    <a:lumMod val="50000"/>
-                  </a:schemeClr>
-                </a:solidFill>
-              </a:rPr>
-              <a:t>Rol estudiante</a:t>
-            </a:r>
-          </a:p>
-          <a:p>
-            <a:r>
-              <a:rPr lang="es-ES" dirty="0" smtClean="0">
-                <a:solidFill>
-                  <a:schemeClr val="tx1">
-                    <a:lumMod val="50000"/>
-                  </a:schemeClr>
-                </a:solidFill>
-              </a:rPr>
-              <a:t>RF 7. Visualización de resultados</a:t>
-            </a:r>
-          </a:p>
-          <a:p>
-            <a:r>
-              <a:rPr lang="es-ES" dirty="0" smtClean="0"/>
-              <a:t>RF 8. Análisis de resultados</a:t>
-            </a:r>
-          </a:p>
-          <a:p>
-            <a:r>
-              <a:rPr lang="es-ES" dirty="0" smtClean="0"/>
               <a:t>RNF 1. Interfaz</a:t>
             </a:r>
           </a:p>
           <a:p>
             <a:r>
-              <a:rPr lang="es-ES" dirty="0" smtClean="0">
-                <a:solidFill>
-                  <a:schemeClr val="tx1">
-                    <a:lumMod val="50000"/>
-                  </a:schemeClr>
-                </a:solidFill>
-              </a:rPr>
+              <a:rPr lang="es-ES" dirty="0" smtClean="0"/>
               <a:t>RNF 2. Seguridad</a:t>
             </a:r>
           </a:p>
           <a:p>
             <a:r>
-              <a:rPr lang="es-ES" dirty="0" smtClean="0">
-                <a:solidFill>
-                  <a:schemeClr val="tx1">
-                    <a:lumMod val="50000"/>
-                  </a:schemeClr>
-                </a:solidFill>
-              </a:rPr>
+              <a:rPr lang="es-ES" dirty="0" smtClean="0"/>
               <a:t>RNF 3. Modularidad</a:t>
             </a:r>
           </a:p>
           <a:p>
             <a:r>
-              <a:rPr lang="es-ES" dirty="0" smtClean="0">
-                <a:solidFill>
-                  <a:schemeClr val="tx1">
-                    <a:lumMod val="50000"/>
-                  </a:schemeClr>
-                </a:solidFill>
-              </a:rPr>
+              <a:rPr lang="es-ES" dirty="0" smtClean="0"/>
               <a:t>RNF 4. Rendimiento</a:t>
             </a:r>
-            <a:endParaRPr lang="es-ES" dirty="0">
-              <a:solidFill>
-                <a:schemeClr val="tx1">
-                  <a:lumMod val="50000"/>
-                </a:schemeClr>
-              </a:solidFill>
-            </a:endParaRPr>
+            <a:endParaRPr lang="es-ES" dirty="0"/>
           </a:p>
         </p:txBody>
       </p:sp>
@@ -4233,8 +4137,8 @@
         </p:nvSpPr>
         <p:spPr>
           <a:xfrm>
-            <a:off x="4058411" y="5229200"/>
-            <a:ext cx="4680520" cy="1477328"/>
+            <a:off x="4058410" y="5229200"/>
+            <a:ext cx="5085589" cy="1477328"/>
           </a:xfrm>
           <a:prstGeom prst="rect">
             <a:avLst/>
@@ -4248,20 +4152,56 @@
           <a:lstStyle/>
           <a:p>
             <a:r>
-              <a:rPr lang="es-ES" b="1" dirty="0" smtClean="0"/>
-              <a:t>2. Válido para múltiples áreas de conocimiento</a:t>
-            </a:r>
-          </a:p>
-          <a:p>
-            <a:r>
-              <a:rPr lang="es-ES" b="1" dirty="0" smtClean="0"/>
-              <a:t>3. Sin conocimientos avanzados de informática</a:t>
-            </a:r>
-          </a:p>
-          <a:p>
-            <a:r>
-              <a:rPr lang="es-ES" b="1" dirty="0" smtClean="0"/>
-              <a:t>4. Herramientas de análisis</a:t>
+              <a:rPr lang="es-ES" b="1" dirty="0" err="1" smtClean="0">
+                <a:solidFill>
+                  <a:schemeClr val="accent6"/>
+                </a:solidFill>
+              </a:rPr>
+              <a:t>Obj</a:t>
+            </a:r>
+            <a:r>
+              <a:rPr lang="es-ES" b="1" dirty="0" smtClean="0">
+                <a:solidFill>
+                  <a:schemeClr val="accent6"/>
+                </a:solidFill>
+              </a:rPr>
+              <a:t> .2. Válido para múltiples áreas de conocimiento</a:t>
+            </a:r>
+          </a:p>
+          <a:p>
+            <a:r>
+              <a:rPr lang="es-ES" b="1" dirty="0" err="1" smtClean="0">
+                <a:solidFill>
+                  <a:schemeClr val="accent6"/>
+                </a:solidFill>
+              </a:rPr>
+              <a:t>Obj</a:t>
+            </a:r>
+            <a:r>
+              <a:rPr lang="es-ES" b="1" dirty="0" smtClean="0">
+                <a:solidFill>
+                  <a:schemeClr val="accent6"/>
+                </a:solidFill>
+              </a:rPr>
+              <a:t>. 3. Sin conocimientos avanzados de informática</a:t>
+            </a:r>
+          </a:p>
+          <a:p>
+            <a:r>
+              <a:rPr lang="es-ES" b="1" dirty="0" err="1" smtClean="0">
+                <a:solidFill>
+                  <a:schemeClr val="accent6"/>
+                </a:solidFill>
+              </a:rPr>
+              <a:t>Obj</a:t>
+            </a:r>
+            <a:r>
+              <a:rPr lang="es-ES" b="1" dirty="0" smtClean="0">
+                <a:solidFill>
+                  <a:schemeClr val="accent6"/>
+                </a:solidFill>
+              </a:rPr>
+              <a:t>. 4. Herramientas de análisis</a:t>
             </a:r>
           </a:p>
           <a:p>
@@ -4326,10 +4266,18 @@
           <a:p>
             <a:pPr algn="l"/>
             <a:r>
-              <a:rPr lang="es-ES" dirty="0" smtClean="0"/>
+              <a:rPr lang="es-ES" dirty="0" smtClean="0">
+                <a:solidFill>
+                  <a:schemeClr val="accent6"/>
+                </a:solidFill>
+              </a:rPr>
               <a:t>Análisis</a:t>
             </a:r>
-            <a:endParaRPr lang="es-ES" dirty="0"/>
+            <a:endParaRPr lang="es-ES" dirty="0">
+              <a:solidFill>
+                <a:schemeClr val="accent6"/>
+              </a:solidFill>
+            </a:endParaRPr>
           </a:p>
         </p:txBody>
       </p:sp>
@@ -4351,158 +4299,77 @@
           <a:lstStyle/>
           <a:p>
             <a:r>
+              <a:rPr lang="es-ES" dirty="0" smtClean="0"/>
+              <a:t>RF 1. Gestión de usuarios</a:t>
+            </a:r>
+          </a:p>
+          <a:p>
+            <a:r>
+              <a:rPr lang="es-ES" dirty="0" smtClean="0"/>
+              <a:t>RF 2. Creación y gestión de materias. </a:t>
+            </a:r>
+            <a:r>
+              <a:rPr lang="es-ES" i="1" dirty="0" smtClean="0"/>
+              <a:t>Rol docente</a:t>
+            </a:r>
+          </a:p>
+          <a:p>
+            <a:r>
+              <a:rPr lang="es-ES" dirty="0" smtClean="0"/>
+              <a:t>RF 3. Creación y gestión de preguntas y respuestas. </a:t>
+            </a:r>
+            <a:r>
+              <a:rPr lang="es-ES" i="1" dirty="0" smtClean="0"/>
+              <a:t>Rol docente</a:t>
+            </a:r>
+          </a:p>
+          <a:p>
+            <a:r>
+              <a:rPr lang="es-ES" dirty="0" smtClean="0"/>
+              <a:t>RF 4. Subida y gestión de fichero multimedia. </a:t>
+            </a:r>
+            <a:r>
+              <a:rPr lang="es-ES" i="1" dirty="0" smtClean="0"/>
+              <a:t>Rol docente</a:t>
+            </a:r>
+          </a:p>
+          <a:p>
+            <a:r>
+              <a:rPr lang="es-ES" dirty="0" smtClean="0"/>
+              <a:t>RF 5. Creación y gestión de cuestionarios. </a:t>
+            </a:r>
+            <a:r>
+              <a:rPr lang="es-ES" i="1" dirty="0" smtClean="0"/>
+              <a:t>Rol docente</a:t>
+            </a:r>
+          </a:p>
+          <a:p>
+            <a:r>
+              <a:rPr lang="es-ES" dirty="0" smtClean="0"/>
+              <a:t>RF 6. Realización de cuestionarios. </a:t>
+            </a:r>
+            <a:r>
+              <a:rPr lang="es-ES" i="1" dirty="0" smtClean="0"/>
+              <a:t>Rol estudiante</a:t>
+            </a:r>
+          </a:p>
+          <a:p>
+            <a:r>
+              <a:rPr lang="es-ES" dirty="0" smtClean="0"/>
+              <a:t>RF 7. Visualización de resultados</a:t>
+            </a:r>
+          </a:p>
+          <a:p>
+            <a:r>
+              <a:rPr lang="es-ES" dirty="0" smtClean="0"/>
+              <a:t>RF 8. Análisis de resultados</a:t>
+            </a:r>
+          </a:p>
+          <a:p>
+            <a:r>
               <a:rPr lang="es-ES" dirty="0" smtClean="0">
                 <a:solidFill>
-                  <a:schemeClr val="tx1">
-                    <a:lumMod val="50000"/>
-                  </a:schemeClr>
-                </a:solidFill>
-              </a:rPr>
-              <a:t>RF 1. Gestión de usuarios</a:t>
-            </a:r>
-          </a:p>
-          <a:p>
-            <a:r>
-              <a:rPr lang="es-ES" dirty="0" smtClean="0">
-                <a:solidFill>
-                  <a:schemeClr val="tx1">
-                    <a:lumMod val="50000"/>
-                  </a:schemeClr>
-                </a:solidFill>
-              </a:rPr>
-              <a:t>RF 2. Creación y gestión de materias. </a:t>
-            </a:r>
-            <a:r>
-              <a:rPr lang="es-ES" i="1" dirty="0" smtClean="0">
-                <a:solidFill>
-                  <a:schemeClr val="tx1">
-                    <a:lumMod val="50000"/>
-                  </a:schemeClr>
-                </a:solidFill>
-              </a:rPr>
-              <a:t>Rol docente</a:t>
-            </a:r>
-          </a:p>
-          <a:p>
-            <a:r>
-              <a:rPr lang="es-ES" dirty="0" smtClean="0">
-                <a:solidFill>
-                  <a:schemeClr val="tx1">
-                    <a:lumMod val="50000"/>
-                  </a:schemeClr>
-                </a:solidFill>
-              </a:rPr>
-              <a:t>RF 3. Creación y gestión de preguntas y respuestas. </a:t>
-            </a:r>
-            <a:r>
-              <a:rPr lang="es-ES" i="1" dirty="0" smtClean="0">
-                <a:solidFill>
-                  <a:schemeClr val="tx1">
-                    <a:lumMod val="50000"/>
-                  </a:schemeClr>
-                </a:solidFill>
-              </a:rPr>
-              <a:t>Rol docente</a:t>
-            </a:r>
-          </a:p>
-          <a:p>
-            <a:r>
-              <a:rPr lang="es-ES" dirty="0" smtClean="0">
-                <a:solidFill>
-                  <a:schemeClr val="tx1">
-                    <a:lumMod val="50000"/>
-                  </a:schemeClr>
-                </a:solidFill>
-              </a:rPr>
-              <a:t>RF 4. Subida y gestión de fichero multimedia. </a:t>
-            </a:r>
-            <a:r>
-              <a:rPr lang="es-ES" i="1" dirty="0" smtClean="0">
-                <a:solidFill>
-                  <a:schemeClr val="tx1">
-                    <a:lumMod val="50000"/>
-                  </a:schemeClr>
-                </a:solidFill>
-              </a:rPr>
-              <a:t>Rol docente</a:t>
-            </a:r>
-          </a:p>
-          <a:p>
-            <a:r>
-              <a:rPr lang="es-ES" dirty="0" smtClean="0">
-                <a:solidFill>
-                  <a:schemeClr val="tx1">
-                    <a:lumMod val="50000"/>
-                  </a:schemeClr>
-                </a:solidFill>
-              </a:rPr>
-              <a:t>RF 5. Creación y gestión de cuestionarios. </a:t>
-            </a:r>
-            <a:r>
-              <a:rPr lang="es-ES" i="1" dirty="0" smtClean="0">
-                <a:solidFill>
-                  <a:schemeClr val="tx1">
-                    <a:lumMod val="50000"/>
-                  </a:schemeClr>
-                </a:solidFill>
-              </a:rPr>
-              <a:t>Rol docente</a:t>
-            </a:r>
-          </a:p>
-          <a:p>
-            <a:r>
-              <a:rPr lang="es-ES" dirty="0" smtClean="0">
-                <a:solidFill>
-                  <a:schemeClr val="tx1">
-                    <a:lumMod val="50000"/>
-                  </a:schemeClr>
-                </a:solidFill>
-              </a:rPr>
-              <a:t>RF 6. Realización de cuestionarios. </a:t>
-            </a:r>
-            <a:r>
-              <a:rPr lang="es-ES" i="1" dirty="0" smtClean="0">
-                <a:solidFill>
-                  <a:schemeClr val="tx1">
-                    <a:lumMod val="50000"/>
-                  </a:schemeClr>
-                </a:solidFill>
-              </a:rPr>
-              <a:t>Rol estudiante</a:t>
-            </a:r>
-          </a:p>
-          <a:p>
-            <a:r>
-              <a:rPr lang="es-ES" dirty="0" smtClean="0">
-                <a:solidFill>
-                  <a:schemeClr val="tx1">
-                    <a:lumMod val="50000"/>
-                  </a:schemeClr>
-                </a:solidFill>
-              </a:rPr>
-              <a:t>RF 7. Visualización de resultados</a:t>
-            </a:r>
-          </a:p>
-          <a:p>
-            <a:r>
-              <a:rPr lang="es-ES" dirty="0" smtClean="0">
-                <a:solidFill>
-                  <a:schemeClr val="tx1">
-                    <a:lumMod val="50000"/>
-                  </a:schemeClr>
-                </a:solidFill>
-              </a:rPr>
-              <a:t>RF 8. Análisis de resultados</a:t>
-            </a:r>
-          </a:p>
-          <a:p>
-            <a:r>
-              <a:rPr lang="es-ES" dirty="0" smtClean="0">
-                <a:solidFill>
-                  <a:schemeClr val="tx1">
-                    <a:lumMod val="50000"/>
-                    <a:lumOff val="50000"/>
-                  </a:schemeClr>
+                  <a:schemeClr val="accent6"/>
                 </a:solidFill>
               </a:rPr>
               <a:t>RNF 1. Interfaz</a:t>
@@ -4510,22 +4377,38 @@
           </a:p>
           <a:p>
             <a:r>
-              <a:rPr lang="es-ES" dirty="0" smtClean="0"/>
+              <a:rPr lang="es-ES" dirty="0" smtClean="0">
+                <a:solidFill>
+                  <a:schemeClr val="accent6"/>
+                </a:solidFill>
+              </a:rPr>
               <a:t>RNF 2. Seguridad</a:t>
             </a:r>
           </a:p>
           <a:p>
             <a:r>
-              <a:rPr lang="es-ES" dirty="0" smtClean="0"/>
+              <a:rPr lang="es-ES" dirty="0" smtClean="0">
+                <a:solidFill>
+                  <a:schemeClr val="accent6"/>
+                </a:solidFill>
+              </a:rPr>
               <a:t>RNF 3. Modularidad</a:t>
             </a:r>
           </a:p>
           <a:p>
             <a:r>
-              <a:rPr lang="es-ES" dirty="0" smtClean="0"/>
+              <a:rPr lang="es-ES" dirty="0" smtClean="0">
+                <a:solidFill>
+                  <a:schemeClr val="accent6"/>
+                </a:solidFill>
+              </a:rPr>
               <a:t>RNF 4. Rendimiento</a:t>
             </a:r>
-            <a:endParaRPr lang="es-ES" dirty="0"/>
+            <a:endParaRPr lang="es-ES" dirty="0">
+              <a:solidFill>
+                <a:schemeClr val="accent6"/>
+              </a:solidFill>
+            </a:endParaRPr>
           </a:p>
         </p:txBody>
       </p:sp>
@@ -4538,7 +4421,7 @@
         <p:spPr>
           <a:xfrm>
             <a:off x="4058410" y="5229200"/>
-            <a:ext cx="4834069" cy="1477328"/>
+            <a:ext cx="4978086" cy="1754326"/>
           </a:xfrm>
           <a:prstGeom prst="rect">
             <a:avLst/>
@@ -4552,20 +4435,56 @@
           <a:lstStyle/>
           <a:p>
             <a:r>
-              <a:rPr lang="es-ES" b="1" dirty="0" smtClean="0"/>
-              <a:t>5. Sistema web robusto</a:t>
-            </a:r>
-          </a:p>
-          <a:p>
-            <a:r>
-              <a:rPr lang="es-ES" b="1" dirty="0" smtClean="0"/>
-              <a:t>6. Crear un modelo de datos para una evaluación</a:t>
-            </a:r>
-          </a:p>
-          <a:p>
-            <a:r>
-              <a:rPr lang="es-ES" b="1" dirty="0" smtClean="0"/>
-              <a:t>7. Arquitectura flexible pensando en nuevos modelos</a:t>
+              <a:rPr lang="es-ES" b="1" dirty="0" err="1" smtClean="0">
+                <a:solidFill>
+                  <a:schemeClr val="accent6"/>
+                </a:solidFill>
+              </a:rPr>
+              <a:t>Obj</a:t>
+            </a:r>
+            <a:r>
+              <a:rPr lang="es-ES" b="1" dirty="0" smtClean="0">
+                <a:solidFill>
+                  <a:schemeClr val="accent6"/>
+                </a:solidFill>
+              </a:rPr>
+              <a:t>. 5. Sistema web robusto</a:t>
+            </a:r>
+          </a:p>
+          <a:p>
+            <a:r>
+              <a:rPr lang="es-ES" b="1" dirty="0" err="1" smtClean="0">
+                <a:solidFill>
+                  <a:schemeClr val="accent6"/>
+                </a:solidFill>
+              </a:rPr>
+              <a:t>Obj</a:t>
+            </a:r>
+            <a:r>
+              <a:rPr lang="es-ES" b="1" dirty="0" smtClean="0">
+                <a:solidFill>
+                  <a:schemeClr val="accent6"/>
+                </a:solidFill>
+              </a:rPr>
+              <a:t>. 6. Crear un modelo de datos para una evaluación</a:t>
+            </a:r>
+          </a:p>
+          <a:p>
+            <a:r>
+              <a:rPr lang="es-ES" b="1" dirty="0" err="1" smtClean="0">
+                <a:solidFill>
+                  <a:schemeClr val="accent6"/>
+                </a:solidFill>
+              </a:rPr>
+              <a:t>Obj</a:t>
+            </a:r>
+            <a:r>
+              <a:rPr lang="es-ES" b="1" dirty="0" smtClean="0">
+                <a:solidFill>
+                  <a:schemeClr val="accent6"/>
+                </a:solidFill>
+              </a:rPr>
+              <a:t>. 7. Arquitectura flexible pensando en nuevos modelos</a:t>
             </a:r>
           </a:p>
           <a:p>
@@ -4623,14 +4542,42 @@
         <p:spPr/>
         <p:txBody>
           <a:bodyPr>
-            <a:normAutofit/>
+            <a:normAutofit fontScale="90000"/>
           </a:bodyPr>
           <a:lstStyle/>
           <a:p>
             <a:pPr algn="l"/>
             <a:r>
-              <a:rPr lang="es-ES" dirty="0" smtClean="0"/>
-              <a:t>Diseño – Recordatorio</a:t>
+              <a:rPr lang="es-ES" dirty="0" smtClean="0">
+                <a:solidFill>
+                  <a:schemeClr val="accent6"/>
+                </a:solidFill>
+              </a:rPr>
+              <a:t>Diseño</a:t>
+            </a:r>
+            <a:r>
+              <a:rPr lang="es-ES" dirty="0" smtClean="0"/>
+              <a:t> – </a:t>
+            </a:r>
+            <a:r>
+              <a:rPr lang="es-ES" i="1" dirty="0" err="1" smtClean="0"/>
+              <a:t>Adaptive</a:t>
+            </a:r>
+            <a:r>
+              <a:rPr lang="es-ES" i="1" dirty="0" smtClean="0"/>
+              <a:t> </a:t>
+            </a:r>
+            <a:r>
+              <a:rPr lang="es-ES" i="1" dirty="0" err="1" smtClean="0"/>
+              <a:t>Educational</a:t>
+            </a:r>
+            <a:r>
+              <a:rPr lang="es-ES" i="1" dirty="0" smtClean="0"/>
+              <a:t> </a:t>
+            </a:r>
+            <a:r>
+              <a:rPr lang="es-ES" i="1" dirty="0" err="1" smtClean="0"/>
+              <a:t>Hypermedia</a:t>
             </a:r>
             <a:endParaRPr lang="es-ES" i="1" dirty="0"/>
           </a:p>
@@ -6569,8 +6516,16 @@
           <a:p>
             <a:pPr algn="l"/>
             <a:r>
-              <a:rPr lang="es-ES" dirty="0" smtClean="0"/>
-              <a:t>Diseño – Modelo de los usuarios</a:t>
+              <a:rPr lang="es-ES" dirty="0" smtClean="0">
+                <a:solidFill>
+                  <a:schemeClr val="accent6"/>
+                </a:solidFill>
+              </a:rPr>
+              <a:t>Diseño</a:t>
+            </a:r>
+            <a:r>
+              <a:rPr lang="es-ES" dirty="0" smtClean="0"/>
+              <a:t> – Modelo de los usuarios</a:t>
             </a:r>
             <a:endParaRPr lang="es-ES" dirty="0"/>
           </a:p>
@@ -6597,10 +6552,18 @@
           <a:lstStyle/>
           <a:p>
             <a:r>
-              <a:rPr lang="es-ES" dirty="0" smtClean="0"/>
+              <a:rPr lang="es-ES" dirty="0" smtClean="0">
+                <a:solidFill>
+                  <a:schemeClr val="accent6"/>
+                </a:solidFill>
+              </a:rPr>
               <a:t>Profesor</a:t>
             </a:r>
-            <a:endParaRPr lang="es-ES" dirty="0"/>
+            <a:endParaRPr lang="es-ES" dirty="0">
+              <a:solidFill>
+                <a:schemeClr val="accent6"/>
+              </a:solidFill>
+            </a:endParaRPr>
           </a:p>
         </p:txBody>
       </p:sp>
@@ -6677,10 +6640,18 @@
           <a:lstStyle/>
           <a:p>
             <a:r>
-              <a:rPr lang="es-ES" dirty="0" smtClean="0"/>
+              <a:rPr lang="es-ES" dirty="0" smtClean="0">
+                <a:solidFill>
+                  <a:schemeClr val="accent6"/>
+                </a:solidFill>
+              </a:rPr>
               <a:t>Alumno</a:t>
             </a:r>
-            <a:endParaRPr lang="es-ES" dirty="0"/>
+            <a:endParaRPr lang="es-ES" dirty="0">
+              <a:solidFill>
+                <a:schemeClr val="accent6"/>
+              </a:solidFill>
+            </a:endParaRPr>
           </a:p>
         </p:txBody>
       </p:sp>
@@ -6784,8 +6755,16 @@
           <a:p>
             <a:pPr algn="l"/>
             <a:r>
-              <a:rPr lang="es-ES" dirty="0" smtClean="0"/>
-              <a:t>Diseño – Modelo del dominio</a:t>
+              <a:rPr lang="es-ES" dirty="0" smtClean="0">
+                <a:solidFill>
+                  <a:schemeClr val="accent6"/>
+                </a:solidFill>
+              </a:rPr>
+              <a:t>Diseño</a:t>
+            </a:r>
+            <a:r>
+              <a:rPr lang="es-ES" dirty="0" smtClean="0"/>
+              <a:t> – Modelo del dominio</a:t>
             </a:r>
             <a:endParaRPr lang="es-ES" dirty="0"/>
           </a:p>
@@ -6807,7 +6786,11 @@
           <a:lstStyle/>
           <a:p>
             <a:r>
-              <a:rPr lang="es-ES" dirty="0" smtClean="0"/>
+              <a:rPr lang="es-ES" dirty="0" smtClean="0">
+                <a:solidFill>
+                  <a:schemeClr val="accent6"/>
+                </a:solidFill>
+              </a:rPr>
               <a:t>Materia</a:t>
             </a:r>
           </a:p>
@@ -6820,7 +6803,11 @@
           </a:p>
           <a:p>
             <a:r>
-              <a:rPr lang="es-ES" dirty="0" smtClean="0"/>
+              <a:rPr lang="es-ES" dirty="0" smtClean="0">
+                <a:solidFill>
+                  <a:schemeClr val="accent6"/>
+                </a:solidFill>
+              </a:rPr>
               <a:t>Pregunta</a:t>
             </a:r>
           </a:p>
@@ -6870,7 +6857,11 @@
           <a:lstStyle/>
           <a:p>
             <a:r>
-              <a:rPr lang="es-ES" dirty="0" smtClean="0"/>
+              <a:rPr lang="es-ES" dirty="0" smtClean="0">
+                <a:solidFill>
+                  <a:schemeClr val="accent6"/>
+                </a:solidFill>
+              </a:rPr>
               <a:t>Respuestas</a:t>
             </a:r>
           </a:p>
@@ -6896,8 +6887,28 @@
             </a:r>
           </a:p>
           <a:p>
-            <a:r>
-              <a:rPr lang="es-ES" dirty="0" smtClean="0"/>
+            <a:pPr lvl="1"/>
+            <a:endParaRPr lang="es-ES" i="1" dirty="0"/>
+          </a:p>
+          <a:p>
+            <a:pPr marL="457200" lvl="1" indent="0">
+              <a:buNone/>
+            </a:pPr>
+            <a:endParaRPr lang="es-ES" i="1" dirty="0" smtClean="0"/>
+          </a:p>
+          <a:p>
+            <a:pPr marL="457200" lvl="1" indent="0">
+              <a:buNone/>
+            </a:pPr>
+            <a:endParaRPr lang="es-ES" i="1" dirty="0" smtClean="0"/>
+          </a:p>
+          <a:p>
+            <a:r>
+              <a:rPr lang="es-ES" dirty="0" smtClean="0">
+                <a:solidFill>
+                  <a:schemeClr val="accent6"/>
+                </a:solidFill>
+              </a:rPr>
               <a:t>Cuestionarios</a:t>
             </a:r>
           </a:p>
@@ -6960,8 +6971,16 @@
           <a:p>
             <a:pPr algn="l"/>
             <a:r>
-              <a:rPr lang="es-ES" dirty="0" smtClean="0"/>
-              <a:t>Diseño – Modelo de adaptación </a:t>
+              <a:rPr lang="es-ES" dirty="0" smtClean="0">
+                <a:solidFill>
+                  <a:schemeClr val="accent6"/>
+                </a:solidFill>
+              </a:rPr>
+              <a:t>Diseño</a:t>
+            </a:r>
+            <a:r>
+              <a:rPr lang="es-ES" dirty="0" smtClean="0"/>
+              <a:t> – Modelo de adaptación </a:t>
             </a:r>
             <a:endParaRPr lang="es-ES" dirty="0"/>
           </a:p>
@@ -7005,6 +7024,112 @@
               <a:t>¿Cuándo parar el cuestionario?</a:t>
             </a:r>
             <a:endParaRPr lang="es-ES" b="1" dirty="0"/>
+          </a:p>
+        </p:txBody>
+      </p:sp>
+      <p:sp>
+        <p:nvSpPr>
+          <p:cNvPr id="4" name="3 CuadroTexto"/>
+          <p:cNvSpPr txBox="1"/>
+          <p:nvPr/>
+        </p:nvSpPr>
+        <p:spPr>
+          <a:xfrm>
+            <a:off x="335495" y="5996226"/>
+            <a:ext cx="8496944" cy="861774"/>
+          </a:xfrm>
+          <a:prstGeom prst="rect">
+            <a:avLst/>
+          </a:prstGeom>
+          <a:noFill/>
+        </p:spPr>
+        <p:txBody>
+          <a:bodyPr wrap="square" rtlCol="0">
+            <a:spAutoFit/>
+          </a:bodyPr>
+          <a:lstStyle/>
+          <a:p>
+            <a:r>
+              <a:rPr lang="es-ES" sz="1600" dirty="0" smtClean="0"/>
+              <a:t>Cuestiones planteadas en H</a:t>
+            </a:r>
+            <a:r>
+              <a:rPr lang="es-ES" sz="1600" dirty="0"/>
+              <a:t>. </a:t>
+            </a:r>
+            <a:r>
+              <a:rPr lang="es-ES" sz="1600" dirty="0" err="1" smtClean="0"/>
+              <a:t>Wainer</a:t>
+            </a:r>
+            <a:r>
+              <a:rPr lang="es-ES" sz="1600" dirty="0" smtClean="0"/>
+              <a:t>, y otros, “</a:t>
+            </a:r>
+            <a:r>
+              <a:rPr lang="es-ES" sz="1600" i="1" dirty="0" err="1" smtClean="0"/>
+              <a:t>Computer-Adaptive</a:t>
+            </a:r>
+            <a:r>
+              <a:rPr lang="es-ES" sz="1600" i="1" dirty="0" smtClean="0"/>
+              <a:t> </a:t>
+            </a:r>
+            <a:r>
+              <a:rPr lang="es-ES" sz="1600" i="1" dirty="0" err="1"/>
+              <a:t>Testing</a:t>
+            </a:r>
+            <a:r>
+              <a:rPr lang="es-ES" sz="1600" i="1" dirty="0"/>
+              <a:t>: A </a:t>
+            </a:r>
+            <a:r>
+              <a:rPr lang="es-ES" sz="1600" i="1" dirty="0" smtClean="0"/>
+              <a:t>Primer</a:t>
+            </a:r>
+            <a:r>
+              <a:rPr lang="es-ES" sz="1600" dirty="0" smtClean="0"/>
+              <a:t>”, </a:t>
+            </a:r>
+            <a:r>
+              <a:rPr lang="es-ES" sz="1600" dirty="0" err="1"/>
+              <a:t>Routledge</a:t>
+            </a:r>
+            <a:r>
+              <a:rPr lang="es-ES" sz="1600" dirty="0"/>
+              <a:t>,</a:t>
+            </a:r>
+          </a:p>
+          <a:p>
+            <a:r>
+              <a:rPr lang="es-ES" sz="1600" dirty="0"/>
+              <a:t>Ed. </a:t>
+            </a:r>
+            <a:r>
+              <a:rPr lang="es-ES" sz="1600" dirty="0" err="1"/>
+              <a:t>Mahwah</a:t>
+            </a:r>
+            <a:r>
+              <a:rPr lang="es-ES" sz="1600" dirty="0"/>
+              <a:t>, NJ, USA: Lawrence </a:t>
+            </a:r>
+            <a:r>
+              <a:rPr lang="es-ES" sz="1600" dirty="0" err="1"/>
+              <a:t>Erlbaum</a:t>
+            </a:r>
+            <a:r>
+              <a:rPr lang="es-ES" sz="1600" dirty="0"/>
+              <a:t> </a:t>
+            </a:r>
+            <a:r>
+              <a:rPr lang="es-ES" sz="1600" dirty="0" err="1"/>
+              <a:t>Associates</a:t>
+            </a:r>
+            <a:r>
+              <a:rPr lang="es-ES" sz="1600" dirty="0"/>
+              <a:t>, 2000</a:t>
+            </a:r>
+          </a:p>
+          <a:p>
+            <a:endParaRPr lang="es-ES" dirty="0"/>
           </a:p>
         </p:txBody>
       </p:sp>
@@ -7062,8 +7187,16 @@
           <a:p>
             <a:pPr algn="l"/>
             <a:r>
-              <a:rPr lang="es-ES" dirty="0" smtClean="0"/>
-              <a:t>Diseño – Modelo de adaptación </a:t>
+              <a:rPr lang="es-ES" dirty="0" smtClean="0">
+                <a:solidFill>
+                  <a:schemeClr val="accent6"/>
+                </a:solidFill>
+              </a:rPr>
+              <a:t>Diseño</a:t>
+            </a:r>
+            <a:r>
+              <a:rPr lang="es-ES" dirty="0" smtClean="0"/>
+              <a:t> – Modelo de adaptación </a:t>
             </a:r>
             <a:endParaRPr lang="es-ES" dirty="0"/>
           </a:p>
@@ -7085,56 +7218,40 @@
           <a:lstStyle/>
           <a:p>
             <a:r>
+              <a:rPr lang="es-ES" b="1" dirty="0" smtClean="0">
+                <a:solidFill>
+                  <a:schemeClr val="accent6"/>
+                </a:solidFill>
+              </a:rPr>
+              <a:t>¿Cómo elegir la primera pregunta?</a:t>
+            </a:r>
+          </a:p>
+          <a:p>
+            <a:pPr lvl="1"/>
+            <a:r>
+              <a:rPr lang="es-ES" dirty="0" smtClean="0">
+                <a:solidFill>
+                  <a:schemeClr val="accent6"/>
+                </a:solidFill>
+              </a:rPr>
+              <a:t>Aleatoriamente entre todas las del primer nivel</a:t>
+            </a:r>
+          </a:p>
+          <a:p>
+            <a:r>
               <a:rPr lang="es-ES" b="1" dirty="0" smtClean="0"/>
-              <a:t>¿Cómo elegir la primera pregunta?</a:t>
-            </a:r>
-          </a:p>
-          <a:p>
-            <a:pPr lvl="1"/>
-            <a:r>
-              <a:rPr lang="es-ES" dirty="0" smtClean="0"/>
-              <a:t>Aleatoriamente entre todas las del primer nivel</a:t>
-            </a:r>
-          </a:p>
-          <a:p>
-            <a:r>
-              <a:rPr lang="es-ES" b="1" dirty="0" smtClean="0">
-                <a:solidFill>
-                  <a:schemeClr val="tx1">
-                    <a:lumMod val="50000"/>
-                  </a:schemeClr>
-                </a:solidFill>
-              </a:rPr>
               <a:t>¿Cómo elegir la siguiente pregunta, teniendo en cuenta las respuestas anteriores?</a:t>
             </a:r>
           </a:p>
           <a:p>
-            <a:endParaRPr lang="es-ES" i="1" dirty="0" smtClean="0">
-              <a:solidFill>
-                <a:schemeClr val="tx1">
-                  <a:lumMod val="50000"/>
-                </a:schemeClr>
-              </a:solidFill>
-            </a:endParaRPr>
-          </a:p>
-          <a:p>
-            <a:r>
-              <a:rPr lang="es-ES" b="1" dirty="0" smtClean="0">
-                <a:solidFill>
-                  <a:schemeClr val="tx1">
-                    <a:lumMod val="50000"/>
-                  </a:schemeClr>
-                </a:solidFill>
-              </a:rPr>
+            <a:endParaRPr lang="es-ES" i="1" dirty="0" smtClean="0"/>
+          </a:p>
+          <a:p>
+            <a:r>
+              <a:rPr lang="es-ES" b="1" dirty="0" smtClean="0"/>
               <a:t>¿Cuándo parar el cuestionario?</a:t>
             </a:r>
-            <a:endParaRPr lang="es-ES" b="1" dirty="0">
-              <a:solidFill>
-                <a:schemeClr val="tx1">
-                  <a:lumMod val="50000"/>
-                </a:schemeClr>
-              </a:solidFill>
-            </a:endParaRPr>
+            <a:endParaRPr lang="es-ES" b="1" dirty="0"/>
           </a:p>
         </p:txBody>
       </p:sp>
@@ -7192,10 +7309,18 @@
           <a:p>
             <a:pPr algn="l"/>
             <a:r>
-              <a:rPr lang="es-ES" dirty="0" smtClean="0"/>
+              <a:rPr lang="es-ES" dirty="0" smtClean="0">
+                <a:solidFill>
+                  <a:schemeClr val="accent6"/>
+                </a:solidFill>
+              </a:rPr>
               <a:t>Índice</a:t>
             </a:r>
-            <a:endParaRPr lang="es-ES" dirty="0"/>
+            <a:endParaRPr lang="es-ES" dirty="0">
+              <a:solidFill>
+                <a:schemeClr val="accent6"/>
+              </a:solidFill>
+            </a:endParaRPr>
           </a:p>
         </p:txBody>
       </p:sp>
@@ -7299,8 +7424,16 @@
           <a:p>
             <a:pPr algn="l"/>
             <a:r>
-              <a:rPr lang="es-ES" dirty="0" smtClean="0"/>
-              <a:t>Diseño – Modelo de adaptación </a:t>
+              <a:rPr lang="es-ES" dirty="0" smtClean="0">
+                <a:solidFill>
+                  <a:schemeClr val="accent6"/>
+                </a:solidFill>
+              </a:rPr>
+              <a:t>Diseño</a:t>
+            </a:r>
+            <a:r>
+              <a:rPr lang="es-ES" dirty="0" smtClean="0"/>
+              <a:t> – Modelo de adaptación </a:t>
             </a:r>
             <a:endParaRPr lang="es-ES" dirty="0"/>
           </a:p>
@@ -7322,14 +7455,25 @@
           <a:lstStyle/>
           <a:p>
             <a:r>
+              <a:rPr lang="es-ES" b="1" dirty="0" smtClean="0"/>
+              <a:t>¿Cómo elegir la primera pregunta?</a:t>
+            </a:r>
+          </a:p>
+          <a:p>
+            <a:pPr lvl="1"/>
+            <a:r>
+              <a:rPr lang="es-ES" dirty="0" smtClean="0"/>
+              <a:t>Aleatoriamente entre todas las del primer nivel</a:t>
+            </a:r>
+          </a:p>
+          <a:p>
+            <a:r>
               <a:rPr lang="es-ES" b="1" dirty="0" smtClean="0">
                 <a:solidFill>
-                  <a:schemeClr val="tx1">
-                    <a:lumMod val="50000"/>
-                  </a:schemeClr>
+                  <a:schemeClr val="accent6"/>
                 </a:solidFill>
               </a:rPr>
-              <a:t>¿Cómo elegir la primera pregunta?</a:t>
+              <a:t>¿Cómo elegir la siguiente pregunta, teniendo en cuenta las respuestas anteriores?</a:t>
             </a:r>
           </a:p>
           <a:p>
@@ -7337,45 +7481,18 @@
             <a:r>
               <a:rPr lang="es-ES" dirty="0" smtClean="0">
                 <a:solidFill>
-                  <a:schemeClr val="tx1">
-                    <a:lumMod val="50000"/>
-                  </a:schemeClr>
+                  <a:schemeClr val="accent6"/>
                 </a:solidFill>
               </a:rPr>
-              <a:t>Aleatoriamente entre todas las del primer nivel</a:t>
+              <a:t>Algoritmo…</a:t>
             </a:r>
           </a:p>
           <a:p>
             <a:r>
               <a:rPr lang="es-ES" b="1" dirty="0" smtClean="0"/>
-              <a:t>¿Cómo elegir la siguiente pregunta, teniendo en cuenta las respuestas anteriores?</a:t>
-            </a:r>
-          </a:p>
-          <a:p>
-            <a:pPr lvl="1"/>
-            <a:r>
-              <a:rPr lang="es-ES" dirty="0" smtClean="0"/>
-              <a:t>Algoritmo…</a:t>
-            </a:r>
-          </a:p>
-          <a:p>
-            <a:r>
-              <a:rPr lang="es-ES" b="1" dirty="0" smtClean="0">
-                <a:solidFill>
-                  <a:schemeClr val="tx1">
-                    <a:lumMod val="50000"/>
-                  </a:schemeClr>
-                </a:solidFill>
-              </a:rPr>
               <a:t>¿Cuándo parar el cuestionario?</a:t>
             </a:r>
-            <a:endParaRPr lang="es-ES" b="1" dirty="0">
-              <a:solidFill>
-                <a:schemeClr val="tx1">
-                  <a:lumMod val="50000"/>
-                </a:schemeClr>
-              </a:solidFill>
-            </a:endParaRPr>
+            <a:endParaRPr lang="es-ES" b="1" dirty="0"/>
           </a:p>
         </p:txBody>
       </p:sp>
@@ -7433,16 +7550,122 @@
           <a:p>
             <a:pPr algn="l"/>
             <a:r>
-              <a:rPr lang="es-ES" dirty="0" smtClean="0"/>
-              <a:t>Diseño – Modelo de adaptación</a:t>
+              <a:rPr lang="es-ES" dirty="0" smtClean="0">
+                <a:solidFill>
+                  <a:schemeClr val="accent6"/>
+                </a:solidFill>
+              </a:rPr>
+              <a:t>Diseño</a:t>
+            </a:r>
+            <a:r>
+              <a:rPr lang="es-ES" dirty="0" smtClean="0"/>
+              <a:t> – Modelo de adaptación</a:t>
             </a:r>
             <a:endParaRPr lang="es-ES" dirty="0"/>
+          </a:p>
+        </p:txBody>
+      </p:sp>
+      <p:sp>
+        <p:nvSpPr>
+          <p:cNvPr id="6" name="5 CuadroTexto"/>
+          <p:cNvSpPr txBox="1"/>
+          <p:nvPr/>
+        </p:nvSpPr>
+        <p:spPr>
+          <a:xfrm>
+            <a:off x="179512" y="1628800"/>
+            <a:ext cx="3672408" cy="1569660"/>
+          </a:xfrm>
+          <a:prstGeom prst="rect">
+            <a:avLst/>
+          </a:prstGeom>
+          <a:noFill/>
+        </p:spPr>
+        <p:txBody>
+          <a:bodyPr wrap="square" rtlCol="0">
+            <a:spAutoFit/>
+          </a:bodyPr>
+          <a:lstStyle/>
+          <a:p>
+            <a:r>
+              <a:rPr lang="es-ES" sz="3200" dirty="0" smtClean="0"/>
+              <a:t>Dos parámetros:</a:t>
+            </a:r>
+          </a:p>
+          <a:p>
+            <a:pPr marL="285750" indent="-285750">
+              <a:buFont typeface="Arial" panose="020B0604020202020204" pitchFamily="34" charset="0"/>
+              <a:buChar char="•"/>
+            </a:pPr>
+            <a:r>
+              <a:rPr lang="es-ES" sz="3200" dirty="0" err="1" smtClean="0">
+                <a:solidFill>
+                  <a:schemeClr val="accent6"/>
+                </a:solidFill>
+              </a:rPr>
+              <a:t>N</a:t>
+            </a:r>
+            <a:r>
+              <a:rPr lang="es-ES" sz="3200" baseline="-25000" dirty="0" err="1" smtClean="0">
+                <a:solidFill>
+                  <a:schemeClr val="accent6"/>
+                </a:solidFill>
+              </a:rPr>
+              <a:t>v</a:t>
+            </a:r>
+            <a:r>
+              <a:rPr lang="es-ES" sz="3200" dirty="0" smtClean="0"/>
+              <a:t>: </a:t>
+            </a:r>
+            <a:r>
+              <a:rPr lang="es-ES" sz="3200" dirty="0" err="1" smtClean="0"/>
+              <a:t>num</a:t>
+            </a:r>
+            <a:r>
+              <a:rPr lang="es-ES" sz="3200" dirty="0" smtClean="0"/>
+              <a:t>. preguntas</a:t>
+            </a:r>
+          </a:p>
+          <a:p>
+            <a:pPr marL="285750" indent="-285750">
+              <a:buFont typeface="Arial" panose="020B0604020202020204" pitchFamily="34" charset="0"/>
+              <a:buChar char="•"/>
+            </a:pPr>
+            <a:r>
+              <a:rPr lang="es-ES" sz="3200" dirty="0" err="1" smtClean="0">
+                <a:solidFill>
+                  <a:schemeClr val="accent6"/>
+                </a:solidFill>
+              </a:rPr>
+              <a:t>N</a:t>
+            </a:r>
+            <a:r>
+              <a:rPr lang="es-ES" sz="3200" baseline="-25000" dirty="0" err="1" smtClean="0">
+                <a:solidFill>
+                  <a:schemeClr val="accent6"/>
+                </a:solidFill>
+              </a:rPr>
+              <a:t>l</a:t>
+            </a:r>
+            <a:r>
+              <a:rPr lang="es-ES" sz="3200" dirty="0" smtClean="0"/>
+              <a:t>: </a:t>
+            </a:r>
+            <a:r>
+              <a:rPr lang="es-ES" sz="3200" dirty="0" err="1" smtClean="0"/>
+              <a:t>num</a:t>
+            </a:r>
+            <a:r>
+              <a:rPr lang="es-ES" sz="3200" dirty="0" smtClean="0"/>
+              <a:t>. niveles</a:t>
+            </a:r>
+            <a:endParaRPr lang="es-ES" sz="3200" dirty="0"/>
           </a:p>
         </p:txBody>
       </p:sp>
       <p:pic>
         <p:nvPicPr>
-          <p:cNvPr id="4" name="3 Marcador de contenido"/>
+          <p:cNvPr id="8" name="7 Marcador de contenido"/>
           <p:cNvPicPr>
             <a:picLocks noGrp="1" noChangeAspect="1"/>
           </p:cNvPicPr>
@@ -7450,7 +7673,7 @@
             <p:ph idx="1"/>
           </p:nvPr>
         </p:nvPicPr>
-        <p:blipFill>
+        <p:blipFill rotWithShape="1">
           <a:blip r:embed="rId2">
             <a:extLst>
               <a:ext uri="{28A0092B-C50C-407E-A947-70E740481C1C}">
@@ -7458,14 +7681,13 @@
               </a:ext>
             </a:extLst>
           </a:blip>
-          <a:stretch>
-            <a:fillRect/>
-          </a:stretch>
+          <a:srcRect l="2845" t="2050" r="1644" b="2947"/>
+          <a:stretch/>
         </p:blipFill>
         <p:spPr>
           <a:xfrm>
-            <a:off x="2042544" y="1600200"/>
-            <a:ext cx="5058911" cy="4525963"/>
+            <a:off x="3862603" y="1700808"/>
+            <a:ext cx="4834880" cy="4299857"/>
           </a:xfrm>
         </p:spPr>
       </p:pic>
@@ -7523,8 +7745,16 @@
           <a:p>
             <a:pPr algn="l"/>
             <a:r>
-              <a:rPr lang="es-ES" dirty="0" smtClean="0"/>
-              <a:t>Diseño – Modelo de adaptación </a:t>
+              <a:rPr lang="es-ES" dirty="0" smtClean="0">
+                <a:solidFill>
+                  <a:schemeClr val="accent6"/>
+                </a:solidFill>
+              </a:rPr>
+              <a:t>Diseño</a:t>
+            </a:r>
+            <a:r>
+              <a:rPr lang="es-ES" dirty="0" smtClean="0"/>
+              <a:t> – Modelo de adaptación </a:t>
             </a:r>
             <a:endParaRPr lang="es-ES" dirty="0"/>
           </a:p>
@@ -7548,14 +7778,39 @@
           <a:lstStyle/>
           <a:p>
             <a:r>
+              <a:rPr lang="es-ES" b="1" dirty="0" smtClean="0"/>
+              <a:t>¿Cómo elegir la primera pregunta?</a:t>
+            </a:r>
+          </a:p>
+          <a:p>
+            <a:pPr lvl="1"/>
+            <a:r>
+              <a:rPr lang="es-ES" dirty="0" smtClean="0"/>
+              <a:t>Aleatoriamente entre todas las del primer nivel.</a:t>
+            </a:r>
+          </a:p>
+          <a:p>
+            <a:r>
+              <a:rPr lang="es-ES" b="1" dirty="0" smtClean="0"/>
+              <a:t>¿Cómo elegir la siguiente pregunta, teniendo en cuenta las respuestas anteriores?</a:t>
+            </a:r>
+          </a:p>
+          <a:p>
+            <a:pPr lvl="1"/>
+            <a:r>
+              <a:rPr lang="es-ES" dirty="0" smtClean="0"/>
+              <a:t>Algoritmo…</a:t>
+            </a:r>
+            <a:endParaRPr lang="es-ES" i="1" dirty="0" smtClean="0"/>
+          </a:p>
+          <a:p>
+            <a:r>
               <a:rPr lang="es-ES" b="1" dirty="0" smtClean="0">
                 <a:solidFill>
-                  <a:schemeClr val="tx1">
-                    <a:lumMod val="50000"/>
-                  </a:schemeClr>
+                  <a:schemeClr val="accent6"/>
                 </a:solidFill>
               </a:rPr>
-              <a:t>¿Cómo elegir la primera pregunta?</a:t>
+              <a:t>¿Cuándo parar el cuestionario?</a:t>
             </a:r>
           </a:p>
           <a:p>
@@ -7563,59 +7818,16 @@
             <a:r>
               <a:rPr lang="es-ES" dirty="0" smtClean="0">
                 <a:solidFill>
-                  <a:schemeClr val="tx1">
-                    <a:lumMod val="50000"/>
-                  </a:schemeClr>
+                  <a:schemeClr val="accent6"/>
                 </a:solidFill>
               </a:rPr>
-              <a:t>Aleatoriamente entre todas las del primer nivel.</a:t>
-            </a:r>
-          </a:p>
-          <a:p>
-            <a:r>
-              <a:rPr lang="es-ES" b="1" dirty="0" smtClean="0">
-                <a:solidFill>
-                  <a:schemeClr val="tx1">
-                    <a:lumMod val="50000"/>
-                  </a:schemeClr>
-                </a:solidFill>
-              </a:rPr>
-              <a:t>¿Cómo elegir la siguiente pregunta, teniendo en cuenta las respuestas anteriores?</a:t>
-            </a:r>
-          </a:p>
-          <a:p>
-            <a:pPr lvl="1"/>
-            <a:r>
-              <a:rPr lang="es-ES" dirty="0" smtClean="0">
-                <a:solidFill>
-                  <a:schemeClr val="tx1">
-                    <a:lumMod val="50000"/>
-                  </a:schemeClr>
-                </a:solidFill>
-              </a:rPr>
-              <a:t>Algoritmo…</a:t>
-            </a:r>
-            <a:endParaRPr lang="es-ES" i="1" dirty="0" smtClean="0">
+              <a:t>Cuando se agote el tiempo o se responda a un número de preguntas suficiente.</a:t>
+            </a:r>
+            <a:endParaRPr lang="es-ES" dirty="0">
               <a:solidFill>
-                <a:schemeClr val="tx1">
-                  <a:lumMod val="50000"/>
-                </a:schemeClr>
+                <a:schemeClr val="accent6"/>
               </a:solidFill>
             </a:endParaRPr>
-          </a:p>
-          <a:p>
-            <a:r>
-              <a:rPr lang="es-ES" b="1" dirty="0" smtClean="0"/>
-              <a:t>¿Cuándo parar el cuestionario?</a:t>
-            </a:r>
-          </a:p>
-          <a:p>
-            <a:pPr lvl="1"/>
-            <a:r>
-              <a:rPr lang="es-ES" dirty="0" smtClean="0"/>
-              <a:t>Cuando se agote el tiempo o se responda a un número de preguntas suficiente.</a:t>
-            </a:r>
-            <a:endParaRPr lang="es-ES" dirty="0"/>
           </a:p>
         </p:txBody>
       </p:sp>
@@ -7673,10 +7885,22 @@
           <a:p>
             <a:pPr algn="l"/>
             <a:r>
-              <a:rPr lang="es-ES" dirty="0" smtClean="0"/>
-              <a:t>Desarrollo</a:t>
-            </a:r>
-            <a:endParaRPr lang="es-ES" dirty="0"/>
+              <a:rPr lang="es-ES" dirty="0" smtClean="0">
+                <a:solidFill>
+                  <a:schemeClr val="accent6"/>
+                </a:solidFill>
+              </a:rPr>
+              <a:t>Desarrollo </a:t>
+            </a:r>
+            <a:r>
+              <a:rPr lang="es-ES" dirty="0" smtClean="0"/>
+              <a:t>– Tecnologías utilizadas</a:t>
+            </a:r>
+            <a:endParaRPr lang="es-ES" dirty="0">
+              <a:solidFill>
+                <a:schemeClr val="accent6"/>
+              </a:solidFill>
+            </a:endParaRPr>
           </a:p>
         </p:txBody>
       </p:sp>
@@ -7693,19 +7917,10 @@
         <p:spPr/>
         <p:txBody>
           <a:bodyPr>
-            <a:normAutofit lnSpcReduction="10000"/>
+            <a:normAutofit/>
           </a:bodyPr>
           <a:lstStyle/>
           <a:p>
-            <a:pPr marL="0" indent="0">
-              <a:buNone/>
-            </a:pPr>
-            <a:r>
-              <a:rPr lang="es-ES" dirty="0" smtClean="0"/>
-              <a:t>Tecnologías utilizadas:</a:t>
-            </a:r>
-          </a:p>
-          <a:p>
             <a:r>
               <a:rPr lang="es-ES" dirty="0" smtClean="0"/>
               <a:t>HTML5, CSS3 </a:t>
@@ -7720,7 +7935,6 @@
               <a:rPr lang="es-ES" dirty="0" smtClean="0"/>
               <a:t> 3</a:t>
             </a:r>
-            <a:endParaRPr lang="es-ES" dirty="0" smtClean="0"/>
           </a:p>
           <a:p>
             <a:r>
@@ -7729,11 +7943,7 @@
             </a:r>
             <a:r>
               <a:rPr lang="es-ES" dirty="0" smtClean="0"/>
-              <a:t> </a:t>
-            </a:r>
-            <a:r>
-              <a:rPr lang="es-ES" dirty="0" smtClean="0"/>
-              <a:t>con </a:t>
+              <a:t> con </a:t>
             </a:r>
             <a:r>
               <a:rPr lang="es-ES" dirty="0" err="1" smtClean="0"/>
@@ -7821,21 +8031,35 @@
         </p:nvSpPr>
         <p:spPr/>
         <p:txBody>
-          <a:bodyPr/>
+          <a:bodyPr>
+            <a:normAutofit fontScale="90000"/>
+          </a:bodyPr>
           <a:lstStyle/>
           <a:p>
             <a:pPr algn="l"/>
             <a:r>
-              <a:rPr lang="es-ES" dirty="0" smtClean="0"/>
-              <a:t>Desarrollo</a:t>
-            </a:r>
-            <a:endParaRPr lang="es-ES" dirty="0"/>
+              <a:rPr lang="es-ES" dirty="0" smtClean="0">
+                <a:solidFill>
+                  <a:schemeClr val="accent6"/>
+                </a:solidFill>
+              </a:rPr>
+              <a:t>Desarrollo </a:t>
+            </a:r>
+            <a:r>
+              <a:rPr lang="es-ES" dirty="0" smtClean="0"/>
+              <a:t>– Modelo entidad-relación</a:t>
+            </a:r>
+            <a:endParaRPr lang="es-ES" dirty="0">
+              <a:solidFill>
+                <a:schemeClr val="accent6"/>
+              </a:solidFill>
+            </a:endParaRPr>
           </a:p>
         </p:txBody>
       </p:sp>
       <p:pic>
         <p:nvPicPr>
-          <p:cNvPr id="4" name="3 Marcador de contenido"/>
+          <p:cNvPr id="6" name="5 Marcador de contenido"/>
           <p:cNvPicPr>
             <a:picLocks noGrp="1" noChangeAspect="1"/>
           </p:cNvPicPr>
@@ -7857,8 +8081,8 @@
         </p:blipFill>
         <p:spPr>
           <a:xfrm>
-            <a:off x="1439652" y="1268760"/>
-            <a:ext cx="6264696" cy="5185738"/>
+            <a:off x="1838971" y="1600200"/>
+            <a:ext cx="5466057" cy="4525963"/>
           </a:xfrm>
         </p:spPr>
       </p:pic>
@@ -7916,8 +8140,16 @@
           <a:p>
             <a:pPr algn="l"/>
             <a:r>
-              <a:rPr lang="es-ES" dirty="0" smtClean="0"/>
+              <a:rPr lang="es-ES" dirty="0" smtClean="0">
+                <a:solidFill>
+                  <a:schemeClr val="accent6"/>
+                </a:solidFill>
+              </a:rPr>
               <a:t>Desarrollo</a:t>
+            </a:r>
+            <a:r>
+              <a:rPr lang="es-ES" dirty="0" smtClean="0"/>
+              <a:t> – Estructura</a:t>
             </a:r>
             <a:endParaRPr lang="es-ES" dirty="0"/>
           </a:p>
@@ -7941,7 +8173,42 @@
           <a:lstStyle/>
           <a:p>
             <a:r>
-              <a:rPr lang="es-ES" dirty="0" smtClean="0"/>
+              <a:rPr lang="es-ES" dirty="0" smtClean="0">
+                <a:solidFill>
+                  <a:schemeClr val="accent6"/>
+                </a:solidFill>
+              </a:rPr>
+              <a:t>Sección alumno</a:t>
+            </a:r>
+          </a:p>
+          <a:p>
+            <a:pPr lvl="1"/>
+            <a:r>
+              <a:rPr lang="es-ES" dirty="0" smtClean="0"/>
+              <a:t>Elección de examen</a:t>
+            </a:r>
+          </a:p>
+          <a:p>
+            <a:pPr lvl="1"/>
+            <a:r>
+              <a:rPr lang="es-ES" dirty="0" smtClean="0"/>
+              <a:t>Realización del examen</a:t>
+            </a:r>
+          </a:p>
+          <a:p>
+            <a:pPr lvl="1"/>
+            <a:r>
+              <a:rPr lang="es-ES" dirty="0" smtClean="0"/>
+              <a:t>Resultados</a:t>
+            </a:r>
+          </a:p>
+          <a:p>
+            <a:r>
+              <a:rPr lang="es-ES" dirty="0" smtClean="0">
+                <a:solidFill>
+                  <a:schemeClr val="accent6"/>
+                </a:solidFill>
+              </a:rPr>
               <a:t>Sección profesor</a:t>
             </a:r>
           </a:p>
@@ -7971,34 +8238,6 @@
             <a:r>
               <a:rPr lang="es-ES" dirty="0" smtClean="0"/>
               <a:t>Análisis de resultados</a:t>
-            </a:r>
-            <a:endParaRPr lang="es-ES" dirty="0"/>
-          </a:p>
-          <a:p>
-            <a:r>
-              <a:rPr lang="es-ES" dirty="0" smtClean="0"/>
-              <a:t>Sección alumno</a:t>
-            </a:r>
-          </a:p>
-          <a:p>
-            <a:pPr lvl="1"/>
-            <a:r>
-              <a:rPr lang="es-ES" dirty="0" smtClean="0"/>
-              <a:t>Elección de examen</a:t>
-            </a:r>
-          </a:p>
-          <a:p>
-            <a:pPr lvl="1"/>
-            <a:r>
-              <a:rPr lang="es-ES" dirty="0" smtClean="0"/>
-              <a:t>Realización del examen</a:t>
-            </a:r>
-          </a:p>
-          <a:p>
-            <a:pPr lvl="1"/>
-            <a:r>
-              <a:rPr lang="es-ES" dirty="0" smtClean="0"/>
-              <a:t>Resultados</a:t>
             </a:r>
           </a:p>
         </p:txBody>
@@ -8064,8 +8303,16 @@
           <a:p>
             <a:pPr algn="ctr"/>
             <a:r>
+              <a:rPr lang="es-ES" sz="6000" b="0" cap="none" dirty="0" smtClean="0">
+                <a:solidFill>
+                  <a:schemeClr val="accent6"/>
+                </a:solidFill>
+              </a:rPr>
+              <a:t>Demo</a:t>
+            </a:r>
+            <a:r>
               <a:rPr lang="es-ES" sz="6000" b="0" cap="none" dirty="0" smtClean="0"/>
-              <a:t>Demo</a:t>
+              <a:t/>
             </a:r>
             <a:br>
               <a:rPr lang="es-ES" sz="6000" b="0" cap="none" dirty="0" smtClean="0"/>
@@ -8145,10 +8392,18 @@
           <a:p>
             <a:pPr algn="l"/>
             <a:r>
-              <a:rPr lang="es-ES" dirty="0" smtClean="0"/>
+              <a:rPr lang="es-ES" dirty="0" smtClean="0">
+                <a:solidFill>
+                  <a:schemeClr val="accent6"/>
+                </a:solidFill>
+              </a:rPr>
               <a:t>Índice</a:t>
             </a:r>
-            <a:endParaRPr lang="es-ES" dirty="0"/>
+            <a:endParaRPr lang="es-ES" dirty="0">
+              <a:solidFill>
+                <a:schemeClr val="accent6"/>
+              </a:solidFill>
+            </a:endParaRPr>
           </a:p>
         </p:txBody>
       </p:sp>
@@ -8168,69 +8423,57 @@
           <a:lstStyle/>
           <a:p>
             <a:r>
+              <a:rPr lang="es-ES" dirty="0" smtClean="0"/>
+              <a:t>Introducción</a:t>
+            </a:r>
+          </a:p>
+          <a:p>
+            <a:r>
+              <a:rPr lang="es-ES" dirty="0" smtClean="0"/>
+              <a:t>Estado del arte</a:t>
+            </a:r>
+          </a:p>
+          <a:p>
+            <a:r>
+              <a:rPr lang="es-ES" dirty="0" smtClean="0"/>
+              <a:t>Análisis, diseño, desarrollo</a:t>
+            </a:r>
+          </a:p>
+          <a:p>
+            <a:r>
               <a:rPr lang="es-ES" dirty="0" smtClean="0">
                 <a:solidFill>
-                  <a:schemeClr val="tx1">
-                    <a:lumMod val="50000"/>
-                  </a:schemeClr>
+                  <a:schemeClr val="accent6"/>
                 </a:solidFill>
               </a:rPr>
-              <a:t>Introducción</a:t>
-            </a:r>
-          </a:p>
-          <a:p>
+              <a:t>Pruebas</a:t>
+            </a:r>
+          </a:p>
+          <a:p>
+            <a:pPr lvl="1"/>
             <a:r>
               <a:rPr lang="es-ES" dirty="0" smtClean="0">
                 <a:solidFill>
-                  <a:schemeClr val="tx1">
-                    <a:lumMod val="50000"/>
-                  </a:schemeClr>
+                  <a:schemeClr val="accent6"/>
                 </a:solidFill>
               </a:rPr>
-              <a:t>Estado del arte</a:t>
-            </a:r>
-          </a:p>
-          <a:p>
+              <a:t>Primer prototipo</a:t>
+            </a:r>
+          </a:p>
+          <a:p>
+            <a:pPr lvl="1"/>
             <a:r>
               <a:rPr lang="es-ES" dirty="0" smtClean="0">
                 <a:solidFill>
-                  <a:schemeClr val="tx1">
-                    <a:lumMod val="50000"/>
-                  </a:schemeClr>
+                  <a:schemeClr val="accent6"/>
                 </a:solidFill>
               </a:rPr>
-              <a:t>Análisis, diseño, desarrollo</a:t>
-            </a:r>
-          </a:p>
-          <a:p>
-            <a:r>
-              <a:rPr lang="es-ES" dirty="0" smtClean="0"/>
-              <a:t>Pruebas</a:t>
-            </a:r>
-          </a:p>
-          <a:p>
-            <a:pPr lvl="1"/>
-            <a:r>
-              <a:rPr lang="es-ES" dirty="0" smtClean="0"/>
-              <a:t>Primer prototipo</a:t>
-            </a:r>
-          </a:p>
-          <a:p>
-            <a:pPr lvl="1"/>
-            <a:r>
-              <a:rPr lang="es-ES" dirty="0" smtClean="0"/>
               <a:t>Segundo prototipo</a:t>
             </a:r>
           </a:p>
           <a:p>
             <a:r>
-              <a:rPr lang="es-ES" dirty="0" smtClean="0">
-                <a:solidFill>
-                  <a:schemeClr val="tx1">
-                    <a:lumMod val="50000"/>
-                  </a:schemeClr>
-                </a:solidFill>
-              </a:rPr>
+              <a:rPr lang="es-ES" dirty="0" smtClean="0"/>
               <a:t>Conclusiones y trabajo futuro</a:t>
             </a:r>
           </a:p>
@@ -8290,8 +8533,16 @@
           <a:p>
             <a:pPr algn="l"/>
             <a:r>
-              <a:rPr lang="es-ES" dirty="0" smtClean="0"/>
-              <a:t>Pruebas – Primer prototipo</a:t>
+              <a:rPr lang="es-ES" dirty="0" smtClean="0">
+                <a:solidFill>
+                  <a:schemeClr val="accent6"/>
+                </a:solidFill>
+              </a:rPr>
+              <a:t>Pruebas</a:t>
+            </a:r>
+            <a:r>
+              <a:rPr lang="es-ES" dirty="0" smtClean="0"/>
+              <a:t> – Primer prototipo</a:t>
             </a:r>
             <a:endParaRPr lang="es-ES" dirty="0"/>
           </a:p>
@@ -9070,8 +9321,16 @@
           <a:p>
             <a:pPr algn="l"/>
             <a:r>
-              <a:rPr lang="es-ES" dirty="0" smtClean="0"/>
-              <a:t>Pruebas – Segundo prototipo</a:t>
+              <a:rPr lang="es-ES" dirty="0" smtClean="0">
+                <a:solidFill>
+                  <a:schemeClr val="accent6"/>
+                </a:solidFill>
+              </a:rPr>
+              <a:t>Pruebas</a:t>
+            </a:r>
+            <a:r>
+              <a:rPr lang="es-ES" dirty="0" smtClean="0"/>
+              <a:t> – Segundo prototipo</a:t>
             </a:r>
             <a:endParaRPr lang="es-ES" dirty="0"/>
           </a:p>
@@ -9353,10 +9612,18 @@
           <a:p>
             <a:pPr algn="l"/>
             <a:r>
-              <a:rPr lang="es-ES" dirty="0" smtClean="0"/>
+              <a:rPr lang="es-ES" dirty="0" smtClean="0">
+                <a:solidFill>
+                  <a:schemeClr val="accent6"/>
+                </a:solidFill>
+              </a:rPr>
               <a:t>Índice</a:t>
             </a:r>
-            <a:endParaRPr lang="es-ES" dirty="0"/>
+            <a:endParaRPr lang="es-ES" dirty="0">
+              <a:solidFill>
+                <a:schemeClr val="accent6"/>
+              </a:solidFill>
+            </a:endParaRPr>
           </a:p>
         </p:txBody>
       </p:sp>
@@ -9378,69 +9645,57 @@
           <a:lstStyle/>
           <a:p>
             <a:r>
-              <a:rPr lang="es-ES" dirty="0" smtClean="0"/>
+              <a:rPr lang="es-ES" dirty="0" smtClean="0">
+                <a:solidFill>
+                  <a:schemeClr val="accent6"/>
+                </a:solidFill>
+              </a:rPr>
               <a:t>Introducción</a:t>
             </a:r>
           </a:p>
           <a:p>
             <a:pPr lvl="1"/>
             <a:r>
-              <a:rPr lang="es-ES" dirty="0" smtClean="0"/>
+              <a:rPr lang="es-ES" dirty="0" smtClean="0">
+                <a:solidFill>
+                  <a:schemeClr val="accent6"/>
+                </a:solidFill>
+              </a:rPr>
               <a:t>Motivación</a:t>
             </a:r>
           </a:p>
           <a:p>
             <a:pPr lvl="1"/>
             <a:r>
-              <a:rPr lang="es-ES" dirty="0" smtClean="0"/>
+              <a:rPr lang="es-ES" dirty="0" smtClean="0">
+                <a:solidFill>
+                  <a:schemeClr val="accent6"/>
+                </a:solidFill>
+              </a:rPr>
               <a:t>Objetivos</a:t>
             </a:r>
           </a:p>
           <a:p>
             <a:r>
-              <a:rPr lang="es-ES" dirty="0" smtClean="0">
-                <a:solidFill>
-                  <a:schemeClr val="tx1">
-                    <a:lumMod val="50000"/>
-                  </a:schemeClr>
-                </a:solidFill>
-              </a:rPr>
+              <a:rPr lang="es-ES" dirty="0" smtClean="0"/>
               <a:t>Estado del arte</a:t>
             </a:r>
           </a:p>
           <a:p>
             <a:r>
-              <a:rPr lang="es-ES" dirty="0" smtClean="0">
-                <a:solidFill>
-                  <a:schemeClr val="tx1">
-                    <a:lumMod val="50000"/>
-                  </a:schemeClr>
-                </a:solidFill>
-              </a:rPr>
+              <a:rPr lang="es-ES" dirty="0" smtClean="0"/>
               <a:t>Análisis, diseño, desarrollo</a:t>
             </a:r>
           </a:p>
           <a:p>
             <a:r>
-              <a:rPr lang="es-ES" dirty="0" smtClean="0">
-                <a:solidFill>
-                  <a:schemeClr val="tx1">
-                    <a:lumMod val="50000"/>
-                  </a:schemeClr>
-                </a:solidFill>
-              </a:rPr>
+              <a:rPr lang="es-ES" dirty="0" smtClean="0"/>
               <a:t>Pruebas</a:t>
             </a:r>
           </a:p>
           <a:p>
             <a:r>
-              <a:rPr lang="es-ES" dirty="0" smtClean="0">
-                <a:solidFill>
-                  <a:schemeClr val="tx1">
-                    <a:lumMod val="50000"/>
-                  </a:schemeClr>
-                </a:solidFill>
-              </a:rPr>
+              <a:rPr lang="es-ES" dirty="0" smtClean="0"/>
               <a:t>Conclusiones y trabajo futuro</a:t>
             </a:r>
           </a:p>
@@ -9502,8 +9757,16 @@
           <a:p>
             <a:pPr algn="l"/>
             <a:r>
-              <a:rPr lang="es-ES" dirty="0" smtClean="0"/>
-              <a:t>Pruebas – Test de conocimientos informáticos</a:t>
+              <a:rPr lang="es-ES" dirty="0" smtClean="0">
+                <a:solidFill>
+                  <a:schemeClr val="accent6"/>
+                </a:solidFill>
+              </a:rPr>
+              <a:t>Pruebas</a:t>
+            </a:r>
+            <a:r>
+              <a:rPr lang="es-ES" dirty="0" smtClean="0"/>
+              <a:t> – Test de conocimientos informáticos</a:t>
             </a:r>
             <a:endParaRPr lang="es-ES" dirty="0"/>
           </a:p>
@@ -10282,8 +10545,16 @@
           <a:p>
             <a:pPr algn="l"/>
             <a:r>
+              <a:rPr lang="es-ES" sz="3600" dirty="0" smtClean="0">
+                <a:solidFill>
+                  <a:schemeClr val="accent6"/>
+                </a:solidFill>
+              </a:rPr>
+              <a:t>Pruebas</a:t>
+            </a:r>
+            <a:r>
               <a:rPr lang="es-ES" sz="3600" dirty="0" smtClean="0"/>
-              <a:t>Pruebas – Autoevaluación y examen</a:t>
+              <a:t> – Autoevaluación y examen</a:t>
             </a:r>
             <a:endParaRPr lang="es-ES" sz="3600" dirty="0"/>
           </a:p>
@@ -11199,8 +11470,16 @@
           <a:p>
             <a:pPr algn="l"/>
             <a:r>
+              <a:rPr lang="es-ES" sz="3600" dirty="0" smtClean="0">
+                <a:solidFill>
+                  <a:schemeClr val="accent6"/>
+                </a:solidFill>
+              </a:rPr>
+              <a:t>Pruebas</a:t>
+            </a:r>
+            <a:r>
               <a:rPr lang="es-ES" sz="3600" dirty="0" smtClean="0"/>
-              <a:t>Pruebas – Entrega proyecto pedagógico</a:t>
+              <a:t> – Entrega proyecto pedagógico</a:t>
             </a:r>
             <a:endParaRPr lang="es-ES" sz="3600" dirty="0"/>
           </a:p>
@@ -11803,10 +12082,18 @@
           <a:p>
             <a:pPr algn="l"/>
             <a:r>
-              <a:rPr lang="es-ES" dirty="0" smtClean="0"/>
+              <a:rPr lang="es-ES" dirty="0" smtClean="0">
+                <a:solidFill>
+                  <a:schemeClr val="accent6"/>
+                </a:solidFill>
+              </a:rPr>
               <a:t>Índice</a:t>
             </a:r>
-            <a:endParaRPr lang="es-ES" dirty="0"/>
+            <a:endParaRPr lang="es-ES" dirty="0">
+              <a:solidFill>
+                <a:schemeClr val="accent6"/>
+              </a:solidFill>
+            </a:endParaRPr>
           </a:p>
         </p:txBody>
       </p:sp>
@@ -11826,55 +12113,35 @@
           <a:lstStyle/>
           <a:p>
             <a:r>
+              <a:rPr lang="es-ES" dirty="0" smtClean="0"/>
+              <a:t>Introducción</a:t>
+            </a:r>
+          </a:p>
+          <a:p>
+            <a:r>
+              <a:rPr lang="es-ES" dirty="0" smtClean="0"/>
+              <a:t>Estado del arte</a:t>
+            </a:r>
+          </a:p>
+          <a:p>
+            <a:r>
+              <a:rPr lang="es-ES" dirty="0" smtClean="0"/>
+              <a:t>Análisis, diseño, desarrollo</a:t>
+            </a:r>
+          </a:p>
+          <a:p>
+            <a:r>
+              <a:rPr lang="es-ES" dirty="0" smtClean="0"/>
+              <a:t>Pruebas</a:t>
+            </a:r>
+          </a:p>
+          <a:p>
+            <a:r>
               <a:rPr lang="es-ES" dirty="0" smtClean="0">
                 <a:solidFill>
-                  <a:schemeClr val="tx1">
-                    <a:lumMod val="50000"/>
-                  </a:schemeClr>
+                  <a:schemeClr val="accent6"/>
                 </a:solidFill>
               </a:rPr>
-              <a:t>Introducción</a:t>
-            </a:r>
-          </a:p>
-          <a:p>
-            <a:r>
-              <a:rPr lang="es-ES" dirty="0" smtClean="0">
-                <a:solidFill>
-                  <a:schemeClr val="tx1">
-                    <a:lumMod val="50000"/>
-                  </a:schemeClr>
-                </a:solidFill>
-              </a:rPr>
-              <a:t>Estado del arte</a:t>
-            </a:r>
-          </a:p>
-          <a:p>
-            <a:r>
-              <a:rPr lang="es-ES" dirty="0" smtClean="0">
-                <a:solidFill>
-                  <a:schemeClr val="tx1">
-                    <a:lumMod val="50000"/>
-                  </a:schemeClr>
-                </a:solidFill>
-              </a:rPr>
-              <a:t>Análisis, diseño, desarrollo</a:t>
-            </a:r>
-          </a:p>
-          <a:p>
-            <a:r>
-              <a:rPr lang="es-ES" dirty="0" smtClean="0">
-                <a:solidFill>
-                  <a:schemeClr val="tx1">
-                    <a:lumMod val="50000"/>
-                  </a:schemeClr>
-                </a:solidFill>
-              </a:rPr>
-              <a:t>Pruebas</a:t>
-            </a:r>
-          </a:p>
-          <a:p>
-            <a:r>
-              <a:rPr lang="es-ES" dirty="0" smtClean="0"/>
               <a:t>Conclusiones y trabajo futuro</a:t>
             </a:r>
           </a:p>
@@ -11934,10 +12201,18 @@
           <a:p>
             <a:pPr algn="l"/>
             <a:r>
-              <a:rPr lang="es-ES" dirty="0" smtClean="0"/>
+              <a:rPr lang="es-ES" dirty="0" smtClean="0">
+                <a:solidFill>
+                  <a:schemeClr val="accent6"/>
+                </a:solidFill>
+              </a:rPr>
               <a:t>Conclusiones</a:t>
             </a:r>
-            <a:endParaRPr lang="es-ES" dirty="0"/>
+            <a:endParaRPr lang="es-ES" dirty="0">
+              <a:solidFill>
+                <a:schemeClr val="accent6"/>
+              </a:solidFill>
+            </a:endParaRPr>
           </a:p>
         </p:txBody>
       </p:sp>
@@ -11954,45 +12229,183 @@
         <p:spPr/>
         <p:txBody>
           <a:bodyPr>
-            <a:normAutofit fontScale="92500" lnSpcReduction="20000"/>
+            <a:normAutofit fontScale="85000" lnSpcReduction="20000"/>
           </a:bodyPr>
           <a:lstStyle/>
           <a:p>
-            <a:r>
-              <a:rPr lang="es-ES" dirty="0" smtClean="0"/>
-              <a:t>Todos los objetivos se han cumplido</a:t>
-            </a:r>
-          </a:p>
-          <a:p>
-            <a:r>
-              <a:rPr lang="es-ES" dirty="0" smtClean="0"/>
-              <a:t>Se ha creado un sistema adaptativo de cuestionarios con ficheros multimedia, retroalimentación instantánea y análisis automático de resultados</a:t>
-            </a:r>
-          </a:p>
-          <a:p>
-            <a:r>
-              <a:rPr lang="es-ES" dirty="0" smtClean="0"/>
+            <a:pPr>
+              <a:lnSpc>
+                <a:spcPct val="120000"/>
+              </a:lnSpc>
+            </a:pPr>
+            <a:r>
+              <a:rPr lang="es-ES" dirty="0" smtClean="0"/>
+              <a:t>Todos los </a:t>
+            </a:r>
+            <a:r>
+              <a:rPr lang="es-ES" dirty="0" smtClean="0">
+                <a:solidFill>
+                  <a:schemeClr val="accent6"/>
+                </a:solidFill>
+              </a:rPr>
+              <a:t>objetivos</a:t>
+            </a:r>
+            <a:r>
+              <a:rPr lang="es-ES" dirty="0" smtClean="0"/>
+              <a:t> se han cumplido</a:t>
+            </a:r>
+          </a:p>
+          <a:p>
+            <a:pPr>
+              <a:lnSpc>
+                <a:spcPct val="120000"/>
+              </a:lnSpc>
+            </a:pPr>
+            <a:r>
+              <a:rPr lang="es-ES" dirty="0" smtClean="0"/>
+              <a:t>Se ha creado un sistema </a:t>
+            </a:r>
+            <a:r>
+              <a:rPr lang="es-ES" dirty="0" smtClean="0">
+                <a:solidFill>
+                  <a:schemeClr val="accent6"/>
+                </a:solidFill>
+              </a:rPr>
+              <a:t>adaptativo</a:t>
+            </a:r>
+            <a:r>
+              <a:rPr lang="es-ES" dirty="0" smtClean="0"/>
+              <a:t> de </a:t>
+            </a:r>
+            <a:r>
+              <a:rPr lang="es-ES" dirty="0" smtClean="0">
+                <a:solidFill>
+                  <a:schemeClr val="accent6"/>
+                </a:solidFill>
+              </a:rPr>
+              <a:t>cuestionarios</a:t>
+            </a:r>
+            <a:r>
+              <a:rPr lang="es-ES" dirty="0" smtClean="0"/>
+              <a:t> con:</a:t>
+            </a:r>
+          </a:p>
+          <a:p>
+            <a:pPr lvl="1">
+              <a:lnSpc>
+                <a:spcPct val="120000"/>
+              </a:lnSpc>
+            </a:pPr>
+            <a:r>
+              <a:rPr lang="es-ES" dirty="0" smtClean="0"/>
+              <a:t>ficheros </a:t>
+            </a:r>
+            <a:r>
+              <a:rPr lang="es-ES" dirty="0" smtClean="0">
+                <a:solidFill>
+                  <a:schemeClr val="accent6"/>
+                </a:solidFill>
+              </a:rPr>
+              <a:t>multimedia</a:t>
+            </a:r>
+          </a:p>
+          <a:p>
+            <a:pPr lvl="1">
+              <a:lnSpc>
+                <a:spcPct val="120000"/>
+              </a:lnSpc>
+            </a:pPr>
+            <a:r>
+              <a:rPr lang="es-ES" dirty="0" smtClean="0">
+                <a:solidFill>
+                  <a:schemeClr val="accent6"/>
+                </a:solidFill>
+              </a:rPr>
+              <a:t>retroalimentación</a:t>
+            </a:r>
+            <a:r>
+              <a:rPr lang="es-ES" dirty="0" smtClean="0"/>
+              <a:t> instantánea</a:t>
+            </a:r>
+          </a:p>
+          <a:p>
+            <a:pPr lvl="1">
+              <a:lnSpc>
+                <a:spcPct val="120000"/>
+              </a:lnSpc>
+            </a:pPr>
+            <a:r>
+              <a:rPr lang="es-ES" dirty="0" smtClean="0">
+                <a:solidFill>
+                  <a:schemeClr val="accent6"/>
+                </a:solidFill>
+              </a:rPr>
+              <a:t>análisis</a:t>
+            </a:r>
+            <a:r>
+              <a:rPr lang="es-ES" dirty="0" smtClean="0"/>
+              <a:t> automático de resultados</a:t>
+            </a:r>
+          </a:p>
+          <a:p>
+            <a:pPr>
+              <a:lnSpc>
+                <a:spcPct val="120000"/>
+              </a:lnSpc>
+            </a:pPr>
+            <a:r>
+              <a:rPr lang="es-ES" dirty="0" smtClean="0">
+                <a:solidFill>
+                  <a:schemeClr val="accent6"/>
+                </a:solidFill>
+              </a:rPr>
               <a:t>Dos prototipos </a:t>
             </a:r>
             <a:r>
               <a:rPr lang="es-ES" dirty="0" smtClean="0"/>
-              <a:t>incrementales</a:t>
-            </a:r>
-            <a:r>
-              <a:rPr lang="es-ES" dirty="0" smtClean="0"/>
-              <a:t> funcionales</a:t>
-            </a:r>
-          </a:p>
-          <a:p>
-            <a:r>
-              <a:rPr lang="es-ES" dirty="0" smtClean="0"/>
-              <a:t>Probado en dos asignaturas reales, con más de 100 alumnos de varias disciplinas distintas</a:t>
-            </a:r>
-          </a:p>
-          <a:p>
-            <a:r>
-              <a:rPr lang="es-ES" dirty="0" smtClean="0"/>
-              <a:t>Resultados parciales validados y publicados en congresos y revistas</a:t>
+              <a:t>incrementales funcionales</a:t>
+            </a:r>
+          </a:p>
+          <a:p>
+            <a:pPr>
+              <a:lnSpc>
+                <a:spcPct val="120000"/>
+              </a:lnSpc>
+            </a:pPr>
+            <a:r>
+              <a:rPr lang="es-ES" dirty="0" smtClean="0"/>
+              <a:t>Dos asignaturas reales. Más de </a:t>
+            </a:r>
+            <a:r>
+              <a:rPr lang="es-ES" dirty="0" smtClean="0">
+                <a:solidFill>
+                  <a:schemeClr val="accent6"/>
+                </a:solidFill>
+              </a:rPr>
+              <a:t>100 usuarios</a:t>
+            </a:r>
+          </a:p>
+          <a:p>
+            <a:pPr>
+              <a:lnSpc>
+                <a:spcPct val="120000"/>
+              </a:lnSpc>
+            </a:pPr>
+            <a:r>
+              <a:rPr lang="es-ES" dirty="0" smtClean="0"/>
+              <a:t>Resultados parciales </a:t>
+            </a:r>
+            <a:r>
+              <a:rPr lang="es-ES" dirty="0" smtClean="0">
+                <a:solidFill>
+                  <a:schemeClr val="accent6"/>
+                </a:solidFill>
+              </a:rPr>
+              <a:t>publicados</a:t>
+            </a:r>
+            <a:r>
+              <a:rPr lang="es-ES" dirty="0" smtClean="0"/>
+              <a:t> en congresos y revistas</a:t>
             </a:r>
             <a:endParaRPr lang="es-ES" dirty="0"/>
           </a:p>
@@ -12052,10 +12465,18 @@
           <a:p>
             <a:pPr algn="l"/>
             <a:r>
-              <a:rPr lang="es-ES" dirty="0" smtClean="0"/>
+              <a:rPr lang="es-ES" dirty="0" smtClean="0">
+                <a:solidFill>
+                  <a:schemeClr val="accent6"/>
+                </a:solidFill>
+              </a:rPr>
               <a:t>Trabajo futuro</a:t>
             </a:r>
-            <a:endParaRPr lang="es-ES" dirty="0"/>
+            <a:endParaRPr lang="es-ES" dirty="0">
+              <a:solidFill>
+                <a:schemeClr val="accent6"/>
+              </a:solidFill>
+            </a:endParaRPr>
           </a:p>
         </p:txBody>
       </p:sp>
@@ -12076,39 +12497,135 @@
           <a:p>
             <a:r>
               <a:rPr lang="es-ES" dirty="0" smtClean="0"/>
-              <a:t>Ampliar las opciones del análisis de resultados. Añadir visualización de resultados</a:t>
-            </a:r>
-          </a:p>
-          <a:p>
-            <a:r>
-              <a:rPr lang="es-ES" dirty="0" smtClean="0"/>
-              <a:t>Nuevos tipos de pregunta</a:t>
-            </a:r>
-          </a:p>
-          <a:p>
-            <a:r>
-              <a:rPr lang="es-ES" dirty="0" smtClean="0"/>
-              <a:t>Elegir qué modelo se aplica al examen</a:t>
-            </a:r>
-          </a:p>
-          <a:p>
-            <a:r>
-              <a:rPr lang="es-ES" dirty="0" smtClean="0"/>
-              <a:t>Ampliar las herramientas de creación y gestión del profesor</a:t>
-            </a:r>
-          </a:p>
-          <a:p>
-            <a:r>
-              <a:rPr lang="es-ES" dirty="0" smtClean="0"/>
-              <a:t>Interacción persona-ordenador. Accesibilidad</a:t>
-            </a:r>
-          </a:p>
-          <a:p>
-            <a:r>
-              <a:rPr lang="es-ES" dirty="0" smtClean="0"/>
-              <a:t>Facilitar tareas de administración</a:t>
-            </a:r>
-            <a:endParaRPr lang="es-ES" dirty="0"/>
+              <a:t>Ampliar las opciones del </a:t>
+            </a:r>
+            <a:r>
+              <a:rPr lang="es-ES" dirty="0" smtClean="0">
+                <a:solidFill>
+                  <a:schemeClr val="accent6"/>
+                </a:solidFill>
+              </a:rPr>
+              <a:t>análisis</a:t>
+            </a:r>
+            <a:r>
+              <a:rPr lang="es-ES" dirty="0" smtClean="0"/>
+              <a:t> de resultados. Añadir </a:t>
+            </a:r>
+            <a:r>
+              <a:rPr lang="es-ES" dirty="0" smtClean="0">
+                <a:solidFill>
+                  <a:schemeClr val="accent6"/>
+                </a:solidFill>
+              </a:rPr>
+              <a:t>visualización</a:t>
+            </a:r>
+            <a:r>
+              <a:rPr lang="es-ES" dirty="0" smtClean="0"/>
+              <a:t> de resultados</a:t>
+            </a:r>
+          </a:p>
+          <a:p>
+            <a:r>
+              <a:rPr lang="es-ES" dirty="0" smtClean="0"/>
+              <a:t>Nuevos tipos de </a:t>
+            </a:r>
+            <a:r>
+              <a:rPr lang="es-ES" dirty="0" smtClean="0">
+                <a:solidFill>
+                  <a:schemeClr val="accent6"/>
+                </a:solidFill>
+              </a:rPr>
+              <a:t>pregunta</a:t>
+            </a:r>
+          </a:p>
+          <a:p>
+            <a:r>
+              <a:rPr lang="es-ES" dirty="0" smtClean="0"/>
+              <a:t>Elegir qué </a:t>
+            </a:r>
+            <a:r>
+              <a:rPr lang="es-ES" dirty="0" smtClean="0">
+                <a:solidFill>
+                  <a:schemeClr val="accent6"/>
+                </a:solidFill>
+              </a:rPr>
+              <a:t>modelo</a:t>
+            </a:r>
+            <a:r>
+              <a:rPr lang="es-ES" dirty="0" smtClean="0"/>
+              <a:t> se aplica al examen</a:t>
+            </a:r>
+          </a:p>
+          <a:p>
+            <a:r>
+              <a:rPr lang="es-ES" dirty="0" smtClean="0"/>
+              <a:t>Ampliar las herramientas de </a:t>
+            </a:r>
+            <a:r>
+              <a:rPr lang="es-ES" dirty="0" smtClean="0">
+                <a:solidFill>
+                  <a:schemeClr val="accent6"/>
+                </a:solidFill>
+              </a:rPr>
+              <a:t>creación</a:t>
+            </a:r>
+            <a:r>
+              <a:rPr lang="es-ES" dirty="0" smtClean="0"/>
+              <a:t> y </a:t>
+            </a:r>
+            <a:r>
+              <a:rPr lang="es-ES" dirty="0" smtClean="0">
+                <a:solidFill>
+                  <a:schemeClr val="accent6"/>
+                </a:solidFill>
+              </a:rPr>
+              <a:t>gestión</a:t>
+            </a:r>
+            <a:r>
+              <a:rPr lang="es-ES" dirty="0" smtClean="0"/>
+              <a:t> del profesor</a:t>
+            </a:r>
+          </a:p>
+          <a:p>
+            <a:r>
+              <a:rPr lang="es-ES" dirty="0" smtClean="0">
+                <a:solidFill>
+                  <a:schemeClr val="accent6"/>
+                </a:solidFill>
+              </a:rPr>
+              <a:t>Usabilidad.</a:t>
+            </a:r>
+            <a:r>
+              <a:rPr lang="es-ES" dirty="0" smtClean="0"/>
+              <a:t> </a:t>
+            </a:r>
+            <a:r>
+              <a:rPr lang="es-ES" dirty="0" smtClean="0">
+                <a:solidFill>
+                  <a:schemeClr val="accent6"/>
+                </a:solidFill>
+              </a:rPr>
+              <a:t>Accesibilidad</a:t>
+            </a:r>
+          </a:p>
+          <a:p>
+            <a:r>
+              <a:rPr lang="es-ES" dirty="0" smtClean="0"/>
+              <a:t>Facilitar tareas de </a:t>
+            </a:r>
+            <a:r>
+              <a:rPr lang="es-ES" dirty="0" smtClean="0">
+                <a:solidFill>
+                  <a:schemeClr val="accent6"/>
+                </a:solidFill>
+              </a:rPr>
+              <a:t>administración</a:t>
+            </a:r>
+            <a:endParaRPr lang="es-ES" dirty="0">
+              <a:solidFill>
+                <a:schemeClr val="accent6"/>
+              </a:solidFill>
+            </a:endParaRPr>
           </a:p>
         </p:txBody>
       </p:sp>
@@ -12172,10 +12689,18 @@
           <a:lstStyle/>
           <a:p>
             <a:r>
-              <a:rPr lang="es-ES" dirty="0" smtClean="0"/>
+              <a:rPr lang="es-ES" dirty="0" smtClean="0">
+                <a:solidFill>
+                  <a:schemeClr val="accent6"/>
+                </a:solidFill>
+              </a:rPr>
               <a:t>Desarrollo de un sistema de cuestionarios adaptativos para el apoyo al aprendizaje</a:t>
             </a:r>
-            <a:endParaRPr lang="es-ES" dirty="0"/>
+            <a:endParaRPr lang="es-ES" dirty="0">
+              <a:solidFill>
+                <a:schemeClr val="accent6"/>
+              </a:solidFill>
+            </a:endParaRPr>
           </a:p>
         </p:txBody>
       </p:sp>
@@ -12211,10 +12736,6 @@
             </a:r>
           </a:p>
           <a:p>
-            <a:r>
-              <a:rPr lang="es-ES" dirty="0" smtClean="0"/>
-              <a:t>1415_182_ISTI </a:t>
-            </a:r>
             <a:endParaRPr lang="es-ES" dirty="0"/>
           </a:p>
         </p:txBody>
@@ -12299,6 +12820,177 @@
 </p:sld>
 </file>
 
+<file path=ppt/slides/slide36.xml><?xml version="1.0" encoding="utf-8"?>
+<p:sld xmlns:a="http://schemas.openxmlformats.org/drawingml/2006/main" xmlns:r="http://schemas.openxmlformats.org/officeDocument/2006/relationships" xmlns:p="http://schemas.openxmlformats.org/presentationml/2006/main">
+  <p:cSld>
+    <p:spTree>
+      <p:nvGrpSpPr>
+        <p:cNvPr id="1" name=""/>
+        <p:cNvGrpSpPr/>
+        <p:nvPr/>
+      </p:nvGrpSpPr>
+      <p:grpSpPr>
+        <a:xfrm>
+          <a:off x="0" y="0"/>
+          <a:ext cx="0" cy="0"/>
+          <a:chOff x="0" y="0"/>
+          <a:chExt cx="0" cy="0"/>
+        </a:xfrm>
+      </p:grpSpPr>
+      <p:sp>
+        <p:nvSpPr>
+          <p:cNvPr id="2" name="1 Título"/>
+          <p:cNvSpPr>
+            <a:spLocks noGrp="1"/>
+          </p:cNvSpPr>
+          <p:nvPr>
+            <p:ph type="title"/>
+          </p:nvPr>
+        </p:nvSpPr>
+        <p:spPr/>
+        <p:txBody>
+          <a:bodyPr/>
+          <a:lstStyle/>
+          <a:p>
+            <a:endParaRPr lang="es-ES"/>
+          </a:p>
+        </p:txBody>
+      </p:sp>
+      <p:pic>
+        <p:nvPicPr>
+          <p:cNvPr id="4" name="3 Marcador de contenido"/>
+          <p:cNvPicPr>
+            <a:picLocks noGrp="1" noChangeAspect="1"/>
+          </p:cNvPicPr>
+          <p:nvPr>
+            <p:ph idx="1"/>
+          </p:nvPr>
+        </p:nvPicPr>
+        <p:blipFill>
+          <a:blip r:embed="rId2">
+            <a:extLst>
+              <a:ext uri="{28A0092B-C50C-407E-A947-70E740481C1C}">
+                <a14:useLocalDpi xmlns:a14="http://schemas.microsoft.com/office/drawing/2010/main" val="0"/>
+              </a:ext>
+            </a:extLst>
+          </a:blip>
+          <a:stretch>
+            <a:fillRect/>
+          </a:stretch>
+        </p:blipFill>
+        <p:spPr>
+          <a:xfrm>
+            <a:off x="998450" y="823057"/>
+            <a:ext cx="7147101" cy="5211886"/>
+          </a:xfrm>
+        </p:spPr>
+      </p:pic>
+    </p:spTree>
+    <p:extLst>
+      <p:ext uri="{BB962C8B-B14F-4D97-AF65-F5344CB8AC3E}">
+        <p14:creationId xmlns:p14="http://schemas.microsoft.com/office/powerpoint/2010/main" val="3163000752"/>
+      </p:ext>
+    </p:extLst>
+  </p:cSld>
+  <p:clrMapOvr>
+    <a:masterClrMapping/>
+  </p:clrMapOvr>
+  <p:timing>
+    <p:tnLst>
+      <p:par>
+        <p:cTn id="1" dur="indefinite" restart="never" nodeType="tmRoot"/>
+      </p:par>
+    </p:tnLst>
+  </p:timing>
+</p:sld>
+</file>
+
+<file path=ppt/slides/slide37.xml><?xml version="1.0" encoding="utf-8"?>
+<p:sld xmlns:a="http://schemas.openxmlformats.org/drawingml/2006/main" xmlns:r="http://schemas.openxmlformats.org/officeDocument/2006/relationships" xmlns:p="http://schemas.openxmlformats.org/presentationml/2006/main">
+  <p:cSld>
+    <p:spTree>
+      <p:nvGrpSpPr>
+        <p:cNvPr id="1" name=""/>
+        <p:cNvGrpSpPr/>
+        <p:nvPr/>
+      </p:nvGrpSpPr>
+      <p:grpSpPr>
+        <a:xfrm>
+          <a:off x="0" y="0"/>
+          <a:ext cx="0" cy="0"/>
+          <a:chOff x="0" y="0"/>
+          <a:chExt cx="0" cy="0"/>
+        </a:xfrm>
+      </p:grpSpPr>
+      <p:sp>
+        <p:nvSpPr>
+          <p:cNvPr id="2" name="1 Título"/>
+          <p:cNvSpPr>
+            <a:spLocks noGrp="1"/>
+          </p:cNvSpPr>
+          <p:nvPr>
+            <p:ph type="title"/>
+          </p:nvPr>
+        </p:nvSpPr>
+        <p:spPr/>
+        <p:txBody>
+          <a:bodyPr/>
+          <a:lstStyle/>
+          <a:p>
+            <a:pPr algn="l"/>
+            <a:endParaRPr lang="es-ES" dirty="0"/>
+          </a:p>
+        </p:txBody>
+      </p:sp>
+      <p:pic>
+        <p:nvPicPr>
+          <p:cNvPr id="4" name="3 Marcador de contenido"/>
+          <p:cNvPicPr>
+            <a:picLocks noGrp="1" noChangeAspect="1"/>
+          </p:cNvPicPr>
+          <p:nvPr>
+            <p:ph idx="1"/>
+          </p:nvPr>
+        </p:nvPicPr>
+        <p:blipFill>
+          <a:blip r:embed="rId2">
+            <a:extLst>
+              <a:ext uri="{28A0092B-C50C-407E-A947-70E740481C1C}">
+                <a14:useLocalDpi xmlns:a14="http://schemas.microsoft.com/office/drawing/2010/main" val="0"/>
+              </a:ext>
+            </a:extLst>
+          </a:blip>
+          <a:stretch>
+            <a:fillRect/>
+          </a:stretch>
+        </p:blipFill>
+        <p:spPr>
+          <a:xfrm>
+            <a:off x="1716015" y="469161"/>
+            <a:ext cx="5711971" cy="5919679"/>
+          </a:xfrm>
+        </p:spPr>
+      </p:pic>
+    </p:spTree>
+    <p:extLst>
+      <p:ext uri="{BB962C8B-B14F-4D97-AF65-F5344CB8AC3E}">
+        <p14:creationId xmlns:p14="http://schemas.microsoft.com/office/powerpoint/2010/main" val="3939605602"/>
+      </p:ext>
+    </p:extLst>
+  </p:cSld>
+  <p:clrMapOvr>
+    <a:masterClrMapping/>
+  </p:clrMapOvr>
+  <p:timing>
+    <p:tnLst>
+      <p:par>
+        <p:cTn id="1" dur="indefinite" restart="never" nodeType="tmRoot"/>
+      </p:par>
+    </p:tnLst>
+  </p:timing>
+</p:sld>
+</file>
+
 <file path=ppt/slides/slide4.xml><?xml version="1.0" encoding="utf-8"?>
 <p:sld xmlns:a="http://schemas.openxmlformats.org/drawingml/2006/main" xmlns:r="http://schemas.openxmlformats.org/officeDocument/2006/relationships" xmlns:p="http://schemas.openxmlformats.org/presentationml/2006/main">
   <p:cSld>
@@ -12333,8 +13025,16 @@
           <a:p>
             <a:pPr algn="l"/>
             <a:r>
-              <a:rPr lang="es-ES" dirty="0" smtClean="0"/>
-              <a:t>Introducción – Motivación</a:t>
+              <a:rPr lang="es-ES" dirty="0" smtClean="0">
+                <a:solidFill>
+                  <a:schemeClr val="accent6"/>
+                </a:solidFill>
+              </a:rPr>
+              <a:t>Introducción </a:t>
+            </a:r>
+            <a:r>
+              <a:rPr lang="es-ES" dirty="0" smtClean="0"/>
+              <a:t>– Motivación</a:t>
             </a:r>
             <a:endParaRPr lang="es-ES" dirty="0"/>
           </a:p>
@@ -12392,14 +13092,14 @@
             <a:pPr lvl="1"/>
             <a:r>
               <a:rPr lang="es-ES" dirty="0" smtClean="0"/>
+              <a:t>Análisis automático de resultados</a:t>
+            </a:r>
+          </a:p>
+          <a:p>
+            <a:pPr lvl="1"/>
+            <a:r>
+              <a:rPr lang="es-ES" dirty="0" smtClean="0"/>
               <a:t>Exámenes adaptativos</a:t>
-            </a:r>
-          </a:p>
-          <a:p>
-            <a:pPr lvl="1"/>
-            <a:r>
-              <a:rPr lang="es-ES" dirty="0" smtClean="0"/>
-              <a:t>Análisis de resultados automático</a:t>
             </a:r>
           </a:p>
         </p:txBody>
@@ -12458,12 +13158,16 @@
           <a:p>
             <a:pPr algn="l"/>
             <a:r>
-              <a:rPr lang="es-ES" dirty="0" smtClean="0"/>
-              <a:t>Introducción – </a:t>
-            </a:r>
-            <a:r>
-              <a:rPr lang="es-ES" dirty="0" smtClean="0"/>
-              <a:t>Objetivos</a:t>
+              <a:rPr lang="es-ES" dirty="0" smtClean="0">
+                <a:solidFill>
+                  <a:schemeClr val="accent6"/>
+                </a:solidFill>
+              </a:rPr>
+              <a:t>Introducción</a:t>
+            </a:r>
+            <a:r>
+              <a:rPr lang="es-ES" dirty="0" smtClean="0"/>
+              <a:t> – Objetivos</a:t>
             </a:r>
             <a:endParaRPr lang="es-ES" dirty="0"/>
           </a:p>
@@ -12482,82 +13186,211 @@
         <p:spPr/>
         <p:txBody>
           <a:bodyPr>
-            <a:normAutofit fontScale="92500" lnSpcReduction="10000"/>
+            <a:normAutofit fontScale="92500" lnSpcReduction="20000"/>
           </a:bodyPr>
           <a:lstStyle/>
           <a:p>
-            <a:pPr marL="514350" indent="-514350">
-              <a:buFont typeface="+mj-lt"/>
-              <a:buAutoNum type="arabicPeriod"/>
+            <a:pPr marL="0" indent="0">
+              <a:buNone/>
             </a:pPr>
             <a:r>
-              <a:rPr lang="es-ES" dirty="0" smtClean="0"/>
-              <a:t>Sistema para crear cuestionario online de (</a:t>
-            </a:r>
-            <a:r>
-              <a:rPr lang="es-ES" dirty="0" smtClean="0"/>
-              <a:t>auto)</a:t>
-            </a:r>
-            <a:r>
-              <a:rPr lang="es-ES" dirty="0" smtClean="0"/>
-              <a:t>evaluación</a:t>
-            </a:r>
-          </a:p>
-          <a:p>
-            <a:pPr marL="514350" indent="-514350">
-              <a:buFont typeface="+mj-lt"/>
-              <a:buAutoNum type="arabicPeriod"/>
+              <a:rPr lang="es-ES" dirty="0" err="1" smtClean="0">
+                <a:solidFill>
+                  <a:schemeClr val="accent6"/>
+                </a:solidFill>
+              </a:rPr>
+              <a:t>Obj</a:t>
+            </a:r>
+            <a:r>
+              <a:rPr lang="es-ES" dirty="0" smtClean="0">
+                <a:solidFill>
+                  <a:schemeClr val="accent6"/>
+                </a:solidFill>
+              </a:rPr>
+              <a:t>. 1. </a:t>
+            </a:r>
+            <a:r>
+              <a:rPr lang="es-ES" dirty="0" smtClean="0"/>
+              <a:t>Sistema para crear cuestionario online de (auto)evaluación</a:t>
+            </a:r>
+          </a:p>
+          <a:p>
+            <a:pPr marL="0" indent="0">
+              <a:buNone/>
             </a:pPr>
             <a:r>
+              <a:rPr lang="es-ES" dirty="0" err="1" smtClean="0">
+                <a:solidFill>
+                  <a:schemeClr val="accent6"/>
+                </a:solidFill>
+              </a:rPr>
+              <a:t>Obj</a:t>
+            </a:r>
+            <a:r>
+              <a:rPr lang="es-ES" dirty="0" smtClean="0">
+                <a:solidFill>
+                  <a:schemeClr val="accent6"/>
+                </a:solidFill>
+              </a:rPr>
+              <a:t>. 2. </a:t>
+            </a:r>
+            <a:r>
               <a:rPr lang="es-ES" dirty="0" smtClean="0"/>
               <a:t>Válido para múltiples áreas de conocimiento</a:t>
             </a:r>
           </a:p>
           <a:p>
-            <a:pPr marL="514350" indent="-514350">
-              <a:buFont typeface="+mj-lt"/>
-              <a:buAutoNum type="arabicPeriod"/>
+            <a:pPr marL="0" indent="0">
+              <a:buNone/>
             </a:pPr>
             <a:r>
+              <a:rPr lang="es-ES" dirty="0" err="1" smtClean="0">
+                <a:solidFill>
+                  <a:schemeClr val="accent6"/>
+                </a:solidFill>
+              </a:rPr>
+              <a:t>Obj</a:t>
+            </a:r>
+            <a:r>
+              <a:rPr lang="es-ES" dirty="0" smtClean="0">
+                <a:solidFill>
+                  <a:schemeClr val="accent6"/>
+                </a:solidFill>
+              </a:rPr>
+              <a:t>. 3. </a:t>
+            </a:r>
+            <a:r>
               <a:rPr lang="es-ES" dirty="0" smtClean="0"/>
               <a:t>Sin conocimientos avanzados de informática</a:t>
             </a:r>
           </a:p>
           <a:p>
-            <a:pPr marL="514350" indent="-514350">
-              <a:buFont typeface="+mj-lt"/>
-              <a:buAutoNum type="arabicPeriod"/>
+            <a:pPr marL="0" indent="0">
+              <a:buNone/>
             </a:pPr>
             <a:r>
-              <a:rPr lang="es-ES" dirty="0" smtClean="0"/>
-              <a:t>Herramientas de análisis</a:t>
-            </a:r>
-          </a:p>
-          <a:p>
-            <a:pPr marL="514350" indent="-514350">
-              <a:buFont typeface="+mj-lt"/>
-              <a:buAutoNum type="arabicPeriod"/>
+              <a:rPr lang="es-ES" dirty="0" err="1" smtClean="0">
+                <a:solidFill>
+                  <a:schemeClr val="accent6"/>
+                </a:solidFill>
+              </a:rPr>
+              <a:t>Obj</a:t>
+            </a:r>
+            <a:r>
+              <a:rPr lang="es-ES" dirty="0" smtClean="0">
+                <a:solidFill>
+                  <a:schemeClr val="accent6"/>
+                </a:solidFill>
+              </a:rPr>
+              <a:t>. 4.</a:t>
+            </a:r>
+            <a:r>
+              <a:rPr lang="es-ES" dirty="0" smtClean="0"/>
+              <a:t> Herramientas de análisis</a:t>
+            </a:r>
+          </a:p>
+          <a:p>
+            <a:pPr marL="0" indent="0">
+              <a:buNone/>
             </a:pPr>
             <a:r>
+              <a:rPr lang="es-ES" dirty="0" err="1" smtClean="0">
+                <a:solidFill>
+                  <a:schemeClr val="accent6"/>
+                </a:solidFill>
+              </a:rPr>
+              <a:t>Obj</a:t>
+            </a:r>
+            <a:r>
+              <a:rPr lang="es-ES" dirty="0" smtClean="0">
+                <a:solidFill>
+                  <a:schemeClr val="accent6"/>
+                </a:solidFill>
+              </a:rPr>
+              <a:t>. </a:t>
+            </a:r>
+            <a:r>
+              <a:rPr lang="es-ES" dirty="0">
+                <a:solidFill>
+                  <a:schemeClr val="accent6"/>
+                </a:solidFill>
+              </a:rPr>
+              <a:t>5</a:t>
+            </a:r>
+            <a:r>
+              <a:rPr lang="es-ES" dirty="0" smtClean="0">
+                <a:solidFill>
+                  <a:schemeClr val="accent6"/>
+                </a:solidFill>
+              </a:rPr>
+              <a:t>. </a:t>
+            </a:r>
+            <a:r>
               <a:rPr lang="es-ES" dirty="0" smtClean="0"/>
               <a:t>Sistema web robusto</a:t>
             </a:r>
           </a:p>
           <a:p>
-            <a:pPr marL="514350" indent="-514350">
-              <a:buFont typeface="+mj-lt"/>
-              <a:buAutoNum type="arabicPeriod"/>
+            <a:pPr marL="0" indent="0">
+              <a:buNone/>
             </a:pPr>
             <a:r>
+              <a:rPr lang="es-ES" dirty="0" err="1" smtClean="0">
+                <a:solidFill>
+                  <a:schemeClr val="accent6"/>
+                </a:solidFill>
+              </a:rPr>
+              <a:t>Obj</a:t>
+            </a:r>
+            <a:r>
+              <a:rPr lang="es-ES" dirty="0" smtClean="0">
+                <a:solidFill>
+                  <a:schemeClr val="accent6"/>
+                </a:solidFill>
+              </a:rPr>
+              <a:t>. </a:t>
+            </a:r>
+            <a:r>
+              <a:rPr lang="es-ES" dirty="0">
+                <a:solidFill>
+                  <a:schemeClr val="accent6"/>
+                </a:solidFill>
+              </a:rPr>
+              <a:t>6</a:t>
+            </a:r>
+            <a:r>
+              <a:rPr lang="es-ES" dirty="0" smtClean="0">
+                <a:solidFill>
+                  <a:schemeClr val="accent6"/>
+                </a:solidFill>
+              </a:rPr>
+              <a:t>. </a:t>
+            </a:r>
+            <a:r>
               <a:rPr lang="es-ES" dirty="0" smtClean="0"/>
               <a:t>Crear un modelo de datos para una evaluación</a:t>
             </a:r>
           </a:p>
           <a:p>
-            <a:pPr marL="514350" indent="-514350">
-              <a:buFont typeface="+mj-lt"/>
-              <a:buAutoNum type="arabicPeriod"/>
+            <a:pPr marL="0" indent="0">
+              <a:buNone/>
             </a:pPr>
+            <a:r>
+              <a:rPr lang="es-ES" dirty="0" err="1" smtClean="0">
+                <a:solidFill>
+                  <a:schemeClr val="accent6"/>
+                </a:solidFill>
+              </a:rPr>
+              <a:t>Obj</a:t>
+            </a:r>
+            <a:r>
+              <a:rPr lang="es-ES" dirty="0" smtClean="0">
+                <a:solidFill>
+                  <a:schemeClr val="accent6"/>
+                </a:solidFill>
+              </a:rPr>
+              <a:t>. 7. </a:t>
+            </a:r>
             <a:r>
               <a:rPr lang="es-ES" dirty="0" smtClean="0"/>
               <a:t>Arquitectura flexible pensando en nuevos modelos</a:t>
@@ -12622,10 +13455,18 @@
           <a:p>
             <a:pPr algn="l"/>
             <a:r>
-              <a:rPr lang="es-ES" dirty="0" smtClean="0"/>
+              <a:rPr lang="es-ES" dirty="0" smtClean="0">
+                <a:solidFill>
+                  <a:schemeClr val="accent6"/>
+                </a:solidFill>
+              </a:rPr>
               <a:t>Índice</a:t>
             </a:r>
-            <a:endParaRPr lang="es-ES" dirty="0"/>
+            <a:endParaRPr lang="es-ES" dirty="0">
+              <a:solidFill>
+                <a:schemeClr val="accent6"/>
+              </a:solidFill>
+            </a:endParaRPr>
           </a:p>
         </p:txBody>
       </p:sp>
@@ -12647,103 +13488,131 @@
           <a:lstStyle/>
           <a:p>
             <a:r>
+              <a:rPr lang="es-ES" dirty="0" smtClean="0"/>
+              <a:t>Introducción</a:t>
+            </a:r>
+          </a:p>
+          <a:p>
+            <a:r>
               <a:rPr lang="es-ES" dirty="0" smtClean="0">
                 <a:solidFill>
-                  <a:schemeClr val="tx1">
-                    <a:lumMod val="50000"/>
-                  </a:schemeClr>
+                  <a:schemeClr val="accent6"/>
                 </a:solidFill>
               </a:rPr>
-              <a:t>Introducción</a:t>
-            </a:r>
-          </a:p>
-          <a:p>
-            <a:r>
-              <a:rPr lang="es-ES" dirty="0" smtClean="0"/>
               <a:t>Estado del arte</a:t>
             </a:r>
           </a:p>
           <a:p>
             <a:pPr lvl="1"/>
             <a:r>
-              <a:rPr lang="es-ES" i="1" dirty="0" err="1" smtClean="0"/>
+              <a:rPr lang="es-ES" i="1" dirty="0" err="1" smtClean="0">
+                <a:solidFill>
+                  <a:schemeClr val="accent6"/>
+                </a:solidFill>
+              </a:rPr>
               <a:t>Computerized</a:t>
             </a:r>
             <a:r>
-              <a:rPr lang="es-ES" i="1" dirty="0" smtClean="0"/>
+              <a:rPr lang="es-ES" i="1" dirty="0" smtClean="0">
+                <a:solidFill>
+                  <a:schemeClr val="accent6"/>
+                </a:solidFill>
+              </a:rPr>
               <a:t> </a:t>
             </a:r>
             <a:r>
-              <a:rPr lang="es-ES" i="1" dirty="0" err="1" smtClean="0"/>
+              <a:rPr lang="es-ES" i="1" dirty="0" err="1" smtClean="0">
+                <a:solidFill>
+                  <a:schemeClr val="accent6"/>
+                </a:solidFill>
+              </a:rPr>
               <a:t>Adaptive</a:t>
             </a:r>
             <a:r>
-              <a:rPr lang="es-ES" i="1" dirty="0" smtClean="0"/>
+              <a:rPr lang="es-ES" i="1" dirty="0" smtClean="0">
+                <a:solidFill>
+                  <a:schemeClr val="accent6"/>
+                </a:solidFill>
+              </a:rPr>
               <a:t> </a:t>
             </a:r>
             <a:r>
-              <a:rPr lang="es-ES" i="1" dirty="0" err="1" smtClean="0"/>
+              <a:rPr lang="es-ES" i="1" dirty="0" err="1" smtClean="0">
+                <a:solidFill>
+                  <a:schemeClr val="accent6"/>
+                </a:solidFill>
+              </a:rPr>
               <a:t>Testing</a:t>
             </a:r>
-            <a:endParaRPr lang="es-ES" i="1" dirty="0" smtClean="0"/>
+            <a:endParaRPr lang="es-ES" i="1" dirty="0" smtClean="0">
+              <a:solidFill>
+                <a:schemeClr val="accent6"/>
+              </a:solidFill>
+            </a:endParaRPr>
           </a:p>
           <a:p>
             <a:pPr lvl="1"/>
             <a:r>
-              <a:rPr lang="es-ES" i="1" dirty="0" err="1" smtClean="0"/>
+              <a:rPr lang="es-ES" i="1" dirty="0" err="1" smtClean="0">
+                <a:solidFill>
+                  <a:schemeClr val="accent6"/>
+                </a:solidFill>
+              </a:rPr>
               <a:t>Adaptive</a:t>
             </a:r>
             <a:r>
-              <a:rPr lang="es-ES" i="1" dirty="0" smtClean="0"/>
+              <a:rPr lang="es-ES" i="1" dirty="0" smtClean="0">
+                <a:solidFill>
+                  <a:schemeClr val="accent6"/>
+                </a:solidFill>
+              </a:rPr>
               <a:t> </a:t>
             </a:r>
             <a:r>
-              <a:rPr lang="es-ES" i="1" dirty="0" err="1" smtClean="0"/>
+              <a:rPr lang="es-ES" i="1" dirty="0" err="1" smtClean="0">
+                <a:solidFill>
+                  <a:schemeClr val="accent6"/>
+                </a:solidFill>
+              </a:rPr>
               <a:t>Educational</a:t>
             </a:r>
             <a:r>
-              <a:rPr lang="es-ES" i="1" dirty="0" smtClean="0"/>
+              <a:rPr lang="es-ES" i="1" dirty="0" smtClean="0">
+                <a:solidFill>
+                  <a:schemeClr val="accent6"/>
+                </a:solidFill>
+              </a:rPr>
               <a:t> </a:t>
             </a:r>
             <a:r>
-              <a:rPr lang="es-ES" i="1" dirty="0" err="1" smtClean="0"/>
+              <a:rPr lang="es-ES" i="1" dirty="0" err="1" smtClean="0">
+                <a:solidFill>
+                  <a:schemeClr val="accent6"/>
+                </a:solidFill>
+              </a:rPr>
               <a:t>Hypermedia</a:t>
             </a:r>
-            <a:endParaRPr lang="es-ES" i="1" dirty="0" smtClean="0"/>
-          </a:p>
-          <a:p>
-            <a:r>
-              <a:rPr lang="es-ES" dirty="0" smtClean="0">
-                <a:solidFill>
-                  <a:schemeClr val="tx1">
-                    <a:lumMod val="50000"/>
-                  </a:schemeClr>
-                </a:solidFill>
-              </a:rPr>
+            <a:endParaRPr lang="es-ES" i="1" dirty="0" smtClean="0">
+              <a:solidFill>
+                <a:schemeClr val="accent6"/>
+              </a:solidFill>
+            </a:endParaRPr>
+          </a:p>
+          <a:p>
+            <a:r>
+              <a:rPr lang="es-ES" dirty="0" smtClean="0"/>
               <a:t>Análisis, diseño, desarrollo</a:t>
             </a:r>
           </a:p>
           <a:p>
             <a:r>
-              <a:rPr lang="es-ES" dirty="0" smtClean="0">
-                <a:solidFill>
-                  <a:schemeClr val="tx1">
-                    <a:lumMod val="50000"/>
-                  </a:schemeClr>
-                </a:solidFill>
-              </a:rPr>
+              <a:rPr lang="es-ES" dirty="0" smtClean="0"/>
               <a:t>Pruebas</a:t>
             </a:r>
           </a:p>
           <a:p>
             <a:r>
-              <a:rPr lang="es-ES" dirty="0" smtClean="0">
-                <a:solidFill>
-                  <a:schemeClr val="tx1">
-                    <a:lumMod val="50000"/>
-                  </a:schemeClr>
-                </a:solidFill>
-              </a:rPr>
+              <a:rPr lang="es-ES" dirty="0" smtClean="0"/>
               <a:t>Conclusiones y trabajo futuro</a:t>
             </a:r>
           </a:p>
@@ -12810,7 +13679,11 @@
           <a:p>
             <a:pPr algn="l"/>
             <a:r>
-              <a:rPr lang="es-ES" dirty="0" smtClean="0"/>
+              <a:rPr lang="es-ES" dirty="0" smtClean="0">
+                <a:solidFill>
+                  <a:schemeClr val="accent6"/>
+                </a:solidFill>
+              </a:rPr>
               <a:t>Estado del arte </a:t>
             </a:r>
             <a:r>
@@ -12865,11 +13738,121 @@
         </p:blipFill>
         <p:spPr>
           <a:xfrm>
-            <a:off x="2641276" y="1678907"/>
+            <a:off x="2627784" y="1556792"/>
             <a:ext cx="3861448" cy="4368549"/>
           </a:xfrm>
         </p:spPr>
       </p:pic>
+      <p:sp>
+        <p:nvSpPr>
+          <p:cNvPr id="5" name="4 CuadroTexto"/>
+          <p:cNvSpPr txBox="1"/>
+          <p:nvPr/>
+        </p:nvSpPr>
+        <p:spPr>
+          <a:xfrm>
+            <a:off x="323528" y="6165304"/>
+            <a:ext cx="8496944" cy="861774"/>
+          </a:xfrm>
+          <a:prstGeom prst="rect">
+            <a:avLst/>
+          </a:prstGeom>
+          <a:noFill/>
+        </p:spPr>
+        <p:txBody>
+          <a:bodyPr wrap="square" rtlCol="0">
+            <a:spAutoFit/>
+          </a:bodyPr>
+          <a:lstStyle/>
+          <a:p>
+            <a:r>
+              <a:rPr lang="es-ES" sz="1600" dirty="0" smtClean="0"/>
+              <a:t>Imagen tomada de H</a:t>
+            </a:r>
+            <a:r>
+              <a:rPr lang="es-ES" sz="1600" dirty="0"/>
+              <a:t>. </a:t>
+            </a:r>
+            <a:r>
+              <a:rPr lang="es-ES" sz="1600" dirty="0" err="1"/>
+              <a:t>Wainer</a:t>
+            </a:r>
+            <a:r>
+              <a:rPr lang="es-ES" sz="1600" dirty="0"/>
+              <a:t>, </a:t>
+            </a:r>
+            <a:r>
+              <a:rPr lang="es-ES" sz="1600" dirty="0" smtClean="0"/>
+              <a:t>y otros, “</a:t>
+            </a:r>
+            <a:r>
+              <a:rPr lang="es-ES" sz="1600" i="1" dirty="0" err="1" smtClean="0"/>
+              <a:t>Computer-Adaptive</a:t>
+            </a:r>
+            <a:r>
+              <a:rPr lang="es-ES" sz="1600" i="1" dirty="0" smtClean="0"/>
+              <a:t> </a:t>
+            </a:r>
+            <a:r>
+              <a:rPr lang="es-ES" sz="1600" i="1" dirty="0" err="1"/>
+              <a:t>Testing</a:t>
+            </a:r>
+            <a:r>
+              <a:rPr lang="es-ES" sz="1600" i="1" dirty="0"/>
+              <a:t>: A </a:t>
+            </a:r>
+            <a:r>
+              <a:rPr lang="es-ES" sz="1600" i="1" dirty="0" smtClean="0"/>
+              <a:t>Primer</a:t>
+            </a:r>
+            <a:r>
+              <a:rPr lang="es-ES" sz="1600" dirty="0" smtClean="0"/>
+              <a:t>”, </a:t>
+            </a:r>
+            <a:r>
+              <a:rPr lang="es-ES" sz="1600" dirty="0" err="1"/>
+              <a:t>Routledge</a:t>
+            </a:r>
+            <a:r>
+              <a:rPr lang="es-ES" sz="1600" dirty="0"/>
+              <a:t>,</a:t>
+            </a:r>
+          </a:p>
+          <a:p>
+            <a:r>
+              <a:rPr lang="es-ES" sz="1600" dirty="0"/>
+              <a:t>Ed. </a:t>
+            </a:r>
+            <a:r>
+              <a:rPr lang="es-ES" sz="1600" dirty="0" err="1"/>
+              <a:t>Mahwah</a:t>
+            </a:r>
+            <a:r>
+              <a:rPr lang="es-ES" sz="1600" dirty="0"/>
+              <a:t>, NJ, USA: Lawrence </a:t>
+            </a:r>
+            <a:r>
+              <a:rPr lang="es-ES" sz="1600" dirty="0" err="1"/>
+              <a:t>Erlbaum</a:t>
+            </a:r>
+            <a:r>
+              <a:rPr lang="es-ES" sz="1600" dirty="0"/>
+              <a:t> </a:t>
+            </a:r>
+            <a:r>
+              <a:rPr lang="es-ES" sz="1600" dirty="0" err="1"/>
+              <a:t>Associates</a:t>
+            </a:r>
+            <a:r>
+              <a:rPr lang="es-ES" sz="1600" dirty="0"/>
+              <a:t>, 2000</a:t>
+            </a:r>
+          </a:p>
+          <a:p>
+            <a:endParaRPr lang="es-ES" dirty="0"/>
+          </a:p>
+        </p:txBody>
+      </p:sp>
     </p:spTree>
     <p:extLst>
       <p:ext uri="{BB962C8B-B14F-4D97-AF65-F5344CB8AC3E}">
@@ -12926,8 +13909,16 @@
           <a:p>
             <a:pPr algn="l"/>
             <a:r>
-              <a:rPr lang="es-ES" dirty="0" smtClean="0"/>
-              <a:t>Estado del arte – </a:t>
+              <a:rPr lang="es-ES" dirty="0" smtClean="0">
+                <a:solidFill>
+                  <a:schemeClr val="accent6"/>
+                </a:solidFill>
+              </a:rPr>
+              <a:t>Estado del arte </a:t>
+            </a:r>
+            <a:r>
+              <a:rPr lang="es-ES" dirty="0" smtClean="0"/>
+              <a:t>– </a:t>
             </a:r>
             <a:r>
               <a:rPr lang="es-ES" i="1" dirty="0" err="1" smtClean="0"/>
@@ -14886,10 +15877,18 @@
           <a:p>
             <a:pPr algn="l"/>
             <a:r>
-              <a:rPr lang="es-ES" dirty="0" smtClean="0"/>
+              <a:rPr lang="es-ES" dirty="0" smtClean="0">
+                <a:solidFill>
+                  <a:schemeClr val="accent6"/>
+                </a:solidFill>
+              </a:rPr>
               <a:t>Índice</a:t>
             </a:r>
-            <a:endParaRPr lang="es-ES" dirty="0"/>
+            <a:endParaRPr lang="es-ES" dirty="0">
+              <a:solidFill>
+                <a:schemeClr val="accent6"/>
+              </a:solidFill>
+            </a:endParaRPr>
           </a:p>
         </p:txBody>
       </p:sp>
@@ -14911,105 +15910,101 @@
           <a:lstStyle/>
           <a:p>
             <a:r>
+              <a:rPr lang="es-ES" dirty="0" smtClean="0"/>
+              <a:t>Introducción</a:t>
+            </a:r>
+          </a:p>
+          <a:p>
+            <a:r>
+              <a:rPr lang="es-ES" dirty="0" smtClean="0"/>
+              <a:t>Estado del arte</a:t>
+            </a:r>
+          </a:p>
+          <a:p>
+            <a:r>
               <a:rPr lang="es-ES" dirty="0" smtClean="0">
                 <a:solidFill>
-                  <a:schemeClr val="tx1">
-                    <a:lumMod val="50000"/>
-                  </a:schemeClr>
+                  <a:schemeClr val="accent6"/>
                 </a:solidFill>
               </a:rPr>
-              <a:t>Introducción</a:t>
-            </a:r>
-          </a:p>
-          <a:p>
+              <a:t>Análisis, diseño, desarrollo</a:t>
+            </a:r>
+          </a:p>
+          <a:p>
+            <a:pPr lvl="1"/>
             <a:r>
               <a:rPr lang="es-ES" dirty="0" smtClean="0">
                 <a:solidFill>
-                  <a:schemeClr val="tx1">
-                    <a:lumMod val="50000"/>
-                  </a:schemeClr>
+                  <a:schemeClr val="accent6"/>
                 </a:solidFill>
               </a:rPr>
-              <a:t>Estado del arte</a:t>
-            </a:r>
-          </a:p>
-          <a:p>
-            <a:r>
-              <a:rPr lang="es-ES" dirty="0" smtClean="0"/>
-              <a:t>Análisis, diseño, desarrollo</a:t>
+              <a:t>Análisis</a:t>
             </a:r>
           </a:p>
           <a:p>
             <a:pPr lvl="1"/>
             <a:r>
-              <a:rPr lang="es-ES" dirty="0" smtClean="0"/>
-              <a:t>Análisis</a:t>
+              <a:rPr lang="es-ES" dirty="0" smtClean="0">
+                <a:solidFill>
+                  <a:schemeClr val="accent6"/>
+                </a:solidFill>
+              </a:rPr>
+              <a:t>Diseño – Modelo de los usuarios</a:t>
             </a:r>
           </a:p>
           <a:p>
             <a:pPr lvl="1"/>
             <a:r>
-              <a:rPr lang="es-ES" dirty="0" smtClean="0"/>
-              <a:t>Diseño – Modelo de los usuarios</a:t>
+              <a:rPr lang="es-ES" dirty="0" smtClean="0">
+                <a:solidFill>
+                  <a:schemeClr val="accent6"/>
+                </a:solidFill>
+              </a:rPr>
+              <a:t>Diseño – Modelo del dominio</a:t>
             </a:r>
           </a:p>
           <a:p>
             <a:pPr lvl="1"/>
             <a:r>
-              <a:rPr lang="es-ES" dirty="0" smtClean="0"/>
-              <a:t>Diseño – </a:t>
-            </a:r>
-            <a:r>
-              <a:rPr lang="es-ES" dirty="0" smtClean="0"/>
-              <a:t>Modelo del dominio</a:t>
+              <a:rPr lang="es-ES" dirty="0" smtClean="0">
+                <a:solidFill>
+                  <a:schemeClr val="accent6"/>
+                </a:solidFill>
+              </a:rPr>
+              <a:t>Diseño – Modelo de adaptación</a:t>
             </a:r>
           </a:p>
           <a:p>
             <a:pPr lvl="1"/>
             <a:r>
-              <a:rPr lang="es-ES" dirty="0" smtClean="0"/>
-              <a:t>Diseño – </a:t>
-            </a:r>
-            <a:r>
-              <a:rPr lang="es-ES" dirty="0" smtClean="0"/>
-              <a:t>Modelo de adaptación</a:t>
+              <a:rPr lang="es-ES" dirty="0" smtClean="0">
+                <a:solidFill>
+                  <a:schemeClr val="accent6"/>
+                </a:solidFill>
+              </a:rPr>
+              <a:t>Desarrollo</a:t>
             </a:r>
           </a:p>
           <a:p>
             <a:pPr lvl="1"/>
             <a:r>
-              <a:rPr lang="es-ES" dirty="0" smtClean="0"/>
-              <a:t>Desarrollo</a:t>
-            </a:r>
-          </a:p>
-          <a:p>
-            <a:pPr lvl="1"/>
-            <a:r>
-              <a:rPr lang="es-ES" dirty="0" smtClean="0"/>
+              <a:rPr lang="es-ES" dirty="0" smtClean="0">
+                <a:solidFill>
+                  <a:schemeClr val="accent6"/>
+                </a:solidFill>
+              </a:rPr>
               <a:t>Demo</a:t>
             </a:r>
           </a:p>
           <a:p>
             <a:r>
-              <a:rPr lang="es-ES" dirty="0" smtClean="0">
-                <a:solidFill>
-                  <a:schemeClr val="tx1">
-                    <a:lumMod val="50000"/>
-                  </a:schemeClr>
-                </a:solidFill>
-              </a:rPr>
+              <a:rPr lang="es-ES" dirty="0" smtClean="0"/>
               <a:t>Pruebas</a:t>
             </a:r>
           </a:p>
           <a:p>
             <a:r>
-              <a:rPr lang="es-ES" dirty="0" smtClean="0">
-                <a:solidFill>
-                  <a:schemeClr val="tx1">
-                    <a:lumMod val="50000"/>
-                  </a:schemeClr>
-                </a:solidFill>
-              </a:rPr>
+              <a:rPr lang="es-ES" dirty="0" smtClean="0"/>
               <a:t>Conclusiones y trabajo futuro</a:t>
             </a:r>
           </a:p>
